--- a/FP.pptx
+++ b/FP.pptx
@@ -127,6 +127,11 @@
       </a:defRPr>
     </a:lvl9pPr>
   </p:defaultTextStyle>
+  <p:extLst>
+    <p:ext uri="{EFAFB233-063F-42B5-8137-9DF3F51BA10A}">
+      <p15:sldGuideLst xmlns:p15="http://schemas.microsoft.com/office/powerpoint/2012/main"/>
+    </p:ext>
+  </p:extLst>
 </p:presentation>
 </file>
 
@@ -563,6 +568,90 @@
 </p:notes>
 </file>
 
+<file path=ppt/notesSlides/notesSlide2.xml><?xml version="1.0" encoding="utf-8"?>
+<p:notes xmlns:a="http://schemas.openxmlformats.org/drawingml/2006/main" xmlns:r="http://schemas.openxmlformats.org/officeDocument/2006/relationships" xmlns:p="http://schemas.openxmlformats.org/presentationml/2006/main">
+  <p:cSld>
+    <p:spTree>
+      <p:nvGrpSpPr>
+        <p:cNvPr id="1" name=""/>
+        <p:cNvGrpSpPr/>
+        <p:nvPr/>
+      </p:nvGrpSpPr>
+      <p:grpSpPr>
+        <a:xfrm>
+          <a:off x="0" y="0"/>
+          <a:ext cx="0" cy="0"/>
+          <a:chOff x="0" y="0"/>
+          <a:chExt cx="0" cy="0"/>
+        </a:xfrm>
+      </p:grpSpPr>
+      <p:sp>
+        <p:nvSpPr>
+          <p:cNvPr id="2" name="Slide Image Placeholder 1"/>
+          <p:cNvSpPr>
+            <a:spLocks noGrp="1" noRot="1" noChangeAspect="1"/>
+          </p:cNvSpPr>
+          <p:nvPr>
+            <p:ph type="sldImg"/>
+          </p:nvPr>
+        </p:nvSpPr>
+        <p:spPr/>
+      </p:sp>
+      <p:sp>
+        <p:nvSpPr>
+          <p:cNvPr id="3" name="Notes Placeholder 2"/>
+          <p:cNvSpPr>
+            <a:spLocks noGrp="1"/>
+          </p:cNvSpPr>
+          <p:nvPr>
+            <p:ph type="body" idx="1"/>
+          </p:nvPr>
+        </p:nvSpPr>
+        <p:spPr/>
+        <p:txBody>
+          <a:bodyPr/>
+          <a:lstStyle/>
+          <a:p>
+            <a:endParaRPr lang="en-US" dirty="0"/>
+          </a:p>
+        </p:txBody>
+      </p:sp>
+      <p:sp>
+        <p:nvSpPr>
+          <p:cNvPr id="4" name="Slide Number Placeholder 3"/>
+          <p:cNvSpPr>
+            <a:spLocks noGrp="1"/>
+          </p:cNvSpPr>
+          <p:nvPr>
+            <p:ph type="sldNum" sz="quarter" idx="5"/>
+          </p:nvPr>
+        </p:nvSpPr>
+        <p:spPr/>
+        <p:txBody>
+          <a:bodyPr/>
+          <a:lstStyle/>
+          <a:p>
+            <a:fld id="{B738C865-FA9D-41B8-96F4-3D1483C4C2FC}" type="slidenum">
+              <a:rPr lang="en-US" smtClean="0"/>
+              <a:t>12</a:t>
+            </a:fld>
+            <a:endParaRPr lang="en-US"/>
+          </a:p>
+        </p:txBody>
+      </p:sp>
+    </p:spTree>
+    <p:extLst>
+      <p:ext uri="{BB962C8B-B14F-4D97-AF65-F5344CB8AC3E}">
+        <p14:creationId xmlns:p14="http://schemas.microsoft.com/office/powerpoint/2010/main" val="876399027"/>
+      </p:ext>
+    </p:extLst>
+  </p:cSld>
+  <p:clrMapOvr>
+    <a:masterClrMapping/>
+  </p:clrMapOvr>
+</p:notes>
+</file>
+
 <file path=ppt/slideLayouts/slideLayout1.xml><?xml version="1.0" encoding="utf-8"?>
 <p:sldLayout xmlns:a="http://schemas.openxmlformats.org/drawingml/2006/main" xmlns:r="http://schemas.openxmlformats.org/officeDocument/2006/relationships" xmlns:p="http://schemas.openxmlformats.org/presentationml/2006/main" showMasterSp="0" type="title" preserve="1">
   <p:cSld name="Title Slide">
@@ -613,7 +702,7 @@
           <a:noFill/>
           <a:extLst>
             <a:ext uri="{909E8E84-426E-40dd-AFC4-6F175D3DCCD1}">
-              <a14:hiddenFill xmlns:a14="http://schemas.microsoft.com/office/drawing/2010/main" xmlns="">
+              <a14:hiddenFill xmlns="" xmlns:a14="http://schemas.microsoft.com/office/drawing/2010/main">
                 <a:solidFill>
                   <a:srgbClr val="FFFFFF"/>
                 </a:solidFill>
@@ -673,7 +762,7 @@
             </a:ln>
             <a:extLst>
               <a:ext uri="{91240B29-F687-4f45-9708-019B960494DF}">
-                <a14:hiddenLine xmlns:a14="http://schemas.microsoft.com/office/drawing/2010/main" xmlns="" w="9525">
+                <a14:hiddenLine xmlns="" xmlns:a14="http://schemas.microsoft.com/office/drawing/2010/main" w="9525">
                   <a:solidFill>
                     <a:srgbClr val="000000"/>
                   </a:solidFill>
@@ -763,7 +852,7 @@
             </a:ln>
             <a:extLst>
               <a:ext uri="{91240B29-F687-4f45-9708-019B960494DF}">
-                <a14:hiddenLine xmlns:a14="http://schemas.microsoft.com/office/drawing/2010/main" xmlns="" w="9525">
+                <a14:hiddenLine xmlns="" xmlns:a14="http://schemas.microsoft.com/office/drawing/2010/main" w="9525">
                   <a:solidFill>
                     <a:srgbClr val="000000"/>
                   </a:solidFill>
@@ -853,7 +942,7 @@
             </a:ln>
             <a:extLst>
               <a:ext uri="{91240B29-F687-4f45-9708-019B960494DF}">
-                <a14:hiddenLine xmlns:a14="http://schemas.microsoft.com/office/drawing/2010/main" xmlns="" w="9525">
+                <a14:hiddenLine xmlns="" xmlns:a14="http://schemas.microsoft.com/office/drawing/2010/main" w="9525">
                   <a:solidFill>
                     <a:srgbClr val="000000"/>
                   </a:solidFill>
@@ -887,7 +976,7 @@
             </a:ln>
             <a:extLst>
               <a:ext uri="{91240B29-F687-4f45-9708-019B960494DF}">
-                <a14:hiddenLine xmlns:a14="http://schemas.microsoft.com/office/drawing/2010/main" xmlns="" w="9525">
+                <a14:hiddenLine xmlns="" xmlns:a14="http://schemas.microsoft.com/office/drawing/2010/main" w="9525">
                   <a:solidFill>
                     <a:srgbClr val="000000"/>
                   </a:solidFill>
@@ -977,7 +1066,7 @@
             </a:ln>
             <a:extLst>
               <a:ext uri="{91240B29-F687-4f45-9708-019B960494DF}">
-                <a14:hiddenLine xmlns:a14="http://schemas.microsoft.com/office/drawing/2010/main" xmlns="" w="9525">
+                <a14:hiddenLine xmlns="" xmlns:a14="http://schemas.microsoft.com/office/drawing/2010/main" w="9525">
                   <a:solidFill>
                     <a:srgbClr val="000000"/>
                   </a:solidFill>
@@ -1039,7 +1128,7 @@
             </a:ln>
             <a:extLst>
               <a:ext uri="{91240B29-F687-4f45-9708-019B960494DF}">
-                <a14:hiddenLine xmlns:a14="http://schemas.microsoft.com/office/drawing/2010/main" xmlns="" w="9525">
+                <a14:hiddenLine xmlns="" xmlns:a14="http://schemas.microsoft.com/office/drawing/2010/main" w="9525">
                   <a:solidFill>
                     <a:srgbClr val="000000"/>
                   </a:solidFill>
@@ -1101,7 +1190,7 @@
             </a:ln>
             <a:extLst>
               <a:ext uri="{91240B29-F687-4f45-9708-019B960494DF}">
-                <a14:hiddenLine xmlns:a14="http://schemas.microsoft.com/office/drawing/2010/main" xmlns="" w="9525">
+                <a14:hiddenLine xmlns="" xmlns:a14="http://schemas.microsoft.com/office/drawing/2010/main" w="9525">
                   <a:solidFill>
                     <a:srgbClr val="000000"/>
                   </a:solidFill>
@@ -1191,7 +1280,7 @@
             </a:ln>
             <a:extLst>
               <a:ext uri="{91240B29-F687-4f45-9708-019B960494DF}">
-                <a14:hiddenLine xmlns:a14="http://schemas.microsoft.com/office/drawing/2010/main" xmlns="" w="9525">
+                <a14:hiddenLine xmlns="" xmlns:a14="http://schemas.microsoft.com/office/drawing/2010/main" w="9525">
                   <a:solidFill>
                     <a:srgbClr val="000000"/>
                   </a:solidFill>
@@ -1253,7 +1342,7 @@
             </a:ln>
             <a:extLst>
               <a:ext uri="{91240B29-F687-4f45-9708-019B960494DF}">
-                <a14:hiddenLine xmlns:a14="http://schemas.microsoft.com/office/drawing/2010/main" xmlns="" w="9525">
+                <a14:hiddenLine xmlns="" xmlns:a14="http://schemas.microsoft.com/office/drawing/2010/main" w="9525">
                   <a:solidFill>
                     <a:srgbClr val="000000"/>
                   </a:solidFill>
@@ -1315,7 +1404,7 @@
             </a:ln>
             <a:extLst>
               <a:ext uri="{91240B29-F687-4f45-9708-019B960494DF}">
-                <a14:hiddenLine xmlns:a14="http://schemas.microsoft.com/office/drawing/2010/main" xmlns="" w="9525">
+                <a14:hiddenLine xmlns="" xmlns:a14="http://schemas.microsoft.com/office/drawing/2010/main" w="9525">
                   <a:solidFill>
                     <a:srgbClr val="000000"/>
                   </a:solidFill>
@@ -1405,7 +1494,7 @@
             </a:ln>
             <a:extLst>
               <a:ext uri="{91240B29-F687-4f45-9708-019B960494DF}">
-                <a14:hiddenLine xmlns:a14="http://schemas.microsoft.com/office/drawing/2010/main" xmlns="" w="9525">
+                <a14:hiddenLine xmlns="" xmlns:a14="http://schemas.microsoft.com/office/drawing/2010/main" w="9525">
                   <a:solidFill>
                     <a:srgbClr val="000000"/>
                   </a:solidFill>
@@ -1495,7 +1584,7 @@
             </a:ln>
             <a:extLst>
               <a:ext uri="{91240B29-F687-4f45-9708-019B960494DF}">
-                <a14:hiddenLine xmlns:a14="http://schemas.microsoft.com/office/drawing/2010/main" xmlns="" w="9525">
+                <a14:hiddenLine xmlns="" xmlns:a14="http://schemas.microsoft.com/office/drawing/2010/main" w="9525">
                   <a:solidFill>
                     <a:srgbClr val="000000"/>
                   </a:solidFill>
@@ -1557,7 +1646,7 @@
             </a:ln>
             <a:extLst>
               <a:ext uri="{91240B29-F687-4f45-9708-019B960494DF}">
-                <a14:hiddenLine xmlns:a14="http://schemas.microsoft.com/office/drawing/2010/main" xmlns="" w="9525">
+                <a14:hiddenLine xmlns="" xmlns:a14="http://schemas.microsoft.com/office/drawing/2010/main" w="9525">
                   <a:solidFill>
                     <a:srgbClr val="000000"/>
                   </a:solidFill>
@@ -1667,7 +1756,7 @@
             </a:ln>
             <a:extLst>
               <a:ext uri="{91240B29-F687-4f45-9708-019B960494DF}">
-                <a14:hiddenLine xmlns:a14="http://schemas.microsoft.com/office/drawing/2010/main" xmlns="" w="9525">
+                <a14:hiddenLine xmlns="" xmlns:a14="http://schemas.microsoft.com/office/drawing/2010/main" w="9525">
                   <a:solidFill>
                     <a:srgbClr val="000000"/>
                   </a:solidFill>
@@ -1729,7 +1818,7 @@
             </a:ln>
             <a:extLst>
               <a:ext uri="{91240B29-F687-4f45-9708-019B960494DF}">
-                <a14:hiddenLine xmlns:a14="http://schemas.microsoft.com/office/drawing/2010/main" xmlns="" w="9525">
+                <a14:hiddenLine xmlns="" xmlns:a14="http://schemas.microsoft.com/office/drawing/2010/main" w="9525">
                   <a:solidFill>
                     <a:srgbClr val="000000"/>
                   </a:solidFill>
@@ -1819,7 +1908,7 @@
             </a:ln>
             <a:extLst>
               <a:ext uri="{91240B29-F687-4f45-9708-019B960494DF}">
-                <a14:hiddenLine xmlns:a14="http://schemas.microsoft.com/office/drawing/2010/main" xmlns="" w="9525">
+                <a14:hiddenLine xmlns="" xmlns:a14="http://schemas.microsoft.com/office/drawing/2010/main" w="9525">
                   <a:solidFill>
                     <a:srgbClr val="000000"/>
                   </a:solidFill>
@@ -1909,7 +1998,7 @@
             </a:ln>
             <a:extLst>
               <a:ext uri="{91240B29-F687-4f45-9708-019B960494DF}">
-                <a14:hiddenLine xmlns:a14="http://schemas.microsoft.com/office/drawing/2010/main" xmlns="" w="9525">
+                <a14:hiddenLine xmlns="" xmlns:a14="http://schemas.microsoft.com/office/drawing/2010/main" w="9525">
                   <a:solidFill>
                     <a:srgbClr val="000000"/>
                   </a:solidFill>
@@ -1971,7 +2060,7 @@
             </a:ln>
             <a:extLst>
               <a:ext uri="{91240B29-F687-4f45-9708-019B960494DF}">
-                <a14:hiddenLine xmlns:a14="http://schemas.microsoft.com/office/drawing/2010/main" xmlns="" w="9525">
+                <a14:hiddenLine xmlns="" xmlns:a14="http://schemas.microsoft.com/office/drawing/2010/main" w="9525">
                   <a:solidFill>
                     <a:srgbClr val="000000"/>
                   </a:solidFill>
@@ -2061,7 +2150,7 @@
             </a:ln>
             <a:extLst>
               <a:ext uri="{91240B29-F687-4f45-9708-019B960494DF}">
-                <a14:hiddenLine xmlns:a14="http://schemas.microsoft.com/office/drawing/2010/main" xmlns="" w="9525">
+                <a14:hiddenLine xmlns="" xmlns:a14="http://schemas.microsoft.com/office/drawing/2010/main" w="9525">
                   <a:solidFill>
                     <a:srgbClr val="000000"/>
                   </a:solidFill>
@@ -2151,7 +2240,7 @@
             </a:ln>
             <a:extLst>
               <a:ext uri="{91240B29-F687-4f45-9708-019B960494DF}">
-                <a14:hiddenLine xmlns:a14="http://schemas.microsoft.com/office/drawing/2010/main" xmlns="" w="9525">
+                <a14:hiddenLine xmlns="" xmlns:a14="http://schemas.microsoft.com/office/drawing/2010/main" w="9525">
                   <a:solidFill>
                     <a:srgbClr val="000000"/>
                   </a:solidFill>
@@ -2207,7 +2296,7 @@
             </a:ln>
             <a:extLst>
               <a:ext uri="{91240B29-F687-4f45-9708-019B960494DF}">
-                <a14:hiddenLine xmlns:a14="http://schemas.microsoft.com/office/drawing/2010/main" xmlns="" w="9525">
+                <a14:hiddenLine xmlns="" xmlns:a14="http://schemas.microsoft.com/office/drawing/2010/main" w="9525">
                   <a:solidFill>
                     <a:srgbClr val="000000"/>
                   </a:solidFill>
@@ -2297,7 +2386,7 @@
             </a:ln>
             <a:extLst>
               <a:ext uri="{91240B29-F687-4f45-9708-019B960494DF}">
-                <a14:hiddenLine xmlns:a14="http://schemas.microsoft.com/office/drawing/2010/main" xmlns="" w="9525">
+                <a14:hiddenLine xmlns="" xmlns:a14="http://schemas.microsoft.com/office/drawing/2010/main" w="9525">
                   <a:solidFill>
                     <a:srgbClr val="000000"/>
                   </a:solidFill>
@@ -2353,7 +2442,7 @@
             </a:ln>
             <a:extLst>
               <a:ext uri="{91240B29-F687-4f45-9708-019B960494DF}">
-                <a14:hiddenLine xmlns:a14="http://schemas.microsoft.com/office/drawing/2010/main" xmlns="" w="9525">
+                <a14:hiddenLine xmlns="" xmlns:a14="http://schemas.microsoft.com/office/drawing/2010/main" w="9525">
                   <a:solidFill>
                     <a:srgbClr val="000000"/>
                   </a:solidFill>
@@ -2443,7 +2532,7 @@
             </a:ln>
             <a:extLst>
               <a:ext uri="{91240B29-F687-4f45-9708-019B960494DF}">
-                <a14:hiddenLine xmlns:a14="http://schemas.microsoft.com/office/drawing/2010/main" xmlns="" w="9525">
+                <a14:hiddenLine xmlns="" xmlns:a14="http://schemas.microsoft.com/office/drawing/2010/main" w="9525">
                   <a:solidFill>
                     <a:srgbClr val="000000"/>
                   </a:solidFill>
@@ -2511,7 +2600,7 @@
             </a:ln>
             <a:extLst>
               <a:ext uri="{91240B29-F687-4f45-9708-019B960494DF}">
-                <a14:hiddenLine xmlns:a14="http://schemas.microsoft.com/office/drawing/2010/main" xmlns="" w="9525">
+                <a14:hiddenLine xmlns="" xmlns:a14="http://schemas.microsoft.com/office/drawing/2010/main" w="9525">
                   <a:solidFill>
                     <a:srgbClr val="000000"/>
                   </a:solidFill>
@@ -2601,7 +2690,7 @@
             </a:ln>
             <a:extLst>
               <a:ext uri="{91240B29-F687-4f45-9708-019B960494DF}">
-                <a14:hiddenLine xmlns:a14="http://schemas.microsoft.com/office/drawing/2010/main" xmlns="" w="9525">
+                <a14:hiddenLine xmlns="" xmlns:a14="http://schemas.microsoft.com/office/drawing/2010/main" w="9525">
                   <a:solidFill>
                     <a:srgbClr val="000000"/>
                   </a:solidFill>
@@ -2669,7 +2758,7 @@
             </a:ln>
             <a:extLst>
               <a:ext uri="{91240B29-F687-4f45-9708-019B960494DF}">
-                <a14:hiddenLine xmlns:a14="http://schemas.microsoft.com/office/drawing/2010/main" xmlns="" w="9525">
+                <a14:hiddenLine xmlns="" xmlns:a14="http://schemas.microsoft.com/office/drawing/2010/main" w="9525">
                   <a:solidFill>
                     <a:srgbClr val="000000"/>
                   </a:solidFill>
@@ -2759,7 +2848,7 @@
             </a:ln>
             <a:extLst>
               <a:ext uri="{91240B29-F687-4f45-9708-019B960494DF}">
-                <a14:hiddenLine xmlns:a14="http://schemas.microsoft.com/office/drawing/2010/main" xmlns="" w="9525">
+                <a14:hiddenLine xmlns="" xmlns:a14="http://schemas.microsoft.com/office/drawing/2010/main" w="9525">
                   <a:solidFill>
                     <a:srgbClr val="000000"/>
                   </a:solidFill>
@@ -2793,7 +2882,7 @@
             </a:ln>
             <a:extLst>
               <a:ext uri="{91240B29-F687-4f45-9708-019B960494DF}">
-                <a14:hiddenLine xmlns:a14="http://schemas.microsoft.com/office/drawing/2010/main" xmlns="" w="9525">
+                <a14:hiddenLine xmlns="" xmlns:a14="http://schemas.microsoft.com/office/drawing/2010/main" w="9525">
                   <a:solidFill>
                     <a:srgbClr val="000000"/>
                   </a:solidFill>
@@ -2883,7 +2972,7 @@
             </a:ln>
             <a:extLst>
               <a:ext uri="{91240B29-F687-4f45-9708-019B960494DF}">
-                <a14:hiddenLine xmlns:a14="http://schemas.microsoft.com/office/drawing/2010/main" xmlns="" w="9525">
+                <a14:hiddenLine xmlns="" xmlns:a14="http://schemas.microsoft.com/office/drawing/2010/main" w="9525">
                   <a:solidFill>
                     <a:srgbClr val="000000"/>
                   </a:solidFill>
@@ -2945,7 +3034,7 @@
             </a:ln>
             <a:extLst>
               <a:ext uri="{91240B29-F687-4f45-9708-019B960494DF}">
-                <a14:hiddenLine xmlns:a14="http://schemas.microsoft.com/office/drawing/2010/main" xmlns="" w="9525">
+                <a14:hiddenLine xmlns="" xmlns:a14="http://schemas.microsoft.com/office/drawing/2010/main" w="9525">
                   <a:solidFill>
                     <a:srgbClr val="000000"/>
                   </a:solidFill>
@@ -3007,7 +3096,7 @@
             </a:ln>
             <a:extLst>
               <a:ext uri="{91240B29-F687-4f45-9708-019B960494DF}">
-                <a14:hiddenLine xmlns:a14="http://schemas.microsoft.com/office/drawing/2010/main" xmlns="" w="9525">
+                <a14:hiddenLine xmlns="" xmlns:a14="http://schemas.microsoft.com/office/drawing/2010/main" w="9525">
                   <a:solidFill>
                     <a:srgbClr val="000000"/>
                   </a:solidFill>
@@ -3097,7 +3186,7 @@
             </a:ln>
             <a:extLst>
               <a:ext uri="{91240B29-F687-4f45-9708-019B960494DF}">
-                <a14:hiddenLine xmlns:a14="http://schemas.microsoft.com/office/drawing/2010/main" xmlns="" w="9525">
+                <a14:hiddenLine xmlns="" xmlns:a14="http://schemas.microsoft.com/office/drawing/2010/main" w="9525">
                   <a:solidFill>
                     <a:srgbClr val="000000"/>
                   </a:solidFill>
@@ -3165,7 +3254,7 @@
             </a:ln>
             <a:extLst>
               <a:ext uri="{91240B29-F687-4f45-9708-019B960494DF}">
-                <a14:hiddenLine xmlns:a14="http://schemas.microsoft.com/office/drawing/2010/main" xmlns="" w="9525">
+                <a14:hiddenLine xmlns="" xmlns:a14="http://schemas.microsoft.com/office/drawing/2010/main" w="9525">
                   <a:solidFill>
                     <a:srgbClr val="000000"/>
                   </a:solidFill>
@@ -3227,7 +3316,7 @@
             </a:ln>
             <a:extLst>
               <a:ext uri="{91240B29-F687-4f45-9708-019B960494DF}">
-                <a14:hiddenLine xmlns:a14="http://schemas.microsoft.com/office/drawing/2010/main" xmlns="" w="9525">
+                <a14:hiddenLine xmlns="" xmlns:a14="http://schemas.microsoft.com/office/drawing/2010/main" w="9525">
                   <a:solidFill>
                     <a:srgbClr val="000000"/>
                   </a:solidFill>
@@ -3317,7 +3406,7 @@
             </a:ln>
             <a:extLst>
               <a:ext uri="{91240B29-F687-4f45-9708-019B960494DF}">
-                <a14:hiddenLine xmlns:a14="http://schemas.microsoft.com/office/drawing/2010/main" xmlns="" w="9525">
+                <a14:hiddenLine xmlns="" xmlns:a14="http://schemas.microsoft.com/office/drawing/2010/main" w="9525">
                   <a:solidFill>
                     <a:srgbClr val="000000"/>
                   </a:solidFill>
@@ -3379,7 +3468,7 @@
             </a:ln>
             <a:extLst>
               <a:ext uri="{91240B29-F687-4f45-9708-019B960494DF}">
-                <a14:hiddenLine xmlns:a14="http://schemas.microsoft.com/office/drawing/2010/main" xmlns="" w="9525">
+                <a14:hiddenLine xmlns="" xmlns:a14="http://schemas.microsoft.com/office/drawing/2010/main" w="9525">
                   <a:solidFill>
                     <a:srgbClr val="000000"/>
                   </a:solidFill>
@@ -3469,7 +3558,7 @@
             </a:ln>
             <a:extLst>
               <a:ext uri="{91240B29-F687-4f45-9708-019B960494DF}">
-                <a14:hiddenLine xmlns:a14="http://schemas.microsoft.com/office/drawing/2010/main" xmlns="" w="9525">
+                <a14:hiddenLine xmlns="" xmlns:a14="http://schemas.microsoft.com/office/drawing/2010/main" w="9525">
                   <a:solidFill>
                     <a:srgbClr val="000000"/>
                   </a:solidFill>
@@ -3531,7 +3620,7 @@
             </a:ln>
             <a:extLst>
               <a:ext uri="{91240B29-F687-4f45-9708-019B960494DF}">
-                <a14:hiddenLine xmlns:a14="http://schemas.microsoft.com/office/drawing/2010/main" xmlns="" w="9525">
+                <a14:hiddenLine xmlns="" xmlns:a14="http://schemas.microsoft.com/office/drawing/2010/main" w="9525">
                   <a:solidFill>
                     <a:srgbClr val="000000"/>
                   </a:solidFill>
@@ -3621,7 +3710,7 @@
             </a:ln>
             <a:extLst>
               <a:ext uri="{91240B29-F687-4f45-9708-019B960494DF}">
-                <a14:hiddenLine xmlns:a14="http://schemas.microsoft.com/office/drawing/2010/main" xmlns="" w="9525">
+                <a14:hiddenLine xmlns="" xmlns:a14="http://schemas.microsoft.com/office/drawing/2010/main" w="9525">
                   <a:solidFill>
                     <a:srgbClr val="000000"/>
                   </a:solidFill>
@@ -3655,7 +3744,7 @@
             </a:ln>
             <a:extLst>
               <a:ext uri="{91240B29-F687-4f45-9708-019B960494DF}">
-                <a14:hiddenLine xmlns:a14="http://schemas.microsoft.com/office/drawing/2010/main" xmlns="" w="9525">
+                <a14:hiddenLine xmlns="" xmlns:a14="http://schemas.microsoft.com/office/drawing/2010/main" w="9525">
                   <a:solidFill>
                     <a:srgbClr val="000000"/>
                   </a:solidFill>
@@ -3720,7 +3809,7 @@
             </a:ln>
             <a:extLst>
               <a:ext uri="{91240B29-F687-4f45-9708-019B960494DF}">
-                <a14:hiddenLine xmlns:a14="http://schemas.microsoft.com/office/drawing/2010/main" xmlns="" w="9525">
+                <a14:hiddenLine xmlns="" xmlns:a14="http://schemas.microsoft.com/office/drawing/2010/main" w="9525">
                   <a:solidFill>
                     <a:srgbClr val="000000"/>
                   </a:solidFill>
@@ -3810,7 +3899,7 @@
             </a:ln>
             <a:extLst>
               <a:ext uri="{91240B29-F687-4f45-9708-019B960494DF}">
-                <a14:hiddenLine xmlns:a14="http://schemas.microsoft.com/office/drawing/2010/main" xmlns="" w="9525">
+                <a14:hiddenLine xmlns="" xmlns:a14="http://schemas.microsoft.com/office/drawing/2010/main" w="9525">
                   <a:solidFill>
                     <a:srgbClr val="000000"/>
                   </a:solidFill>
@@ -3872,7 +3961,7 @@
             </a:ln>
             <a:extLst>
               <a:ext uri="{91240B29-F687-4f45-9708-019B960494DF}">
-                <a14:hiddenLine xmlns:a14="http://schemas.microsoft.com/office/drawing/2010/main" xmlns="" w="9525">
+                <a14:hiddenLine xmlns="" xmlns:a14="http://schemas.microsoft.com/office/drawing/2010/main" w="9525">
                   <a:solidFill>
                     <a:srgbClr val="000000"/>
                   </a:solidFill>
@@ -3962,7 +4051,7 @@
             </a:ln>
             <a:extLst>
               <a:ext uri="{91240B29-F687-4f45-9708-019B960494DF}">
-                <a14:hiddenLine xmlns:a14="http://schemas.microsoft.com/office/drawing/2010/main" xmlns="" w="9525">
+                <a14:hiddenLine xmlns="" xmlns:a14="http://schemas.microsoft.com/office/drawing/2010/main" w="9525">
                   <a:solidFill>
                     <a:srgbClr val="000000"/>
                   </a:solidFill>
@@ -4052,7 +4141,7 @@
             </a:ln>
             <a:extLst>
               <a:ext uri="{91240B29-F687-4f45-9708-019B960494DF}">
-                <a14:hiddenLine xmlns:a14="http://schemas.microsoft.com/office/drawing/2010/main" xmlns="" w="9525">
+                <a14:hiddenLine xmlns="" xmlns:a14="http://schemas.microsoft.com/office/drawing/2010/main" w="9525">
                   <a:solidFill>
                     <a:srgbClr val="000000"/>
                   </a:solidFill>
@@ -4117,7 +4206,7 @@
             </a:ln>
             <a:extLst>
               <a:ext uri="{91240B29-F687-4f45-9708-019B960494DF}">
-                <a14:hiddenLine xmlns:a14="http://schemas.microsoft.com/office/drawing/2010/main" xmlns="" w="9525">
+                <a14:hiddenLine xmlns="" xmlns:a14="http://schemas.microsoft.com/office/drawing/2010/main" w="9525">
                   <a:solidFill>
                     <a:srgbClr val="000000"/>
                   </a:solidFill>
@@ -4179,7 +4268,7 @@
             </a:ln>
             <a:extLst>
               <a:ext uri="{91240B29-F687-4f45-9708-019B960494DF}">
-                <a14:hiddenLine xmlns:a14="http://schemas.microsoft.com/office/drawing/2010/main" xmlns="" w="9525">
+                <a14:hiddenLine xmlns="" xmlns:a14="http://schemas.microsoft.com/office/drawing/2010/main" w="9525">
                   <a:solidFill>
                     <a:srgbClr val="000000"/>
                   </a:solidFill>
@@ -4269,7 +4358,7 @@
             </a:ln>
             <a:extLst>
               <a:ext uri="{91240B29-F687-4f45-9708-019B960494DF}">
-                <a14:hiddenLine xmlns:a14="http://schemas.microsoft.com/office/drawing/2010/main" xmlns="" w="9525">
+                <a14:hiddenLine xmlns="" xmlns:a14="http://schemas.microsoft.com/office/drawing/2010/main" w="9525">
                   <a:solidFill>
                     <a:srgbClr val="000000"/>
                   </a:solidFill>
@@ -4359,7 +4448,7 @@
             </a:ln>
             <a:extLst>
               <a:ext uri="{91240B29-F687-4f45-9708-019B960494DF}">
-                <a14:hiddenLine xmlns:a14="http://schemas.microsoft.com/office/drawing/2010/main" xmlns="" w="9525">
+                <a14:hiddenLine xmlns="" xmlns:a14="http://schemas.microsoft.com/office/drawing/2010/main" w="9525">
                   <a:solidFill>
                     <a:srgbClr val="000000"/>
                   </a:solidFill>
@@ -4421,7 +4510,7 @@
             </a:ln>
             <a:extLst>
               <a:ext uri="{91240B29-F687-4f45-9708-019B960494DF}">
-                <a14:hiddenLine xmlns:a14="http://schemas.microsoft.com/office/drawing/2010/main" xmlns="" w="9525">
+                <a14:hiddenLine xmlns="" xmlns:a14="http://schemas.microsoft.com/office/drawing/2010/main" w="9525">
                   <a:solidFill>
                     <a:srgbClr val="000000"/>
                   </a:solidFill>
@@ -4541,7 +4630,7 @@
             </a:ln>
             <a:extLst>
               <a:ext uri="{91240B29-F687-4f45-9708-019B960494DF}">
-                <a14:hiddenLine xmlns:a14="http://schemas.microsoft.com/office/drawing/2010/main" xmlns="" w="9525">
+                <a14:hiddenLine xmlns="" xmlns:a14="http://schemas.microsoft.com/office/drawing/2010/main" w="9525">
                   <a:solidFill>
                     <a:srgbClr val="000000"/>
                   </a:solidFill>
@@ -4609,7 +4698,7 @@
             </a:ln>
             <a:extLst>
               <a:ext uri="{91240B29-F687-4f45-9708-019B960494DF}">
-                <a14:hiddenLine xmlns:a14="http://schemas.microsoft.com/office/drawing/2010/main" xmlns="" w="9525">
+                <a14:hiddenLine xmlns="" xmlns:a14="http://schemas.microsoft.com/office/drawing/2010/main" w="9525">
                   <a:solidFill>
                     <a:srgbClr val="000000"/>
                   </a:solidFill>
@@ -4699,7 +4788,7 @@
             </a:ln>
             <a:extLst>
               <a:ext uri="{91240B29-F687-4f45-9708-019B960494DF}">
-                <a14:hiddenLine xmlns:a14="http://schemas.microsoft.com/office/drawing/2010/main" xmlns="" w="9525">
+                <a14:hiddenLine xmlns="" xmlns:a14="http://schemas.microsoft.com/office/drawing/2010/main" w="9525">
                   <a:solidFill>
                     <a:srgbClr val="000000"/>
                   </a:solidFill>
@@ -9506,7 +9595,7 @@
           <a:noFill/>
           <a:extLst>
             <a:ext uri="{909E8E84-426E-40dd-AFC4-6F175D3DCCD1}">
-              <a14:hiddenFill xmlns:a14="http://schemas.microsoft.com/office/drawing/2010/main" xmlns="">
+              <a14:hiddenFill xmlns="" xmlns:a14="http://schemas.microsoft.com/office/drawing/2010/main">
                 <a:solidFill>
                   <a:srgbClr val="FFFFFF"/>
                 </a:solidFill>
@@ -9580,7 +9669,7 @@
               </a:ln>
               <a:extLst>
                 <a:ext uri="{91240B29-F687-4f45-9708-019B960494DF}">
-                  <a14:hiddenLine xmlns:a14="http://schemas.microsoft.com/office/drawing/2010/main" xmlns="" w="9525">
+                  <a14:hiddenLine xmlns="" xmlns:a14="http://schemas.microsoft.com/office/drawing/2010/main" w="9525">
                     <a:solidFill>
                       <a:srgbClr val="000000"/>
                     </a:solidFill>
@@ -9670,7 +9759,7 @@
               </a:ln>
               <a:extLst>
                 <a:ext uri="{91240B29-F687-4f45-9708-019B960494DF}">
-                  <a14:hiddenLine xmlns:a14="http://schemas.microsoft.com/office/drawing/2010/main" xmlns="" w="9525">
+                  <a14:hiddenLine xmlns="" xmlns:a14="http://schemas.microsoft.com/office/drawing/2010/main" w="9525">
                     <a:solidFill>
                       <a:srgbClr val="000000"/>
                     </a:solidFill>
@@ -9760,7 +9849,7 @@
               </a:ln>
               <a:extLst>
                 <a:ext uri="{91240B29-F687-4f45-9708-019B960494DF}">
-                  <a14:hiddenLine xmlns:a14="http://schemas.microsoft.com/office/drawing/2010/main" xmlns="" w="9525">
+                  <a14:hiddenLine xmlns="" xmlns:a14="http://schemas.microsoft.com/office/drawing/2010/main" w="9525">
                     <a:solidFill>
                       <a:srgbClr val="000000"/>
                     </a:solidFill>
@@ -9822,7 +9911,7 @@
               </a:ln>
               <a:extLst>
                 <a:ext uri="{91240B29-F687-4f45-9708-019B960494DF}">
-                  <a14:hiddenLine xmlns:a14="http://schemas.microsoft.com/office/drawing/2010/main" xmlns="" w="9525">
+                  <a14:hiddenLine xmlns="" xmlns:a14="http://schemas.microsoft.com/office/drawing/2010/main" w="9525">
                     <a:solidFill>
                       <a:srgbClr val="000000"/>
                     </a:solidFill>
@@ -9912,7 +10001,7 @@
               </a:ln>
               <a:extLst>
                 <a:ext uri="{91240B29-F687-4f45-9708-019B960494DF}">
-                  <a14:hiddenLine xmlns:a14="http://schemas.microsoft.com/office/drawing/2010/main" xmlns="" w="9525">
+                  <a14:hiddenLine xmlns="" xmlns:a14="http://schemas.microsoft.com/office/drawing/2010/main" w="9525">
                     <a:solidFill>
                       <a:srgbClr val="000000"/>
                     </a:solidFill>
@@ -9974,7 +10063,7 @@
               </a:ln>
               <a:extLst>
                 <a:ext uri="{91240B29-F687-4f45-9708-019B960494DF}">
-                  <a14:hiddenLine xmlns:a14="http://schemas.microsoft.com/office/drawing/2010/main" xmlns="" w="9525">
+                  <a14:hiddenLine xmlns="" xmlns:a14="http://schemas.microsoft.com/office/drawing/2010/main" w="9525">
                     <a:solidFill>
                       <a:srgbClr val="000000"/>
                     </a:solidFill>
@@ -10036,7 +10125,7 @@
               </a:ln>
               <a:extLst>
                 <a:ext uri="{91240B29-F687-4f45-9708-019B960494DF}">
-                  <a14:hiddenLine xmlns:a14="http://schemas.microsoft.com/office/drawing/2010/main" xmlns="" w="9525">
+                  <a14:hiddenLine xmlns="" xmlns:a14="http://schemas.microsoft.com/office/drawing/2010/main" w="9525">
                     <a:solidFill>
                       <a:srgbClr val="000000"/>
                     </a:solidFill>
@@ -10126,7 +10215,7 @@
               </a:ln>
               <a:extLst>
                 <a:ext uri="{91240B29-F687-4f45-9708-019B960494DF}">
-                  <a14:hiddenLine xmlns:a14="http://schemas.microsoft.com/office/drawing/2010/main" xmlns="" w="9525">
+                  <a14:hiddenLine xmlns="" xmlns:a14="http://schemas.microsoft.com/office/drawing/2010/main" w="9525">
                     <a:solidFill>
                       <a:srgbClr val="000000"/>
                     </a:solidFill>
@@ -10216,7 +10305,7 @@
               </a:ln>
               <a:extLst>
                 <a:ext uri="{91240B29-F687-4f45-9708-019B960494DF}">
-                  <a14:hiddenLine xmlns:a14="http://schemas.microsoft.com/office/drawing/2010/main" xmlns="" w="9525">
+                  <a14:hiddenLine xmlns="" xmlns:a14="http://schemas.microsoft.com/office/drawing/2010/main" w="9525">
                     <a:solidFill>
                       <a:srgbClr val="000000"/>
                     </a:solidFill>
@@ -10278,7 +10367,7 @@
               </a:ln>
               <a:extLst>
                 <a:ext uri="{91240B29-F687-4f45-9708-019B960494DF}">
-                  <a14:hiddenLine xmlns:a14="http://schemas.microsoft.com/office/drawing/2010/main" xmlns="" w="9525">
+                  <a14:hiddenLine xmlns="" xmlns:a14="http://schemas.microsoft.com/office/drawing/2010/main" w="9525">
                     <a:solidFill>
                       <a:srgbClr val="000000"/>
                     </a:solidFill>
@@ -10388,7 +10477,7 @@
               </a:ln>
               <a:extLst>
                 <a:ext uri="{91240B29-F687-4f45-9708-019B960494DF}">
-                  <a14:hiddenLine xmlns:a14="http://schemas.microsoft.com/office/drawing/2010/main" xmlns="" w="9525">
+                  <a14:hiddenLine xmlns="" xmlns:a14="http://schemas.microsoft.com/office/drawing/2010/main" w="9525">
                     <a:solidFill>
                       <a:srgbClr val="000000"/>
                     </a:solidFill>
@@ -10472,7 +10561,7 @@
               </a:ln>
               <a:extLst>
                 <a:ext uri="{91240B29-F687-4f45-9708-019B960494DF}">
-                  <a14:hiddenLine xmlns:a14="http://schemas.microsoft.com/office/drawing/2010/main" xmlns="" w="9525">
+                  <a14:hiddenLine xmlns="" xmlns:a14="http://schemas.microsoft.com/office/drawing/2010/main" w="9525">
                     <a:solidFill>
                       <a:srgbClr val="000000"/>
                     </a:solidFill>
@@ -10534,7 +10623,7 @@
               </a:ln>
               <a:extLst>
                 <a:ext uri="{91240B29-F687-4f45-9708-019B960494DF}">
-                  <a14:hiddenLine xmlns:a14="http://schemas.microsoft.com/office/drawing/2010/main" xmlns="" w="9525">
+                  <a14:hiddenLine xmlns="" xmlns:a14="http://schemas.microsoft.com/office/drawing/2010/main" w="9525">
                     <a:solidFill>
                       <a:srgbClr val="000000"/>
                     </a:solidFill>
@@ -10596,7 +10685,7 @@
               </a:ln>
               <a:extLst>
                 <a:ext uri="{91240B29-F687-4f45-9708-019B960494DF}">
-                  <a14:hiddenLine xmlns:a14="http://schemas.microsoft.com/office/drawing/2010/main" xmlns="" w="9525">
+                  <a14:hiddenLine xmlns="" xmlns:a14="http://schemas.microsoft.com/office/drawing/2010/main" w="9525">
                     <a:solidFill>
                       <a:srgbClr val="000000"/>
                     </a:solidFill>
@@ -10686,7 +10775,7 @@
               </a:ln>
               <a:extLst>
                 <a:ext uri="{91240B29-F687-4f45-9708-019B960494DF}">
-                  <a14:hiddenLine xmlns:a14="http://schemas.microsoft.com/office/drawing/2010/main" xmlns="" w="9525">
+                  <a14:hiddenLine xmlns="" xmlns:a14="http://schemas.microsoft.com/office/drawing/2010/main" w="9525">
                     <a:solidFill>
                       <a:srgbClr val="000000"/>
                     </a:solidFill>
@@ -10720,7 +10809,7 @@
               </a:ln>
               <a:extLst>
                 <a:ext uri="{91240B29-F687-4f45-9708-019B960494DF}">
-                  <a14:hiddenLine xmlns:a14="http://schemas.microsoft.com/office/drawing/2010/main" xmlns="" w="9525">
+                  <a14:hiddenLine xmlns="" xmlns:a14="http://schemas.microsoft.com/office/drawing/2010/main" w="9525">
                     <a:solidFill>
                       <a:srgbClr val="000000"/>
                     </a:solidFill>
@@ -10785,7 +10874,7 @@
               </a:ln>
               <a:extLst>
                 <a:ext uri="{91240B29-F687-4f45-9708-019B960494DF}">
-                  <a14:hiddenLine xmlns:a14="http://schemas.microsoft.com/office/drawing/2010/main" xmlns="" w="9525">
+                  <a14:hiddenLine xmlns="" xmlns:a14="http://schemas.microsoft.com/office/drawing/2010/main" w="9525">
                     <a:solidFill>
                       <a:srgbClr val="000000"/>
                     </a:solidFill>
@@ -10875,7 +10964,7 @@
               </a:ln>
               <a:extLst>
                 <a:ext uri="{91240B29-F687-4f45-9708-019B960494DF}">
-                  <a14:hiddenLine xmlns:a14="http://schemas.microsoft.com/office/drawing/2010/main" xmlns="" w="9525">
+                  <a14:hiddenLine xmlns="" xmlns:a14="http://schemas.microsoft.com/office/drawing/2010/main" w="9525">
                     <a:solidFill>
                       <a:srgbClr val="000000"/>
                     </a:solidFill>
@@ -10937,7 +11026,7 @@
               </a:ln>
               <a:extLst>
                 <a:ext uri="{91240B29-F687-4f45-9708-019B960494DF}">
-                  <a14:hiddenLine xmlns:a14="http://schemas.microsoft.com/office/drawing/2010/main" xmlns="" w="9525">
+                  <a14:hiddenLine xmlns="" xmlns:a14="http://schemas.microsoft.com/office/drawing/2010/main" w="9525">
                     <a:solidFill>
                       <a:srgbClr val="000000"/>
                     </a:solidFill>
@@ -11027,7 +11116,7 @@
               </a:ln>
               <a:extLst>
                 <a:ext uri="{91240B29-F687-4f45-9708-019B960494DF}">
-                  <a14:hiddenLine xmlns:a14="http://schemas.microsoft.com/office/drawing/2010/main" xmlns="" w="9525">
+                  <a14:hiddenLine xmlns="" xmlns:a14="http://schemas.microsoft.com/office/drawing/2010/main" w="9525">
                     <a:solidFill>
                       <a:srgbClr val="000000"/>
                     </a:solidFill>
@@ -11092,7 +11181,7 @@
               </a:ln>
               <a:extLst>
                 <a:ext uri="{91240B29-F687-4f45-9708-019B960494DF}">
-                  <a14:hiddenLine xmlns:a14="http://schemas.microsoft.com/office/drawing/2010/main" xmlns="" w="9525">
+                  <a14:hiddenLine xmlns="" xmlns:a14="http://schemas.microsoft.com/office/drawing/2010/main" w="9525">
                     <a:solidFill>
                       <a:srgbClr val="000000"/>
                     </a:solidFill>
@@ -11154,7 +11243,7 @@
               </a:ln>
               <a:extLst>
                 <a:ext uri="{91240B29-F687-4f45-9708-019B960494DF}">
-                  <a14:hiddenLine xmlns:a14="http://schemas.microsoft.com/office/drawing/2010/main" xmlns="" w="9525">
+                  <a14:hiddenLine xmlns="" xmlns:a14="http://schemas.microsoft.com/office/drawing/2010/main" w="9525">
                     <a:solidFill>
                       <a:srgbClr val="000000"/>
                     </a:solidFill>
@@ -11244,7 +11333,7 @@
               </a:ln>
               <a:extLst>
                 <a:ext uri="{91240B29-F687-4f45-9708-019B960494DF}">
-                  <a14:hiddenLine xmlns:a14="http://schemas.microsoft.com/office/drawing/2010/main" xmlns="" w="9525">
+                  <a14:hiddenLine xmlns="" xmlns:a14="http://schemas.microsoft.com/office/drawing/2010/main" w="9525">
                     <a:solidFill>
                       <a:srgbClr val="000000"/>
                     </a:solidFill>
@@ -11334,7 +11423,7 @@
               </a:ln>
               <a:extLst>
                 <a:ext uri="{91240B29-F687-4f45-9708-019B960494DF}">
-                  <a14:hiddenLine xmlns:a14="http://schemas.microsoft.com/office/drawing/2010/main" xmlns="" w="9525">
+                  <a14:hiddenLine xmlns="" xmlns:a14="http://schemas.microsoft.com/office/drawing/2010/main" w="9525">
                     <a:solidFill>
                       <a:srgbClr val="000000"/>
                     </a:solidFill>
@@ -11399,7 +11488,7 @@
               </a:ln>
               <a:extLst>
                 <a:ext uri="{91240B29-F687-4f45-9708-019B960494DF}">
-                  <a14:hiddenLine xmlns:a14="http://schemas.microsoft.com/office/drawing/2010/main" xmlns="" w="9525">
+                  <a14:hiddenLine xmlns="" xmlns:a14="http://schemas.microsoft.com/office/drawing/2010/main" w="9525">
                     <a:solidFill>
                       <a:srgbClr val="000000"/>
                     </a:solidFill>
@@ -11519,7 +11608,7 @@
               </a:ln>
               <a:extLst>
                 <a:ext uri="{91240B29-F687-4f45-9708-019B960494DF}">
-                  <a14:hiddenLine xmlns:a14="http://schemas.microsoft.com/office/drawing/2010/main" xmlns="" w="9525">
+                  <a14:hiddenLine xmlns="" xmlns:a14="http://schemas.microsoft.com/office/drawing/2010/main" w="9525">
                     <a:solidFill>
                       <a:srgbClr val="000000"/>
                     </a:solidFill>
@@ -11617,7 +11706,7 @@
               </a:ln>
               <a:extLst>
                 <a:ext uri="{91240B29-F687-4f45-9708-019B960494DF}">
-                  <a14:hiddenLine xmlns:a14="http://schemas.microsoft.com/office/drawing/2010/main" xmlns="" w="9525">
+                  <a14:hiddenLine xmlns="" xmlns:a14="http://schemas.microsoft.com/office/drawing/2010/main" w="9525">
                     <a:solidFill>
                       <a:srgbClr val="000000"/>
                     </a:solidFill>
@@ -11732,7 +11821,7 @@
               </a:ln>
               <a:extLst>
                 <a:ext uri="{91240B29-F687-4f45-9708-019B960494DF}">
-                  <a14:hiddenLine xmlns:a14="http://schemas.microsoft.com/office/drawing/2010/main" xmlns="" w="9525">
+                  <a14:hiddenLine xmlns="" xmlns:a14="http://schemas.microsoft.com/office/drawing/2010/main" w="9525">
                     <a:solidFill>
                       <a:srgbClr val="000000"/>
                     </a:solidFill>
@@ -11822,7 +11911,7 @@
               </a:ln>
               <a:extLst>
                 <a:ext uri="{91240B29-F687-4f45-9708-019B960494DF}">
-                  <a14:hiddenLine xmlns:a14="http://schemas.microsoft.com/office/drawing/2010/main" xmlns="" w="9525">
+                  <a14:hiddenLine xmlns="" xmlns:a14="http://schemas.microsoft.com/office/drawing/2010/main" w="9525">
                     <a:solidFill>
                       <a:srgbClr val="000000"/>
                     </a:solidFill>
@@ -11887,7 +11976,7 @@
               </a:ln>
               <a:extLst>
                 <a:ext uri="{91240B29-F687-4f45-9708-019B960494DF}">
-                  <a14:hiddenLine xmlns:a14="http://schemas.microsoft.com/office/drawing/2010/main" xmlns="" w="9525">
+                  <a14:hiddenLine xmlns="" xmlns:a14="http://schemas.microsoft.com/office/drawing/2010/main" w="9525">
                     <a:solidFill>
                       <a:srgbClr val="000000"/>
                     </a:solidFill>
@@ -11977,7 +12066,7 @@
               </a:ln>
               <a:extLst>
                 <a:ext uri="{91240B29-F687-4f45-9708-019B960494DF}">
-                  <a14:hiddenLine xmlns:a14="http://schemas.microsoft.com/office/drawing/2010/main" xmlns="" w="9525">
+                  <a14:hiddenLine xmlns="" xmlns:a14="http://schemas.microsoft.com/office/drawing/2010/main" w="9525">
                     <a:solidFill>
                       <a:srgbClr val="000000"/>
                     </a:solidFill>
@@ -12045,7 +12134,7 @@
               </a:ln>
               <a:extLst>
                 <a:ext uri="{91240B29-F687-4f45-9708-019B960494DF}">
-                  <a14:hiddenLine xmlns:a14="http://schemas.microsoft.com/office/drawing/2010/main" xmlns="" w="9525">
+                  <a14:hiddenLine xmlns="" xmlns:a14="http://schemas.microsoft.com/office/drawing/2010/main" w="9525">
                     <a:solidFill>
                       <a:srgbClr val="000000"/>
                     </a:solidFill>
@@ -12135,7 +12224,7 @@
               </a:ln>
               <a:extLst>
                 <a:ext uri="{91240B29-F687-4f45-9708-019B960494DF}">
-                  <a14:hiddenLine xmlns:a14="http://schemas.microsoft.com/office/drawing/2010/main" xmlns="" w="9525">
+                  <a14:hiddenLine xmlns="" xmlns:a14="http://schemas.microsoft.com/office/drawing/2010/main" w="9525">
                     <a:solidFill>
                       <a:srgbClr val="000000"/>
                     </a:solidFill>
@@ -12203,7 +12292,7 @@
               </a:ln>
               <a:extLst>
                 <a:ext uri="{91240B29-F687-4f45-9708-019B960494DF}">
-                  <a14:hiddenLine xmlns:a14="http://schemas.microsoft.com/office/drawing/2010/main" xmlns="" w="9525">
+                  <a14:hiddenLine xmlns="" xmlns:a14="http://schemas.microsoft.com/office/drawing/2010/main" w="9525">
                     <a:solidFill>
                       <a:srgbClr val="000000"/>
                     </a:solidFill>
@@ -12293,7 +12382,7 @@
               </a:ln>
               <a:extLst>
                 <a:ext uri="{91240B29-F687-4f45-9708-019B960494DF}">
-                  <a14:hiddenLine xmlns:a14="http://schemas.microsoft.com/office/drawing/2010/main" xmlns="" w="9525">
+                  <a14:hiddenLine xmlns="" xmlns:a14="http://schemas.microsoft.com/office/drawing/2010/main" w="9525">
                     <a:solidFill>
                       <a:srgbClr val="000000"/>
                     </a:solidFill>
@@ -12327,7 +12416,7 @@
               </a:ln>
               <a:extLst>
                 <a:ext uri="{91240B29-F687-4f45-9708-019B960494DF}">
-                  <a14:hiddenLine xmlns:a14="http://schemas.microsoft.com/office/drawing/2010/main" xmlns="" w="9525">
+                  <a14:hiddenLine xmlns="" xmlns:a14="http://schemas.microsoft.com/office/drawing/2010/main" w="9525">
                     <a:solidFill>
                       <a:srgbClr val="000000"/>
                     </a:solidFill>
@@ -13047,7 +13136,7 @@
             </a:ln>
             <a:extLst>
               <a:ext uri="{91240B29-F687-4f45-9708-019B960494DF}">
-                <a14:hiddenLine xmlns="" xmlns:a16="http://schemas.microsoft.com/office/drawing/2014/main" xmlns:p14="http://schemas.microsoft.com/office/powerpoint/2010/main" xmlns:a14="http://schemas.microsoft.com/office/drawing/2010/main" w="9525">
+                <a14:hiddenLine xmlns:a14="http://schemas.microsoft.com/office/drawing/2010/main" xmlns:p14="http://schemas.microsoft.com/office/powerpoint/2010/main" xmlns:a16="http://schemas.microsoft.com/office/drawing/2014/main" xmlns="" w="9525">
                   <a:solidFill>
                     <a:srgbClr val="000000"/>
                   </a:solidFill>
@@ -13152,7 +13241,7 @@
             </a:ln>
             <a:extLst>
               <a:ext uri="{91240B29-F687-4f45-9708-019B960494DF}">
-                <a14:hiddenLine xmlns="" xmlns:a16="http://schemas.microsoft.com/office/drawing/2014/main" xmlns:p14="http://schemas.microsoft.com/office/powerpoint/2010/main" xmlns:a14="http://schemas.microsoft.com/office/drawing/2010/main" w="9525">
+                <a14:hiddenLine xmlns:a14="http://schemas.microsoft.com/office/drawing/2010/main" xmlns:p14="http://schemas.microsoft.com/office/powerpoint/2010/main" xmlns:a16="http://schemas.microsoft.com/office/drawing/2014/main" xmlns="" w="9525">
                   <a:solidFill>
                     <a:srgbClr val="000000"/>
                   </a:solidFill>
@@ -13257,7 +13346,7 @@
             </a:ln>
             <a:extLst>
               <a:ext uri="{91240B29-F687-4f45-9708-019B960494DF}">
-                <a14:hiddenLine xmlns="" xmlns:a16="http://schemas.microsoft.com/office/drawing/2014/main" xmlns:p14="http://schemas.microsoft.com/office/powerpoint/2010/main" xmlns:a14="http://schemas.microsoft.com/office/drawing/2010/main" w="9525">
+                <a14:hiddenLine xmlns:a14="http://schemas.microsoft.com/office/drawing/2010/main" xmlns:p14="http://schemas.microsoft.com/office/powerpoint/2010/main" xmlns:a16="http://schemas.microsoft.com/office/drawing/2014/main" xmlns="" w="9525">
                   <a:solidFill>
                     <a:srgbClr val="000000"/>
                   </a:solidFill>
@@ -13306,7 +13395,7 @@
             </a:ln>
             <a:extLst>
               <a:ext uri="{91240B29-F687-4f45-9708-019B960494DF}">
-                <a14:hiddenLine xmlns="" xmlns:a16="http://schemas.microsoft.com/office/drawing/2014/main" xmlns:p14="http://schemas.microsoft.com/office/powerpoint/2010/main" xmlns:a14="http://schemas.microsoft.com/office/drawing/2010/main" w="9525">
+                <a14:hiddenLine xmlns:a14="http://schemas.microsoft.com/office/drawing/2010/main" xmlns:p14="http://schemas.microsoft.com/office/powerpoint/2010/main" xmlns:a16="http://schemas.microsoft.com/office/drawing/2014/main" xmlns="" w="9525">
                   <a:solidFill>
                     <a:srgbClr val="000000"/>
                   </a:solidFill>
@@ -13411,7 +13500,7 @@
             </a:ln>
             <a:extLst>
               <a:ext uri="{91240B29-F687-4f45-9708-019B960494DF}">
-                <a14:hiddenLine xmlns="" xmlns:a16="http://schemas.microsoft.com/office/drawing/2014/main" xmlns:p14="http://schemas.microsoft.com/office/powerpoint/2010/main" xmlns:a14="http://schemas.microsoft.com/office/drawing/2010/main" w="9525">
+                <a14:hiddenLine xmlns:a14="http://schemas.microsoft.com/office/drawing/2010/main" xmlns:p14="http://schemas.microsoft.com/office/powerpoint/2010/main" xmlns:a16="http://schemas.microsoft.com/office/drawing/2014/main" xmlns="" w="9525">
                   <a:solidFill>
                     <a:srgbClr val="000000"/>
                   </a:solidFill>
@@ -13488,7 +13577,7 @@
             </a:ln>
             <a:extLst>
               <a:ext uri="{91240B29-F687-4f45-9708-019B960494DF}">
-                <a14:hiddenLine xmlns="" xmlns:a16="http://schemas.microsoft.com/office/drawing/2014/main" xmlns:p14="http://schemas.microsoft.com/office/powerpoint/2010/main" xmlns:a14="http://schemas.microsoft.com/office/drawing/2010/main" w="9525">
+                <a14:hiddenLine xmlns:a14="http://schemas.microsoft.com/office/drawing/2010/main" xmlns:p14="http://schemas.microsoft.com/office/powerpoint/2010/main" xmlns:a16="http://schemas.microsoft.com/office/drawing/2014/main" xmlns="" w="9525">
                   <a:solidFill>
                     <a:srgbClr val="000000"/>
                   </a:solidFill>
@@ -13565,7 +13654,7 @@
             </a:ln>
             <a:extLst>
               <a:ext uri="{91240B29-F687-4f45-9708-019B960494DF}">
-                <a14:hiddenLine xmlns="" xmlns:a16="http://schemas.microsoft.com/office/drawing/2014/main" xmlns:p14="http://schemas.microsoft.com/office/powerpoint/2010/main" xmlns:a14="http://schemas.microsoft.com/office/drawing/2010/main" w="9525">
+                <a14:hiddenLine xmlns:a14="http://schemas.microsoft.com/office/drawing/2010/main" xmlns:p14="http://schemas.microsoft.com/office/powerpoint/2010/main" xmlns:a16="http://schemas.microsoft.com/office/drawing/2014/main" xmlns="" w="9525">
                   <a:solidFill>
                     <a:srgbClr val="000000"/>
                   </a:solidFill>
@@ -13670,7 +13759,7 @@
             </a:ln>
             <a:extLst>
               <a:ext uri="{91240B29-F687-4f45-9708-019B960494DF}">
-                <a14:hiddenLine xmlns="" xmlns:a16="http://schemas.microsoft.com/office/drawing/2014/main" xmlns:p14="http://schemas.microsoft.com/office/powerpoint/2010/main" xmlns:a14="http://schemas.microsoft.com/office/drawing/2010/main" w="9525">
+                <a14:hiddenLine xmlns:a14="http://schemas.microsoft.com/office/drawing/2010/main" xmlns:p14="http://schemas.microsoft.com/office/powerpoint/2010/main" xmlns:a16="http://schemas.microsoft.com/office/drawing/2014/main" xmlns="" w="9525">
                   <a:solidFill>
                     <a:srgbClr val="000000"/>
                   </a:solidFill>
@@ -13747,7 +13836,7 @@
             </a:ln>
             <a:extLst>
               <a:ext uri="{91240B29-F687-4f45-9708-019B960494DF}">
-                <a14:hiddenLine xmlns="" xmlns:a16="http://schemas.microsoft.com/office/drawing/2014/main" xmlns:p14="http://schemas.microsoft.com/office/powerpoint/2010/main" xmlns:a14="http://schemas.microsoft.com/office/drawing/2010/main" w="9525">
+                <a14:hiddenLine xmlns:a14="http://schemas.microsoft.com/office/drawing/2010/main" xmlns:p14="http://schemas.microsoft.com/office/powerpoint/2010/main" xmlns:a16="http://schemas.microsoft.com/office/drawing/2014/main" xmlns="" w="9525">
                   <a:solidFill>
                     <a:srgbClr val="000000"/>
                   </a:solidFill>
@@ -13824,7 +13913,7 @@
             </a:ln>
             <a:extLst>
               <a:ext uri="{91240B29-F687-4f45-9708-019B960494DF}">
-                <a14:hiddenLine xmlns="" xmlns:a16="http://schemas.microsoft.com/office/drawing/2014/main" xmlns:p14="http://schemas.microsoft.com/office/powerpoint/2010/main" xmlns:a14="http://schemas.microsoft.com/office/drawing/2010/main" w="9525">
+                <a14:hiddenLine xmlns:a14="http://schemas.microsoft.com/office/drawing/2010/main" xmlns:p14="http://schemas.microsoft.com/office/powerpoint/2010/main" xmlns:a16="http://schemas.microsoft.com/office/drawing/2014/main" xmlns="" w="9525">
                   <a:solidFill>
                     <a:srgbClr val="000000"/>
                   </a:solidFill>
@@ -13929,7 +14018,7 @@
             </a:ln>
             <a:extLst>
               <a:ext uri="{91240B29-F687-4f45-9708-019B960494DF}">
-                <a14:hiddenLine xmlns="" xmlns:a16="http://schemas.microsoft.com/office/drawing/2014/main" xmlns:p14="http://schemas.microsoft.com/office/powerpoint/2010/main" xmlns:a14="http://schemas.microsoft.com/office/drawing/2010/main" w="9525">
+                <a14:hiddenLine xmlns:a14="http://schemas.microsoft.com/office/drawing/2010/main" xmlns:p14="http://schemas.microsoft.com/office/powerpoint/2010/main" xmlns:a16="http://schemas.microsoft.com/office/drawing/2014/main" xmlns="" w="9525">
                   <a:solidFill>
                     <a:srgbClr val="000000"/>
                   </a:solidFill>
@@ -14034,7 +14123,7 @@
             </a:ln>
             <a:extLst>
               <a:ext uri="{91240B29-F687-4f45-9708-019B960494DF}">
-                <a14:hiddenLine xmlns="" xmlns:a16="http://schemas.microsoft.com/office/drawing/2014/main" xmlns:p14="http://schemas.microsoft.com/office/powerpoint/2010/main" xmlns:a14="http://schemas.microsoft.com/office/drawing/2010/main" w="9525">
+                <a14:hiddenLine xmlns:a14="http://schemas.microsoft.com/office/drawing/2010/main" xmlns:p14="http://schemas.microsoft.com/office/powerpoint/2010/main" xmlns:a16="http://schemas.microsoft.com/office/drawing/2014/main" xmlns="" w="9525">
                   <a:solidFill>
                     <a:srgbClr val="000000"/>
                   </a:solidFill>
@@ -14111,7 +14200,7 @@
             </a:ln>
             <a:extLst>
               <a:ext uri="{91240B29-F687-4f45-9708-019B960494DF}">
-                <a14:hiddenLine xmlns="" xmlns:a16="http://schemas.microsoft.com/office/drawing/2014/main" xmlns:p14="http://schemas.microsoft.com/office/powerpoint/2010/main" xmlns:a14="http://schemas.microsoft.com/office/drawing/2010/main" w="9525">
+                <a14:hiddenLine xmlns:a14="http://schemas.microsoft.com/office/drawing/2010/main" xmlns:p14="http://schemas.microsoft.com/office/powerpoint/2010/main" xmlns:a16="http://schemas.microsoft.com/office/drawing/2014/main" xmlns="" w="9525">
                   <a:solidFill>
                     <a:srgbClr val="000000"/>
                   </a:solidFill>
@@ -14236,7 +14325,7 @@
             </a:ln>
             <a:extLst>
               <a:ext uri="{91240B29-F687-4f45-9708-019B960494DF}">
-                <a14:hiddenLine xmlns="" xmlns:a16="http://schemas.microsoft.com/office/drawing/2014/main" xmlns:p14="http://schemas.microsoft.com/office/powerpoint/2010/main" xmlns:a14="http://schemas.microsoft.com/office/drawing/2010/main" w="9525">
+                <a14:hiddenLine xmlns:a14="http://schemas.microsoft.com/office/drawing/2010/main" xmlns:p14="http://schemas.microsoft.com/office/powerpoint/2010/main" xmlns:a16="http://schemas.microsoft.com/office/drawing/2014/main" xmlns="" w="9525">
                   <a:solidFill>
                     <a:srgbClr val="000000"/>
                   </a:solidFill>
@@ -14313,7 +14402,7 @@
             </a:ln>
             <a:extLst>
               <a:ext uri="{91240B29-F687-4f45-9708-019B960494DF}">
-                <a14:hiddenLine xmlns="" xmlns:a16="http://schemas.microsoft.com/office/drawing/2014/main" xmlns:p14="http://schemas.microsoft.com/office/powerpoint/2010/main" xmlns:a14="http://schemas.microsoft.com/office/drawing/2010/main" w="9525">
+                <a14:hiddenLine xmlns:a14="http://schemas.microsoft.com/office/drawing/2010/main" xmlns:p14="http://schemas.microsoft.com/office/powerpoint/2010/main" xmlns:a16="http://schemas.microsoft.com/office/drawing/2014/main" xmlns="" w="9525">
                   <a:solidFill>
                     <a:srgbClr val="000000"/>
                   </a:solidFill>
@@ -14418,7 +14507,7 @@
             </a:ln>
             <a:extLst>
               <a:ext uri="{91240B29-F687-4f45-9708-019B960494DF}">
-                <a14:hiddenLine xmlns="" xmlns:a16="http://schemas.microsoft.com/office/drawing/2014/main" xmlns:p14="http://schemas.microsoft.com/office/powerpoint/2010/main" xmlns:a14="http://schemas.microsoft.com/office/drawing/2010/main" w="9525">
+                <a14:hiddenLine xmlns:a14="http://schemas.microsoft.com/office/drawing/2010/main" xmlns:p14="http://schemas.microsoft.com/office/powerpoint/2010/main" xmlns:a16="http://schemas.microsoft.com/office/drawing/2014/main" xmlns="" w="9525">
                   <a:solidFill>
                     <a:srgbClr val="000000"/>
                   </a:solidFill>
@@ -14523,7 +14612,7 @@
             </a:ln>
             <a:extLst>
               <a:ext uri="{91240B29-F687-4f45-9708-019B960494DF}">
-                <a14:hiddenLine xmlns="" xmlns:a16="http://schemas.microsoft.com/office/drawing/2014/main" xmlns:p14="http://schemas.microsoft.com/office/powerpoint/2010/main" xmlns:a14="http://schemas.microsoft.com/office/drawing/2010/main" w="9525">
+                <a14:hiddenLine xmlns:a14="http://schemas.microsoft.com/office/drawing/2010/main" xmlns:p14="http://schemas.microsoft.com/office/powerpoint/2010/main" xmlns:a16="http://schemas.microsoft.com/office/drawing/2014/main" xmlns="" w="9525">
                   <a:solidFill>
                     <a:srgbClr val="000000"/>
                   </a:solidFill>
@@ -14600,7 +14689,7 @@
             </a:ln>
             <a:extLst>
               <a:ext uri="{91240B29-F687-4f45-9708-019B960494DF}">
-                <a14:hiddenLine xmlns="" xmlns:a16="http://schemas.microsoft.com/office/drawing/2014/main" xmlns:p14="http://schemas.microsoft.com/office/powerpoint/2010/main" xmlns:a14="http://schemas.microsoft.com/office/drawing/2010/main" w="9525">
+                <a14:hiddenLine xmlns:a14="http://schemas.microsoft.com/office/drawing/2010/main" xmlns:p14="http://schemas.microsoft.com/office/powerpoint/2010/main" xmlns:a16="http://schemas.microsoft.com/office/drawing/2014/main" xmlns="" w="9525">
                   <a:solidFill>
                     <a:srgbClr val="000000"/>
                   </a:solidFill>
@@ -14705,7 +14794,7 @@
             </a:ln>
             <a:extLst>
               <a:ext uri="{91240B29-F687-4f45-9708-019B960494DF}">
-                <a14:hiddenLine xmlns="" xmlns:a16="http://schemas.microsoft.com/office/drawing/2014/main" xmlns:p14="http://schemas.microsoft.com/office/powerpoint/2010/main" xmlns:a14="http://schemas.microsoft.com/office/drawing/2010/main" w="9525">
+                <a14:hiddenLine xmlns:a14="http://schemas.microsoft.com/office/drawing/2010/main" xmlns:p14="http://schemas.microsoft.com/office/powerpoint/2010/main" xmlns:a16="http://schemas.microsoft.com/office/drawing/2014/main" xmlns="" w="9525">
                   <a:solidFill>
                     <a:srgbClr val="000000"/>
                   </a:solidFill>
@@ -14810,7 +14899,7 @@
             </a:ln>
             <a:extLst>
               <a:ext uri="{91240B29-F687-4f45-9708-019B960494DF}">
-                <a14:hiddenLine xmlns="" xmlns:a16="http://schemas.microsoft.com/office/drawing/2014/main" xmlns:p14="http://schemas.microsoft.com/office/powerpoint/2010/main" xmlns:a14="http://schemas.microsoft.com/office/drawing/2010/main" w="9525">
+                <a14:hiddenLine xmlns:a14="http://schemas.microsoft.com/office/drawing/2010/main" xmlns:p14="http://schemas.microsoft.com/office/powerpoint/2010/main" xmlns:a16="http://schemas.microsoft.com/office/drawing/2014/main" xmlns="" w="9525">
                   <a:solidFill>
                     <a:srgbClr val="000000"/>
                   </a:solidFill>
@@ -14881,7 +14970,7 @@
             </a:ln>
             <a:extLst>
               <a:ext uri="{91240B29-F687-4f45-9708-019B960494DF}">
-                <a14:hiddenLine xmlns="" xmlns:a16="http://schemas.microsoft.com/office/drawing/2014/main" xmlns:p14="http://schemas.microsoft.com/office/powerpoint/2010/main" xmlns:a14="http://schemas.microsoft.com/office/drawing/2010/main" w="9525">
+                <a14:hiddenLine xmlns:a14="http://schemas.microsoft.com/office/drawing/2010/main" xmlns:p14="http://schemas.microsoft.com/office/powerpoint/2010/main" xmlns:a16="http://schemas.microsoft.com/office/drawing/2014/main" xmlns="" w="9525">
                   <a:solidFill>
                     <a:srgbClr val="000000"/>
                   </a:solidFill>
@@ -14986,7 +15075,7 @@
             </a:ln>
             <a:extLst>
               <a:ext uri="{91240B29-F687-4f45-9708-019B960494DF}">
-                <a14:hiddenLine xmlns="" xmlns:a16="http://schemas.microsoft.com/office/drawing/2014/main" xmlns:p14="http://schemas.microsoft.com/office/powerpoint/2010/main" xmlns:a14="http://schemas.microsoft.com/office/drawing/2010/main" w="9525">
+                <a14:hiddenLine xmlns:a14="http://schemas.microsoft.com/office/drawing/2010/main" xmlns:p14="http://schemas.microsoft.com/office/powerpoint/2010/main" xmlns:a16="http://schemas.microsoft.com/office/drawing/2014/main" xmlns="" w="9525">
                   <a:solidFill>
                     <a:srgbClr val="000000"/>
                   </a:solidFill>
@@ -15057,7 +15146,7 @@
             </a:ln>
             <a:extLst>
               <a:ext uri="{91240B29-F687-4f45-9708-019B960494DF}">
-                <a14:hiddenLine xmlns="" xmlns:a16="http://schemas.microsoft.com/office/drawing/2014/main" xmlns:p14="http://schemas.microsoft.com/office/powerpoint/2010/main" xmlns:a14="http://schemas.microsoft.com/office/drawing/2010/main" w="9525">
+                <a14:hiddenLine xmlns:a14="http://schemas.microsoft.com/office/drawing/2010/main" xmlns:p14="http://schemas.microsoft.com/office/powerpoint/2010/main" xmlns:a16="http://schemas.microsoft.com/office/drawing/2014/main" xmlns="" w="9525">
                   <a:solidFill>
                     <a:srgbClr val="000000"/>
                   </a:solidFill>
@@ -15162,7 +15251,7 @@
             </a:ln>
             <a:extLst>
               <a:ext uri="{91240B29-F687-4f45-9708-019B960494DF}">
-                <a14:hiddenLine xmlns="" xmlns:a16="http://schemas.microsoft.com/office/drawing/2014/main" xmlns:p14="http://schemas.microsoft.com/office/powerpoint/2010/main" xmlns:a14="http://schemas.microsoft.com/office/drawing/2010/main" w="9525">
+                <a14:hiddenLine xmlns:a14="http://schemas.microsoft.com/office/drawing/2010/main" xmlns:p14="http://schemas.microsoft.com/office/powerpoint/2010/main" xmlns:a16="http://schemas.microsoft.com/office/drawing/2014/main" xmlns="" w="9525">
                   <a:solidFill>
                     <a:srgbClr val="000000"/>
                   </a:solidFill>
@@ -15245,7 +15334,7 @@
             </a:ln>
             <a:extLst>
               <a:ext uri="{91240B29-F687-4f45-9708-019B960494DF}">
-                <a14:hiddenLine xmlns="" xmlns:a16="http://schemas.microsoft.com/office/drawing/2014/main" xmlns:p14="http://schemas.microsoft.com/office/powerpoint/2010/main" xmlns:a14="http://schemas.microsoft.com/office/drawing/2010/main" w="9525">
+                <a14:hiddenLine xmlns:a14="http://schemas.microsoft.com/office/drawing/2010/main" xmlns:p14="http://schemas.microsoft.com/office/powerpoint/2010/main" xmlns:a16="http://schemas.microsoft.com/office/drawing/2014/main" xmlns="" w="9525">
                   <a:solidFill>
                     <a:srgbClr val="000000"/>
                   </a:solidFill>
@@ -15350,7 +15439,7 @@
             </a:ln>
             <a:extLst>
               <a:ext uri="{91240B29-F687-4f45-9708-019B960494DF}">
-                <a14:hiddenLine xmlns="" xmlns:a16="http://schemas.microsoft.com/office/drawing/2014/main" xmlns:p14="http://schemas.microsoft.com/office/powerpoint/2010/main" xmlns:a14="http://schemas.microsoft.com/office/drawing/2010/main" w="9525">
+                <a14:hiddenLine xmlns:a14="http://schemas.microsoft.com/office/drawing/2010/main" xmlns:p14="http://schemas.microsoft.com/office/powerpoint/2010/main" xmlns:a16="http://schemas.microsoft.com/office/drawing/2014/main" xmlns="" w="9525">
                   <a:solidFill>
                     <a:srgbClr val="000000"/>
                   </a:solidFill>
@@ -15433,7 +15522,7 @@
             </a:ln>
             <a:extLst>
               <a:ext uri="{91240B29-F687-4f45-9708-019B960494DF}">
-                <a14:hiddenLine xmlns="" xmlns:a16="http://schemas.microsoft.com/office/drawing/2014/main" xmlns:p14="http://schemas.microsoft.com/office/powerpoint/2010/main" xmlns:a14="http://schemas.microsoft.com/office/drawing/2010/main" w="9525">
+                <a14:hiddenLine xmlns:a14="http://schemas.microsoft.com/office/drawing/2010/main" xmlns:p14="http://schemas.microsoft.com/office/powerpoint/2010/main" xmlns:a16="http://schemas.microsoft.com/office/drawing/2014/main" xmlns="" w="9525">
                   <a:solidFill>
                     <a:srgbClr val="000000"/>
                   </a:solidFill>
@@ -15538,7 +15627,7 @@
             </a:ln>
             <a:extLst>
               <a:ext uri="{91240B29-F687-4f45-9708-019B960494DF}">
-                <a14:hiddenLine xmlns="" xmlns:a16="http://schemas.microsoft.com/office/drawing/2014/main" xmlns:p14="http://schemas.microsoft.com/office/powerpoint/2010/main" xmlns:a14="http://schemas.microsoft.com/office/drawing/2010/main" w="9525">
+                <a14:hiddenLine xmlns:a14="http://schemas.microsoft.com/office/drawing/2010/main" xmlns:p14="http://schemas.microsoft.com/office/powerpoint/2010/main" xmlns:a16="http://schemas.microsoft.com/office/drawing/2014/main" xmlns="" w="9525">
                   <a:solidFill>
                     <a:srgbClr val="000000"/>
                   </a:solidFill>
@@ -15587,7 +15676,7 @@
             </a:ln>
             <a:extLst>
               <a:ext uri="{91240B29-F687-4f45-9708-019B960494DF}">
-                <a14:hiddenLine xmlns="" xmlns:a16="http://schemas.microsoft.com/office/drawing/2014/main" xmlns:p14="http://schemas.microsoft.com/office/powerpoint/2010/main" xmlns:a14="http://schemas.microsoft.com/office/drawing/2010/main" w="9525">
+                <a14:hiddenLine xmlns:a14="http://schemas.microsoft.com/office/drawing/2010/main" xmlns:p14="http://schemas.microsoft.com/office/powerpoint/2010/main" xmlns:a16="http://schemas.microsoft.com/office/drawing/2014/main" xmlns="" w="9525">
                   <a:solidFill>
                     <a:srgbClr val="000000"/>
                   </a:solidFill>
@@ -15692,7 +15781,7 @@
             </a:ln>
             <a:extLst>
               <a:ext uri="{91240B29-F687-4f45-9708-019B960494DF}">
-                <a14:hiddenLine xmlns="" xmlns:a16="http://schemas.microsoft.com/office/drawing/2014/main" xmlns:p14="http://schemas.microsoft.com/office/powerpoint/2010/main" xmlns:a14="http://schemas.microsoft.com/office/drawing/2010/main" w="9525">
+                <a14:hiddenLine xmlns:a14="http://schemas.microsoft.com/office/drawing/2010/main" xmlns:p14="http://schemas.microsoft.com/office/powerpoint/2010/main" xmlns:a16="http://schemas.microsoft.com/office/drawing/2014/main" xmlns="" w="9525">
                   <a:solidFill>
                     <a:srgbClr val="000000"/>
                   </a:solidFill>
@@ -15769,7 +15858,7 @@
             </a:ln>
             <a:extLst>
               <a:ext uri="{91240B29-F687-4f45-9708-019B960494DF}">
-                <a14:hiddenLine xmlns="" xmlns:a16="http://schemas.microsoft.com/office/drawing/2014/main" xmlns:p14="http://schemas.microsoft.com/office/powerpoint/2010/main" xmlns:a14="http://schemas.microsoft.com/office/drawing/2010/main" w="9525">
+                <a14:hiddenLine xmlns:a14="http://schemas.microsoft.com/office/drawing/2010/main" xmlns:p14="http://schemas.microsoft.com/office/powerpoint/2010/main" xmlns:a16="http://schemas.microsoft.com/office/drawing/2014/main" xmlns="" w="9525">
                   <a:solidFill>
                     <a:srgbClr val="000000"/>
                   </a:solidFill>
@@ -15846,7 +15935,7 @@
             </a:ln>
             <a:extLst>
               <a:ext uri="{91240B29-F687-4f45-9708-019B960494DF}">
-                <a14:hiddenLine xmlns="" xmlns:a16="http://schemas.microsoft.com/office/drawing/2014/main" xmlns:p14="http://schemas.microsoft.com/office/powerpoint/2010/main" xmlns:a14="http://schemas.microsoft.com/office/drawing/2010/main" w="9525">
+                <a14:hiddenLine xmlns:a14="http://schemas.microsoft.com/office/drawing/2010/main" xmlns:p14="http://schemas.microsoft.com/office/powerpoint/2010/main" xmlns:a16="http://schemas.microsoft.com/office/drawing/2014/main" xmlns="" w="9525">
                   <a:solidFill>
                     <a:srgbClr val="000000"/>
                   </a:solidFill>
@@ -15951,7 +16040,7 @@
             </a:ln>
             <a:extLst>
               <a:ext uri="{91240B29-F687-4f45-9708-019B960494DF}">
-                <a14:hiddenLine xmlns="" xmlns:a16="http://schemas.microsoft.com/office/drawing/2014/main" xmlns:p14="http://schemas.microsoft.com/office/powerpoint/2010/main" xmlns:a14="http://schemas.microsoft.com/office/drawing/2010/main" w="9525">
+                <a14:hiddenLine xmlns:a14="http://schemas.microsoft.com/office/drawing/2010/main" xmlns:p14="http://schemas.microsoft.com/office/powerpoint/2010/main" xmlns:a16="http://schemas.microsoft.com/office/drawing/2014/main" xmlns="" w="9525">
                   <a:solidFill>
                     <a:srgbClr val="000000"/>
                   </a:solidFill>
@@ -16034,7 +16123,7 @@
             </a:ln>
             <a:extLst>
               <a:ext uri="{91240B29-F687-4f45-9708-019B960494DF}">
-                <a14:hiddenLine xmlns="" xmlns:a16="http://schemas.microsoft.com/office/drawing/2014/main" xmlns:p14="http://schemas.microsoft.com/office/powerpoint/2010/main" xmlns:a14="http://schemas.microsoft.com/office/drawing/2010/main" w="9525">
+                <a14:hiddenLine xmlns:a14="http://schemas.microsoft.com/office/drawing/2010/main" xmlns:p14="http://schemas.microsoft.com/office/powerpoint/2010/main" xmlns:a16="http://schemas.microsoft.com/office/drawing/2014/main" xmlns="" w="9525">
                   <a:solidFill>
                     <a:srgbClr val="000000"/>
                   </a:solidFill>
@@ -16111,7 +16200,7 @@
             </a:ln>
             <a:extLst>
               <a:ext uri="{91240B29-F687-4f45-9708-019B960494DF}">
-                <a14:hiddenLine xmlns="" xmlns:a16="http://schemas.microsoft.com/office/drawing/2014/main" xmlns:p14="http://schemas.microsoft.com/office/powerpoint/2010/main" xmlns:a14="http://schemas.microsoft.com/office/drawing/2010/main" w="9525">
+                <a14:hiddenLine xmlns:a14="http://schemas.microsoft.com/office/drawing/2010/main" xmlns:p14="http://schemas.microsoft.com/office/powerpoint/2010/main" xmlns:a16="http://schemas.microsoft.com/office/drawing/2014/main" xmlns="" w="9525">
                   <a:solidFill>
                     <a:srgbClr val="000000"/>
                   </a:solidFill>
@@ -16216,7 +16305,7 @@
             </a:ln>
             <a:extLst>
               <a:ext uri="{91240B29-F687-4f45-9708-019B960494DF}">
-                <a14:hiddenLine xmlns="" xmlns:a16="http://schemas.microsoft.com/office/drawing/2014/main" xmlns:p14="http://schemas.microsoft.com/office/powerpoint/2010/main" xmlns:a14="http://schemas.microsoft.com/office/drawing/2010/main" w="9525">
+                <a14:hiddenLine xmlns:a14="http://schemas.microsoft.com/office/drawing/2010/main" xmlns:p14="http://schemas.microsoft.com/office/powerpoint/2010/main" xmlns:a16="http://schemas.microsoft.com/office/drawing/2014/main" xmlns="" w="9525">
                   <a:solidFill>
                     <a:srgbClr val="000000"/>
                   </a:solidFill>
@@ -16293,7 +16382,7 @@
             </a:ln>
             <a:extLst>
               <a:ext uri="{91240B29-F687-4f45-9708-019B960494DF}">
-                <a14:hiddenLine xmlns="" xmlns:a16="http://schemas.microsoft.com/office/drawing/2014/main" xmlns:p14="http://schemas.microsoft.com/office/powerpoint/2010/main" xmlns:a14="http://schemas.microsoft.com/office/drawing/2010/main" w="9525">
+                <a14:hiddenLine xmlns:a14="http://schemas.microsoft.com/office/drawing/2010/main" xmlns:p14="http://schemas.microsoft.com/office/powerpoint/2010/main" xmlns:a16="http://schemas.microsoft.com/office/drawing/2014/main" xmlns="" w="9525">
                   <a:solidFill>
                     <a:srgbClr val="000000"/>
                   </a:solidFill>
@@ -16398,7 +16487,7 @@
             </a:ln>
             <a:extLst>
               <a:ext uri="{91240B29-F687-4f45-9708-019B960494DF}">
-                <a14:hiddenLine xmlns="" xmlns:a16="http://schemas.microsoft.com/office/drawing/2014/main" xmlns:p14="http://schemas.microsoft.com/office/powerpoint/2010/main" xmlns:a14="http://schemas.microsoft.com/office/drawing/2010/main" w="9525">
+                <a14:hiddenLine xmlns:a14="http://schemas.microsoft.com/office/drawing/2010/main" xmlns:p14="http://schemas.microsoft.com/office/powerpoint/2010/main" xmlns:a16="http://schemas.microsoft.com/office/drawing/2014/main" xmlns="" w="9525">
                   <a:solidFill>
                     <a:srgbClr val="000000"/>
                   </a:solidFill>
@@ -16475,7 +16564,7 @@
             </a:ln>
             <a:extLst>
               <a:ext uri="{91240B29-F687-4f45-9708-019B960494DF}">
-                <a14:hiddenLine xmlns="" xmlns:a16="http://schemas.microsoft.com/office/drawing/2014/main" xmlns:p14="http://schemas.microsoft.com/office/powerpoint/2010/main" xmlns:a14="http://schemas.microsoft.com/office/drawing/2010/main" w="9525">
+                <a14:hiddenLine xmlns:a14="http://schemas.microsoft.com/office/drawing/2010/main" xmlns:p14="http://schemas.microsoft.com/office/powerpoint/2010/main" xmlns:a16="http://schemas.microsoft.com/office/drawing/2014/main" xmlns="" w="9525">
                   <a:solidFill>
                     <a:srgbClr val="000000"/>
                   </a:solidFill>
@@ -16580,7 +16669,7 @@
             </a:ln>
             <a:extLst>
               <a:ext uri="{91240B29-F687-4f45-9708-019B960494DF}">
-                <a14:hiddenLine xmlns="" xmlns:a16="http://schemas.microsoft.com/office/drawing/2014/main" xmlns:p14="http://schemas.microsoft.com/office/powerpoint/2010/main" xmlns:a14="http://schemas.microsoft.com/office/drawing/2010/main" w="9525">
+                <a14:hiddenLine xmlns:a14="http://schemas.microsoft.com/office/drawing/2010/main" xmlns:p14="http://schemas.microsoft.com/office/powerpoint/2010/main" xmlns:a16="http://schemas.microsoft.com/office/drawing/2014/main" xmlns="" w="9525">
                   <a:solidFill>
                     <a:srgbClr val="000000"/>
                   </a:solidFill>
@@ -16629,7 +16718,7 @@
             </a:ln>
             <a:extLst>
               <a:ext uri="{91240B29-F687-4f45-9708-019B960494DF}">
-                <a14:hiddenLine xmlns="" xmlns:a16="http://schemas.microsoft.com/office/drawing/2014/main" xmlns:p14="http://schemas.microsoft.com/office/powerpoint/2010/main" xmlns:a14="http://schemas.microsoft.com/office/drawing/2010/main" w="9525">
+                <a14:hiddenLine xmlns:a14="http://schemas.microsoft.com/office/drawing/2010/main" xmlns:p14="http://schemas.microsoft.com/office/powerpoint/2010/main" xmlns:a16="http://schemas.microsoft.com/office/drawing/2014/main" xmlns="" w="9525">
                   <a:solidFill>
                     <a:srgbClr val="000000"/>
                   </a:solidFill>
@@ -16709,7 +16798,7 @@
             </a:ln>
             <a:extLst>
               <a:ext uri="{91240B29-F687-4f45-9708-019B960494DF}">
-                <a14:hiddenLine xmlns="" xmlns:a16="http://schemas.microsoft.com/office/drawing/2014/main" xmlns:p14="http://schemas.microsoft.com/office/powerpoint/2010/main" xmlns:a14="http://schemas.microsoft.com/office/drawing/2010/main" w="9525">
+                <a14:hiddenLine xmlns:a14="http://schemas.microsoft.com/office/drawing/2010/main" xmlns:p14="http://schemas.microsoft.com/office/powerpoint/2010/main" xmlns:a16="http://schemas.microsoft.com/office/drawing/2014/main" xmlns="" w="9525">
                   <a:solidFill>
                     <a:srgbClr val="000000"/>
                   </a:solidFill>
@@ -16814,7 +16903,7 @@
             </a:ln>
             <a:extLst>
               <a:ext uri="{91240B29-F687-4f45-9708-019B960494DF}">
-                <a14:hiddenLine xmlns="" xmlns:a16="http://schemas.microsoft.com/office/drawing/2014/main" xmlns:p14="http://schemas.microsoft.com/office/powerpoint/2010/main" xmlns:a14="http://schemas.microsoft.com/office/drawing/2010/main" w="9525">
+                <a14:hiddenLine xmlns:a14="http://schemas.microsoft.com/office/drawing/2010/main" xmlns:p14="http://schemas.microsoft.com/office/powerpoint/2010/main" xmlns:a16="http://schemas.microsoft.com/office/drawing/2014/main" xmlns="" w="9525">
                   <a:solidFill>
                     <a:srgbClr val="000000"/>
                   </a:solidFill>
@@ -16891,7 +16980,7 @@
             </a:ln>
             <a:extLst>
               <a:ext uri="{91240B29-F687-4f45-9708-019B960494DF}">
-                <a14:hiddenLine xmlns="" xmlns:a16="http://schemas.microsoft.com/office/drawing/2014/main" xmlns:p14="http://schemas.microsoft.com/office/powerpoint/2010/main" xmlns:a14="http://schemas.microsoft.com/office/drawing/2010/main" w="9525">
+                <a14:hiddenLine xmlns:a14="http://schemas.microsoft.com/office/drawing/2010/main" xmlns:p14="http://schemas.microsoft.com/office/powerpoint/2010/main" xmlns:a16="http://schemas.microsoft.com/office/drawing/2014/main" xmlns="" w="9525">
                   <a:solidFill>
                     <a:srgbClr val="000000"/>
                   </a:solidFill>
@@ -16996,7 +17085,7 @@
             </a:ln>
             <a:extLst>
               <a:ext uri="{91240B29-F687-4f45-9708-019B960494DF}">
-                <a14:hiddenLine xmlns="" xmlns:a16="http://schemas.microsoft.com/office/drawing/2014/main" xmlns:p14="http://schemas.microsoft.com/office/powerpoint/2010/main" xmlns:a14="http://schemas.microsoft.com/office/drawing/2010/main" w="9525">
+                <a14:hiddenLine xmlns:a14="http://schemas.microsoft.com/office/drawing/2010/main" xmlns:p14="http://schemas.microsoft.com/office/powerpoint/2010/main" xmlns:a16="http://schemas.microsoft.com/office/drawing/2014/main" xmlns="" w="9525">
                   <a:solidFill>
                     <a:srgbClr val="000000"/>
                   </a:solidFill>
@@ -17101,7 +17190,7 @@
             </a:ln>
             <a:extLst>
               <a:ext uri="{91240B29-F687-4f45-9708-019B960494DF}">
-                <a14:hiddenLine xmlns="" xmlns:a16="http://schemas.microsoft.com/office/drawing/2014/main" xmlns:p14="http://schemas.microsoft.com/office/powerpoint/2010/main" xmlns:a14="http://schemas.microsoft.com/office/drawing/2010/main" w="9525">
+                <a14:hiddenLine xmlns:a14="http://schemas.microsoft.com/office/drawing/2010/main" xmlns:p14="http://schemas.microsoft.com/office/powerpoint/2010/main" xmlns:a16="http://schemas.microsoft.com/office/drawing/2014/main" xmlns="" w="9525">
                   <a:solidFill>
                     <a:srgbClr val="000000"/>
                   </a:solidFill>
@@ -17181,7 +17270,7 @@
             </a:ln>
             <a:extLst>
               <a:ext uri="{91240B29-F687-4f45-9708-019B960494DF}">
-                <a14:hiddenLine xmlns="" xmlns:a16="http://schemas.microsoft.com/office/drawing/2014/main" xmlns:p14="http://schemas.microsoft.com/office/powerpoint/2010/main" xmlns:a14="http://schemas.microsoft.com/office/drawing/2010/main" w="9525">
+                <a14:hiddenLine xmlns:a14="http://schemas.microsoft.com/office/drawing/2010/main" xmlns:p14="http://schemas.microsoft.com/office/powerpoint/2010/main" xmlns:a16="http://schemas.microsoft.com/office/drawing/2014/main" xmlns="" w="9525">
                   <a:solidFill>
                     <a:srgbClr val="000000"/>
                   </a:solidFill>
@@ -17258,7 +17347,7 @@
             </a:ln>
             <a:extLst>
               <a:ext uri="{91240B29-F687-4f45-9708-019B960494DF}">
-                <a14:hiddenLine xmlns="" xmlns:a16="http://schemas.microsoft.com/office/drawing/2014/main" xmlns:p14="http://schemas.microsoft.com/office/powerpoint/2010/main" xmlns:a14="http://schemas.microsoft.com/office/drawing/2010/main" w="9525">
+                <a14:hiddenLine xmlns:a14="http://schemas.microsoft.com/office/drawing/2010/main" xmlns:p14="http://schemas.microsoft.com/office/powerpoint/2010/main" xmlns:a16="http://schemas.microsoft.com/office/drawing/2014/main" xmlns="" w="9525">
                   <a:solidFill>
                     <a:srgbClr val="000000"/>
                   </a:solidFill>
@@ -17363,7 +17452,7 @@
             </a:ln>
             <a:extLst>
               <a:ext uri="{91240B29-F687-4f45-9708-019B960494DF}">
-                <a14:hiddenLine xmlns="" xmlns:a16="http://schemas.microsoft.com/office/drawing/2014/main" xmlns:p14="http://schemas.microsoft.com/office/powerpoint/2010/main" xmlns:a14="http://schemas.microsoft.com/office/drawing/2010/main" w="9525">
+                <a14:hiddenLine xmlns:a14="http://schemas.microsoft.com/office/drawing/2010/main" xmlns:p14="http://schemas.microsoft.com/office/powerpoint/2010/main" xmlns:a16="http://schemas.microsoft.com/office/drawing/2014/main" xmlns="" w="9525">
                   <a:solidFill>
                     <a:srgbClr val="000000"/>
                   </a:solidFill>
@@ -17468,7 +17557,7 @@
             </a:ln>
             <a:extLst>
               <a:ext uri="{91240B29-F687-4f45-9708-019B960494DF}">
-                <a14:hiddenLine xmlns="" xmlns:a16="http://schemas.microsoft.com/office/drawing/2014/main" xmlns:p14="http://schemas.microsoft.com/office/powerpoint/2010/main" xmlns:a14="http://schemas.microsoft.com/office/drawing/2010/main" w="9525">
+                <a14:hiddenLine xmlns:a14="http://schemas.microsoft.com/office/drawing/2010/main" xmlns:p14="http://schemas.microsoft.com/office/powerpoint/2010/main" xmlns:a16="http://schemas.microsoft.com/office/drawing/2014/main" xmlns="" w="9525">
                   <a:solidFill>
                     <a:srgbClr val="000000"/>
                   </a:solidFill>
@@ -17545,7 +17634,7 @@
             </a:ln>
             <a:extLst>
               <a:ext uri="{91240B29-F687-4f45-9708-019B960494DF}">
-                <a14:hiddenLine xmlns="" xmlns:a16="http://schemas.microsoft.com/office/drawing/2014/main" xmlns:p14="http://schemas.microsoft.com/office/powerpoint/2010/main" xmlns:a14="http://schemas.microsoft.com/office/drawing/2010/main" w="9525">
+                <a14:hiddenLine xmlns:a14="http://schemas.microsoft.com/office/drawing/2010/main" xmlns:p14="http://schemas.microsoft.com/office/powerpoint/2010/main" xmlns:a16="http://schemas.microsoft.com/office/drawing/2014/main" xmlns="" w="9525">
                   <a:solidFill>
                     <a:srgbClr val="000000"/>
                   </a:solidFill>
@@ -17680,7 +17769,7 @@
             </a:ln>
             <a:extLst>
               <a:ext uri="{91240B29-F687-4f45-9708-019B960494DF}">
-                <a14:hiddenLine xmlns="" xmlns:a16="http://schemas.microsoft.com/office/drawing/2014/main" xmlns:p14="http://schemas.microsoft.com/office/powerpoint/2010/main" xmlns:a14="http://schemas.microsoft.com/office/drawing/2010/main" w="9525">
+                <a14:hiddenLine xmlns:a14="http://schemas.microsoft.com/office/drawing/2010/main" xmlns:p14="http://schemas.microsoft.com/office/powerpoint/2010/main" xmlns:a16="http://schemas.microsoft.com/office/drawing/2014/main" xmlns="" w="9525">
                   <a:solidFill>
                     <a:srgbClr val="000000"/>
                   </a:solidFill>
@@ -17763,7 +17852,7 @@
             </a:ln>
             <a:extLst>
               <a:ext uri="{91240B29-F687-4f45-9708-019B960494DF}">
-                <a14:hiddenLine xmlns="" xmlns:a16="http://schemas.microsoft.com/office/drawing/2014/main" xmlns:p14="http://schemas.microsoft.com/office/powerpoint/2010/main" xmlns:a14="http://schemas.microsoft.com/office/drawing/2010/main" w="9525">
+                <a14:hiddenLine xmlns:a14="http://schemas.microsoft.com/office/drawing/2010/main" xmlns:p14="http://schemas.microsoft.com/office/powerpoint/2010/main" xmlns:a16="http://schemas.microsoft.com/office/drawing/2014/main" xmlns="" w="9525">
                   <a:solidFill>
                     <a:srgbClr val="000000"/>
                   </a:solidFill>
@@ -17868,7 +17957,7 @@
             </a:ln>
             <a:extLst>
               <a:ext uri="{91240B29-F687-4f45-9708-019B960494DF}">
-                <a14:hiddenLine xmlns="" xmlns:a16="http://schemas.microsoft.com/office/drawing/2014/main" xmlns:p14="http://schemas.microsoft.com/office/powerpoint/2010/main" xmlns:a14="http://schemas.microsoft.com/office/drawing/2010/main" w="9525">
+                <a14:hiddenLine xmlns:a14="http://schemas.microsoft.com/office/drawing/2010/main" xmlns:p14="http://schemas.microsoft.com/office/powerpoint/2010/main" xmlns:a16="http://schemas.microsoft.com/office/drawing/2014/main" xmlns="" w="9525">
                   <a:solidFill>
                     <a:srgbClr val="000000"/>
                   </a:solidFill>
@@ -17936,7 +18025,7 @@
           <a:noFill/>
           <a:extLst>
             <a:ext uri="{909E8E84-426E-40dd-AFC4-6F175D3DCCD1}">
-              <a14:hiddenFill xmlns="" xmlns:a16="http://schemas.microsoft.com/office/drawing/2014/main" xmlns:p14="http://schemas.microsoft.com/office/powerpoint/2010/main" xmlns:a14="http://schemas.microsoft.com/office/drawing/2010/main">
+              <a14:hiddenFill xmlns:a14="http://schemas.microsoft.com/office/drawing/2010/main" xmlns:p14="http://schemas.microsoft.com/office/powerpoint/2010/main" xmlns:a16="http://schemas.microsoft.com/office/drawing/2014/main" xmlns="">
                 <a:solidFill>
                   <a:srgbClr val="FFFFFF"/>
                 </a:solidFill>
@@ -18632,7 +18721,7 @@
           <p:nvPr/>
         </p:nvPicPr>
         <p:blipFill>
-          <a:blip r:embed="rId2">
+          <a:blip r:embed="rId3">
             <a:extLst>
               <a:ext uri="{28A0092B-C50C-407E-A947-70E740481C1C}">
                 <a14:useLocalDpi xmlns:a14="http://schemas.microsoft.com/office/drawing/2010/main" val="0"/>
@@ -18679,7 +18768,7 @@
           <p:nvPr/>
         </p:nvPicPr>
         <p:blipFill>
-          <a:blip r:embed="rId3">
+          <a:blip r:embed="rId4">
             <a:extLst>
               <a:ext uri="{28A0092B-C50C-407E-A947-70E740481C1C}">
                 <a14:useLocalDpi xmlns:a14="http://schemas.microsoft.com/office/drawing/2010/main" val="0"/>
@@ -18726,7 +18815,7 @@
           <p:nvPr/>
         </p:nvPicPr>
         <p:blipFill>
-          <a:blip r:embed="rId4">
+          <a:blip r:embed="rId5">
             <a:extLst>
               <a:ext uri="{28A0092B-C50C-407E-A947-70E740481C1C}">
                 <a14:useLocalDpi xmlns:a14="http://schemas.microsoft.com/office/drawing/2010/main" val="0"/>
@@ -18773,7 +18862,7 @@
           <p:nvPr/>
         </p:nvPicPr>
         <p:blipFill>
-          <a:blip r:embed="rId5">
+          <a:blip r:embed="rId6">
             <a:extLst>
               <a:ext uri="{28A0092B-C50C-407E-A947-70E740481C1C}">
                 <a14:useLocalDpi xmlns:a14="http://schemas.microsoft.com/office/drawing/2010/main" val="0"/>
@@ -20251,7 +20340,7 @@
           <a:p>
             <a:r>
               <a:rPr lang="en-US" dirty="0"/>
-              <a:t>7. </a:t>
+              <a:t>7. If the Fuel price is very high in holiday, the weekly sale just decrease and be very little.</a:t>
             </a:r>
           </a:p>
           <a:p>
@@ -20458,7 +20547,7 @@
             <a:noFill/>
             <a:extLst>
               <a:ext uri="{909E8E84-426E-40dd-AFC4-6F175D3DCCD1}">
-                <a14:hiddenFill xmlns="" xmlns:a16="http://schemas.microsoft.com/office/drawing/2014/main" xmlns:a14="http://schemas.microsoft.com/office/drawing/2010/main" xmlns:p14="http://schemas.microsoft.com/office/powerpoint/2010/main">
+                <a14:hiddenFill xmlns:p14="http://schemas.microsoft.com/office/powerpoint/2010/main" xmlns:a14="http://schemas.microsoft.com/office/drawing/2010/main" xmlns:a16="http://schemas.microsoft.com/office/drawing/2014/main" xmlns="">
                   <a:solidFill>
                     <a:srgbClr val="FFFFFF"/>
                   </a:solidFill>
@@ -20542,7 +20631,7 @@
             </a:ln>
             <a:extLst>
               <a:ext uri="{91240B29-F687-4f45-9708-019B960494DF}">
-                <a14:hiddenLine xmlns="" xmlns:a16="http://schemas.microsoft.com/office/drawing/2014/main" xmlns:a14="http://schemas.microsoft.com/office/drawing/2010/main" xmlns:p14="http://schemas.microsoft.com/office/powerpoint/2010/main" w="9525">
+                <a14:hiddenLine xmlns:p14="http://schemas.microsoft.com/office/powerpoint/2010/main" xmlns:a14="http://schemas.microsoft.com/office/drawing/2010/main" xmlns:a16="http://schemas.microsoft.com/office/drawing/2014/main" xmlns="" w="9525">
                   <a:solidFill>
                     <a:srgbClr val="000000"/>
                   </a:solidFill>
@@ -20647,7 +20736,7 @@
             </a:ln>
             <a:extLst>
               <a:ext uri="{91240B29-F687-4f45-9708-019B960494DF}">
-                <a14:hiddenLine xmlns="" xmlns:a16="http://schemas.microsoft.com/office/drawing/2014/main" xmlns:a14="http://schemas.microsoft.com/office/drawing/2010/main" xmlns:p14="http://schemas.microsoft.com/office/powerpoint/2010/main" w="9525">
+                <a14:hiddenLine xmlns:p14="http://schemas.microsoft.com/office/powerpoint/2010/main" xmlns:a14="http://schemas.microsoft.com/office/drawing/2010/main" xmlns:a16="http://schemas.microsoft.com/office/drawing/2014/main" xmlns="" w="9525">
                   <a:solidFill>
                     <a:srgbClr val="000000"/>
                   </a:solidFill>
@@ -20752,7 +20841,7 @@
             </a:ln>
             <a:extLst>
               <a:ext uri="{91240B29-F687-4f45-9708-019B960494DF}">
-                <a14:hiddenLine xmlns="" xmlns:a16="http://schemas.microsoft.com/office/drawing/2014/main" xmlns:a14="http://schemas.microsoft.com/office/drawing/2010/main" xmlns:p14="http://schemas.microsoft.com/office/powerpoint/2010/main" w="9525">
+                <a14:hiddenLine xmlns:p14="http://schemas.microsoft.com/office/powerpoint/2010/main" xmlns:a14="http://schemas.microsoft.com/office/drawing/2010/main" xmlns:a16="http://schemas.microsoft.com/office/drawing/2014/main" xmlns="" w="9525">
                   <a:solidFill>
                     <a:srgbClr val="000000"/>
                   </a:solidFill>
@@ -20801,7 +20890,7 @@
             </a:ln>
             <a:extLst>
               <a:ext uri="{91240B29-F687-4f45-9708-019B960494DF}">
-                <a14:hiddenLine xmlns="" xmlns:a16="http://schemas.microsoft.com/office/drawing/2014/main" xmlns:a14="http://schemas.microsoft.com/office/drawing/2010/main" xmlns:p14="http://schemas.microsoft.com/office/powerpoint/2010/main" w="9525">
+                <a14:hiddenLine xmlns:p14="http://schemas.microsoft.com/office/powerpoint/2010/main" xmlns:a14="http://schemas.microsoft.com/office/drawing/2010/main" xmlns:a16="http://schemas.microsoft.com/office/drawing/2014/main" xmlns="" w="9525">
                   <a:solidFill>
                     <a:srgbClr val="000000"/>
                   </a:solidFill>
@@ -20906,7 +20995,7 @@
             </a:ln>
             <a:extLst>
               <a:ext uri="{91240B29-F687-4f45-9708-019B960494DF}">
-                <a14:hiddenLine xmlns="" xmlns:a16="http://schemas.microsoft.com/office/drawing/2014/main" xmlns:a14="http://schemas.microsoft.com/office/drawing/2010/main" xmlns:p14="http://schemas.microsoft.com/office/powerpoint/2010/main" w="9525">
+                <a14:hiddenLine xmlns:p14="http://schemas.microsoft.com/office/powerpoint/2010/main" xmlns:a14="http://schemas.microsoft.com/office/drawing/2010/main" xmlns:a16="http://schemas.microsoft.com/office/drawing/2014/main" xmlns="" w="9525">
                   <a:solidFill>
                     <a:srgbClr val="000000"/>
                   </a:solidFill>
@@ -20983,7 +21072,7 @@
             </a:ln>
             <a:extLst>
               <a:ext uri="{91240B29-F687-4f45-9708-019B960494DF}">
-                <a14:hiddenLine xmlns="" xmlns:a16="http://schemas.microsoft.com/office/drawing/2014/main" xmlns:a14="http://schemas.microsoft.com/office/drawing/2010/main" xmlns:p14="http://schemas.microsoft.com/office/powerpoint/2010/main" w="9525">
+                <a14:hiddenLine xmlns:p14="http://schemas.microsoft.com/office/powerpoint/2010/main" xmlns:a14="http://schemas.microsoft.com/office/drawing/2010/main" xmlns:a16="http://schemas.microsoft.com/office/drawing/2014/main" xmlns="" w="9525">
                   <a:solidFill>
                     <a:srgbClr val="000000"/>
                   </a:solidFill>
@@ -21060,7 +21149,7 @@
             </a:ln>
             <a:extLst>
               <a:ext uri="{91240B29-F687-4f45-9708-019B960494DF}">
-                <a14:hiddenLine xmlns="" xmlns:a16="http://schemas.microsoft.com/office/drawing/2014/main" xmlns:a14="http://schemas.microsoft.com/office/drawing/2010/main" xmlns:p14="http://schemas.microsoft.com/office/powerpoint/2010/main" w="9525">
+                <a14:hiddenLine xmlns:p14="http://schemas.microsoft.com/office/powerpoint/2010/main" xmlns:a14="http://schemas.microsoft.com/office/drawing/2010/main" xmlns:a16="http://schemas.microsoft.com/office/drawing/2014/main" xmlns="" w="9525">
                   <a:solidFill>
                     <a:srgbClr val="000000"/>
                   </a:solidFill>
@@ -21165,7 +21254,7 @@
             </a:ln>
             <a:extLst>
               <a:ext uri="{91240B29-F687-4f45-9708-019B960494DF}">
-                <a14:hiddenLine xmlns="" xmlns:a16="http://schemas.microsoft.com/office/drawing/2014/main" xmlns:a14="http://schemas.microsoft.com/office/drawing/2010/main" xmlns:p14="http://schemas.microsoft.com/office/powerpoint/2010/main" w="9525">
+                <a14:hiddenLine xmlns:p14="http://schemas.microsoft.com/office/powerpoint/2010/main" xmlns:a14="http://schemas.microsoft.com/office/drawing/2010/main" xmlns:a16="http://schemas.microsoft.com/office/drawing/2014/main" xmlns="" w="9525">
                   <a:solidFill>
                     <a:srgbClr val="000000"/>
                   </a:solidFill>
@@ -21242,7 +21331,7 @@
             </a:ln>
             <a:extLst>
               <a:ext uri="{91240B29-F687-4f45-9708-019B960494DF}">
-                <a14:hiddenLine xmlns="" xmlns:a16="http://schemas.microsoft.com/office/drawing/2014/main" xmlns:a14="http://schemas.microsoft.com/office/drawing/2010/main" xmlns:p14="http://schemas.microsoft.com/office/powerpoint/2010/main" w="9525">
+                <a14:hiddenLine xmlns:p14="http://schemas.microsoft.com/office/powerpoint/2010/main" xmlns:a14="http://schemas.microsoft.com/office/drawing/2010/main" xmlns:a16="http://schemas.microsoft.com/office/drawing/2014/main" xmlns="" w="9525">
                   <a:solidFill>
                     <a:srgbClr val="000000"/>
                   </a:solidFill>
@@ -21319,7 +21408,7 @@
             </a:ln>
             <a:extLst>
               <a:ext uri="{91240B29-F687-4f45-9708-019B960494DF}">
-                <a14:hiddenLine xmlns="" xmlns:a16="http://schemas.microsoft.com/office/drawing/2014/main" xmlns:a14="http://schemas.microsoft.com/office/drawing/2010/main" xmlns:p14="http://schemas.microsoft.com/office/powerpoint/2010/main" w="9525">
+                <a14:hiddenLine xmlns:p14="http://schemas.microsoft.com/office/powerpoint/2010/main" xmlns:a14="http://schemas.microsoft.com/office/drawing/2010/main" xmlns:a16="http://schemas.microsoft.com/office/drawing/2014/main" xmlns="" w="9525">
                   <a:solidFill>
                     <a:srgbClr val="000000"/>
                   </a:solidFill>
@@ -21424,7 +21513,7 @@
             </a:ln>
             <a:extLst>
               <a:ext uri="{91240B29-F687-4f45-9708-019B960494DF}">
-                <a14:hiddenLine xmlns="" xmlns:a16="http://schemas.microsoft.com/office/drawing/2014/main" xmlns:a14="http://schemas.microsoft.com/office/drawing/2010/main" xmlns:p14="http://schemas.microsoft.com/office/powerpoint/2010/main" w="9525">
+                <a14:hiddenLine xmlns:p14="http://schemas.microsoft.com/office/powerpoint/2010/main" xmlns:a14="http://schemas.microsoft.com/office/drawing/2010/main" xmlns:a16="http://schemas.microsoft.com/office/drawing/2014/main" xmlns="" w="9525">
                   <a:solidFill>
                     <a:srgbClr val="000000"/>
                   </a:solidFill>
@@ -21529,7 +21618,7 @@
             </a:ln>
             <a:extLst>
               <a:ext uri="{91240B29-F687-4f45-9708-019B960494DF}">
-                <a14:hiddenLine xmlns="" xmlns:a16="http://schemas.microsoft.com/office/drawing/2014/main" xmlns:a14="http://schemas.microsoft.com/office/drawing/2010/main" xmlns:p14="http://schemas.microsoft.com/office/powerpoint/2010/main" w="9525">
+                <a14:hiddenLine xmlns:p14="http://schemas.microsoft.com/office/powerpoint/2010/main" xmlns:a14="http://schemas.microsoft.com/office/drawing/2010/main" xmlns:a16="http://schemas.microsoft.com/office/drawing/2014/main" xmlns="" w="9525">
                   <a:solidFill>
                     <a:srgbClr val="000000"/>
                   </a:solidFill>
@@ -21606,7 +21695,7 @@
             </a:ln>
             <a:extLst>
               <a:ext uri="{91240B29-F687-4f45-9708-019B960494DF}">
-                <a14:hiddenLine xmlns="" xmlns:a16="http://schemas.microsoft.com/office/drawing/2014/main" xmlns:a14="http://schemas.microsoft.com/office/drawing/2010/main" xmlns:p14="http://schemas.microsoft.com/office/powerpoint/2010/main" w="9525">
+                <a14:hiddenLine xmlns:p14="http://schemas.microsoft.com/office/powerpoint/2010/main" xmlns:a14="http://schemas.microsoft.com/office/drawing/2010/main" xmlns:a16="http://schemas.microsoft.com/office/drawing/2014/main" xmlns="" w="9525">
                   <a:solidFill>
                     <a:srgbClr val="000000"/>
                   </a:solidFill>
@@ -21731,7 +21820,7 @@
             </a:ln>
             <a:extLst>
               <a:ext uri="{91240B29-F687-4f45-9708-019B960494DF}">
-                <a14:hiddenLine xmlns="" xmlns:a16="http://schemas.microsoft.com/office/drawing/2014/main" xmlns:a14="http://schemas.microsoft.com/office/drawing/2010/main" xmlns:p14="http://schemas.microsoft.com/office/powerpoint/2010/main" w="9525">
+                <a14:hiddenLine xmlns:p14="http://schemas.microsoft.com/office/powerpoint/2010/main" xmlns:a14="http://schemas.microsoft.com/office/drawing/2010/main" xmlns:a16="http://schemas.microsoft.com/office/drawing/2014/main" xmlns="" w="9525">
                   <a:solidFill>
                     <a:srgbClr val="000000"/>
                   </a:solidFill>
@@ -21808,7 +21897,7 @@
             </a:ln>
             <a:extLst>
               <a:ext uri="{91240B29-F687-4f45-9708-019B960494DF}">
-                <a14:hiddenLine xmlns="" xmlns:a16="http://schemas.microsoft.com/office/drawing/2014/main" xmlns:a14="http://schemas.microsoft.com/office/drawing/2010/main" xmlns:p14="http://schemas.microsoft.com/office/powerpoint/2010/main" w="9525">
+                <a14:hiddenLine xmlns:p14="http://schemas.microsoft.com/office/powerpoint/2010/main" xmlns:a14="http://schemas.microsoft.com/office/drawing/2010/main" xmlns:a16="http://schemas.microsoft.com/office/drawing/2014/main" xmlns="" w="9525">
                   <a:solidFill>
                     <a:srgbClr val="000000"/>
                   </a:solidFill>
@@ -21913,7 +22002,7 @@
             </a:ln>
             <a:extLst>
               <a:ext uri="{91240B29-F687-4f45-9708-019B960494DF}">
-                <a14:hiddenLine xmlns="" xmlns:a16="http://schemas.microsoft.com/office/drawing/2014/main" xmlns:a14="http://schemas.microsoft.com/office/drawing/2010/main" xmlns:p14="http://schemas.microsoft.com/office/powerpoint/2010/main" w="9525">
+                <a14:hiddenLine xmlns:p14="http://schemas.microsoft.com/office/powerpoint/2010/main" xmlns:a14="http://schemas.microsoft.com/office/drawing/2010/main" xmlns:a16="http://schemas.microsoft.com/office/drawing/2014/main" xmlns="" w="9525">
                   <a:solidFill>
                     <a:srgbClr val="000000"/>
                   </a:solidFill>
@@ -22018,7 +22107,7 @@
             </a:ln>
             <a:extLst>
               <a:ext uri="{91240B29-F687-4f45-9708-019B960494DF}">
-                <a14:hiddenLine xmlns="" xmlns:a16="http://schemas.microsoft.com/office/drawing/2014/main" xmlns:a14="http://schemas.microsoft.com/office/drawing/2010/main" xmlns:p14="http://schemas.microsoft.com/office/powerpoint/2010/main" w="9525">
+                <a14:hiddenLine xmlns:p14="http://schemas.microsoft.com/office/powerpoint/2010/main" xmlns:a14="http://schemas.microsoft.com/office/drawing/2010/main" xmlns:a16="http://schemas.microsoft.com/office/drawing/2014/main" xmlns="" w="9525">
                   <a:solidFill>
                     <a:srgbClr val="000000"/>
                   </a:solidFill>
@@ -22095,7 +22184,7 @@
             </a:ln>
             <a:extLst>
               <a:ext uri="{91240B29-F687-4f45-9708-019B960494DF}">
-                <a14:hiddenLine xmlns="" xmlns:a16="http://schemas.microsoft.com/office/drawing/2014/main" xmlns:a14="http://schemas.microsoft.com/office/drawing/2010/main" xmlns:p14="http://schemas.microsoft.com/office/powerpoint/2010/main" w="9525">
+                <a14:hiddenLine xmlns:p14="http://schemas.microsoft.com/office/powerpoint/2010/main" xmlns:a14="http://schemas.microsoft.com/office/drawing/2010/main" xmlns:a16="http://schemas.microsoft.com/office/drawing/2014/main" xmlns="" w="9525">
                   <a:solidFill>
                     <a:srgbClr val="000000"/>
                   </a:solidFill>
@@ -22200,7 +22289,7 @@
             </a:ln>
             <a:extLst>
               <a:ext uri="{91240B29-F687-4f45-9708-019B960494DF}">
-                <a14:hiddenLine xmlns="" xmlns:a16="http://schemas.microsoft.com/office/drawing/2014/main" xmlns:a14="http://schemas.microsoft.com/office/drawing/2010/main" xmlns:p14="http://schemas.microsoft.com/office/powerpoint/2010/main" w="9525">
+                <a14:hiddenLine xmlns:p14="http://schemas.microsoft.com/office/powerpoint/2010/main" xmlns:a14="http://schemas.microsoft.com/office/drawing/2010/main" xmlns:a16="http://schemas.microsoft.com/office/drawing/2014/main" xmlns="" w="9525">
                   <a:solidFill>
                     <a:srgbClr val="000000"/>
                   </a:solidFill>
@@ -22305,7 +22394,7 @@
             </a:ln>
             <a:extLst>
               <a:ext uri="{91240B29-F687-4f45-9708-019B960494DF}">
-                <a14:hiddenLine xmlns="" xmlns:a16="http://schemas.microsoft.com/office/drawing/2014/main" xmlns:a14="http://schemas.microsoft.com/office/drawing/2010/main" xmlns:p14="http://schemas.microsoft.com/office/powerpoint/2010/main" w="9525">
+                <a14:hiddenLine xmlns:p14="http://schemas.microsoft.com/office/powerpoint/2010/main" xmlns:a14="http://schemas.microsoft.com/office/drawing/2010/main" xmlns:a16="http://schemas.microsoft.com/office/drawing/2014/main" xmlns="" w="9525">
                   <a:solidFill>
                     <a:srgbClr val="000000"/>
                   </a:solidFill>
@@ -22376,7 +22465,7 @@
             </a:ln>
             <a:extLst>
               <a:ext uri="{91240B29-F687-4f45-9708-019B960494DF}">
-                <a14:hiddenLine xmlns="" xmlns:a16="http://schemas.microsoft.com/office/drawing/2014/main" xmlns:a14="http://schemas.microsoft.com/office/drawing/2010/main" xmlns:p14="http://schemas.microsoft.com/office/powerpoint/2010/main" w="9525">
+                <a14:hiddenLine xmlns:p14="http://schemas.microsoft.com/office/powerpoint/2010/main" xmlns:a14="http://schemas.microsoft.com/office/drawing/2010/main" xmlns:a16="http://schemas.microsoft.com/office/drawing/2014/main" xmlns="" w="9525">
                   <a:solidFill>
                     <a:srgbClr val="000000"/>
                   </a:solidFill>
@@ -22481,7 +22570,7 @@
             </a:ln>
             <a:extLst>
               <a:ext uri="{91240B29-F687-4f45-9708-019B960494DF}">
-                <a14:hiddenLine xmlns="" xmlns:a16="http://schemas.microsoft.com/office/drawing/2014/main" xmlns:a14="http://schemas.microsoft.com/office/drawing/2010/main" xmlns:p14="http://schemas.microsoft.com/office/powerpoint/2010/main" w="9525">
+                <a14:hiddenLine xmlns:p14="http://schemas.microsoft.com/office/powerpoint/2010/main" xmlns:a14="http://schemas.microsoft.com/office/drawing/2010/main" xmlns:a16="http://schemas.microsoft.com/office/drawing/2014/main" xmlns="" w="9525">
                   <a:solidFill>
                     <a:srgbClr val="000000"/>
                   </a:solidFill>
@@ -22552,7 +22641,7 @@
             </a:ln>
             <a:extLst>
               <a:ext uri="{91240B29-F687-4f45-9708-019B960494DF}">
-                <a14:hiddenLine xmlns="" xmlns:a16="http://schemas.microsoft.com/office/drawing/2014/main" xmlns:a14="http://schemas.microsoft.com/office/drawing/2010/main" xmlns:p14="http://schemas.microsoft.com/office/powerpoint/2010/main" w="9525">
+                <a14:hiddenLine xmlns:p14="http://schemas.microsoft.com/office/powerpoint/2010/main" xmlns:a14="http://schemas.microsoft.com/office/drawing/2010/main" xmlns:a16="http://schemas.microsoft.com/office/drawing/2014/main" xmlns="" w="9525">
                   <a:solidFill>
                     <a:srgbClr val="000000"/>
                   </a:solidFill>
@@ -22657,7 +22746,7 @@
             </a:ln>
             <a:extLst>
               <a:ext uri="{91240B29-F687-4f45-9708-019B960494DF}">
-                <a14:hiddenLine xmlns="" xmlns:a16="http://schemas.microsoft.com/office/drawing/2014/main" xmlns:a14="http://schemas.microsoft.com/office/drawing/2010/main" xmlns:p14="http://schemas.microsoft.com/office/powerpoint/2010/main" w="9525">
+                <a14:hiddenLine xmlns:p14="http://schemas.microsoft.com/office/powerpoint/2010/main" xmlns:a14="http://schemas.microsoft.com/office/drawing/2010/main" xmlns:a16="http://schemas.microsoft.com/office/drawing/2014/main" xmlns="" w="9525">
                   <a:solidFill>
                     <a:srgbClr val="000000"/>
                   </a:solidFill>
@@ -22740,7 +22829,7 @@
             </a:ln>
             <a:extLst>
               <a:ext uri="{91240B29-F687-4f45-9708-019B960494DF}">
-                <a14:hiddenLine xmlns="" xmlns:a16="http://schemas.microsoft.com/office/drawing/2014/main" xmlns:a14="http://schemas.microsoft.com/office/drawing/2010/main" xmlns:p14="http://schemas.microsoft.com/office/powerpoint/2010/main" w="9525">
+                <a14:hiddenLine xmlns:p14="http://schemas.microsoft.com/office/powerpoint/2010/main" xmlns:a14="http://schemas.microsoft.com/office/drawing/2010/main" xmlns:a16="http://schemas.microsoft.com/office/drawing/2014/main" xmlns="" w="9525">
                   <a:solidFill>
                     <a:srgbClr val="000000"/>
                   </a:solidFill>
@@ -22845,7 +22934,7 @@
             </a:ln>
             <a:extLst>
               <a:ext uri="{91240B29-F687-4f45-9708-019B960494DF}">
-                <a14:hiddenLine xmlns="" xmlns:a16="http://schemas.microsoft.com/office/drawing/2014/main" xmlns:a14="http://schemas.microsoft.com/office/drawing/2010/main" xmlns:p14="http://schemas.microsoft.com/office/powerpoint/2010/main" w="9525">
+                <a14:hiddenLine xmlns:p14="http://schemas.microsoft.com/office/powerpoint/2010/main" xmlns:a14="http://schemas.microsoft.com/office/drawing/2010/main" xmlns:a16="http://schemas.microsoft.com/office/drawing/2014/main" xmlns="" w="9525">
                   <a:solidFill>
                     <a:srgbClr val="000000"/>
                   </a:solidFill>
@@ -22928,7 +23017,7 @@
             </a:ln>
             <a:extLst>
               <a:ext uri="{91240B29-F687-4f45-9708-019B960494DF}">
-                <a14:hiddenLine xmlns="" xmlns:a16="http://schemas.microsoft.com/office/drawing/2014/main" xmlns:a14="http://schemas.microsoft.com/office/drawing/2010/main" xmlns:p14="http://schemas.microsoft.com/office/powerpoint/2010/main" w="9525">
+                <a14:hiddenLine xmlns:p14="http://schemas.microsoft.com/office/powerpoint/2010/main" xmlns:a14="http://schemas.microsoft.com/office/drawing/2010/main" xmlns:a16="http://schemas.microsoft.com/office/drawing/2014/main" xmlns="" w="9525">
                   <a:solidFill>
                     <a:srgbClr val="000000"/>
                   </a:solidFill>
@@ -23033,7 +23122,7 @@
             </a:ln>
             <a:extLst>
               <a:ext uri="{91240B29-F687-4f45-9708-019B960494DF}">
-                <a14:hiddenLine xmlns="" xmlns:a16="http://schemas.microsoft.com/office/drawing/2014/main" xmlns:a14="http://schemas.microsoft.com/office/drawing/2010/main" xmlns:p14="http://schemas.microsoft.com/office/powerpoint/2010/main" w="9525">
+                <a14:hiddenLine xmlns:p14="http://schemas.microsoft.com/office/powerpoint/2010/main" xmlns:a14="http://schemas.microsoft.com/office/drawing/2010/main" xmlns:a16="http://schemas.microsoft.com/office/drawing/2014/main" xmlns="" w="9525">
                   <a:solidFill>
                     <a:srgbClr val="000000"/>
                   </a:solidFill>
@@ -23082,7 +23171,7 @@
             </a:ln>
             <a:extLst>
               <a:ext uri="{91240B29-F687-4f45-9708-019B960494DF}">
-                <a14:hiddenLine xmlns="" xmlns:a16="http://schemas.microsoft.com/office/drawing/2014/main" xmlns:a14="http://schemas.microsoft.com/office/drawing/2010/main" xmlns:p14="http://schemas.microsoft.com/office/powerpoint/2010/main" w="9525">
+                <a14:hiddenLine xmlns:p14="http://schemas.microsoft.com/office/powerpoint/2010/main" xmlns:a14="http://schemas.microsoft.com/office/drawing/2010/main" xmlns:a16="http://schemas.microsoft.com/office/drawing/2014/main" xmlns="" w="9525">
                   <a:solidFill>
                     <a:srgbClr val="000000"/>
                   </a:solidFill>
@@ -23187,7 +23276,7 @@
             </a:ln>
             <a:extLst>
               <a:ext uri="{91240B29-F687-4f45-9708-019B960494DF}">
-                <a14:hiddenLine xmlns="" xmlns:a16="http://schemas.microsoft.com/office/drawing/2014/main" xmlns:a14="http://schemas.microsoft.com/office/drawing/2010/main" xmlns:p14="http://schemas.microsoft.com/office/powerpoint/2010/main" w="9525">
+                <a14:hiddenLine xmlns:p14="http://schemas.microsoft.com/office/powerpoint/2010/main" xmlns:a14="http://schemas.microsoft.com/office/drawing/2010/main" xmlns:a16="http://schemas.microsoft.com/office/drawing/2014/main" xmlns="" w="9525">
                   <a:solidFill>
                     <a:srgbClr val="000000"/>
                   </a:solidFill>
@@ -23264,7 +23353,7 @@
             </a:ln>
             <a:extLst>
               <a:ext uri="{91240B29-F687-4f45-9708-019B960494DF}">
-                <a14:hiddenLine xmlns="" xmlns:a16="http://schemas.microsoft.com/office/drawing/2014/main" xmlns:a14="http://schemas.microsoft.com/office/drawing/2010/main" xmlns:p14="http://schemas.microsoft.com/office/powerpoint/2010/main" w="9525">
+                <a14:hiddenLine xmlns:p14="http://schemas.microsoft.com/office/powerpoint/2010/main" xmlns:a14="http://schemas.microsoft.com/office/drawing/2010/main" xmlns:a16="http://schemas.microsoft.com/office/drawing/2014/main" xmlns="" w="9525">
                   <a:solidFill>
                     <a:srgbClr val="000000"/>
                   </a:solidFill>
@@ -23341,7 +23430,7 @@
             </a:ln>
             <a:extLst>
               <a:ext uri="{91240B29-F687-4f45-9708-019B960494DF}">
-                <a14:hiddenLine xmlns="" xmlns:a16="http://schemas.microsoft.com/office/drawing/2014/main" xmlns:a14="http://schemas.microsoft.com/office/drawing/2010/main" xmlns:p14="http://schemas.microsoft.com/office/powerpoint/2010/main" w="9525">
+                <a14:hiddenLine xmlns:p14="http://schemas.microsoft.com/office/powerpoint/2010/main" xmlns:a14="http://schemas.microsoft.com/office/drawing/2010/main" xmlns:a16="http://schemas.microsoft.com/office/drawing/2014/main" xmlns="" w="9525">
                   <a:solidFill>
                     <a:srgbClr val="000000"/>
                   </a:solidFill>
@@ -23446,7 +23535,7 @@
             </a:ln>
             <a:extLst>
               <a:ext uri="{91240B29-F687-4f45-9708-019B960494DF}">
-                <a14:hiddenLine xmlns="" xmlns:a16="http://schemas.microsoft.com/office/drawing/2014/main" xmlns:a14="http://schemas.microsoft.com/office/drawing/2010/main" xmlns:p14="http://schemas.microsoft.com/office/powerpoint/2010/main" w="9525">
+                <a14:hiddenLine xmlns:p14="http://schemas.microsoft.com/office/powerpoint/2010/main" xmlns:a14="http://schemas.microsoft.com/office/drawing/2010/main" xmlns:a16="http://schemas.microsoft.com/office/drawing/2014/main" xmlns="" w="9525">
                   <a:solidFill>
                     <a:srgbClr val="000000"/>
                   </a:solidFill>
@@ -23529,7 +23618,7 @@
             </a:ln>
             <a:extLst>
               <a:ext uri="{91240B29-F687-4f45-9708-019B960494DF}">
-                <a14:hiddenLine xmlns="" xmlns:a16="http://schemas.microsoft.com/office/drawing/2014/main" xmlns:a14="http://schemas.microsoft.com/office/drawing/2010/main" xmlns:p14="http://schemas.microsoft.com/office/powerpoint/2010/main" w="9525">
+                <a14:hiddenLine xmlns:p14="http://schemas.microsoft.com/office/powerpoint/2010/main" xmlns:a14="http://schemas.microsoft.com/office/drawing/2010/main" xmlns:a16="http://schemas.microsoft.com/office/drawing/2014/main" xmlns="" w="9525">
                   <a:solidFill>
                     <a:srgbClr val="000000"/>
                   </a:solidFill>
@@ -23606,7 +23695,7 @@
             </a:ln>
             <a:extLst>
               <a:ext uri="{91240B29-F687-4f45-9708-019B960494DF}">
-                <a14:hiddenLine xmlns="" xmlns:a16="http://schemas.microsoft.com/office/drawing/2014/main" xmlns:a14="http://schemas.microsoft.com/office/drawing/2010/main" xmlns:p14="http://schemas.microsoft.com/office/powerpoint/2010/main" w="9525">
+                <a14:hiddenLine xmlns:p14="http://schemas.microsoft.com/office/powerpoint/2010/main" xmlns:a14="http://schemas.microsoft.com/office/drawing/2010/main" xmlns:a16="http://schemas.microsoft.com/office/drawing/2014/main" xmlns="" w="9525">
                   <a:solidFill>
                     <a:srgbClr val="000000"/>
                   </a:solidFill>
@@ -23711,7 +23800,7 @@
             </a:ln>
             <a:extLst>
               <a:ext uri="{91240B29-F687-4f45-9708-019B960494DF}">
-                <a14:hiddenLine xmlns="" xmlns:a16="http://schemas.microsoft.com/office/drawing/2014/main" xmlns:a14="http://schemas.microsoft.com/office/drawing/2010/main" xmlns:p14="http://schemas.microsoft.com/office/powerpoint/2010/main" w="9525">
+                <a14:hiddenLine xmlns:p14="http://schemas.microsoft.com/office/powerpoint/2010/main" xmlns:a14="http://schemas.microsoft.com/office/drawing/2010/main" xmlns:a16="http://schemas.microsoft.com/office/drawing/2014/main" xmlns="" w="9525">
                   <a:solidFill>
                     <a:srgbClr val="000000"/>
                   </a:solidFill>
@@ -23788,7 +23877,7 @@
             </a:ln>
             <a:extLst>
               <a:ext uri="{91240B29-F687-4f45-9708-019B960494DF}">
-                <a14:hiddenLine xmlns="" xmlns:a16="http://schemas.microsoft.com/office/drawing/2014/main" xmlns:a14="http://schemas.microsoft.com/office/drawing/2010/main" xmlns:p14="http://schemas.microsoft.com/office/powerpoint/2010/main" w="9525">
+                <a14:hiddenLine xmlns:p14="http://schemas.microsoft.com/office/powerpoint/2010/main" xmlns:a14="http://schemas.microsoft.com/office/drawing/2010/main" xmlns:a16="http://schemas.microsoft.com/office/drawing/2014/main" xmlns="" w="9525">
                   <a:solidFill>
                     <a:srgbClr val="000000"/>
                   </a:solidFill>
@@ -23893,7 +23982,7 @@
             </a:ln>
             <a:extLst>
               <a:ext uri="{91240B29-F687-4f45-9708-019B960494DF}">
-                <a14:hiddenLine xmlns="" xmlns:a16="http://schemas.microsoft.com/office/drawing/2014/main" xmlns:a14="http://schemas.microsoft.com/office/drawing/2010/main" xmlns:p14="http://schemas.microsoft.com/office/powerpoint/2010/main" w="9525">
+                <a14:hiddenLine xmlns:p14="http://schemas.microsoft.com/office/powerpoint/2010/main" xmlns:a14="http://schemas.microsoft.com/office/drawing/2010/main" xmlns:a16="http://schemas.microsoft.com/office/drawing/2014/main" xmlns="" w="9525">
                   <a:solidFill>
                     <a:srgbClr val="000000"/>
                   </a:solidFill>
@@ -23970,7 +24059,7 @@
             </a:ln>
             <a:extLst>
               <a:ext uri="{91240B29-F687-4f45-9708-019B960494DF}">
-                <a14:hiddenLine xmlns="" xmlns:a16="http://schemas.microsoft.com/office/drawing/2014/main" xmlns:a14="http://schemas.microsoft.com/office/drawing/2010/main" xmlns:p14="http://schemas.microsoft.com/office/powerpoint/2010/main" w="9525">
+                <a14:hiddenLine xmlns:p14="http://schemas.microsoft.com/office/powerpoint/2010/main" xmlns:a14="http://schemas.microsoft.com/office/drawing/2010/main" xmlns:a16="http://schemas.microsoft.com/office/drawing/2014/main" xmlns="" w="9525">
                   <a:solidFill>
                     <a:srgbClr val="000000"/>
                   </a:solidFill>
@@ -24075,7 +24164,7 @@
             </a:ln>
             <a:extLst>
               <a:ext uri="{91240B29-F687-4f45-9708-019B960494DF}">
-                <a14:hiddenLine xmlns="" xmlns:a16="http://schemas.microsoft.com/office/drawing/2014/main" xmlns:a14="http://schemas.microsoft.com/office/drawing/2010/main" xmlns:p14="http://schemas.microsoft.com/office/powerpoint/2010/main" w="9525">
+                <a14:hiddenLine xmlns:p14="http://schemas.microsoft.com/office/powerpoint/2010/main" xmlns:a14="http://schemas.microsoft.com/office/drawing/2010/main" xmlns:a16="http://schemas.microsoft.com/office/drawing/2014/main" xmlns="" w="9525">
                   <a:solidFill>
                     <a:srgbClr val="000000"/>
                   </a:solidFill>
@@ -24124,7 +24213,7 @@
             </a:ln>
             <a:extLst>
               <a:ext uri="{91240B29-F687-4f45-9708-019B960494DF}">
-                <a14:hiddenLine xmlns="" xmlns:a16="http://schemas.microsoft.com/office/drawing/2014/main" xmlns:a14="http://schemas.microsoft.com/office/drawing/2010/main" xmlns:p14="http://schemas.microsoft.com/office/powerpoint/2010/main" w="9525">
+                <a14:hiddenLine xmlns:p14="http://schemas.microsoft.com/office/powerpoint/2010/main" xmlns:a14="http://schemas.microsoft.com/office/drawing/2010/main" xmlns:a16="http://schemas.microsoft.com/office/drawing/2014/main" xmlns="" w="9525">
                   <a:solidFill>
                     <a:srgbClr val="000000"/>
                   </a:solidFill>
@@ -24204,7 +24293,7 @@
             </a:ln>
             <a:extLst>
               <a:ext uri="{91240B29-F687-4f45-9708-019B960494DF}">
-                <a14:hiddenLine xmlns="" xmlns:a16="http://schemas.microsoft.com/office/drawing/2014/main" xmlns:a14="http://schemas.microsoft.com/office/drawing/2010/main" xmlns:p14="http://schemas.microsoft.com/office/powerpoint/2010/main" w="9525">
+                <a14:hiddenLine xmlns:p14="http://schemas.microsoft.com/office/powerpoint/2010/main" xmlns:a14="http://schemas.microsoft.com/office/drawing/2010/main" xmlns:a16="http://schemas.microsoft.com/office/drawing/2014/main" xmlns="" w="9525">
                   <a:solidFill>
                     <a:srgbClr val="000000"/>
                   </a:solidFill>
@@ -24309,7 +24398,7 @@
             </a:ln>
             <a:extLst>
               <a:ext uri="{91240B29-F687-4f45-9708-019B960494DF}">
-                <a14:hiddenLine xmlns="" xmlns:a16="http://schemas.microsoft.com/office/drawing/2014/main" xmlns:a14="http://schemas.microsoft.com/office/drawing/2010/main" xmlns:p14="http://schemas.microsoft.com/office/powerpoint/2010/main" w="9525">
+                <a14:hiddenLine xmlns:p14="http://schemas.microsoft.com/office/powerpoint/2010/main" xmlns:a14="http://schemas.microsoft.com/office/drawing/2010/main" xmlns:a16="http://schemas.microsoft.com/office/drawing/2014/main" xmlns="" w="9525">
                   <a:solidFill>
                     <a:srgbClr val="000000"/>
                   </a:solidFill>
@@ -24386,7 +24475,7 @@
             </a:ln>
             <a:extLst>
               <a:ext uri="{91240B29-F687-4f45-9708-019B960494DF}">
-                <a14:hiddenLine xmlns="" xmlns:a16="http://schemas.microsoft.com/office/drawing/2014/main" xmlns:a14="http://schemas.microsoft.com/office/drawing/2010/main" xmlns:p14="http://schemas.microsoft.com/office/powerpoint/2010/main" w="9525">
+                <a14:hiddenLine xmlns:p14="http://schemas.microsoft.com/office/powerpoint/2010/main" xmlns:a14="http://schemas.microsoft.com/office/drawing/2010/main" xmlns:a16="http://schemas.microsoft.com/office/drawing/2014/main" xmlns="" w="9525">
                   <a:solidFill>
                     <a:srgbClr val="000000"/>
                   </a:solidFill>
@@ -24491,7 +24580,7 @@
             </a:ln>
             <a:extLst>
               <a:ext uri="{91240B29-F687-4f45-9708-019B960494DF}">
-                <a14:hiddenLine xmlns="" xmlns:a16="http://schemas.microsoft.com/office/drawing/2014/main" xmlns:a14="http://schemas.microsoft.com/office/drawing/2010/main" xmlns:p14="http://schemas.microsoft.com/office/powerpoint/2010/main" w="9525">
+                <a14:hiddenLine xmlns:p14="http://schemas.microsoft.com/office/powerpoint/2010/main" xmlns:a14="http://schemas.microsoft.com/office/drawing/2010/main" xmlns:a16="http://schemas.microsoft.com/office/drawing/2014/main" xmlns="" w="9525">
                   <a:solidFill>
                     <a:srgbClr val="000000"/>
                   </a:solidFill>
@@ -24596,7 +24685,7 @@
             </a:ln>
             <a:extLst>
               <a:ext uri="{91240B29-F687-4f45-9708-019B960494DF}">
-                <a14:hiddenLine xmlns="" xmlns:a16="http://schemas.microsoft.com/office/drawing/2014/main" xmlns:a14="http://schemas.microsoft.com/office/drawing/2010/main" xmlns:p14="http://schemas.microsoft.com/office/powerpoint/2010/main" w="9525">
+                <a14:hiddenLine xmlns:p14="http://schemas.microsoft.com/office/powerpoint/2010/main" xmlns:a14="http://schemas.microsoft.com/office/drawing/2010/main" xmlns:a16="http://schemas.microsoft.com/office/drawing/2014/main" xmlns="" w="9525">
                   <a:solidFill>
                     <a:srgbClr val="000000"/>
                   </a:solidFill>
@@ -24676,7 +24765,7 @@
             </a:ln>
             <a:extLst>
               <a:ext uri="{91240B29-F687-4f45-9708-019B960494DF}">
-                <a14:hiddenLine xmlns="" xmlns:a16="http://schemas.microsoft.com/office/drawing/2014/main" xmlns:a14="http://schemas.microsoft.com/office/drawing/2010/main" xmlns:p14="http://schemas.microsoft.com/office/powerpoint/2010/main" w="9525">
+                <a14:hiddenLine xmlns:p14="http://schemas.microsoft.com/office/powerpoint/2010/main" xmlns:a14="http://schemas.microsoft.com/office/drawing/2010/main" xmlns:a16="http://schemas.microsoft.com/office/drawing/2014/main" xmlns="" w="9525">
                   <a:solidFill>
                     <a:srgbClr val="000000"/>
                   </a:solidFill>
@@ -24753,7 +24842,7 @@
             </a:ln>
             <a:extLst>
               <a:ext uri="{91240B29-F687-4f45-9708-019B960494DF}">
-                <a14:hiddenLine xmlns="" xmlns:a16="http://schemas.microsoft.com/office/drawing/2014/main" xmlns:a14="http://schemas.microsoft.com/office/drawing/2010/main" xmlns:p14="http://schemas.microsoft.com/office/powerpoint/2010/main" w="9525">
+                <a14:hiddenLine xmlns:p14="http://schemas.microsoft.com/office/powerpoint/2010/main" xmlns:a14="http://schemas.microsoft.com/office/drawing/2010/main" xmlns:a16="http://schemas.microsoft.com/office/drawing/2014/main" xmlns="" w="9525">
                   <a:solidFill>
                     <a:srgbClr val="000000"/>
                   </a:solidFill>
@@ -24858,7 +24947,7 @@
             </a:ln>
             <a:extLst>
               <a:ext uri="{91240B29-F687-4f45-9708-019B960494DF}">
-                <a14:hiddenLine xmlns="" xmlns:a16="http://schemas.microsoft.com/office/drawing/2014/main" xmlns:a14="http://schemas.microsoft.com/office/drawing/2010/main" xmlns:p14="http://schemas.microsoft.com/office/powerpoint/2010/main" w="9525">
+                <a14:hiddenLine xmlns:p14="http://schemas.microsoft.com/office/powerpoint/2010/main" xmlns:a14="http://schemas.microsoft.com/office/drawing/2010/main" xmlns:a16="http://schemas.microsoft.com/office/drawing/2014/main" xmlns="" w="9525">
                   <a:solidFill>
                     <a:srgbClr val="000000"/>
                   </a:solidFill>
@@ -24963,7 +25052,7 @@
             </a:ln>
             <a:extLst>
               <a:ext uri="{91240B29-F687-4f45-9708-019B960494DF}">
-                <a14:hiddenLine xmlns="" xmlns:a16="http://schemas.microsoft.com/office/drawing/2014/main" xmlns:a14="http://schemas.microsoft.com/office/drawing/2010/main" xmlns:p14="http://schemas.microsoft.com/office/powerpoint/2010/main" w="9525">
+                <a14:hiddenLine xmlns:p14="http://schemas.microsoft.com/office/powerpoint/2010/main" xmlns:a14="http://schemas.microsoft.com/office/drawing/2010/main" xmlns:a16="http://schemas.microsoft.com/office/drawing/2014/main" xmlns="" w="9525">
                   <a:solidFill>
                     <a:srgbClr val="000000"/>
                   </a:solidFill>
@@ -25040,7 +25129,7 @@
             </a:ln>
             <a:extLst>
               <a:ext uri="{91240B29-F687-4f45-9708-019B960494DF}">
-                <a14:hiddenLine xmlns="" xmlns:a16="http://schemas.microsoft.com/office/drawing/2014/main" xmlns:a14="http://schemas.microsoft.com/office/drawing/2010/main" xmlns:p14="http://schemas.microsoft.com/office/powerpoint/2010/main" w="9525">
+                <a14:hiddenLine xmlns:p14="http://schemas.microsoft.com/office/powerpoint/2010/main" xmlns:a14="http://schemas.microsoft.com/office/drawing/2010/main" xmlns:a16="http://schemas.microsoft.com/office/drawing/2014/main" xmlns="" w="9525">
                   <a:solidFill>
                     <a:srgbClr val="000000"/>
                   </a:solidFill>
@@ -25175,7 +25264,7 @@
             </a:ln>
             <a:extLst>
               <a:ext uri="{91240B29-F687-4f45-9708-019B960494DF}">
-                <a14:hiddenLine xmlns="" xmlns:a16="http://schemas.microsoft.com/office/drawing/2014/main" xmlns:a14="http://schemas.microsoft.com/office/drawing/2010/main" xmlns:p14="http://schemas.microsoft.com/office/powerpoint/2010/main" w="9525">
+                <a14:hiddenLine xmlns:p14="http://schemas.microsoft.com/office/powerpoint/2010/main" xmlns:a14="http://schemas.microsoft.com/office/drawing/2010/main" xmlns:a16="http://schemas.microsoft.com/office/drawing/2014/main" xmlns="" w="9525">
                   <a:solidFill>
                     <a:srgbClr val="000000"/>
                   </a:solidFill>
@@ -25258,7 +25347,7 @@
             </a:ln>
             <a:extLst>
               <a:ext uri="{91240B29-F687-4f45-9708-019B960494DF}">
-                <a14:hiddenLine xmlns="" xmlns:a16="http://schemas.microsoft.com/office/drawing/2014/main" xmlns:a14="http://schemas.microsoft.com/office/drawing/2010/main" xmlns:p14="http://schemas.microsoft.com/office/powerpoint/2010/main" w="9525">
+                <a14:hiddenLine xmlns:p14="http://schemas.microsoft.com/office/powerpoint/2010/main" xmlns:a14="http://schemas.microsoft.com/office/drawing/2010/main" xmlns:a16="http://schemas.microsoft.com/office/drawing/2014/main" xmlns="" w="9525">
                   <a:solidFill>
                     <a:srgbClr val="000000"/>
                   </a:solidFill>
@@ -25363,7 +25452,7 @@
             </a:ln>
             <a:extLst>
               <a:ext uri="{91240B29-F687-4f45-9708-019B960494DF}">
-                <a14:hiddenLine xmlns="" xmlns:a16="http://schemas.microsoft.com/office/drawing/2014/main" xmlns:a14="http://schemas.microsoft.com/office/drawing/2010/main" xmlns:p14="http://schemas.microsoft.com/office/powerpoint/2010/main" w="9525">
+                <a14:hiddenLine xmlns:p14="http://schemas.microsoft.com/office/powerpoint/2010/main" xmlns:a14="http://schemas.microsoft.com/office/drawing/2010/main" xmlns:a16="http://schemas.microsoft.com/office/drawing/2014/main" xmlns="" w="9525">
                   <a:solidFill>
                     <a:srgbClr val="000000"/>
                   </a:solidFill>

--- a/FP.pptx
+++ b/FP.pptx
@@ -5,7 +5,7 @@
     <p:sldMasterId id="2147483719" r:id="rId1"/>
   </p:sldMasterIdLst>
   <p:notesMasterIdLst>
-    <p:notesMasterId r:id="rId23"/>
+    <p:notesMasterId r:id="rId24"/>
   </p:notesMasterIdLst>
   <p:sldIdLst>
     <p:sldId id="256" r:id="rId2"/>
@@ -29,6 +29,7 @@
     <p:sldId id="274" r:id="rId20"/>
     <p:sldId id="273" r:id="rId21"/>
     <p:sldId id="275" r:id="rId22"/>
+    <p:sldId id="277" r:id="rId23"/>
   </p:sldIdLst>
   <p:sldSz cx="12192000" cy="6858000"/>
   <p:notesSz cx="6858000" cy="9144000"/>
@@ -702,7 +703,7 @@
           <a:noFill/>
           <a:extLst>
             <a:ext uri="{909E8E84-426E-40dd-AFC4-6F175D3DCCD1}">
-              <a14:hiddenFill xmlns="" xmlns:a14="http://schemas.microsoft.com/office/drawing/2010/main">
+              <a14:hiddenFill xmlns:a14="http://schemas.microsoft.com/office/drawing/2010/main" xmlns="">
                 <a:solidFill>
                   <a:srgbClr val="FFFFFF"/>
                 </a:solidFill>
@@ -762,7 +763,7 @@
             </a:ln>
             <a:extLst>
               <a:ext uri="{91240B29-F687-4f45-9708-019B960494DF}">
-                <a14:hiddenLine xmlns="" xmlns:a14="http://schemas.microsoft.com/office/drawing/2010/main" w="9525">
+                <a14:hiddenLine xmlns:a14="http://schemas.microsoft.com/office/drawing/2010/main" xmlns="" w="9525">
                   <a:solidFill>
                     <a:srgbClr val="000000"/>
                   </a:solidFill>
@@ -852,7 +853,7 @@
             </a:ln>
             <a:extLst>
               <a:ext uri="{91240B29-F687-4f45-9708-019B960494DF}">
-                <a14:hiddenLine xmlns="" xmlns:a14="http://schemas.microsoft.com/office/drawing/2010/main" w="9525">
+                <a14:hiddenLine xmlns:a14="http://schemas.microsoft.com/office/drawing/2010/main" xmlns="" w="9525">
                   <a:solidFill>
                     <a:srgbClr val="000000"/>
                   </a:solidFill>
@@ -942,7 +943,7 @@
             </a:ln>
             <a:extLst>
               <a:ext uri="{91240B29-F687-4f45-9708-019B960494DF}">
-                <a14:hiddenLine xmlns="" xmlns:a14="http://schemas.microsoft.com/office/drawing/2010/main" w="9525">
+                <a14:hiddenLine xmlns:a14="http://schemas.microsoft.com/office/drawing/2010/main" xmlns="" w="9525">
                   <a:solidFill>
                     <a:srgbClr val="000000"/>
                   </a:solidFill>
@@ -976,7 +977,7 @@
             </a:ln>
             <a:extLst>
               <a:ext uri="{91240B29-F687-4f45-9708-019B960494DF}">
-                <a14:hiddenLine xmlns="" xmlns:a14="http://schemas.microsoft.com/office/drawing/2010/main" w="9525">
+                <a14:hiddenLine xmlns:a14="http://schemas.microsoft.com/office/drawing/2010/main" xmlns="" w="9525">
                   <a:solidFill>
                     <a:srgbClr val="000000"/>
                   </a:solidFill>
@@ -1066,7 +1067,7 @@
             </a:ln>
             <a:extLst>
               <a:ext uri="{91240B29-F687-4f45-9708-019B960494DF}">
-                <a14:hiddenLine xmlns="" xmlns:a14="http://schemas.microsoft.com/office/drawing/2010/main" w="9525">
+                <a14:hiddenLine xmlns:a14="http://schemas.microsoft.com/office/drawing/2010/main" xmlns="" w="9525">
                   <a:solidFill>
                     <a:srgbClr val="000000"/>
                   </a:solidFill>
@@ -1128,7 +1129,7 @@
             </a:ln>
             <a:extLst>
               <a:ext uri="{91240B29-F687-4f45-9708-019B960494DF}">
-                <a14:hiddenLine xmlns="" xmlns:a14="http://schemas.microsoft.com/office/drawing/2010/main" w="9525">
+                <a14:hiddenLine xmlns:a14="http://schemas.microsoft.com/office/drawing/2010/main" xmlns="" w="9525">
                   <a:solidFill>
                     <a:srgbClr val="000000"/>
                   </a:solidFill>
@@ -1190,7 +1191,7 @@
             </a:ln>
             <a:extLst>
               <a:ext uri="{91240B29-F687-4f45-9708-019B960494DF}">
-                <a14:hiddenLine xmlns="" xmlns:a14="http://schemas.microsoft.com/office/drawing/2010/main" w="9525">
+                <a14:hiddenLine xmlns:a14="http://schemas.microsoft.com/office/drawing/2010/main" xmlns="" w="9525">
                   <a:solidFill>
                     <a:srgbClr val="000000"/>
                   </a:solidFill>
@@ -1280,7 +1281,7 @@
             </a:ln>
             <a:extLst>
               <a:ext uri="{91240B29-F687-4f45-9708-019B960494DF}">
-                <a14:hiddenLine xmlns="" xmlns:a14="http://schemas.microsoft.com/office/drawing/2010/main" w="9525">
+                <a14:hiddenLine xmlns:a14="http://schemas.microsoft.com/office/drawing/2010/main" xmlns="" w="9525">
                   <a:solidFill>
                     <a:srgbClr val="000000"/>
                   </a:solidFill>
@@ -1342,7 +1343,7 @@
             </a:ln>
             <a:extLst>
               <a:ext uri="{91240B29-F687-4f45-9708-019B960494DF}">
-                <a14:hiddenLine xmlns="" xmlns:a14="http://schemas.microsoft.com/office/drawing/2010/main" w="9525">
+                <a14:hiddenLine xmlns:a14="http://schemas.microsoft.com/office/drawing/2010/main" xmlns="" w="9525">
                   <a:solidFill>
                     <a:srgbClr val="000000"/>
                   </a:solidFill>
@@ -1404,7 +1405,7 @@
             </a:ln>
             <a:extLst>
               <a:ext uri="{91240B29-F687-4f45-9708-019B960494DF}">
-                <a14:hiddenLine xmlns="" xmlns:a14="http://schemas.microsoft.com/office/drawing/2010/main" w="9525">
+                <a14:hiddenLine xmlns:a14="http://schemas.microsoft.com/office/drawing/2010/main" xmlns="" w="9525">
                   <a:solidFill>
                     <a:srgbClr val="000000"/>
                   </a:solidFill>
@@ -1494,7 +1495,7 @@
             </a:ln>
             <a:extLst>
               <a:ext uri="{91240B29-F687-4f45-9708-019B960494DF}">
-                <a14:hiddenLine xmlns="" xmlns:a14="http://schemas.microsoft.com/office/drawing/2010/main" w="9525">
+                <a14:hiddenLine xmlns:a14="http://schemas.microsoft.com/office/drawing/2010/main" xmlns="" w="9525">
                   <a:solidFill>
                     <a:srgbClr val="000000"/>
                   </a:solidFill>
@@ -1584,7 +1585,7 @@
             </a:ln>
             <a:extLst>
               <a:ext uri="{91240B29-F687-4f45-9708-019B960494DF}">
-                <a14:hiddenLine xmlns="" xmlns:a14="http://schemas.microsoft.com/office/drawing/2010/main" w="9525">
+                <a14:hiddenLine xmlns:a14="http://schemas.microsoft.com/office/drawing/2010/main" xmlns="" w="9525">
                   <a:solidFill>
                     <a:srgbClr val="000000"/>
                   </a:solidFill>
@@ -1646,7 +1647,7 @@
             </a:ln>
             <a:extLst>
               <a:ext uri="{91240B29-F687-4f45-9708-019B960494DF}">
-                <a14:hiddenLine xmlns="" xmlns:a14="http://schemas.microsoft.com/office/drawing/2010/main" w="9525">
+                <a14:hiddenLine xmlns:a14="http://schemas.microsoft.com/office/drawing/2010/main" xmlns="" w="9525">
                   <a:solidFill>
                     <a:srgbClr val="000000"/>
                   </a:solidFill>
@@ -1756,7 +1757,7 @@
             </a:ln>
             <a:extLst>
               <a:ext uri="{91240B29-F687-4f45-9708-019B960494DF}">
-                <a14:hiddenLine xmlns="" xmlns:a14="http://schemas.microsoft.com/office/drawing/2010/main" w="9525">
+                <a14:hiddenLine xmlns:a14="http://schemas.microsoft.com/office/drawing/2010/main" xmlns="" w="9525">
                   <a:solidFill>
                     <a:srgbClr val="000000"/>
                   </a:solidFill>
@@ -1818,7 +1819,7 @@
             </a:ln>
             <a:extLst>
               <a:ext uri="{91240B29-F687-4f45-9708-019B960494DF}">
-                <a14:hiddenLine xmlns="" xmlns:a14="http://schemas.microsoft.com/office/drawing/2010/main" w="9525">
+                <a14:hiddenLine xmlns:a14="http://schemas.microsoft.com/office/drawing/2010/main" xmlns="" w="9525">
                   <a:solidFill>
                     <a:srgbClr val="000000"/>
                   </a:solidFill>
@@ -1908,7 +1909,7 @@
             </a:ln>
             <a:extLst>
               <a:ext uri="{91240B29-F687-4f45-9708-019B960494DF}">
-                <a14:hiddenLine xmlns="" xmlns:a14="http://schemas.microsoft.com/office/drawing/2010/main" w="9525">
+                <a14:hiddenLine xmlns:a14="http://schemas.microsoft.com/office/drawing/2010/main" xmlns="" w="9525">
                   <a:solidFill>
                     <a:srgbClr val="000000"/>
                   </a:solidFill>
@@ -1998,7 +1999,7 @@
             </a:ln>
             <a:extLst>
               <a:ext uri="{91240B29-F687-4f45-9708-019B960494DF}">
-                <a14:hiddenLine xmlns="" xmlns:a14="http://schemas.microsoft.com/office/drawing/2010/main" w="9525">
+                <a14:hiddenLine xmlns:a14="http://schemas.microsoft.com/office/drawing/2010/main" xmlns="" w="9525">
                   <a:solidFill>
                     <a:srgbClr val="000000"/>
                   </a:solidFill>
@@ -2060,7 +2061,7 @@
             </a:ln>
             <a:extLst>
               <a:ext uri="{91240B29-F687-4f45-9708-019B960494DF}">
-                <a14:hiddenLine xmlns="" xmlns:a14="http://schemas.microsoft.com/office/drawing/2010/main" w="9525">
+                <a14:hiddenLine xmlns:a14="http://schemas.microsoft.com/office/drawing/2010/main" xmlns="" w="9525">
                   <a:solidFill>
                     <a:srgbClr val="000000"/>
                   </a:solidFill>
@@ -2150,7 +2151,7 @@
             </a:ln>
             <a:extLst>
               <a:ext uri="{91240B29-F687-4f45-9708-019B960494DF}">
-                <a14:hiddenLine xmlns="" xmlns:a14="http://schemas.microsoft.com/office/drawing/2010/main" w="9525">
+                <a14:hiddenLine xmlns:a14="http://schemas.microsoft.com/office/drawing/2010/main" xmlns="" w="9525">
                   <a:solidFill>
                     <a:srgbClr val="000000"/>
                   </a:solidFill>
@@ -2240,7 +2241,7 @@
             </a:ln>
             <a:extLst>
               <a:ext uri="{91240B29-F687-4f45-9708-019B960494DF}">
-                <a14:hiddenLine xmlns="" xmlns:a14="http://schemas.microsoft.com/office/drawing/2010/main" w="9525">
+                <a14:hiddenLine xmlns:a14="http://schemas.microsoft.com/office/drawing/2010/main" xmlns="" w="9525">
                   <a:solidFill>
                     <a:srgbClr val="000000"/>
                   </a:solidFill>
@@ -2296,7 +2297,7 @@
             </a:ln>
             <a:extLst>
               <a:ext uri="{91240B29-F687-4f45-9708-019B960494DF}">
-                <a14:hiddenLine xmlns="" xmlns:a14="http://schemas.microsoft.com/office/drawing/2010/main" w="9525">
+                <a14:hiddenLine xmlns:a14="http://schemas.microsoft.com/office/drawing/2010/main" xmlns="" w="9525">
                   <a:solidFill>
                     <a:srgbClr val="000000"/>
                   </a:solidFill>
@@ -2386,7 +2387,7 @@
             </a:ln>
             <a:extLst>
               <a:ext uri="{91240B29-F687-4f45-9708-019B960494DF}">
-                <a14:hiddenLine xmlns="" xmlns:a14="http://schemas.microsoft.com/office/drawing/2010/main" w="9525">
+                <a14:hiddenLine xmlns:a14="http://schemas.microsoft.com/office/drawing/2010/main" xmlns="" w="9525">
                   <a:solidFill>
                     <a:srgbClr val="000000"/>
                   </a:solidFill>
@@ -2442,7 +2443,7 @@
             </a:ln>
             <a:extLst>
               <a:ext uri="{91240B29-F687-4f45-9708-019B960494DF}">
-                <a14:hiddenLine xmlns="" xmlns:a14="http://schemas.microsoft.com/office/drawing/2010/main" w="9525">
+                <a14:hiddenLine xmlns:a14="http://schemas.microsoft.com/office/drawing/2010/main" xmlns="" w="9525">
                   <a:solidFill>
                     <a:srgbClr val="000000"/>
                   </a:solidFill>
@@ -2532,7 +2533,7 @@
             </a:ln>
             <a:extLst>
               <a:ext uri="{91240B29-F687-4f45-9708-019B960494DF}">
-                <a14:hiddenLine xmlns="" xmlns:a14="http://schemas.microsoft.com/office/drawing/2010/main" w="9525">
+                <a14:hiddenLine xmlns:a14="http://schemas.microsoft.com/office/drawing/2010/main" xmlns="" w="9525">
                   <a:solidFill>
                     <a:srgbClr val="000000"/>
                   </a:solidFill>
@@ -2600,7 +2601,7 @@
             </a:ln>
             <a:extLst>
               <a:ext uri="{91240B29-F687-4f45-9708-019B960494DF}">
-                <a14:hiddenLine xmlns="" xmlns:a14="http://schemas.microsoft.com/office/drawing/2010/main" w="9525">
+                <a14:hiddenLine xmlns:a14="http://schemas.microsoft.com/office/drawing/2010/main" xmlns="" w="9525">
                   <a:solidFill>
                     <a:srgbClr val="000000"/>
                   </a:solidFill>
@@ -2690,7 +2691,7 @@
             </a:ln>
             <a:extLst>
               <a:ext uri="{91240B29-F687-4f45-9708-019B960494DF}">
-                <a14:hiddenLine xmlns="" xmlns:a14="http://schemas.microsoft.com/office/drawing/2010/main" w="9525">
+                <a14:hiddenLine xmlns:a14="http://schemas.microsoft.com/office/drawing/2010/main" xmlns="" w="9525">
                   <a:solidFill>
                     <a:srgbClr val="000000"/>
                   </a:solidFill>
@@ -2758,7 +2759,7 @@
             </a:ln>
             <a:extLst>
               <a:ext uri="{91240B29-F687-4f45-9708-019B960494DF}">
-                <a14:hiddenLine xmlns="" xmlns:a14="http://schemas.microsoft.com/office/drawing/2010/main" w="9525">
+                <a14:hiddenLine xmlns:a14="http://schemas.microsoft.com/office/drawing/2010/main" xmlns="" w="9525">
                   <a:solidFill>
                     <a:srgbClr val="000000"/>
                   </a:solidFill>
@@ -2848,7 +2849,7 @@
             </a:ln>
             <a:extLst>
               <a:ext uri="{91240B29-F687-4f45-9708-019B960494DF}">
-                <a14:hiddenLine xmlns="" xmlns:a14="http://schemas.microsoft.com/office/drawing/2010/main" w="9525">
+                <a14:hiddenLine xmlns:a14="http://schemas.microsoft.com/office/drawing/2010/main" xmlns="" w="9525">
                   <a:solidFill>
                     <a:srgbClr val="000000"/>
                   </a:solidFill>
@@ -2882,7 +2883,7 @@
             </a:ln>
             <a:extLst>
               <a:ext uri="{91240B29-F687-4f45-9708-019B960494DF}">
-                <a14:hiddenLine xmlns="" xmlns:a14="http://schemas.microsoft.com/office/drawing/2010/main" w="9525">
+                <a14:hiddenLine xmlns:a14="http://schemas.microsoft.com/office/drawing/2010/main" xmlns="" w="9525">
                   <a:solidFill>
                     <a:srgbClr val="000000"/>
                   </a:solidFill>
@@ -2972,7 +2973,7 @@
             </a:ln>
             <a:extLst>
               <a:ext uri="{91240B29-F687-4f45-9708-019B960494DF}">
-                <a14:hiddenLine xmlns="" xmlns:a14="http://schemas.microsoft.com/office/drawing/2010/main" w="9525">
+                <a14:hiddenLine xmlns:a14="http://schemas.microsoft.com/office/drawing/2010/main" xmlns="" w="9525">
                   <a:solidFill>
                     <a:srgbClr val="000000"/>
                   </a:solidFill>
@@ -3034,7 +3035,7 @@
             </a:ln>
             <a:extLst>
               <a:ext uri="{91240B29-F687-4f45-9708-019B960494DF}">
-                <a14:hiddenLine xmlns="" xmlns:a14="http://schemas.microsoft.com/office/drawing/2010/main" w="9525">
+                <a14:hiddenLine xmlns:a14="http://schemas.microsoft.com/office/drawing/2010/main" xmlns="" w="9525">
                   <a:solidFill>
                     <a:srgbClr val="000000"/>
                   </a:solidFill>
@@ -3096,7 +3097,7 @@
             </a:ln>
             <a:extLst>
               <a:ext uri="{91240B29-F687-4f45-9708-019B960494DF}">
-                <a14:hiddenLine xmlns="" xmlns:a14="http://schemas.microsoft.com/office/drawing/2010/main" w="9525">
+                <a14:hiddenLine xmlns:a14="http://schemas.microsoft.com/office/drawing/2010/main" xmlns="" w="9525">
                   <a:solidFill>
                     <a:srgbClr val="000000"/>
                   </a:solidFill>
@@ -3186,7 +3187,7 @@
             </a:ln>
             <a:extLst>
               <a:ext uri="{91240B29-F687-4f45-9708-019B960494DF}">
-                <a14:hiddenLine xmlns="" xmlns:a14="http://schemas.microsoft.com/office/drawing/2010/main" w="9525">
+                <a14:hiddenLine xmlns:a14="http://schemas.microsoft.com/office/drawing/2010/main" xmlns="" w="9525">
                   <a:solidFill>
                     <a:srgbClr val="000000"/>
                   </a:solidFill>
@@ -3254,7 +3255,7 @@
             </a:ln>
             <a:extLst>
               <a:ext uri="{91240B29-F687-4f45-9708-019B960494DF}">
-                <a14:hiddenLine xmlns="" xmlns:a14="http://schemas.microsoft.com/office/drawing/2010/main" w="9525">
+                <a14:hiddenLine xmlns:a14="http://schemas.microsoft.com/office/drawing/2010/main" xmlns="" w="9525">
                   <a:solidFill>
                     <a:srgbClr val="000000"/>
                   </a:solidFill>
@@ -3316,7 +3317,7 @@
             </a:ln>
             <a:extLst>
               <a:ext uri="{91240B29-F687-4f45-9708-019B960494DF}">
-                <a14:hiddenLine xmlns="" xmlns:a14="http://schemas.microsoft.com/office/drawing/2010/main" w="9525">
+                <a14:hiddenLine xmlns:a14="http://schemas.microsoft.com/office/drawing/2010/main" xmlns="" w="9525">
                   <a:solidFill>
                     <a:srgbClr val="000000"/>
                   </a:solidFill>
@@ -3406,7 +3407,7 @@
             </a:ln>
             <a:extLst>
               <a:ext uri="{91240B29-F687-4f45-9708-019B960494DF}">
-                <a14:hiddenLine xmlns="" xmlns:a14="http://schemas.microsoft.com/office/drawing/2010/main" w="9525">
+                <a14:hiddenLine xmlns:a14="http://schemas.microsoft.com/office/drawing/2010/main" xmlns="" w="9525">
                   <a:solidFill>
                     <a:srgbClr val="000000"/>
                   </a:solidFill>
@@ -3468,7 +3469,7 @@
             </a:ln>
             <a:extLst>
               <a:ext uri="{91240B29-F687-4f45-9708-019B960494DF}">
-                <a14:hiddenLine xmlns="" xmlns:a14="http://schemas.microsoft.com/office/drawing/2010/main" w="9525">
+                <a14:hiddenLine xmlns:a14="http://schemas.microsoft.com/office/drawing/2010/main" xmlns="" w="9525">
                   <a:solidFill>
                     <a:srgbClr val="000000"/>
                   </a:solidFill>
@@ -3558,7 +3559,7 @@
             </a:ln>
             <a:extLst>
               <a:ext uri="{91240B29-F687-4f45-9708-019B960494DF}">
-                <a14:hiddenLine xmlns="" xmlns:a14="http://schemas.microsoft.com/office/drawing/2010/main" w="9525">
+                <a14:hiddenLine xmlns:a14="http://schemas.microsoft.com/office/drawing/2010/main" xmlns="" w="9525">
                   <a:solidFill>
                     <a:srgbClr val="000000"/>
                   </a:solidFill>
@@ -3620,7 +3621,7 @@
             </a:ln>
             <a:extLst>
               <a:ext uri="{91240B29-F687-4f45-9708-019B960494DF}">
-                <a14:hiddenLine xmlns="" xmlns:a14="http://schemas.microsoft.com/office/drawing/2010/main" w="9525">
+                <a14:hiddenLine xmlns:a14="http://schemas.microsoft.com/office/drawing/2010/main" xmlns="" w="9525">
                   <a:solidFill>
                     <a:srgbClr val="000000"/>
                   </a:solidFill>
@@ -3710,7 +3711,7 @@
             </a:ln>
             <a:extLst>
               <a:ext uri="{91240B29-F687-4f45-9708-019B960494DF}">
-                <a14:hiddenLine xmlns="" xmlns:a14="http://schemas.microsoft.com/office/drawing/2010/main" w="9525">
+                <a14:hiddenLine xmlns:a14="http://schemas.microsoft.com/office/drawing/2010/main" xmlns="" w="9525">
                   <a:solidFill>
                     <a:srgbClr val="000000"/>
                   </a:solidFill>
@@ -3744,7 +3745,7 @@
             </a:ln>
             <a:extLst>
               <a:ext uri="{91240B29-F687-4f45-9708-019B960494DF}">
-                <a14:hiddenLine xmlns="" xmlns:a14="http://schemas.microsoft.com/office/drawing/2010/main" w="9525">
+                <a14:hiddenLine xmlns:a14="http://schemas.microsoft.com/office/drawing/2010/main" xmlns="" w="9525">
                   <a:solidFill>
                     <a:srgbClr val="000000"/>
                   </a:solidFill>
@@ -3809,7 +3810,7 @@
             </a:ln>
             <a:extLst>
               <a:ext uri="{91240B29-F687-4f45-9708-019B960494DF}">
-                <a14:hiddenLine xmlns="" xmlns:a14="http://schemas.microsoft.com/office/drawing/2010/main" w="9525">
+                <a14:hiddenLine xmlns:a14="http://schemas.microsoft.com/office/drawing/2010/main" xmlns="" w="9525">
                   <a:solidFill>
                     <a:srgbClr val="000000"/>
                   </a:solidFill>
@@ -3899,7 +3900,7 @@
             </a:ln>
             <a:extLst>
               <a:ext uri="{91240B29-F687-4f45-9708-019B960494DF}">
-                <a14:hiddenLine xmlns="" xmlns:a14="http://schemas.microsoft.com/office/drawing/2010/main" w="9525">
+                <a14:hiddenLine xmlns:a14="http://schemas.microsoft.com/office/drawing/2010/main" xmlns="" w="9525">
                   <a:solidFill>
                     <a:srgbClr val="000000"/>
                   </a:solidFill>
@@ -3961,7 +3962,7 @@
             </a:ln>
             <a:extLst>
               <a:ext uri="{91240B29-F687-4f45-9708-019B960494DF}">
-                <a14:hiddenLine xmlns="" xmlns:a14="http://schemas.microsoft.com/office/drawing/2010/main" w="9525">
+                <a14:hiddenLine xmlns:a14="http://schemas.microsoft.com/office/drawing/2010/main" xmlns="" w="9525">
                   <a:solidFill>
                     <a:srgbClr val="000000"/>
                   </a:solidFill>
@@ -4051,7 +4052,7 @@
             </a:ln>
             <a:extLst>
               <a:ext uri="{91240B29-F687-4f45-9708-019B960494DF}">
-                <a14:hiddenLine xmlns="" xmlns:a14="http://schemas.microsoft.com/office/drawing/2010/main" w="9525">
+                <a14:hiddenLine xmlns:a14="http://schemas.microsoft.com/office/drawing/2010/main" xmlns="" w="9525">
                   <a:solidFill>
                     <a:srgbClr val="000000"/>
                   </a:solidFill>
@@ -4141,7 +4142,7 @@
             </a:ln>
             <a:extLst>
               <a:ext uri="{91240B29-F687-4f45-9708-019B960494DF}">
-                <a14:hiddenLine xmlns="" xmlns:a14="http://schemas.microsoft.com/office/drawing/2010/main" w="9525">
+                <a14:hiddenLine xmlns:a14="http://schemas.microsoft.com/office/drawing/2010/main" xmlns="" w="9525">
                   <a:solidFill>
                     <a:srgbClr val="000000"/>
                   </a:solidFill>
@@ -4206,7 +4207,7 @@
             </a:ln>
             <a:extLst>
               <a:ext uri="{91240B29-F687-4f45-9708-019B960494DF}">
-                <a14:hiddenLine xmlns="" xmlns:a14="http://schemas.microsoft.com/office/drawing/2010/main" w="9525">
+                <a14:hiddenLine xmlns:a14="http://schemas.microsoft.com/office/drawing/2010/main" xmlns="" w="9525">
                   <a:solidFill>
                     <a:srgbClr val="000000"/>
                   </a:solidFill>
@@ -4268,7 +4269,7 @@
             </a:ln>
             <a:extLst>
               <a:ext uri="{91240B29-F687-4f45-9708-019B960494DF}">
-                <a14:hiddenLine xmlns="" xmlns:a14="http://schemas.microsoft.com/office/drawing/2010/main" w="9525">
+                <a14:hiddenLine xmlns:a14="http://schemas.microsoft.com/office/drawing/2010/main" xmlns="" w="9525">
                   <a:solidFill>
                     <a:srgbClr val="000000"/>
                   </a:solidFill>
@@ -4358,7 +4359,7 @@
             </a:ln>
             <a:extLst>
               <a:ext uri="{91240B29-F687-4f45-9708-019B960494DF}">
-                <a14:hiddenLine xmlns="" xmlns:a14="http://schemas.microsoft.com/office/drawing/2010/main" w="9525">
+                <a14:hiddenLine xmlns:a14="http://schemas.microsoft.com/office/drawing/2010/main" xmlns="" w="9525">
                   <a:solidFill>
                     <a:srgbClr val="000000"/>
                   </a:solidFill>
@@ -4448,7 +4449,7 @@
             </a:ln>
             <a:extLst>
               <a:ext uri="{91240B29-F687-4f45-9708-019B960494DF}">
-                <a14:hiddenLine xmlns="" xmlns:a14="http://schemas.microsoft.com/office/drawing/2010/main" w="9525">
+                <a14:hiddenLine xmlns:a14="http://schemas.microsoft.com/office/drawing/2010/main" xmlns="" w="9525">
                   <a:solidFill>
                     <a:srgbClr val="000000"/>
                   </a:solidFill>
@@ -4510,7 +4511,7 @@
             </a:ln>
             <a:extLst>
               <a:ext uri="{91240B29-F687-4f45-9708-019B960494DF}">
-                <a14:hiddenLine xmlns="" xmlns:a14="http://schemas.microsoft.com/office/drawing/2010/main" w="9525">
+                <a14:hiddenLine xmlns:a14="http://schemas.microsoft.com/office/drawing/2010/main" xmlns="" w="9525">
                   <a:solidFill>
                     <a:srgbClr val="000000"/>
                   </a:solidFill>
@@ -4630,7 +4631,7 @@
             </a:ln>
             <a:extLst>
               <a:ext uri="{91240B29-F687-4f45-9708-019B960494DF}">
-                <a14:hiddenLine xmlns="" xmlns:a14="http://schemas.microsoft.com/office/drawing/2010/main" w="9525">
+                <a14:hiddenLine xmlns:a14="http://schemas.microsoft.com/office/drawing/2010/main" xmlns="" w="9525">
                   <a:solidFill>
                     <a:srgbClr val="000000"/>
                   </a:solidFill>
@@ -4698,7 +4699,7 @@
             </a:ln>
             <a:extLst>
               <a:ext uri="{91240B29-F687-4f45-9708-019B960494DF}">
-                <a14:hiddenLine xmlns="" xmlns:a14="http://schemas.microsoft.com/office/drawing/2010/main" w="9525">
+                <a14:hiddenLine xmlns:a14="http://schemas.microsoft.com/office/drawing/2010/main" xmlns="" w="9525">
                   <a:solidFill>
                     <a:srgbClr val="000000"/>
                   </a:solidFill>
@@ -4788,7 +4789,7 @@
             </a:ln>
             <a:extLst>
               <a:ext uri="{91240B29-F687-4f45-9708-019B960494DF}">
-                <a14:hiddenLine xmlns="" xmlns:a14="http://schemas.microsoft.com/office/drawing/2010/main" w="9525">
+                <a14:hiddenLine xmlns:a14="http://schemas.microsoft.com/office/drawing/2010/main" xmlns="" w="9525">
                   <a:solidFill>
                     <a:srgbClr val="000000"/>
                   </a:solidFill>
@@ -9595,7 +9596,7 @@
           <a:noFill/>
           <a:extLst>
             <a:ext uri="{909E8E84-426E-40dd-AFC4-6F175D3DCCD1}">
-              <a14:hiddenFill xmlns="" xmlns:a14="http://schemas.microsoft.com/office/drawing/2010/main">
+              <a14:hiddenFill xmlns:a14="http://schemas.microsoft.com/office/drawing/2010/main" xmlns="">
                 <a:solidFill>
                   <a:srgbClr val="FFFFFF"/>
                 </a:solidFill>
@@ -9669,7 +9670,7 @@
               </a:ln>
               <a:extLst>
                 <a:ext uri="{91240B29-F687-4f45-9708-019B960494DF}">
-                  <a14:hiddenLine xmlns="" xmlns:a14="http://schemas.microsoft.com/office/drawing/2010/main" w="9525">
+                  <a14:hiddenLine xmlns:a14="http://schemas.microsoft.com/office/drawing/2010/main" xmlns="" w="9525">
                     <a:solidFill>
                       <a:srgbClr val="000000"/>
                     </a:solidFill>
@@ -9759,7 +9760,7 @@
               </a:ln>
               <a:extLst>
                 <a:ext uri="{91240B29-F687-4f45-9708-019B960494DF}">
-                  <a14:hiddenLine xmlns="" xmlns:a14="http://schemas.microsoft.com/office/drawing/2010/main" w="9525">
+                  <a14:hiddenLine xmlns:a14="http://schemas.microsoft.com/office/drawing/2010/main" xmlns="" w="9525">
                     <a:solidFill>
                       <a:srgbClr val="000000"/>
                     </a:solidFill>
@@ -9849,7 +9850,7 @@
               </a:ln>
               <a:extLst>
                 <a:ext uri="{91240B29-F687-4f45-9708-019B960494DF}">
-                  <a14:hiddenLine xmlns="" xmlns:a14="http://schemas.microsoft.com/office/drawing/2010/main" w="9525">
+                  <a14:hiddenLine xmlns:a14="http://schemas.microsoft.com/office/drawing/2010/main" xmlns="" w="9525">
                     <a:solidFill>
                       <a:srgbClr val="000000"/>
                     </a:solidFill>
@@ -9911,7 +9912,7 @@
               </a:ln>
               <a:extLst>
                 <a:ext uri="{91240B29-F687-4f45-9708-019B960494DF}">
-                  <a14:hiddenLine xmlns="" xmlns:a14="http://schemas.microsoft.com/office/drawing/2010/main" w="9525">
+                  <a14:hiddenLine xmlns:a14="http://schemas.microsoft.com/office/drawing/2010/main" xmlns="" w="9525">
                     <a:solidFill>
                       <a:srgbClr val="000000"/>
                     </a:solidFill>
@@ -10001,7 +10002,7 @@
               </a:ln>
               <a:extLst>
                 <a:ext uri="{91240B29-F687-4f45-9708-019B960494DF}">
-                  <a14:hiddenLine xmlns="" xmlns:a14="http://schemas.microsoft.com/office/drawing/2010/main" w="9525">
+                  <a14:hiddenLine xmlns:a14="http://schemas.microsoft.com/office/drawing/2010/main" xmlns="" w="9525">
                     <a:solidFill>
                       <a:srgbClr val="000000"/>
                     </a:solidFill>
@@ -10063,7 +10064,7 @@
               </a:ln>
               <a:extLst>
                 <a:ext uri="{91240B29-F687-4f45-9708-019B960494DF}">
-                  <a14:hiddenLine xmlns="" xmlns:a14="http://schemas.microsoft.com/office/drawing/2010/main" w="9525">
+                  <a14:hiddenLine xmlns:a14="http://schemas.microsoft.com/office/drawing/2010/main" xmlns="" w="9525">
                     <a:solidFill>
                       <a:srgbClr val="000000"/>
                     </a:solidFill>
@@ -10125,7 +10126,7 @@
               </a:ln>
               <a:extLst>
                 <a:ext uri="{91240B29-F687-4f45-9708-019B960494DF}">
-                  <a14:hiddenLine xmlns="" xmlns:a14="http://schemas.microsoft.com/office/drawing/2010/main" w="9525">
+                  <a14:hiddenLine xmlns:a14="http://schemas.microsoft.com/office/drawing/2010/main" xmlns="" w="9525">
                     <a:solidFill>
                       <a:srgbClr val="000000"/>
                     </a:solidFill>
@@ -10215,7 +10216,7 @@
               </a:ln>
               <a:extLst>
                 <a:ext uri="{91240B29-F687-4f45-9708-019B960494DF}">
-                  <a14:hiddenLine xmlns="" xmlns:a14="http://schemas.microsoft.com/office/drawing/2010/main" w="9525">
+                  <a14:hiddenLine xmlns:a14="http://schemas.microsoft.com/office/drawing/2010/main" xmlns="" w="9525">
                     <a:solidFill>
                       <a:srgbClr val="000000"/>
                     </a:solidFill>
@@ -10305,7 +10306,7 @@
               </a:ln>
               <a:extLst>
                 <a:ext uri="{91240B29-F687-4f45-9708-019B960494DF}">
-                  <a14:hiddenLine xmlns="" xmlns:a14="http://schemas.microsoft.com/office/drawing/2010/main" w="9525">
+                  <a14:hiddenLine xmlns:a14="http://schemas.microsoft.com/office/drawing/2010/main" xmlns="" w="9525">
                     <a:solidFill>
                       <a:srgbClr val="000000"/>
                     </a:solidFill>
@@ -10367,7 +10368,7 @@
               </a:ln>
               <a:extLst>
                 <a:ext uri="{91240B29-F687-4f45-9708-019B960494DF}">
-                  <a14:hiddenLine xmlns="" xmlns:a14="http://schemas.microsoft.com/office/drawing/2010/main" w="9525">
+                  <a14:hiddenLine xmlns:a14="http://schemas.microsoft.com/office/drawing/2010/main" xmlns="" w="9525">
                     <a:solidFill>
                       <a:srgbClr val="000000"/>
                     </a:solidFill>
@@ -10477,7 +10478,7 @@
               </a:ln>
               <a:extLst>
                 <a:ext uri="{91240B29-F687-4f45-9708-019B960494DF}">
-                  <a14:hiddenLine xmlns="" xmlns:a14="http://schemas.microsoft.com/office/drawing/2010/main" w="9525">
+                  <a14:hiddenLine xmlns:a14="http://schemas.microsoft.com/office/drawing/2010/main" xmlns="" w="9525">
                     <a:solidFill>
                       <a:srgbClr val="000000"/>
                     </a:solidFill>
@@ -10561,7 +10562,7 @@
               </a:ln>
               <a:extLst>
                 <a:ext uri="{91240B29-F687-4f45-9708-019B960494DF}">
-                  <a14:hiddenLine xmlns="" xmlns:a14="http://schemas.microsoft.com/office/drawing/2010/main" w="9525">
+                  <a14:hiddenLine xmlns:a14="http://schemas.microsoft.com/office/drawing/2010/main" xmlns="" w="9525">
                     <a:solidFill>
                       <a:srgbClr val="000000"/>
                     </a:solidFill>
@@ -10623,7 +10624,7 @@
               </a:ln>
               <a:extLst>
                 <a:ext uri="{91240B29-F687-4f45-9708-019B960494DF}">
-                  <a14:hiddenLine xmlns="" xmlns:a14="http://schemas.microsoft.com/office/drawing/2010/main" w="9525">
+                  <a14:hiddenLine xmlns:a14="http://schemas.microsoft.com/office/drawing/2010/main" xmlns="" w="9525">
                     <a:solidFill>
                       <a:srgbClr val="000000"/>
                     </a:solidFill>
@@ -10685,7 +10686,7 @@
               </a:ln>
               <a:extLst>
                 <a:ext uri="{91240B29-F687-4f45-9708-019B960494DF}">
-                  <a14:hiddenLine xmlns="" xmlns:a14="http://schemas.microsoft.com/office/drawing/2010/main" w="9525">
+                  <a14:hiddenLine xmlns:a14="http://schemas.microsoft.com/office/drawing/2010/main" xmlns="" w="9525">
                     <a:solidFill>
                       <a:srgbClr val="000000"/>
                     </a:solidFill>
@@ -10775,7 +10776,7 @@
               </a:ln>
               <a:extLst>
                 <a:ext uri="{91240B29-F687-4f45-9708-019B960494DF}">
-                  <a14:hiddenLine xmlns="" xmlns:a14="http://schemas.microsoft.com/office/drawing/2010/main" w="9525">
+                  <a14:hiddenLine xmlns:a14="http://schemas.microsoft.com/office/drawing/2010/main" xmlns="" w="9525">
                     <a:solidFill>
                       <a:srgbClr val="000000"/>
                     </a:solidFill>
@@ -10809,7 +10810,7 @@
               </a:ln>
               <a:extLst>
                 <a:ext uri="{91240B29-F687-4f45-9708-019B960494DF}">
-                  <a14:hiddenLine xmlns="" xmlns:a14="http://schemas.microsoft.com/office/drawing/2010/main" w="9525">
+                  <a14:hiddenLine xmlns:a14="http://schemas.microsoft.com/office/drawing/2010/main" xmlns="" w="9525">
                     <a:solidFill>
                       <a:srgbClr val="000000"/>
                     </a:solidFill>
@@ -10874,7 +10875,7 @@
               </a:ln>
               <a:extLst>
                 <a:ext uri="{91240B29-F687-4f45-9708-019B960494DF}">
-                  <a14:hiddenLine xmlns="" xmlns:a14="http://schemas.microsoft.com/office/drawing/2010/main" w="9525">
+                  <a14:hiddenLine xmlns:a14="http://schemas.microsoft.com/office/drawing/2010/main" xmlns="" w="9525">
                     <a:solidFill>
                       <a:srgbClr val="000000"/>
                     </a:solidFill>
@@ -10964,7 +10965,7 @@
               </a:ln>
               <a:extLst>
                 <a:ext uri="{91240B29-F687-4f45-9708-019B960494DF}">
-                  <a14:hiddenLine xmlns="" xmlns:a14="http://schemas.microsoft.com/office/drawing/2010/main" w="9525">
+                  <a14:hiddenLine xmlns:a14="http://schemas.microsoft.com/office/drawing/2010/main" xmlns="" w="9525">
                     <a:solidFill>
                       <a:srgbClr val="000000"/>
                     </a:solidFill>
@@ -11026,7 +11027,7 @@
               </a:ln>
               <a:extLst>
                 <a:ext uri="{91240B29-F687-4f45-9708-019B960494DF}">
-                  <a14:hiddenLine xmlns="" xmlns:a14="http://schemas.microsoft.com/office/drawing/2010/main" w="9525">
+                  <a14:hiddenLine xmlns:a14="http://schemas.microsoft.com/office/drawing/2010/main" xmlns="" w="9525">
                     <a:solidFill>
                       <a:srgbClr val="000000"/>
                     </a:solidFill>
@@ -11116,7 +11117,7 @@
               </a:ln>
               <a:extLst>
                 <a:ext uri="{91240B29-F687-4f45-9708-019B960494DF}">
-                  <a14:hiddenLine xmlns="" xmlns:a14="http://schemas.microsoft.com/office/drawing/2010/main" w="9525">
+                  <a14:hiddenLine xmlns:a14="http://schemas.microsoft.com/office/drawing/2010/main" xmlns="" w="9525">
                     <a:solidFill>
                       <a:srgbClr val="000000"/>
                     </a:solidFill>
@@ -11181,7 +11182,7 @@
               </a:ln>
               <a:extLst>
                 <a:ext uri="{91240B29-F687-4f45-9708-019B960494DF}">
-                  <a14:hiddenLine xmlns="" xmlns:a14="http://schemas.microsoft.com/office/drawing/2010/main" w="9525">
+                  <a14:hiddenLine xmlns:a14="http://schemas.microsoft.com/office/drawing/2010/main" xmlns="" w="9525">
                     <a:solidFill>
                       <a:srgbClr val="000000"/>
                     </a:solidFill>
@@ -11243,7 +11244,7 @@
               </a:ln>
               <a:extLst>
                 <a:ext uri="{91240B29-F687-4f45-9708-019B960494DF}">
-                  <a14:hiddenLine xmlns="" xmlns:a14="http://schemas.microsoft.com/office/drawing/2010/main" w="9525">
+                  <a14:hiddenLine xmlns:a14="http://schemas.microsoft.com/office/drawing/2010/main" xmlns="" w="9525">
                     <a:solidFill>
                       <a:srgbClr val="000000"/>
                     </a:solidFill>
@@ -11333,7 +11334,7 @@
               </a:ln>
               <a:extLst>
                 <a:ext uri="{91240B29-F687-4f45-9708-019B960494DF}">
-                  <a14:hiddenLine xmlns="" xmlns:a14="http://schemas.microsoft.com/office/drawing/2010/main" w="9525">
+                  <a14:hiddenLine xmlns:a14="http://schemas.microsoft.com/office/drawing/2010/main" xmlns="" w="9525">
                     <a:solidFill>
                       <a:srgbClr val="000000"/>
                     </a:solidFill>
@@ -11423,7 +11424,7 @@
               </a:ln>
               <a:extLst>
                 <a:ext uri="{91240B29-F687-4f45-9708-019B960494DF}">
-                  <a14:hiddenLine xmlns="" xmlns:a14="http://schemas.microsoft.com/office/drawing/2010/main" w="9525">
+                  <a14:hiddenLine xmlns:a14="http://schemas.microsoft.com/office/drawing/2010/main" xmlns="" w="9525">
                     <a:solidFill>
                       <a:srgbClr val="000000"/>
                     </a:solidFill>
@@ -11488,7 +11489,7 @@
               </a:ln>
               <a:extLst>
                 <a:ext uri="{91240B29-F687-4f45-9708-019B960494DF}">
-                  <a14:hiddenLine xmlns="" xmlns:a14="http://schemas.microsoft.com/office/drawing/2010/main" w="9525">
+                  <a14:hiddenLine xmlns:a14="http://schemas.microsoft.com/office/drawing/2010/main" xmlns="" w="9525">
                     <a:solidFill>
                       <a:srgbClr val="000000"/>
                     </a:solidFill>
@@ -11608,7 +11609,7 @@
               </a:ln>
               <a:extLst>
                 <a:ext uri="{91240B29-F687-4f45-9708-019B960494DF}">
-                  <a14:hiddenLine xmlns="" xmlns:a14="http://schemas.microsoft.com/office/drawing/2010/main" w="9525">
+                  <a14:hiddenLine xmlns:a14="http://schemas.microsoft.com/office/drawing/2010/main" xmlns="" w="9525">
                     <a:solidFill>
                       <a:srgbClr val="000000"/>
                     </a:solidFill>
@@ -11706,7 +11707,7 @@
               </a:ln>
               <a:extLst>
                 <a:ext uri="{91240B29-F687-4f45-9708-019B960494DF}">
-                  <a14:hiddenLine xmlns="" xmlns:a14="http://schemas.microsoft.com/office/drawing/2010/main" w="9525">
+                  <a14:hiddenLine xmlns:a14="http://schemas.microsoft.com/office/drawing/2010/main" xmlns="" w="9525">
                     <a:solidFill>
                       <a:srgbClr val="000000"/>
                     </a:solidFill>
@@ -11821,7 +11822,7 @@
               </a:ln>
               <a:extLst>
                 <a:ext uri="{91240B29-F687-4f45-9708-019B960494DF}">
-                  <a14:hiddenLine xmlns="" xmlns:a14="http://schemas.microsoft.com/office/drawing/2010/main" w="9525">
+                  <a14:hiddenLine xmlns:a14="http://schemas.microsoft.com/office/drawing/2010/main" xmlns="" w="9525">
                     <a:solidFill>
                       <a:srgbClr val="000000"/>
                     </a:solidFill>
@@ -11911,7 +11912,7 @@
               </a:ln>
               <a:extLst>
                 <a:ext uri="{91240B29-F687-4f45-9708-019B960494DF}">
-                  <a14:hiddenLine xmlns="" xmlns:a14="http://schemas.microsoft.com/office/drawing/2010/main" w="9525">
+                  <a14:hiddenLine xmlns:a14="http://schemas.microsoft.com/office/drawing/2010/main" xmlns="" w="9525">
                     <a:solidFill>
                       <a:srgbClr val="000000"/>
                     </a:solidFill>
@@ -11976,7 +11977,7 @@
               </a:ln>
               <a:extLst>
                 <a:ext uri="{91240B29-F687-4f45-9708-019B960494DF}">
-                  <a14:hiddenLine xmlns="" xmlns:a14="http://schemas.microsoft.com/office/drawing/2010/main" w="9525">
+                  <a14:hiddenLine xmlns:a14="http://schemas.microsoft.com/office/drawing/2010/main" xmlns="" w="9525">
                     <a:solidFill>
                       <a:srgbClr val="000000"/>
                     </a:solidFill>
@@ -12066,7 +12067,7 @@
               </a:ln>
               <a:extLst>
                 <a:ext uri="{91240B29-F687-4f45-9708-019B960494DF}">
-                  <a14:hiddenLine xmlns="" xmlns:a14="http://schemas.microsoft.com/office/drawing/2010/main" w="9525">
+                  <a14:hiddenLine xmlns:a14="http://schemas.microsoft.com/office/drawing/2010/main" xmlns="" w="9525">
                     <a:solidFill>
                       <a:srgbClr val="000000"/>
                     </a:solidFill>
@@ -12134,7 +12135,7 @@
               </a:ln>
               <a:extLst>
                 <a:ext uri="{91240B29-F687-4f45-9708-019B960494DF}">
-                  <a14:hiddenLine xmlns="" xmlns:a14="http://schemas.microsoft.com/office/drawing/2010/main" w="9525">
+                  <a14:hiddenLine xmlns:a14="http://schemas.microsoft.com/office/drawing/2010/main" xmlns="" w="9525">
                     <a:solidFill>
                       <a:srgbClr val="000000"/>
                     </a:solidFill>
@@ -12224,7 +12225,7 @@
               </a:ln>
               <a:extLst>
                 <a:ext uri="{91240B29-F687-4f45-9708-019B960494DF}">
-                  <a14:hiddenLine xmlns="" xmlns:a14="http://schemas.microsoft.com/office/drawing/2010/main" w="9525">
+                  <a14:hiddenLine xmlns:a14="http://schemas.microsoft.com/office/drawing/2010/main" xmlns="" w="9525">
                     <a:solidFill>
                       <a:srgbClr val="000000"/>
                     </a:solidFill>
@@ -12292,7 +12293,7 @@
               </a:ln>
               <a:extLst>
                 <a:ext uri="{91240B29-F687-4f45-9708-019B960494DF}">
-                  <a14:hiddenLine xmlns="" xmlns:a14="http://schemas.microsoft.com/office/drawing/2010/main" w="9525">
+                  <a14:hiddenLine xmlns:a14="http://schemas.microsoft.com/office/drawing/2010/main" xmlns="" w="9525">
                     <a:solidFill>
                       <a:srgbClr val="000000"/>
                     </a:solidFill>
@@ -12382,7 +12383,7 @@
               </a:ln>
               <a:extLst>
                 <a:ext uri="{91240B29-F687-4f45-9708-019B960494DF}">
-                  <a14:hiddenLine xmlns="" xmlns:a14="http://schemas.microsoft.com/office/drawing/2010/main" w="9525">
+                  <a14:hiddenLine xmlns:a14="http://schemas.microsoft.com/office/drawing/2010/main" xmlns="" w="9525">
                     <a:solidFill>
                       <a:srgbClr val="000000"/>
                     </a:solidFill>
@@ -12416,7 +12417,7 @@
               </a:ln>
               <a:extLst>
                 <a:ext uri="{91240B29-F687-4f45-9708-019B960494DF}">
-                  <a14:hiddenLine xmlns="" xmlns:a14="http://schemas.microsoft.com/office/drawing/2010/main" w="9525">
+                  <a14:hiddenLine xmlns:a14="http://schemas.microsoft.com/office/drawing/2010/main" xmlns="" w="9525">
                     <a:solidFill>
                       <a:srgbClr val="000000"/>
                     </a:solidFill>
@@ -13136,7 +13137,7 @@
             </a:ln>
             <a:extLst>
               <a:ext uri="{91240B29-F687-4f45-9708-019B960494DF}">
-                <a14:hiddenLine xmlns:a14="http://schemas.microsoft.com/office/drawing/2010/main" xmlns:p14="http://schemas.microsoft.com/office/powerpoint/2010/main" xmlns:a16="http://schemas.microsoft.com/office/drawing/2014/main" xmlns="" w="9525">
+                <a14:hiddenLine xmlns="" xmlns:a16="http://schemas.microsoft.com/office/drawing/2014/main" xmlns:p14="http://schemas.microsoft.com/office/powerpoint/2010/main" xmlns:a14="http://schemas.microsoft.com/office/drawing/2010/main" w="9525">
                   <a:solidFill>
                     <a:srgbClr val="000000"/>
                   </a:solidFill>
@@ -13241,7 +13242,7 @@
             </a:ln>
             <a:extLst>
               <a:ext uri="{91240B29-F687-4f45-9708-019B960494DF}">
-                <a14:hiddenLine xmlns:a14="http://schemas.microsoft.com/office/drawing/2010/main" xmlns:p14="http://schemas.microsoft.com/office/powerpoint/2010/main" xmlns:a16="http://schemas.microsoft.com/office/drawing/2014/main" xmlns="" w="9525">
+                <a14:hiddenLine xmlns="" xmlns:a16="http://schemas.microsoft.com/office/drawing/2014/main" xmlns:p14="http://schemas.microsoft.com/office/powerpoint/2010/main" xmlns:a14="http://schemas.microsoft.com/office/drawing/2010/main" w="9525">
                   <a:solidFill>
                     <a:srgbClr val="000000"/>
                   </a:solidFill>
@@ -13346,7 +13347,7 @@
             </a:ln>
             <a:extLst>
               <a:ext uri="{91240B29-F687-4f45-9708-019B960494DF}">
-                <a14:hiddenLine xmlns:a14="http://schemas.microsoft.com/office/drawing/2010/main" xmlns:p14="http://schemas.microsoft.com/office/powerpoint/2010/main" xmlns:a16="http://schemas.microsoft.com/office/drawing/2014/main" xmlns="" w="9525">
+                <a14:hiddenLine xmlns="" xmlns:a16="http://schemas.microsoft.com/office/drawing/2014/main" xmlns:p14="http://schemas.microsoft.com/office/powerpoint/2010/main" xmlns:a14="http://schemas.microsoft.com/office/drawing/2010/main" w="9525">
                   <a:solidFill>
                     <a:srgbClr val="000000"/>
                   </a:solidFill>
@@ -13395,7 +13396,7 @@
             </a:ln>
             <a:extLst>
               <a:ext uri="{91240B29-F687-4f45-9708-019B960494DF}">
-                <a14:hiddenLine xmlns:a14="http://schemas.microsoft.com/office/drawing/2010/main" xmlns:p14="http://schemas.microsoft.com/office/powerpoint/2010/main" xmlns:a16="http://schemas.microsoft.com/office/drawing/2014/main" xmlns="" w="9525">
+                <a14:hiddenLine xmlns="" xmlns:a16="http://schemas.microsoft.com/office/drawing/2014/main" xmlns:p14="http://schemas.microsoft.com/office/powerpoint/2010/main" xmlns:a14="http://schemas.microsoft.com/office/drawing/2010/main" w="9525">
                   <a:solidFill>
                     <a:srgbClr val="000000"/>
                   </a:solidFill>
@@ -13500,7 +13501,7 @@
             </a:ln>
             <a:extLst>
               <a:ext uri="{91240B29-F687-4f45-9708-019B960494DF}">
-                <a14:hiddenLine xmlns:a14="http://schemas.microsoft.com/office/drawing/2010/main" xmlns:p14="http://schemas.microsoft.com/office/powerpoint/2010/main" xmlns:a16="http://schemas.microsoft.com/office/drawing/2014/main" xmlns="" w="9525">
+                <a14:hiddenLine xmlns="" xmlns:a16="http://schemas.microsoft.com/office/drawing/2014/main" xmlns:p14="http://schemas.microsoft.com/office/powerpoint/2010/main" xmlns:a14="http://schemas.microsoft.com/office/drawing/2010/main" w="9525">
                   <a:solidFill>
                     <a:srgbClr val="000000"/>
                   </a:solidFill>
@@ -13577,7 +13578,7 @@
             </a:ln>
             <a:extLst>
               <a:ext uri="{91240B29-F687-4f45-9708-019B960494DF}">
-                <a14:hiddenLine xmlns:a14="http://schemas.microsoft.com/office/drawing/2010/main" xmlns:p14="http://schemas.microsoft.com/office/powerpoint/2010/main" xmlns:a16="http://schemas.microsoft.com/office/drawing/2014/main" xmlns="" w="9525">
+                <a14:hiddenLine xmlns="" xmlns:a16="http://schemas.microsoft.com/office/drawing/2014/main" xmlns:p14="http://schemas.microsoft.com/office/powerpoint/2010/main" xmlns:a14="http://schemas.microsoft.com/office/drawing/2010/main" w="9525">
                   <a:solidFill>
                     <a:srgbClr val="000000"/>
                   </a:solidFill>
@@ -13654,7 +13655,7 @@
             </a:ln>
             <a:extLst>
               <a:ext uri="{91240B29-F687-4f45-9708-019B960494DF}">
-                <a14:hiddenLine xmlns:a14="http://schemas.microsoft.com/office/drawing/2010/main" xmlns:p14="http://schemas.microsoft.com/office/powerpoint/2010/main" xmlns:a16="http://schemas.microsoft.com/office/drawing/2014/main" xmlns="" w="9525">
+                <a14:hiddenLine xmlns="" xmlns:a16="http://schemas.microsoft.com/office/drawing/2014/main" xmlns:p14="http://schemas.microsoft.com/office/powerpoint/2010/main" xmlns:a14="http://schemas.microsoft.com/office/drawing/2010/main" w="9525">
                   <a:solidFill>
                     <a:srgbClr val="000000"/>
                   </a:solidFill>
@@ -13759,7 +13760,7 @@
             </a:ln>
             <a:extLst>
               <a:ext uri="{91240B29-F687-4f45-9708-019B960494DF}">
-                <a14:hiddenLine xmlns:a14="http://schemas.microsoft.com/office/drawing/2010/main" xmlns:p14="http://schemas.microsoft.com/office/powerpoint/2010/main" xmlns:a16="http://schemas.microsoft.com/office/drawing/2014/main" xmlns="" w="9525">
+                <a14:hiddenLine xmlns="" xmlns:a16="http://schemas.microsoft.com/office/drawing/2014/main" xmlns:p14="http://schemas.microsoft.com/office/powerpoint/2010/main" xmlns:a14="http://schemas.microsoft.com/office/drawing/2010/main" w="9525">
                   <a:solidFill>
                     <a:srgbClr val="000000"/>
                   </a:solidFill>
@@ -13836,7 +13837,7 @@
             </a:ln>
             <a:extLst>
               <a:ext uri="{91240B29-F687-4f45-9708-019B960494DF}">
-                <a14:hiddenLine xmlns:a14="http://schemas.microsoft.com/office/drawing/2010/main" xmlns:p14="http://schemas.microsoft.com/office/powerpoint/2010/main" xmlns:a16="http://schemas.microsoft.com/office/drawing/2014/main" xmlns="" w="9525">
+                <a14:hiddenLine xmlns="" xmlns:a16="http://schemas.microsoft.com/office/drawing/2014/main" xmlns:p14="http://schemas.microsoft.com/office/powerpoint/2010/main" xmlns:a14="http://schemas.microsoft.com/office/drawing/2010/main" w="9525">
                   <a:solidFill>
                     <a:srgbClr val="000000"/>
                   </a:solidFill>
@@ -13913,7 +13914,7 @@
             </a:ln>
             <a:extLst>
               <a:ext uri="{91240B29-F687-4f45-9708-019B960494DF}">
-                <a14:hiddenLine xmlns:a14="http://schemas.microsoft.com/office/drawing/2010/main" xmlns:p14="http://schemas.microsoft.com/office/powerpoint/2010/main" xmlns:a16="http://schemas.microsoft.com/office/drawing/2014/main" xmlns="" w="9525">
+                <a14:hiddenLine xmlns="" xmlns:a16="http://schemas.microsoft.com/office/drawing/2014/main" xmlns:p14="http://schemas.microsoft.com/office/powerpoint/2010/main" xmlns:a14="http://schemas.microsoft.com/office/drawing/2010/main" w="9525">
                   <a:solidFill>
                     <a:srgbClr val="000000"/>
                   </a:solidFill>
@@ -14018,7 +14019,7 @@
             </a:ln>
             <a:extLst>
               <a:ext uri="{91240B29-F687-4f45-9708-019B960494DF}">
-                <a14:hiddenLine xmlns:a14="http://schemas.microsoft.com/office/drawing/2010/main" xmlns:p14="http://schemas.microsoft.com/office/powerpoint/2010/main" xmlns:a16="http://schemas.microsoft.com/office/drawing/2014/main" xmlns="" w="9525">
+                <a14:hiddenLine xmlns="" xmlns:a16="http://schemas.microsoft.com/office/drawing/2014/main" xmlns:p14="http://schemas.microsoft.com/office/powerpoint/2010/main" xmlns:a14="http://schemas.microsoft.com/office/drawing/2010/main" w="9525">
                   <a:solidFill>
                     <a:srgbClr val="000000"/>
                   </a:solidFill>
@@ -14123,7 +14124,7 @@
             </a:ln>
             <a:extLst>
               <a:ext uri="{91240B29-F687-4f45-9708-019B960494DF}">
-                <a14:hiddenLine xmlns:a14="http://schemas.microsoft.com/office/drawing/2010/main" xmlns:p14="http://schemas.microsoft.com/office/powerpoint/2010/main" xmlns:a16="http://schemas.microsoft.com/office/drawing/2014/main" xmlns="" w="9525">
+                <a14:hiddenLine xmlns="" xmlns:a16="http://schemas.microsoft.com/office/drawing/2014/main" xmlns:p14="http://schemas.microsoft.com/office/powerpoint/2010/main" xmlns:a14="http://schemas.microsoft.com/office/drawing/2010/main" w="9525">
                   <a:solidFill>
                     <a:srgbClr val="000000"/>
                   </a:solidFill>
@@ -14200,7 +14201,7 @@
             </a:ln>
             <a:extLst>
               <a:ext uri="{91240B29-F687-4f45-9708-019B960494DF}">
-                <a14:hiddenLine xmlns:a14="http://schemas.microsoft.com/office/drawing/2010/main" xmlns:p14="http://schemas.microsoft.com/office/powerpoint/2010/main" xmlns:a16="http://schemas.microsoft.com/office/drawing/2014/main" xmlns="" w="9525">
+                <a14:hiddenLine xmlns="" xmlns:a16="http://schemas.microsoft.com/office/drawing/2014/main" xmlns:p14="http://schemas.microsoft.com/office/powerpoint/2010/main" xmlns:a14="http://schemas.microsoft.com/office/drawing/2010/main" w="9525">
                   <a:solidFill>
                     <a:srgbClr val="000000"/>
                   </a:solidFill>
@@ -14325,7 +14326,7 @@
             </a:ln>
             <a:extLst>
               <a:ext uri="{91240B29-F687-4f45-9708-019B960494DF}">
-                <a14:hiddenLine xmlns:a14="http://schemas.microsoft.com/office/drawing/2010/main" xmlns:p14="http://schemas.microsoft.com/office/powerpoint/2010/main" xmlns:a16="http://schemas.microsoft.com/office/drawing/2014/main" xmlns="" w="9525">
+                <a14:hiddenLine xmlns="" xmlns:a16="http://schemas.microsoft.com/office/drawing/2014/main" xmlns:p14="http://schemas.microsoft.com/office/powerpoint/2010/main" xmlns:a14="http://schemas.microsoft.com/office/drawing/2010/main" w="9525">
                   <a:solidFill>
                     <a:srgbClr val="000000"/>
                   </a:solidFill>
@@ -14402,7 +14403,7 @@
             </a:ln>
             <a:extLst>
               <a:ext uri="{91240B29-F687-4f45-9708-019B960494DF}">
-                <a14:hiddenLine xmlns:a14="http://schemas.microsoft.com/office/drawing/2010/main" xmlns:p14="http://schemas.microsoft.com/office/powerpoint/2010/main" xmlns:a16="http://schemas.microsoft.com/office/drawing/2014/main" xmlns="" w="9525">
+                <a14:hiddenLine xmlns="" xmlns:a16="http://schemas.microsoft.com/office/drawing/2014/main" xmlns:p14="http://schemas.microsoft.com/office/powerpoint/2010/main" xmlns:a14="http://schemas.microsoft.com/office/drawing/2010/main" w="9525">
                   <a:solidFill>
                     <a:srgbClr val="000000"/>
                   </a:solidFill>
@@ -14507,7 +14508,7 @@
             </a:ln>
             <a:extLst>
               <a:ext uri="{91240B29-F687-4f45-9708-019B960494DF}">
-                <a14:hiddenLine xmlns:a14="http://schemas.microsoft.com/office/drawing/2010/main" xmlns:p14="http://schemas.microsoft.com/office/powerpoint/2010/main" xmlns:a16="http://schemas.microsoft.com/office/drawing/2014/main" xmlns="" w="9525">
+                <a14:hiddenLine xmlns="" xmlns:a16="http://schemas.microsoft.com/office/drawing/2014/main" xmlns:p14="http://schemas.microsoft.com/office/powerpoint/2010/main" xmlns:a14="http://schemas.microsoft.com/office/drawing/2010/main" w="9525">
                   <a:solidFill>
                     <a:srgbClr val="000000"/>
                   </a:solidFill>
@@ -14612,7 +14613,7 @@
             </a:ln>
             <a:extLst>
               <a:ext uri="{91240B29-F687-4f45-9708-019B960494DF}">
-                <a14:hiddenLine xmlns:a14="http://schemas.microsoft.com/office/drawing/2010/main" xmlns:p14="http://schemas.microsoft.com/office/powerpoint/2010/main" xmlns:a16="http://schemas.microsoft.com/office/drawing/2014/main" xmlns="" w="9525">
+                <a14:hiddenLine xmlns="" xmlns:a16="http://schemas.microsoft.com/office/drawing/2014/main" xmlns:p14="http://schemas.microsoft.com/office/powerpoint/2010/main" xmlns:a14="http://schemas.microsoft.com/office/drawing/2010/main" w="9525">
                   <a:solidFill>
                     <a:srgbClr val="000000"/>
                   </a:solidFill>
@@ -14689,7 +14690,7 @@
             </a:ln>
             <a:extLst>
               <a:ext uri="{91240B29-F687-4f45-9708-019B960494DF}">
-                <a14:hiddenLine xmlns:a14="http://schemas.microsoft.com/office/drawing/2010/main" xmlns:p14="http://schemas.microsoft.com/office/powerpoint/2010/main" xmlns:a16="http://schemas.microsoft.com/office/drawing/2014/main" xmlns="" w="9525">
+                <a14:hiddenLine xmlns="" xmlns:a16="http://schemas.microsoft.com/office/drawing/2014/main" xmlns:p14="http://schemas.microsoft.com/office/powerpoint/2010/main" xmlns:a14="http://schemas.microsoft.com/office/drawing/2010/main" w="9525">
                   <a:solidFill>
                     <a:srgbClr val="000000"/>
                   </a:solidFill>
@@ -14794,7 +14795,7 @@
             </a:ln>
             <a:extLst>
               <a:ext uri="{91240B29-F687-4f45-9708-019B960494DF}">
-                <a14:hiddenLine xmlns:a14="http://schemas.microsoft.com/office/drawing/2010/main" xmlns:p14="http://schemas.microsoft.com/office/powerpoint/2010/main" xmlns:a16="http://schemas.microsoft.com/office/drawing/2014/main" xmlns="" w="9525">
+                <a14:hiddenLine xmlns="" xmlns:a16="http://schemas.microsoft.com/office/drawing/2014/main" xmlns:p14="http://schemas.microsoft.com/office/powerpoint/2010/main" xmlns:a14="http://schemas.microsoft.com/office/drawing/2010/main" w="9525">
                   <a:solidFill>
                     <a:srgbClr val="000000"/>
                   </a:solidFill>
@@ -14899,7 +14900,7 @@
             </a:ln>
             <a:extLst>
               <a:ext uri="{91240B29-F687-4f45-9708-019B960494DF}">
-                <a14:hiddenLine xmlns:a14="http://schemas.microsoft.com/office/drawing/2010/main" xmlns:p14="http://schemas.microsoft.com/office/powerpoint/2010/main" xmlns:a16="http://schemas.microsoft.com/office/drawing/2014/main" xmlns="" w="9525">
+                <a14:hiddenLine xmlns="" xmlns:a16="http://schemas.microsoft.com/office/drawing/2014/main" xmlns:p14="http://schemas.microsoft.com/office/powerpoint/2010/main" xmlns:a14="http://schemas.microsoft.com/office/drawing/2010/main" w="9525">
                   <a:solidFill>
                     <a:srgbClr val="000000"/>
                   </a:solidFill>
@@ -14970,7 +14971,7 @@
             </a:ln>
             <a:extLst>
               <a:ext uri="{91240B29-F687-4f45-9708-019B960494DF}">
-                <a14:hiddenLine xmlns:a14="http://schemas.microsoft.com/office/drawing/2010/main" xmlns:p14="http://schemas.microsoft.com/office/powerpoint/2010/main" xmlns:a16="http://schemas.microsoft.com/office/drawing/2014/main" xmlns="" w="9525">
+                <a14:hiddenLine xmlns="" xmlns:a16="http://schemas.microsoft.com/office/drawing/2014/main" xmlns:p14="http://schemas.microsoft.com/office/powerpoint/2010/main" xmlns:a14="http://schemas.microsoft.com/office/drawing/2010/main" w="9525">
                   <a:solidFill>
                     <a:srgbClr val="000000"/>
                   </a:solidFill>
@@ -15075,7 +15076,7 @@
             </a:ln>
             <a:extLst>
               <a:ext uri="{91240B29-F687-4f45-9708-019B960494DF}">
-                <a14:hiddenLine xmlns:a14="http://schemas.microsoft.com/office/drawing/2010/main" xmlns:p14="http://schemas.microsoft.com/office/powerpoint/2010/main" xmlns:a16="http://schemas.microsoft.com/office/drawing/2014/main" xmlns="" w="9525">
+                <a14:hiddenLine xmlns="" xmlns:a16="http://schemas.microsoft.com/office/drawing/2014/main" xmlns:p14="http://schemas.microsoft.com/office/powerpoint/2010/main" xmlns:a14="http://schemas.microsoft.com/office/drawing/2010/main" w="9525">
                   <a:solidFill>
                     <a:srgbClr val="000000"/>
                   </a:solidFill>
@@ -15146,7 +15147,7 @@
             </a:ln>
             <a:extLst>
               <a:ext uri="{91240B29-F687-4f45-9708-019B960494DF}">
-                <a14:hiddenLine xmlns:a14="http://schemas.microsoft.com/office/drawing/2010/main" xmlns:p14="http://schemas.microsoft.com/office/powerpoint/2010/main" xmlns:a16="http://schemas.microsoft.com/office/drawing/2014/main" xmlns="" w="9525">
+                <a14:hiddenLine xmlns="" xmlns:a16="http://schemas.microsoft.com/office/drawing/2014/main" xmlns:p14="http://schemas.microsoft.com/office/powerpoint/2010/main" xmlns:a14="http://schemas.microsoft.com/office/drawing/2010/main" w="9525">
                   <a:solidFill>
                     <a:srgbClr val="000000"/>
                   </a:solidFill>
@@ -15251,7 +15252,7 @@
             </a:ln>
             <a:extLst>
               <a:ext uri="{91240B29-F687-4f45-9708-019B960494DF}">
-                <a14:hiddenLine xmlns:a14="http://schemas.microsoft.com/office/drawing/2010/main" xmlns:p14="http://schemas.microsoft.com/office/powerpoint/2010/main" xmlns:a16="http://schemas.microsoft.com/office/drawing/2014/main" xmlns="" w="9525">
+                <a14:hiddenLine xmlns="" xmlns:a16="http://schemas.microsoft.com/office/drawing/2014/main" xmlns:p14="http://schemas.microsoft.com/office/powerpoint/2010/main" xmlns:a14="http://schemas.microsoft.com/office/drawing/2010/main" w="9525">
                   <a:solidFill>
                     <a:srgbClr val="000000"/>
                   </a:solidFill>
@@ -15334,7 +15335,7 @@
             </a:ln>
             <a:extLst>
               <a:ext uri="{91240B29-F687-4f45-9708-019B960494DF}">
-                <a14:hiddenLine xmlns:a14="http://schemas.microsoft.com/office/drawing/2010/main" xmlns:p14="http://schemas.microsoft.com/office/powerpoint/2010/main" xmlns:a16="http://schemas.microsoft.com/office/drawing/2014/main" xmlns="" w="9525">
+                <a14:hiddenLine xmlns="" xmlns:a16="http://schemas.microsoft.com/office/drawing/2014/main" xmlns:p14="http://schemas.microsoft.com/office/powerpoint/2010/main" xmlns:a14="http://schemas.microsoft.com/office/drawing/2010/main" w="9525">
                   <a:solidFill>
                     <a:srgbClr val="000000"/>
                   </a:solidFill>
@@ -15439,7 +15440,7 @@
             </a:ln>
             <a:extLst>
               <a:ext uri="{91240B29-F687-4f45-9708-019B960494DF}">
-                <a14:hiddenLine xmlns:a14="http://schemas.microsoft.com/office/drawing/2010/main" xmlns:p14="http://schemas.microsoft.com/office/powerpoint/2010/main" xmlns:a16="http://schemas.microsoft.com/office/drawing/2014/main" xmlns="" w="9525">
+                <a14:hiddenLine xmlns="" xmlns:a16="http://schemas.microsoft.com/office/drawing/2014/main" xmlns:p14="http://schemas.microsoft.com/office/powerpoint/2010/main" xmlns:a14="http://schemas.microsoft.com/office/drawing/2010/main" w="9525">
                   <a:solidFill>
                     <a:srgbClr val="000000"/>
                   </a:solidFill>
@@ -15522,7 +15523,7 @@
             </a:ln>
             <a:extLst>
               <a:ext uri="{91240B29-F687-4f45-9708-019B960494DF}">
-                <a14:hiddenLine xmlns:a14="http://schemas.microsoft.com/office/drawing/2010/main" xmlns:p14="http://schemas.microsoft.com/office/powerpoint/2010/main" xmlns:a16="http://schemas.microsoft.com/office/drawing/2014/main" xmlns="" w="9525">
+                <a14:hiddenLine xmlns="" xmlns:a16="http://schemas.microsoft.com/office/drawing/2014/main" xmlns:p14="http://schemas.microsoft.com/office/powerpoint/2010/main" xmlns:a14="http://schemas.microsoft.com/office/drawing/2010/main" w="9525">
                   <a:solidFill>
                     <a:srgbClr val="000000"/>
                   </a:solidFill>
@@ -15627,7 +15628,7 @@
             </a:ln>
             <a:extLst>
               <a:ext uri="{91240B29-F687-4f45-9708-019B960494DF}">
-                <a14:hiddenLine xmlns:a14="http://schemas.microsoft.com/office/drawing/2010/main" xmlns:p14="http://schemas.microsoft.com/office/powerpoint/2010/main" xmlns:a16="http://schemas.microsoft.com/office/drawing/2014/main" xmlns="" w="9525">
+                <a14:hiddenLine xmlns="" xmlns:a16="http://schemas.microsoft.com/office/drawing/2014/main" xmlns:p14="http://schemas.microsoft.com/office/powerpoint/2010/main" xmlns:a14="http://schemas.microsoft.com/office/drawing/2010/main" w="9525">
                   <a:solidFill>
                     <a:srgbClr val="000000"/>
                   </a:solidFill>
@@ -15676,7 +15677,7 @@
             </a:ln>
             <a:extLst>
               <a:ext uri="{91240B29-F687-4f45-9708-019B960494DF}">
-                <a14:hiddenLine xmlns:a14="http://schemas.microsoft.com/office/drawing/2010/main" xmlns:p14="http://schemas.microsoft.com/office/powerpoint/2010/main" xmlns:a16="http://schemas.microsoft.com/office/drawing/2014/main" xmlns="" w="9525">
+                <a14:hiddenLine xmlns="" xmlns:a16="http://schemas.microsoft.com/office/drawing/2014/main" xmlns:p14="http://schemas.microsoft.com/office/powerpoint/2010/main" xmlns:a14="http://schemas.microsoft.com/office/drawing/2010/main" w="9525">
                   <a:solidFill>
                     <a:srgbClr val="000000"/>
                   </a:solidFill>
@@ -15781,7 +15782,7 @@
             </a:ln>
             <a:extLst>
               <a:ext uri="{91240B29-F687-4f45-9708-019B960494DF}">
-                <a14:hiddenLine xmlns:a14="http://schemas.microsoft.com/office/drawing/2010/main" xmlns:p14="http://schemas.microsoft.com/office/powerpoint/2010/main" xmlns:a16="http://schemas.microsoft.com/office/drawing/2014/main" xmlns="" w="9525">
+                <a14:hiddenLine xmlns="" xmlns:a16="http://schemas.microsoft.com/office/drawing/2014/main" xmlns:p14="http://schemas.microsoft.com/office/powerpoint/2010/main" xmlns:a14="http://schemas.microsoft.com/office/drawing/2010/main" w="9525">
                   <a:solidFill>
                     <a:srgbClr val="000000"/>
                   </a:solidFill>
@@ -15858,7 +15859,7 @@
             </a:ln>
             <a:extLst>
               <a:ext uri="{91240B29-F687-4f45-9708-019B960494DF}">
-                <a14:hiddenLine xmlns:a14="http://schemas.microsoft.com/office/drawing/2010/main" xmlns:p14="http://schemas.microsoft.com/office/powerpoint/2010/main" xmlns:a16="http://schemas.microsoft.com/office/drawing/2014/main" xmlns="" w="9525">
+                <a14:hiddenLine xmlns="" xmlns:a16="http://schemas.microsoft.com/office/drawing/2014/main" xmlns:p14="http://schemas.microsoft.com/office/powerpoint/2010/main" xmlns:a14="http://schemas.microsoft.com/office/drawing/2010/main" w="9525">
                   <a:solidFill>
                     <a:srgbClr val="000000"/>
                   </a:solidFill>
@@ -15935,7 +15936,7 @@
             </a:ln>
             <a:extLst>
               <a:ext uri="{91240B29-F687-4f45-9708-019B960494DF}">
-                <a14:hiddenLine xmlns:a14="http://schemas.microsoft.com/office/drawing/2010/main" xmlns:p14="http://schemas.microsoft.com/office/powerpoint/2010/main" xmlns:a16="http://schemas.microsoft.com/office/drawing/2014/main" xmlns="" w="9525">
+                <a14:hiddenLine xmlns="" xmlns:a16="http://schemas.microsoft.com/office/drawing/2014/main" xmlns:p14="http://schemas.microsoft.com/office/powerpoint/2010/main" xmlns:a14="http://schemas.microsoft.com/office/drawing/2010/main" w="9525">
                   <a:solidFill>
                     <a:srgbClr val="000000"/>
                   </a:solidFill>
@@ -16040,7 +16041,7 @@
             </a:ln>
             <a:extLst>
               <a:ext uri="{91240B29-F687-4f45-9708-019B960494DF}">
-                <a14:hiddenLine xmlns:a14="http://schemas.microsoft.com/office/drawing/2010/main" xmlns:p14="http://schemas.microsoft.com/office/powerpoint/2010/main" xmlns:a16="http://schemas.microsoft.com/office/drawing/2014/main" xmlns="" w="9525">
+                <a14:hiddenLine xmlns="" xmlns:a16="http://schemas.microsoft.com/office/drawing/2014/main" xmlns:p14="http://schemas.microsoft.com/office/powerpoint/2010/main" xmlns:a14="http://schemas.microsoft.com/office/drawing/2010/main" w="9525">
                   <a:solidFill>
                     <a:srgbClr val="000000"/>
                   </a:solidFill>
@@ -16123,7 +16124,7 @@
             </a:ln>
             <a:extLst>
               <a:ext uri="{91240B29-F687-4f45-9708-019B960494DF}">
-                <a14:hiddenLine xmlns:a14="http://schemas.microsoft.com/office/drawing/2010/main" xmlns:p14="http://schemas.microsoft.com/office/powerpoint/2010/main" xmlns:a16="http://schemas.microsoft.com/office/drawing/2014/main" xmlns="" w="9525">
+                <a14:hiddenLine xmlns="" xmlns:a16="http://schemas.microsoft.com/office/drawing/2014/main" xmlns:p14="http://schemas.microsoft.com/office/powerpoint/2010/main" xmlns:a14="http://schemas.microsoft.com/office/drawing/2010/main" w="9525">
                   <a:solidFill>
                     <a:srgbClr val="000000"/>
                   </a:solidFill>
@@ -16200,7 +16201,7 @@
             </a:ln>
             <a:extLst>
               <a:ext uri="{91240B29-F687-4f45-9708-019B960494DF}">
-                <a14:hiddenLine xmlns:a14="http://schemas.microsoft.com/office/drawing/2010/main" xmlns:p14="http://schemas.microsoft.com/office/powerpoint/2010/main" xmlns:a16="http://schemas.microsoft.com/office/drawing/2014/main" xmlns="" w="9525">
+                <a14:hiddenLine xmlns="" xmlns:a16="http://schemas.microsoft.com/office/drawing/2014/main" xmlns:p14="http://schemas.microsoft.com/office/powerpoint/2010/main" xmlns:a14="http://schemas.microsoft.com/office/drawing/2010/main" w="9525">
                   <a:solidFill>
                     <a:srgbClr val="000000"/>
                   </a:solidFill>
@@ -16305,7 +16306,7 @@
             </a:ln>
             <a:extLst>
               <a:ext uri="{91240B29-F687-4f45-9708-019B960494DF}">
-                <a14:hiddenLine xmlns:a14="http://schemas.microsoft.com/office/drawing/2010/main" xmlns:p14="http://schemas.microsoft.com/office/powerpoint/2010/main" xmlns:a16="http://schemas.microsoft.com/office/drawing/2014/main" xmlns="" w="9525">
+                <a14:hiddenLine xmlns="" xmlns:a16="http://schemas.microsoft.com/office/drawing/2014/main" xmlns:p14="http://schemas.microsoft.com/office/powerpoint/2010/main" xmlns:a14="http://schemas.microsoft.com/office/drawing/2010/main" w="9525">
                   <a:solidFill>
                     <a:srgbClr val="000000"/>
                   </a:solidFill>
@@ -16382,7 +16383,7 @@
             </a:ln>
             <a:extLst>
               <a:ext uri="{91240B29-F687-4f45-9708-019B960494DF}">
-                <a14:hiddenLine xmlns:a14="http://schemas.microsoft.com/office/drawing/2010/main" xmlns:p14="http://schemas.microsoft.com/office/powerpoint/2010/main" xmlns:a16="http://schemas.microsoft.com/office/drawing/2014/main" xmlns="" w="9525">
+                <a14:hiddenLine xmlns="" xmlns:a16="http://schemas.microsoft.com/office/drawing/2014/main" xmlns:p14="http://schemas.microsoft.com/office/powerpoint/2010/main" xmlns:a14="http://schemas.microsoft.com/office/drawing/2010/main" w="9525">
                   <a:solidFill>
                     <a:srgbClr val="000000"/>
                   </a:solidFill>
@@ -16487,7 +16488,7 @@
             </a:ln>
             <a:extLst>
               <a:ext uri="{91240B29-F687-4f45-9708-019B960494DF}">
-                <a14:hiddenLine xmlns:a14="http://schemas.microsoft.com/office/drawing/2010/main" xmlns:p14="http://schemas.microsoft.com/office/powerpoint/2010/main" xmlns:a16="http://schemas.microsoft.com/office/drawing/2014/main" xmlns="" w="9525">
+                <a14:hiddenLine xmlns="" xmlns:a16="http://schemas.microsoft.com/office/drawing/2014/main" xmlns:p14="http://schemas.microsoft.com/office/powerpoint/2010/main" xmlns:a14="http://schemas.microsoft.com/office/drawing/2010/main" w="9525">
                   <a:solidFill>
                     <a:srgbClr val="000000"/>
                   </a:solidFill>
@@ -16564,7 +16565,7 @@
             </a:ln>
             <a:extLst>
               <a:ext uri="{91240B29-F687-4f45-9708-019B960494DF}">
-                <a14:hiddenLine xmlns:a14="http://schemas.microsoft.com/office/drawing/2010/main" xmlns:p14="http://schemas.microsoft.com/office/powerpoint/2010/main" xmlns:a16="http://schemas.microsoft.com/office/drawing/2014/main" xmlns="" w="9525">
+                <a14:hiddenLine xmlns="" xmlns:a16="http://schemas.microsoft.com/office/drawing/2014/main" xmlns:p14="http://schemas.microsoft.com/office/powerpoint/2010/main" xmlns:a14="http://schemas.microsoft.com/office/drawing/2010/main" w="9525">
                   <a:solidFill>
                     <a:srgbClr val="000000"/>
                   </a:solidFill>
@@ -16669,7 +16670,7 @@
             </a:ln>
             <a:extLst>
               <a:ext uri="{91240B29-F687-4f45-9708-019B960494DF}">
-                <a14:hiddenLine xmlns:a14="http://schemas.microsoft.com/office/drawing/2010/main" xmlns:p14="http://schemas.microsoft.com/office/powerpoint/2010/main" xmlns:a16="http://schemas.microsoft.com/office/drawing/2014/main" xmlns="" w="9525">
+                <a14:hiddenLine xmlns="" xmlns:a16="http://schemas.microsoft.com/office/drawing/2014/main" xmlns:p14="http://schemas.microsoft.com/office/powerpoint/2010/main" xmlns:a14="http://schemas.microsoft.com/office/drawing/2010/main" w="9525">
                   <a:solidFill>
                     <a:srgbClr val="000000"/>
                   </a:solidFill>
@@ -16718,7 +16719,7 @@
             </a:ln>
             <a:extLst>
               <a:ext uri="{91240B29-F687-4f45-9708-019B960494DF}">
-                <a14:hiddenLine xmlns:a14="http://schemas.microsoft.com/office/drawing/2010/main" xmlns:p14="http://schemas.microsoft.com/office/powerpoint/2010/main" xmlns:a16="http://schemas.microsoft.com/office/drawing/2014/main" xmlns="" w="9525">
+                <a14:hiddenLine xmlns="" xmlns:a16="http://schemas.microsoft.com/office/drawing/2014/main" xmlns:p14="http://schemas.microsoft.com/office/powerpoint/2010/main" xmlns:a14="http://schemas.microsoft.com/office/drawing/2010/main" w="9525">
                   <a:solidFill>
                     <a:srgbClr val="000000"/>
                   </a:solidFill>
@@ -16798,7 +16799,7 @@
             </a:ln>
             <a:extLst>
               <a:ext uri="{91240B29-F687-4f45-9708-019B960494DF}">
-                <a14:hiddenLine xmlns:a14="http://schemas.microsoft.com/office/drawing/2010/main" xmlns:p14="http://schemas.microsoft.com/office/powerpoint/2010/main" xmlns:a16="http://schemas.microsoft.com/office/drawing/2014/main" xmlns="" w="9525">
+                <a14:hiddenLine xmlns="" xmlns:a16="http://schemas.microsoft.com/office/drawing/2014/main" xmlns:p14="http://schemas.microsoft.com/office/powerpoint/2010/main" xmlns:a14="http://schemas.microsoft.com/office/drawing/2010/main" w="9525">
                   <a:solidFill>
                     <a:srgbClr val="000000"/>
                   </a:solidFill>
@@ -16903,7 +16904,7 @@
             </a:ln>
             <a:extLst>
               <a:ext uri="{91240B29-F687-4f45-9708-019B960494DF}">
-                <a14:hiddenLine xmlns:a14="http://schemas.microsoft.com/office/drawing/2010/main" xmlns:p14="http://schemas.microsoft.com/office/powerpoint/2010/main" xmlns:a16="http://schemas.microsoft.com/office/drawing/2014/main" xmlns="" w="9525">
+                <a14:hiddenLine xmlns="" xmlns:a16="http://schemas.microsoft.com/office/drawing/2014/main" xmlns:p14="http://schemas.microsoft.com/office/powerpoint/2010/main" xmlns:a14="http://schemas.microsoft.com/office/drawing/2010/main" w="9525">
                   <a:solidFill>
                     <a:srgbClr val="000000"/>
                   </a:solidFill>
@@ -16980,7 +16981,7 @@
             </a:ln>
             <a:extLst>
               <a:ext uri="{91240B29-F687-4f45-9708-019B960494DF}">
-                <a14:hiddenLine xmlns:a14="http://schemas.microsoft.com/office/drawing/2010/main" xmlns:p14="http://schemas.microsoft.com/office/powerpoint/2010/main" xmlns:a16="http://schemas.microsoft.com/office/drawing/2014/main" xmlns="" w="9525">
+                <a14:hiddenLine xmlns="" xmlns:a16="http://schemas.microsoft.com/office/drawing/2014/main" xmlns:p14="http://schemas.microsoft.com/office/powerpoint/2010/main" xmlns:a14="http://schemas.microsoft.com/office/drawing/2010/main" w="9525">
                   <a:solidFill>
                     <a:srgbClr val="000000"/>
                   </a:solidFill>
@@ -17085,7 +17086,7 @@
             </a:ln>
             <a:extLst>
               <a:ext uri="{91240B29-F687-4f45-9708-019B960494DF}">
-                <a14:hiddenLine xmlns:a14="http://schemas.microsoft.com/office/drawing/2010/main" xmlns:p14="http://schemas.microsoft.com/office/powerpoint/2010/main" xmlns:a16="http://schemas.microsoft.com/office/drawing/2014/main" xmlns="" w="9525">
+                <a14:hiddenLine xmlns="" xmlns:a16="http://schemas.microsoft.com/office/drawing/2014/main" xmlns:p14="http://schemas.microsoft.com/office/powerpoint/2010/main" xmlns:a14="http://schemas.microsoft.com/office/drawing/2010/main" w="9525">
                   <a:solidFill>
                     <a:srgbClr val="000000"/>
                   </a:solidFill>
@@ -17190,7 +17191,7 @@
             </a:ln>
             <a:extLst>
               <a:ext uri="{91240B29-F687-4f45-9708-019B960494DF}">
-                <a14:hiddenLine xmlns:a14="http://schemas.microsoft.com/office/drawing/2010/main" xmlns:p14="http://schemas.microsoft.com/office/powerpoint/2010/main" xmlns:a16="http://schemas.microsoft.com/office/drawing/2014/main" xmlns="" w="9525">
+                <a14:hiddenLine xmlns="" xmlns:a16="http://schemas.microsoft.com/office/drawing/2014/main" xmlns:p14="http://schemas.microsoft.com/office/powerpoint/2010/main" xmlns:a14="http://schemas.microsoft.com/office/drawing/2010/main" w="9525">
                   <a:solidFill>
                     <a:srgbClr val="000000"/>
                   </a:solidFill>
@@ -17270,7 +17271,7 @@
             </a:ln>
             <a:extLst>
               <a:ext uri="{91240B29-F687-4f45-9708-019B960494DF}">
-                <a14:hiddenLine xmlns:a14="http://schemas.microsoft.com/office/drawing/2010/main" xmlns:p14="http://schemas.microsoft.com/office/powerpoint/2010/main" xmlns:a16="http://schemas.microsoft.com/office/drawing/2014/main" xmlns="" w="9525">
+                <a14:hiddenLine xmlns="" xmlns:a16="http://schemas.microsoft.com/office/drawing/2014/main" xmlns:p14="http://schemas.microsoft.com/office/powerpoint/2010/main" xmlns:a14="http://schemas.microsoft.com/office/drawing/2010/main" w="9525">
                   <a:solidFill>
                     <a:srgbClr val="000000"/>
                   </a:solidFill>
@@ -17347,7 +17348,7 @@
             </a:ln>
             <a:extLst>
               <a:ext uri="{91240B29-F687-4f45-9708-019B960494DF}">
-                <a14:hiddenLine xmlns:a14="http://schemas.microsoft.com/office/drawing/2010/main" xmlns:p14="http://schemas.microsoft.com/office/powerpoint/2010/main" xmlns:a16="http://schemas.microsoft.com/office/drawing/2014/main" xmlns="" w="9525">
+                <a14:hiddenLine xmlns="" xmlns:a16="http://schemas.microsoft.com/office/drawing/2014/main" xmlns:p14="http://schemas.microsoft.com/office/powerpoint/2010/main" xmlns:a14="http://schemas.microsoft.com/office/drawing/2010/main" w="9525">
                   <a:solidFill>
                     <a:srgbClr val="000000"/>
                   </a:solidFill>
@@ -17452,7 +17453,7 @@
             </a:ln>
             <a:extLst>
               <a:ext uri="{91240B29-F687-4f45-9708-019B960494DF}">
-                <a14:hiddenLine xmlns:a14="http://schemas.microsoft.com/office/drawing/2010/main" xmlns:p14="http://schemas.microsoft.com/office/powerpoint/2010/main" xmlns:a16="http://schemas.microsoft.com/office/drawing/2014/main" xmlns="" w="9525">
+                <a14:hiddenLine xmlns="" xmlns:a16="http://schemas.microsoft.com/office/drawing/2014/main" xmlns:p14="http://schemas.microsoft.com/office/powerpoint/2010/main" xmlns:a14="http://schemas.microsoft.com/office/drawing/2010/main" w="9525">
                   <a:solidFill>
                     <a:srgbClr val="000000"/>
                   </a:solidFill>
@@ -17557,7 +17558,7 @@
             </a:ln>
             <a:extLst>
               <a:ext uri="{91240B29-F687-4f45-9708-019B960494DF}">
-                <a14:hiddenLine xmlns:a14="http://schemas.microsoft.com/office/drawing/2010/main" xmlns:p14="http://schemas.microsoft.com/office/powerpoint/2010/main" xmlns:a16="http://schemas.microsoft.com/office/drawing/2014/main" xmlns="" w="9525">
+                <a14:hiddenLine xmlns="" xmlns:a16="http://schemas.microsoft.com/office/drawing/2014/main" xmlns:p14="http://schemas.microsoft.com/office/powerpoint/2010/main" xmlns:a14="http://schemas.microsoft.com/office/drawing/2010/main" w="9525">
                   <a:solidFill>
                     <a:srgbClr val="000000"/>
                   </a:solidFill>
@@ -17634,7 +17635,7 @@
             </a:ln>
             <a:extLst>
               <a:ext uri="{91240B29-F687-4f45-9708-019B960494DF}">
-                <a14:hiddenLine xmlns:a14="http://schemas.microsoft.com/office/drawing/2010/main" xmlns:p14="http://schemas.microsoft.com/office/powerpoint/2010/main" xmlns:a16="http://schemas.microsoft.com/office/drawing/2014/main" xmlns="" w="9525">
+                <a14:hiddenLine xmlns="" xmlns:a16="http://schemas.microsoft.com/office/drawing/2014/main" xmlns:p14="http://schemas.microsoft.com/office/powerpoint/2010/main" xmlns:a14="http://schemas.microsoft.com/office/drawing/2010/main" w="9525">
                   <a:solidFill>
                     <a:srgbClr val="000000"/>
                   </a:solidFill>
@@ -17769,7 +17770,7 @@
             </a:ln>
             <a:extLst>
               <a:ext uri="{91240B29-F687-4f45-9708-019B960494DF}">
-                <a14:hiddenLine xmlns:a14="http://schemas.microsoft.com/office/drawing/2010/main" xmlns:p14="http://schemas.microsoft.com/office/powerpoint/2010/main" xmlns:a16="http://schemas.microsoft.com/office/drawing/2014/main" xmlns="" w="9525">
+                <a14:hiddenLine xmlns="" xmlns:a16="http://schemas.microsoft.com/office/drawing/2014/main" xmlns:p14="http://schemas.microsoft.com/office/powerpoint/2010/main" xmlns:a14="http://schemas.microsoft.com/office/drawing/2010/main" w="9525">
                   <a:solidFill>
                     <a:srgbClr val="000000"/>
                   </a:solidFill>
@@ -17852,7 +17853,7 @@
             </a:ln>
             <a:extLst>
               <a:ext uri="{91240B29-F687-4f45-9708-019B960494DF}">
-                <a14:hiddenLine xmlns:a14="http://schemas.microsoft.com/office/drawing/2010/main" xmlns:p14="http://schemas.microsoft.com/office/powerpoint/2010/main" xmlns:a16="http://schemas.microsoft.com/office/drawing/2014/main" xmlns="" w="9525">
+                <a14:hiddenLine xmlns="" xmlns:a16="http://schemas.microsoft.com/office/drawing/2014/main" xmlns:p14="http://schemas.microsoft.com/office/powerpoint/2010/main" xmlns:a14="http://schemas.microsoft.com/office/drawing/2010/main" w="9525">
                   <a:solidFill>
                     <a:srgbClr val="000000"/>
                   </a:solidFill>
@@ -17957,7 +17958,7 @@
             </a:ln>
             <a:extLst>
               <a:ext uri="{91240B29-F687-4f45-9708-019B960494DF}">
-                <a14:hiddenLine xmlns:a14="http://schemas.microsoft.com/office/drawing/2010/main" xmlns:p14="http://schemas.microsoft.com/office/powerpoint/2010/main" xmlns:a16="http://schemas.microsoft.com/office/drawing/2014/main" xmlns="" w="9525">
+                <a14:hiddenLine xmlns="" xmlns:a16="http://schemas.microsoft.com/office/drawing/2014/main" xmlns:p14="http://schemas.microsoft.com/office/powerpoint/2010/main" xmlns:a14="http://schemas.microsoft.com/office/drawing/2010/main" w="9525">
                   <a:solidFill>
                     <a:srgbClr val="000000"/>
                   </a:solidFill>
@@ -18025,7 +18026,7 @@
           <a:noFill/>
           <a:extLst>
             <a:ext uri="{909E8E84-426E-40dd-AFC4-6F175D3DCCD1}">
-              <a14:hiddenFill xmlns:a14="http://schemas.microsoft.com/office/drawing/2010/main" xmlns:p14="http://schemas.microsoft.com/office/powerpoint/2010/main" xmlns:a16="http://schemas.microsoft.com/office/drawing/2014/main" xmlns="">
+              <a14:hiddenFill xmlns="" xmlns:a16="http://schemas.microsoft.com/office/drawing/2014/main" xmlns:p14="http://schemas.microsoft.com/office/powerpoint/2010/main" xmlns:a14="http://schemas.microsoft.com/office/drawing/2010/main">
                 <a:solidFill>
                   <a:srgbClr val="FFFFFF"/>
                 </a:solidFill>
@@ -20547,7 +20548,7 @@
             <a:noFill/>
             <a:extLst>
               <a:ext uri="{909E8E84-426E-40dd-AFC4-6F175D3DCCD1}">
-                <a14:hiddenFill xmlns:p14="http://schemas.microsoft.com/office/powerpoint/2010/main" xmlns:a14="http://schemas.microsoft.com/office/drawing/2010/main" xmlns:a16="http://schemas.microsoft.com/office/drawing/2014/main" xmlns="">
+                <a14:hiddenFill xmlns="" xmlns:a16="http://schemas.microsoft.com/office/drawing/2014/main" xmlns:a14="http://schemas.microsoft.com/office/drawing/2010/main" xmlns:p14="http://schemas.microsoft.com/office/powerpoint/2010/main">
                   <a:solidFill>
                     <a:srgbClr val="FFFFFF"/>
                   </a:solidFill>
@@ -20631,7 +20632,7 @@
             </a:ln>
             <a:extLst>
               <a:ext uri="{91240B29-F687-4f45-9708-019B960494DF}">
-                <a14:hiddenLine xmlns:p14="http://schemas.microsoft.com/office/powerpoint/2010/main" xmlns:a14="http://schemas.microsoft.com/office/drawing/2010/main" xmlns:a16="http://schemas.microsoft.com/office/drawing/2014/main" xmlns="" w="9525">
+                <a14:hiddenLine xmlns="" xmlns:a16="http://schemas.microsoft.com/office/drawing/2014/main" xmlns:a14="http://schemas.microsoft.com/office/drawing/2010/main" xmlns:p14="http://schemas.microsoft.com/office/powerpoint/2010/main" w="9525">
                   <a:solidFill>
                     <a:srgbClr val="000000"/>
                   </a:solidFill>
@@ -20736,7 +20737,7 @@
             </a:ln>
             <a:extLst>
               <a:ext uri="{91240B29-F687-4f45-9708-019B960494DF}">
-                <a14:hiddenLine xmlns:p14="http://schemas.microsoft.com/office/powerpoint/2010/main" xmlns:a14="http://schemas.microsoft.com/office/drawing/2010/main" xmlns:a16="http://schemas.microsoft.com/office/drawing/2014/main" xmlns="" w="9525">
+                <a14:hiddenLine xmlns="" xmlns:a16="http://schemas.microsoft.com/office/drawing/2014/main" xmlns:a14="http://schemas.microsoft.com/office/drawing/2010/main" xmlns:p14="http://schemas.microsoft.com/office/powerpoint/2010/main" w="9525">
                   <a:solidFill>
                     <a:srgbClr val="000000"/>
                   </a:solidFill>
@@ -20841,7 +20842,7 @@
             </a:ln>
             <a:extLst>
               <a:ext uri="{91240B29-F687-4f45-9708-019B960494DF}">
-                <a14:hiddenLine xmlns:p14="http://schemas.microsoft.com/office/powerpoint/2010/main" xmlns:a14="http://schemas.microsoft.com/office/drawing/2010/main" xmlns:a16="http://schemas.microsoft.com/office/drawing/2014/main" xmlns="" w="9525">
+                <a14:hiddenLine xmlns="" xmlns:a16="http://schemas.microsoft.com/office/drawing/2014/main" xmlns:a14="http://schemas.microsoft.com/office/drawing/2010/main" xmlns:p14="http://schemas.microsoft.com/office/powerpoint/2010/main" w="9525">
                   <a:solidFill>
                     <a:srgbClr val="000000"/>
                   </a:solidFill>
@@ -20890,7 +20891,7 @@
             </a:ln>
             <a:extLst>
               <a:ext uri="{91240B29-F687-4f45-9708-019B960494DF}">
-                <a14:hiddenLine xmlns:p14="http://schemas.microsoft.com/office/powerpoint/2010/main" xmlns:a14="http://schemas.microsoft.com/office/drawing/2010/main" xmlns:a16="http://schemas.microsoft.com/office/drawing/2014/main" xmlns="" w="9525">
+                <a14:hiddenLine xmlns="" xmlns:a16="http://schemas.microsoft.com/office/drawing/2014/main" xmlns:a14="http://schemas.microsoft.com/office/drawing/2010/main" xmlns:p14="http://schemas.microsoft.com/office/powerpoint/2010/main" w="9525">
                   <a:solidFill>
                     <a:srgbClr val="000000"/>
                   </a:solidFill>
@@ -20995,7 +20996,7 @@
             </a:ln>
             <a:extLst>
               <a:ext uri="{91240B29-F687-4f45-9708-019B960494DF}">
-                <a14:hiddenLine xmlns:p14="http://schemas.microsoft.com/office/powerpoint/2010/main" xmlns:a14="http://schemas.microsoft.com/office/drawing/2010/main" xmlns:a16="http://schemas.microsoft.com/office/drawing/2014/main" xmlns="" w="9525">
+                <a14:hiddenLine xmlns="" xmlns:a16="http://schemas.microsoft.com/office/drawing/2014/main" xmlns:a14="http://schemas.microsoft.com/office/drawing/2010/main" xmlns:p14="http://schemas.microsoft.com/office/powerpoint/2010/main" w="9525">
                   <a:solidFill>
                     <a:srgbClr val="000000"/>
                   </a:solidFill>
@@ -21072,7 +21073,7 @@
             </a:ln>
             <a:extLst>
               <a:ext uri="{91240B29-F687-4f45-9708-019B960494DF}">
-                <a14:hiddenLine xmlns:p14="http://schemas.microsoft.com/office/powerpoint/2010/main" xmlns:a14="http://schemas.microsoft.com/office/drawing/2010/main" xmlns:a16="http://schemas.microsoft.com/office/drawing/2014/main" xmlns="" w="9525">
+                <a14:hiddenLine xmlns="" xmlns:a16="http://schemas.microsoft.com/office/drawing/2014/main" xmlns:a14="http://schemas.microsoft.com/office/drawing/2010/main" xmlns:p14="http://schemas.microsoft.com/office/powerpoint/2010/main" w="9525">
                   <a:solidFill>
                     <a:srgbClr val="000000"/>
                   </a:solidFill>
@@ -21149,7 +21150,7 @@
             </a:ln>
             <a:extLst>
               <a:ext uri="{91240B29-F687-4f45-9708-019B960494DF}">
-                <a14:hiddenLine xmlns:p14="http://schemas.microsoft.com/office/powerpoint/2010/main" xmlns:a14="http://schemas.microsoft.com/office/drawing/2010/main" xmlns:a16="http://schemas.microsoft.com/office/drawing/2014/main" xmlns="" w="9525">
+                <a14:hiddenLine xmlns="" xmlns:a16="http://schemas.microsoft.com/office/drawing/2014/main" xmlns:a14="http://schemas.microsoft.com/office/drawing/2010/main" xmlns:p14="http://schemas.microsoft.com/office/powerpoint/2010/main" w="9525">
                   <a:solidFill>
                     <a:srgbClr val="000000"/>
                   </a:solidFill>
@@ -21254,7 +21255,7 @@
             </a:ln>
             <a:extLst>
               <a:ext uri="{91240B29-F687-4f45-9708-019B960494DF}">
-                <a14:hiddenLine xmlns:p14="http://schemas.microsoft.com/office/powerpoint/2010/main" xmlns:a14="http://schemas.microsoft.com/office/drawing/2010/main" xmlns:a16="http://schemas.microsoft.com/office/drawing/2014/main" xmlns="" w="9525">
+                <a14:hiddenLine xmlns="" xmlns:a16="http://schemas.microsoft.com/office/drawing/2014/main" xmlns:a14="http://schemas.microsoft.com/office/drawing/2010/main" xmlns:p14="http://schemas.microsoft.com/office/powerpoint/2010/main" w="9525">
                   <a:solidFill>
                     <a:srgbClr val="000000"/>
                   </a:solidFill>
@@ -21331,7 +21332,7 @@
             </a:ln>
             <a:extLst>
               <a:ext uri="{91240B29-F687-4f45-9708-019B960494DF}">
-                <a14:hiddenLine xmlns:p14="http://schemas.microsoft.com/office/powerpoint/2010/main" xmlns:a14="http://schemas.microsoft.com/office/drawing/2010/main" xmlns:a16="http://schemas.microsoft.com/office/drawing/2014/main" xmlns="" w="9525">
+                <a14:hiddenLine xmlns="" xmlns:a16="http://schemas.microsoft.com/office/drawing/2014/main" xmlns:a14="http://schemas.microsoft.com/office/drawing/2010/main" xmlns:p14="http://schemas.microsoft.com/office/powerpoint/2010/main" w="9525">
                   <a:solidFill>
                     <a:srgbClr val="000000"/>
                   </a:solidFill>
@@ -21408,7 +21409,7 @@
             </a:ln>
             <a:extLst>
               <a:ext uri="{91240B29-F687-4f45-9708-019B960494DF}">
-                <a14:hiddenLine xmlns:p14="http://schemas.microsoft.com/office/powerpoint/2010/main" xmlns:a14="http://schemas.microsoft.com/office/drawing/2010/main" xmlns:a16="http://schemas.microsoft.com/office/drawing/2014/main" xmlns="" w="9525">
+                <a14:hiddenLine xmlns="" xmlns:a16="http://schemas.microsoft.com/office/drawing/2014/main" xmlns:a14="http://schemas.microsoft.com/office/drawing/2010/main" xmlns:p14="http://schemas.microsoft.com/office/powerpoint/2010/main" w="9525">
                   <a:solidFill>
                     <a:srgbClr val="000000"/>
                   </a:solidFill>
@@ -21513,7 +21514,7 @@
             </a:ln>
             <a:extLst>
               <a:ext uri="{91240B29-F687-4f45-9708-019B960494DF}">
-                <a14:hiddenLine xmlns:p14="http://schemas.microsoft.com/office/powerpoint/2010/main" xmlns:a14="http://schemas.microsoft.com/office/drawing/2010/main" xmlns:a16="http://schemas.microsoft.com/office/drawing/2014/main" xmlns="" w="9525">
+                <a14:hiddenLine xmlns="" xmlns:a16="http://schemas.microsoft.com/office/drawing/2014/main" xmlns:a14="http://schemas.microsoft.com/office/drawing/2010/main" xmlns:p14="http://schemas.microsoft.com/office/powerpoint/2010/main" w="9525">
                   <a:solidFill>
                     <a:srgbClr val="000000"/>
                   </a:solidFill>
@@ -21618,7 +21619,7 @@
             </a:ln>
             <a:extLst>
               <a:ext uri="{91240B29-F687-4f45-9708-019B960494DF}">
-                <a14:hiddenLine xmlns:p14="http://schemas.microsoft.com/office/powerpoint/2010/main" xmlns:a14="http://schemas.microsoft.com/office/drawing/2010/main" xmlns:a16="http://schemas.microsoft.com/office/drawing/2014/main" xmlns="" w="9525">
+                <a14:hiddenLine xmlns="" xmlns:a16="http://schemas.microsoft.com/office/drawing/2014/main" xmlns:a14="http://schemas.microsoft.com/office/drawing/2010/main" xmlns:p14="http://schemas.microsoft.com/office/powerpoint/2010/main" w="9525">
                   <a:solidFill>
                     <a:srgbClr val="000000"/>
                   </a:solidFill>
@@ -21695,7 +21696,7 @@
             </a:ln>
             <a:extLst>
               <a:ext uri="{91240B29-F687-4f45-9708-019B960494DF}">
-                <a14:hiddenLine xmlns:p14="http://schemas.microsoft.com/office/powerpoint/2010/main" xmlns:a14="http://schemas.microsoft.com/office/drawing/2010/main" xmlns:a16="http://schemas.microsoft.com/office/drawing/2014/main" xmlns="" w="9525">
+                <a14:hiddenLine xmlns="" xmlns:a16="http://schemas.microsoft.com/office/drawing/2014/main" xmlns:a14="http://schemas.microsoft.com/office/drawing/2010/main" xmlns:p14="http://schemas.microsoft.com/office/powerpoint/2010/main" w="9525">
                   <a:solidFill>
                     <a:srgbClr val="000000"/>
                   </a:solidFill>
@@ -21820,7 +21821,7 @@
             </a:ln>
             <a:extLst>
               <a:ext uri="{91240B29-F687-4f45-9708-019B960494DF}">
-                <a14:hiddenLine xmlns:p14="http://schemas.microsoft.com/office/powerpoint/2010/main" xmlns:a14="http://schemas.microsoft.com/office/drawing/2010/main" xmlns:a16="http://schemas.microsoft.com/office/drawing/2014/main" xmlns="" w="9525">
+                <a14:hiddenLine xmlns="" xmlns:a16="http://schemas.microsoft.com/office/drawing/2014/main" xmlns:a14="http://schemas.microsoft.com/office/drawing/2010/main" xmlns:p14="http://schemas.microsoft.com/office/powerpoint/2010/main" w="9525">
                   <a:solidFill>
                     <a:srgbClr val="000000"/>
                   </a:solidFill>
@@ -21897,7 +21898,7 @@
             </a:ln>
             <a:extLst>
               <a:ext uri="{91240B29-F687-4f45-9708-019B960494DF}">
-                <a14:hiddenLine xmlns:p14="http://schemas.microsoft.com/office/powerpoint/2010/main" xmlns:a14="http://schemas.microsoft.com/office/drawing/2010/main" xmlns:a16="http://schemas.microsoft.com/office/drawing/2014/main" xmlns="" w="9525">
+                <a14:hiddenLine xmlns="" xmlns:a16="http://schemas.microsoft.com/office/drawing/2014/main" xmlns:a14="http://schemas.microsoft.com/office/drawing/2010/main" xmlns:p14="http://schemas.microsoft.com/office/powerpoint/2010/main" w="9525">
                   <a:solidFill>
                     <a:srgbClr val="000000"/>
                   </a:solidFill>
@@ -22002,7 +22003,7 @@
             </a:ln>
             <a:extLst>
               <a:ext uri="{91240B29-F687-4f45-9708-019B960494DF}">
-                <a14:hiddenLine xmlns:p14="http://schemas.microsoft.com/office/powerpoint/2010/main" xmlns:a14="http://schemas.microsoft.com/office/drawing/2010/main" xmlns:a16="http://schemas.microsoft.com/office/drawing/2014/main" xmlns="" w="9525">
+                <a14:hiddenLine xmlns="" xmlns:a16="http://schemas.microsoft.com/office/drawing/2014/main" xmlns:a14="http://schemas.microsoft.com/office/drawing/2010/main" xmlns:p14="http://schemas.microsoft.com/office/powerpoint/2010/main" w="9525">
                   <a:solidFill>
                     <a:srgbClr val="000000"/>
                   </a:solidFill>
@@ -22107,7 +22108,7 @@
             </a:ln>
             <a:extLst>
               <a:ext uri="{91240B29-F687-4f45-9708-019B960494DF}">
-                <a14:hiddenLine xmlns:p14="http://schemas.microsoft.com/office/powerpoint/2010/main" xmlns:a14="http://schemas.microsoft.com/office/drawing/2010/main" xmlns:a16="http://schemas.microsoft.com/office/drawing/2014/main" xmlns="" w="9525">
+                <a14:hiddenLine xmlns="" xmlns:a16="http://schemas.microsoft.com/office/drawing/2014/main" xmlns:a14="http://schemas.microsoft.com/office/drawing/2010/main" xmlns:p14="http://schemas.microsoft.com/office/powerpoint/2010/main" w="9525">
                   <a:solidFill>
                     <a:srgbClr val="000000"/>
                   </a:solidFill>
@@ -22184,7 +22185,7 @@
             </a:ln>
             <a:extLst>
               <a:ext uri="{91240B29-F687-4f45-9708-019B960494DF}">
-                <a14:hiddenLine xmlns:p14="http://schemas.microsoft.com/office/powerpoint/2010/main" xmlns:a14="http://schemas.microsoft.com/office/drawing/2010/main" xmlns:a16="http://schemas.microsoft.com/office/drawing/2014/main" xmlns="" w="9525">
+                <a14:hiddenLine xmlns="" xmlns:a16="http://schemas.microsoft.com/office/drawing/2014/main" xmlns:a14="http://schemas.microsoft.com/office/drawing/2010/main" xmlns:p14="http://schemas.microsoft.com/office/powerpoint/2010/main" w="9525">
                   <a:solidFill>
                     <a:srgbClr val="000000"/>
                   </a:solidFill>
@@ -22289,7 +22290,7 @@
             </a:ln>
             <a:extLst>
               <a:ext uri="{91240B29-F687-4f45-9708-019B960494DF}">
-                <a14:hiddenLine xmlns:p14="http://schemas.microsoft.com/office/powerpoint/2010/main" xmlns:a14="http://schemas.microsoft.com/office/drawing/2010/main" xmlns:a16="http://schemas.microsoft.com/office/drawing/2014/main" xmlns="" w="9525">
+                <a14:hiddenLine xmlns="" xmlns:a16="http://schemas.microsoft.com/office/drawing/2014/main" xmlns:a14="http://schemas.microsoft.com/office/drawing/2010/main" xmlns:p14="http://schemas.microsoft.com/office/powerpoint/2010/main" w="9525">
                   <a:solidFill>
                     <a:srgbClr val="000000"/>
                   </a:solidFill>
@@ -22394,7 +22395,7 @@
             </a:ln>
             <a:extLst>
               <a:ext uri="{91240B29-F687-4f45-9708-019B960494DF}">
-                <a14:hiddenLine xmlns:p14="http://schemas.microsoft.com/office/powerpoint/2010/main" xmlns:a14="http://schemas.microsoft.com/office/drawing/2010/main" xmlns:a16="http://schemas.microsoft.com/office/drawing/2014/main" xmlns="" w="9525">
+                <a14:hiddenLine xmlns="" xmlns:a16="http://schemas.microsoft.com/office/drawing/2014/main" xmlns:a14="http://schemas.microsoft.com/office/drawing/2010/main" xmlns:p14="http://schemas.microsoft.com/office/powerpoint/2010/main" w="9525">
                   <a:solidFill>
                     <a:srgbClr val="000000"/>
                   </a:solidFill>
@@ -22465,7 +22466,7 @@
             </a:ln>
             <a:extLst>
               <a:ext uri="{91240B29-F687-4f45-9708-019B960494DF}">
-                <a14:hiddenLine xmlns:p14="http://schemas.microsoft.com/office/powerpoint/2010/main" xmlns:a14="http://schemas.microsoft.com/office/drawing/2010/main" xmlns:a16="http://schemas.microsoft.com/office/drawing/2014/main" xmlns="" w="9525">
+                <a14:hiddenLine xmlns="" xmlns:a16="http://schemas.microsoft.com/office/drawing/2014/main" xmlns:a14="http://schemas.microsoft.com/office/drawing/2010/main" xmlns:p14="http://schemas.microsoft.com/office/powerpoint/2010/main" w="9525">
                   <a:solidFill>
                     <a:srgbClr val="000000"/>
                   </a:solidFill>
@@ -22570,7 +22571,7 @@
             </a:ln>
             <a:extLst>
               <a:ext uri="{91240B29-F687-4f45-9708-019B960494DF}">
-                <a14:hiddenLine xmlns:p14="http://schemas.microsoft.com/office/powerpoint/2010/main" xmlns:a14="http://schemas.microsoft.com/office/drawing/2010/main" xmlns:a16="http://schemas.microsoft.com/office/drawing/2014/main" xmlns="" w="9525">
+                <a14:hiddenLine xmlns="" xmlns:a16="http://schemas.microsoft.com/office/drawing/2014/main" xmlns:a14="http://schemas.microsoft.com/office/drawing/2010/main" xmlns:p14="http://schemas.microsoft.com/office/powerpoint/2010/main" w="9525">
                   <a:solidFill>
                     <a:srgbClr val="000000"/>
                   </a:solidFill>
@@ -22641,7 +22642,7 @@
             </a:ln>
             <a:extLst>
               <a:ext uri="{91240B29-F687-4f45-9708-019B960494DF}">
-                <a14:hiddenLine xmlns:p14="http://schemas.microsoft.com/office/powerpoint/2010/main" xmlns:a14="http://schemas.microsoft.com/office/drawing/2010/main" xmlns:a16="http://schemas.microsoft.com/office/drawing/2014/main" xmlns="" w="9525">
+                <a14:hiddenLine xmlns="" xmlns:a16="http://schemas.microsoft.com/office/drawing/2014/main" xmlns:a14="http://schemas.microsoft.com/office/drawing/2010/main" xmlns:p14="http://schemas.microsoft.com/office/powerpoint/2010/main" w="9525">
                   <a:solidFill>
                     <a:srgbClr val="000000"/>
                   </a:solidFill>
@@ -22746,7 +22747,7 @@
             </a:ln>
             <a:extLst>
               <a:ext uri="{91240B29-F687-4f45-9708-019B960494DF}">
-                <a14:hiddenLine xmlns:p14="http://schemas.microsoft.com/office/powerpoint/2010/main" xmlns:a14="http://schemas.microsoft.com/office/drawing/2010/main" xmlns:a16="http://schemas.microsoft.com/office/drawing/2014/main" xmlns="" w="9525">
+                <a14:hiddenLine xmlns="" xmlns:a16="http://schemas.microsoft.com/office/drawing/2014/main" xmlns:a14="http://schemas.microsoft.com/office/drawing/2010/main" xmlns:p14="http://schemas.microsoft.com/office/powerpoint/2010/main" w="9525">
                   <a:solidFill>
                     <a:srgbClr val="000000"/>
                   </a:solidFill>
@@ -22829,7 +22830,7 @@
             </a:ln>
             <a:extLst>
               <a:ext uri="{91240B29-F687-4f45-9708-019B960494DF}">
-                <a14:hiddenLine xmlns:p14="http://schemas.microsoft.com/office/powerpoint/2010/main" xmlns:a14="http://schemas.microsoft.com/office/drawing/2010/main" xmlns:a16="http://schemas.microsoft.com/office/drawing/2014/main" xmlns="" w="9525">
+                <a14:hiddenLine xmlns="" xmlns:a16="http://schemas.microsoft.com/office/drawing/2014/main" xmlns:a14="http://schemas.microsoft.com/office/drawing/2010/main" xmlns:p14="http://schemas.microsoft.com/office/powerpoint/2010/main" w="9525">
                   <a:solidFill>
                     <a:srgbClr val="000000"/>
                   </a:solidFill>
@@ -22934,7 +22935,7 @@
             </a:ln>
             <a:extLst>
               <a:ext uri="{91240B29-F687-4f45-9708-019B960494DF}">
-                <a14:hiddenLine xmlns:p14="http://schemas.microsoft.com/office/powerpoint/2010/main" xmlns:a14="http://schemas.microsoft.com/office/drawing/2010/main" xmlns:a16="http://schemas.microsoft.com/office/drawing/2014/main" xmlns="" w="9525">
+                <a14:hiddenLine xmlns="" xmlns:a16="http://schemas.microsoft.com/office/drawing/2014/main" xmlns:a14="http://schemas.microsoft.com/office/drawing/2010/main" xmlns:p14="http://schemas.microsoft.com/office/powerpoint/2010/main" w="9525">
                   <a:solidFill>
                     <a:srgbClr val="000000"/>
                   </a:solidFill>
@@ -23017,7 +23018,7 @@
             </a:ln>
             <a:extLst>
               <a:ext uri="{91240B29-F687-4f45-9708-019B960494DF}">
-                <a14:hiddenLine xmlns:p14="http://schemas.microsoft.com/office/powerpoint/2010/main" xmlns:a14="http://schemas.microsoft.com/office/drawing/2010/main" xmlns:a16="http://schemas.microsoft.com/office/drawing/2014/main" xmlns="" w="9525">
+                <a14:hiddenLine xmlns="" xmlns:a16="http://schemas.microsoft.com/office/drawing/2014/main" xmlns:a14="http://schemas.microsoft.com/office/drawing/2010/main" xmlns:p14="http://schemas.microsoft.com/office/powerpoint/2010/main" w="9525">
                   <a:solidFill>
                     <a:srgbClr val="000000"/>
                   </a:solidFill>
@@ -23122,7 +23123,7 @@
             </a:ln>
             <a:extLst>
               <a:ext uri="{91240B29-F687-4f45-9708-019B960494DF}">
-                <a14:hiddenLine xmlns:p14="http://schemas.microsoft.com/office/powerpoint/2010/main" xmlns:a14="http://schemas.microsoft.com/office/drawing/2010/main" xmlns:a16="http://schemas.microsoft.com/office/drawing/2014/main" xmlns="" w="9525">
+                <a14:hiddenLine xmlns="" xmlns:a16="http://schemas.microsoft.com/office/drawing/2014/main" xmlns:a14="http://schemas.microsoft.com/office/drawing/2010/main" xmlns:p14="http://schemas.microsoft.com/office/powerpoint/2010/main" w="9525">
                   <a:solidFill>
                     <a:srgbClr val="000000"/>
                   </a:solidFill>
@@ -23171,7 +23172,7 @@
             </a:ln>
             <a:extLst>
               <a:ext uri="{91240B29-F687-4f45-9708-019B960494DF}">
-                <a14:hiddenLine xmlns:p14="http://schemas.microsoft.com/office/powerpoint/2010/main" xmlns:a14="http://schemas.microsoft.com/office/drawing/2010/main" xmlns:a16="http://schemas.microsoft.com/office/drawing/2014/main" xmlns="" w="9525">
+                <a14:hiddenLine xmlns="" xmlns:a16="http://schemas.microsoft.com/office/drawing/2014/main" xmlns:a14="http://schemas.microsoft.com/office/drawing/2010/main" xmlns:p14="http://schemas.microsoft.com/office/powerpoint/2010/main" w="9525">
                   <a:solidFill>
                     <a:srgbClr val="000000"/>
                   </a:solidFill>
@@ -23276,7 +23277,7 @@
             </a:ln>
             <a:extLst>
               <a:ext uri="{91240B29-F687-4f45-9708-019B960494DF}">
-                <a14:hiddenLine xmlns:p14="http://schemas.microsoft.com/office/powerpoint/2010/main" xmlns:a14="http://schemas.microsoft.com/office/drawing/2010/main" xmlns:a16="http://schemas.microsoft.com/office/drawing/2014/main" xmlns="" w="9525">
+                <a14:hiddenLine xmlns="" xmlns:a16="http://schemas.microsoft.com/office/drawing/2014/main" xmlns:a14="http://schemas.microsoft.com/office/drawing/2010/main" xmlns:p14="http://schemas.microsoft.com/office/powerpoint/2010/main" w="9525">
                   <a:solidFill>
                     <a:srgbClr val="000000"/>
                   </a:solidFill>
@@ -23353,7 +23354,7 @@
             </a:ln>
             <a:extLst>
               <a:ext uri="{91240B29-F687-4f45-9708-019B960494DF}">
-                <a14:hiddenLine xmlns:p14="http://schemas.microsoft.com/office/powerpoint/2010/main" xmlns:a14="http://schemas.microsoft.com/office/drawing/2010/main" xmlns:a16="http://schemas.microsoft.com/office/drawing/2014/main" xmlns="" w="9525">
+                <a14:hiddenLine xmlns="" xmlns:a16="http://schemas.microsoft.com/office/drawing/2014/main" xmlns:a14="http://schemas.microsoft.com/office/drawing/2010/main" xmlns:p14="http://schemas.microsoft.com/office/powerpoint/2010/main" w="9525">
                   <a:solidFill>
                     <a:srgbClr val="000000"/>
                   </a:solidFill>
@@ -23430,7 +23431,7 @@
             </a:ln>
             <a:extLst>
               <a:ext uri="{91240B29-F687-4f45-9708-019B960494DF}">
-                <a14:hiddenLine xmlns:p14="http://schemas.microsoft.com/office/powerpoint/2010/main" xmlns:a14="http://schemas.microsoft.com/office/drawing/2010/main" xmlns:a16="http://schemas.microsoft.com/office/drawing/2014/main" xmlns="" w="9525">
+                <a14:hiddenLine xmlns="" xmlns:a16="http://schemas.microsoft.com/office/drawing/2014/main" xmlns:a14="http://schemas.microsoft.com/office/drawing/2010/main" xmlns:p14="http://schemas.microsoft.com/office/powerpoint/2010/main" w="9525">
                   <a:solidFill>
                     <a:srgbClr val="000000"/>
                   </a:solidFill>
@@ -23535,7 +23536,7 @@
             </a:ln>
             <a:extLst>
               <a:ext uri="{91240B29-F687-4f45-9708-019B960494DF}">
-                <a14:hiddenLine xmlns:p14="http://schemas.microsoft.com/office/powerpoint/2010/main" xmlns:a14="http://schemas.microsoft.com/office/drawing/2010/main" xmlns:a16="http://schemas.microsoft.com/office/drawing/2014/main" xmlns="" w="9525">
+                <a14:hiddenLine xmlns="" xmlns:a16="http://schemas.microsoft.com/office/drawing/2014/main" xmlns:a14="http://schemas.microsoft.com/office/drawing/2010/main" xmlns:p14="http://schemas.microsoft.com/office/powerpoint/2010/main" w="9525">
                   <a:solidFill>
                     <a:srgbClr val="000000"/>
                   </a:solidFill>
@@ -23618,7 +23619,7 @@
             </a:ln>
             <a:extLst>
               <a:ext uri="{91240B29-F687-4f45-9708-019B960494DF}">
-                <a14:hiddenLine xmlns:p14="http://schemas.microsoft.com/office/powerpoint/2010/main" xmlns:a14="http://schemas.microsoft.com/office/drawing/2010/main" xmlns:a16="http://schemas.microsoft.com/office/drawing/2014/main" xmlns="" w="9525">
+                <a14:hiddenLine xmlns="" xmlns:a16="http://schemas.microsoft.com/office/drawing/2014/main" xmlns:a14="http://schemas.microsoft.com/office/drawing/2010/main" xmlns:p14="http://schemas.microsoft.com/office/powerpoint/2010/main" w="9525">
                   <a:solidFill>
                     <a:srgbClr val="000000"/>
                   </a:solidFill>
@@ -23695,7 +23696,7 @@
             </a:ln>
             <a:extLst>
               <a:ext uri="{91240B29-F687-4f45-9708-019B960494DF}">
-                <a14:hiddenLine xmlns:p14="http://schemas.microsoft.com/office/powerpoint/2010/main" xmlns:a14="http://schemas.microsoft.com/office/drawing/2010/main" xmlns:a16="http://schemas.microsoft.com/office/drawing/2014/main" xmlns="" w="9525">
+                <a14:hiddenLine xmlns="" xmlns:a16="http://schemas.microsoft.com/office/drawing/2014/main" xmlns:a14="http://schemas.microsoft.com/office/drawing/2010/main" xmlns:p14="http://schemas.microsoft.com/office/powerpoint/2010/main" w="9525">
                   <a:solidFill>
                     <a:srgbClr val="000000"/>
                   </a:solidFill>
@@ -23800,7 +23801,7 @@
             </a:ln>
             <a:extLst>
               <a:ext uri="{91240B29-F687-4f45-9708-019B960494DF}">
-                <a14:hiddenLine xmlns:p14="http://schemas.microsoft.com/office/powerpoint/2010/main" xmlns:a14="http://schemas.microsoft.com/office/drawing/2010/main" xmlns:a16="http://schemas.microsoft.com/office/drawing/2014/main" xmlns="" w="9525">
+                <a14:hiddenLine xmlns="" xmlns:a16="http://schemas.microsoft.com/office/drawing/2014/main" xmlns:a14="http://schemas.microsoft.com/office/drawing/2010/main" xmlns:p14="http://schemas.microsoft.com/office/powerpoint/2010/main" w="9525">
                   <a:solidFill>
                     <a:srgbClr val="000000"/>
                   </a:solidFill>
@@ -23877,7 +23878,7 @@
             </a:ln>
             <a:extLst>
               <a:ext uri="{91240B29-F687-4f45-9708-019B960494DF}">
-                <a14:hiddenLine xmlns:p14="http://schemas.microsoft.com/office/powerpoint/2010/main" xmlns:a14="http://schemas.microsoft.com/office/drawing/2010/main" xmlns:a16="http://schemas.microsoft.com/office/drawing/2014/main" xmlns="" w="9525">
+                <a14:hiddenLine xmlns="" xmlns:a16="http://schemas.microsoft.com/office/drawing/2014/main" xmlns:a14="http://schemas.microsoft.com/office/drawing/2010/main" xmlns:p14="http://schemas.microsoft.com/office/powerpoint/2010/main" w="9525">
                   <a:solidFill>
                     <a:srgbClr val="000000"/>
                   </a:solidFill>
@@ -23982,7 +23983,7 @@
             </a:ln>
             <a:extLst>
               <a:ext uri="{91240B29-F687-4f45-9708-019B960494DF}">
-                <a14:hiddenLine xmlns:p14="http://schemas.microsoft.com/office/powerpoint/2010/main" xmlns:a14="http://schemas.microsoft.com/office/drawing/2010/main" xmlns:a16="http://schemas.microsoft.com/office/drawing/2014/main" xmlns="" w="9525">
+                <a14:hiddenLine xmlns="" xmlns:a16="http://schemas.microsoft.com/office/drawing/2014/main" xmlns:a14="http://schemas.microsoft.com/office/drawing/2010/main" xmlns:p14="http://schemas.microsoft.com/office/powerpoint/2010/main" w="9525">
                   <a:solidFill>
                     <a:srgbClr val="000000"/>
                   </a:solidFill>
@@ -24059,7 +24060,7 @@
             </a:ln>
             <a:extLst>
               <a:ext uri="{91240B29-F687-4f45-9708-019B960494DF}">
-                <a14:hiddenLine xmlns:p14="http://schemas.microsoft.com/office/powerpoint/2010/main" xmlns:a14="http://schemas.microsoft.com/office/drawing/2010/main" xmlns:a16="http://schemas.microsoft.com/office/drawing/2014/main" xmlns="" w="9525">
+                <a14:hiddenLine xmlns="" xmlns:a16="http://schemas.microsoft.com/office/drawing/2014/main" xmlns:a14="http://schemas.microsoft.com/office/drawing/2010/main" xmlns:p14="http://schemas.microsoft.com/office/powerpoint/2010/main" w="9525">
                   <a:solidFill>
                     <a:srgbClr val="000000"/>
                   </a:solidFill>
@@ -24164,7 +24165,7 @@
             </a:ln>
             <a:extLst>
               <a:ext uri="{91240B29-F687-4f45-9708-019B960494DF}">
-                <a14:hiddenLine xmlns:p14="http://schemas.microsoft.com/office/powerpoint/2010/main" xmlns:a14="http://schemas.microsoft.com/office/drawing/2010/main" xmlns:a16="http://schemas.microsoft.com/office/drawing/2014/main" xmlns="" w="9525">
+                <a14:hiddenLine xmlns="" xmlns:a16="http://schemas.microsoft.com/office/drawing/2014/main" xmlns:a14="http://schemas.microsoft.com/office/drawing/2010/main" xmlns:p14="http://schemas.microsoft.com/office/powerpoint/2010/main" w="9525">
                   <a:solidFill>
                     <a:srgbClr val="000000"/>
                   </a:solidFill>
@@ -24213,7 +24214,7 @@
             </a:ln>
             <a:extLst>
               <a:ext uri="{91240B29-F687-4f45-9708-019B960494DF}">
-                <a14:hiddenLine xmlns:p14="http://schemas.microsoft.com/office/powerpoint/2010/main" xmlns:a14="http://schemas.microsoft.com/office/drawing/2010/main" xmlns:a16="http://schemas.microsoft.com/office/drawing/2014/main" xmlns="" w="9525">
+                <a14:hiddenLine xmlns="" xmlns:a16="http://schemas.microsoft.com/office/drawing/2014/main" xmlns:a14="http://schemas.microsoft.com/office/drawing/2010/main" xmlns:p14="http://schemas.microsoft.com/office/powerpoint/2010/main" w="9525">
                   <a:solidFill>
                     <a:srgbClr val="000000"/>
                   </a:solidFill>
@@ -24293,7 +24294,7 @@
             </a:ln>
             <a:extLst>
               <a:ext uri="{91240B29-F687-4f45-9708-019B960494DF}">
-                <a14:hiddenLine xmlns:p14="http://schemas.microsoft.com/office/powerpoint/2010/main" xmlns:a14="http://schemas.microsoft.com/office/drawing/2010/main" xmlns:a16="http://schemas.microsoft.com/office/drawing/2014/main" xmlns="" w="9525">
+                <a14:hiddenLine xmlns="" xmlns:a16="http://schemas.microsoft.com/office/drawing/2014/main" xmlns:a14="http://schemas.microsoft.com/office/drawing/2010/main" xmlns:p14="http://schemas.microsoft.com/office/powerpoint/2010/main" w="9525">
                   <a:solidFill>
                     <a:srgbClr val="000000"/>
                   </a:solidFill>
@@ -24398,7 +24399,7 @@
             </a:ln>
             <a:extLst>
               <a:ext uri="{91240B29-F687-4f45-9708-019B960494DF}">
-                <a14:hiddenLine xmlns:p14="http://schemas.microsoft.com/office/powerpoint/2010/main" xmlns:a14="http://schemas.microsoft.com/office/drawing/2010/main" xmlns:a16="http://schemas.microsoft.com/office/drawing/2014/main" xmlns="" w="9525">
+                <a14:hiddenLine xmlns="" xmlns:a16="http://schemas.microsoft.com/office/drawing/2014/main" xmlns:a14="http://schemas.microsoft.com/office/drawing/2010/main" xmlns:p14="http://schemas.microsoft.com/office/powerpoint/2010/main" w="9525">
                   <a:solidFill>
                     <a:srgbClr val="000000"/>
                   </a:solidFill>
@@ -24475,7 +24476,7 @@
             </a:ln>
             <a:extLst>
               <a:ext uri="{91240B29-F687-4f45-9708-019B960494DF}">
-                <a14:hiddenLine xmlns:p14="http://schemas.microsoft.com/office/powerpoint/2010/main" xmlns:a14="http://schemas.microsoft.com/office/drawing/2010/main" xmlns:a16="http://schemas.microsoft.com/office/drawing/2014/main" xmlns="" w="9525">
+                <a14:hiddenLine xmlns="" xmlns:a16="http://schemas.microsoft.com/office/drawing/2014/main" xmlns:a14="http://schemas.microsoft.com/office/drawing/2010/main" xmlns:p14="http://schemas.microsoft.com/office/powerpoint/2010/main" w="9525">
                   <a:solidFill>
                     <a:srgbClr val="000000"/>
                   </a:solidFill>
@@ -24580,7 +24581,7 @@
             </a:ln>
             <a:extLst>
               <a:ext uri="{91240B29-F687-4f45-9708-019B960494DF}">
-                <a14:hiddenLine xmlns:p14="http://schemas.microsoft.com/office/powerpoint/2010/main" xmlns:a14="http://schemas.microsoft.com/office/drawing/2010/main" xmlns:a16="http://schemas.microsoft.com/office/drawing/2014/main" xmlns="" w="9525">
+                <a14:hiddenLine xmlns="" xmlns:a16="http://schemas.microsoft.com/office/drawing/2014/main" xmlns:a14="http://schemas.microsoft.com/office/drawing/2010/main" xmlns:p14="http://schemas.microsoft.com/office/powerpoint/2010/main" w="9525">
                   <a:solidFill>
                     <a:srgbClr val="000000"/>
                   </a:solidFill>
@@ -24685,7 +24686,7 @@
             </a:ln>
             <a:extLst>
               <a:ext uri="{91240B29-F687-4f45-9708-019B960494DF}">
-                <a14:hiddenLine xmlns:p14="http://schemas.microsoft.com/office/powerpoint/2010/main" xmlns:a14="http://schemas.microsoft.com/office/drawing/2010/main" xmlns:a16="http://schemas.microsoft.com/office/drawing/2014/main" xmlns="" w="9525">
+                <a14:hiddenLine xmlns="" xmlns:a16="http://schemas.microsoft.com/office/drawing/2014/main" xmlns:a14="http://schemas.microsoft.com/office/drawing/2010/main" xmlns:p14="http://schemas.microsoft.com/office/powerpoint/2010/main" w="9525">
                   <a:solidFill>
                     <a:srgbClr val="000000"/>
                   </a:solidFill>
@@ -24765,7 +24766,7 @@
             </a:ln>
             <a:extLst>
               <a:ext uri="{91240B29-F687-4f45-9708-019B960494DF}">
-                <a14:hiddenLine xmlns:p14="http://schemas.microsoft.com/office/powerpoint/2010/main" xmlns:a14="http://schemas.microsoft.com/office/drawing/2010/main" xmlns:a16="http://schemas.microsoft.com/office/drawing/2014/main" xmlns="" w="9525">
+                <a14:hiddenLine xmlns="" xmlns:a16="http://schemas.microsoft.com/office/drawing/2014/main" xmlns:a14="http://schemas.microsoft.com/office/drawing/2010/main" xmlns:p14="http://schemas.microsoft.com/office/powerpoint/2010/main" w="9525">
                   <a:solidFill>
                     <a:srgbClr val="000000"/>
                   </a:solidFill>
@@ -24842,7 +24843,7 @@
             </a:ln>
             <a:extLst>
               <a:ext uri="{91240B29-F687-4f45-9708-019B960494DF}">
-                <a14:hiddenLine xmlns:p14="http://schemas.microsoft.com/office/powerpoint/2010/main" xmlns:a14="http://schemas.microsoft.com/office/drawing/2010/main" xmlns:a16="http://schemas.microsoft.com/office/drawing/2014/main" xmlns="" w="9525">
+                <a14:hiddenLine xmlns="" xmlns:a16="http://schemas.microsoft.com/office/drawing/2014/main" xmlns:a14="http://schemas.microsoft.com/office/drawing/2010/main" xmlns:p14="http://schemas.microsoft.com/office/powerpoint/2010/main" w="9525">
                   <a:solidFill>
                     <a:srgbClr val="000000"/>
                   </a:solidFill>
@@ -24947,7 +24948,7 @@
             </a:ln>
             <a:extLst>
               <a:ext uri="{91240B29-F687-4f45-9708-019B960494DF}">
-                <a14:hiddenLine xmlns:p14="http://schemas.microsoft.com/office/powerpoint/2010/main" xmlns:a14="http://schemas.microsoft.com/office/drawing/2010/main" xmlns:a16="http://schemas.microsoft.com/office/drawing/2014/main" xmlns="" w="9525">
+                <a14:hiddenLine xmlns="" xmlns:a16="http://schemas.microsoft.com/office/drawing/2014/main" xmlns:a14="http://schemas.microsoft.com/office/drawing/2010/main" xmlns:p14="http://schemas.microsoft.com/office/powerpoint/2010/main" w="9525">
                   <a:solidFill>
                     <a:srgbClr val="000000"/>
                   </a:solidFill>
@@ -25052,7 +25053,7 @@
             </a:ln>
             <a:extLst>
               <a:ext uri="{91240B29-F687-4f45-9708-019B960494DF}">
-                <a14:hiddenLine xmlns:p14="http://schemas.microsoft.com/office/powerpoint/2010/main" xmlns:a14="http://schemas.microsoft.com/office/drawing/2010/main" xmlns:a16="http://schemas.microsoft.com/office/drawing/2014/main" xmlns="" w="9525">
+                <a14:hiddenLine xmlns="" xmlns:a16="http://schemas.microsoft.com/office/drawing/2014/main" xmlns:a14="http://schemas.microsoft.com/office/drawing/2010/main" xmlns:p14="http://schemas.microsoft.com/office/powerpoint/2010/main" w="9525">
                   <a:solidFill>
                     <a:srgbClr val="000000"/>
                   </a:solidFill>
@@ -25129,7 +25130,7 @@
             </a:ln>
             <a:extLst>
               <a:ext uri="{91240B29-F687-4f45-9708-019B960494DF}">
-                <a14:hiddenLine xmlns:p14="http://schemas.microsoft.com/office/powerpoint/2010/main" xmlns:a14="http://schemas.microsoft.com/office/drawing/2010/main" xmlns:a16="http://schemas.microsoft.com/office/drawing/2014/main" xmlns="" w="9525">
+                <a14:hiddenLine xmlns="" xmlns:a16="http://schemas.microsoft.com/office/drawing/2014/main" xmlns:a14="http://schemas.microsoft.com/office/drawing/2010/main" xmlns:p14="http://schemas.microsoft.com/office/powerpoint/2010/main" w="9525">
                   <a:solidFill>
                     <a:srgbClr val="000000"/>
                   </a:solidFill>
@@ -25264,7 +25265,7 @@
             </a:ln>
             <a:extLst>
               <a:ext uri="{91240B29-F687-4f45-9708-019B960494DF}">
-                <a14:hiddenLine xmlns:p14="http://schemas.microsoft.com/office/powerpoint/2010/main" xmlns:a14="http://schemas.microsoft.com/office/drawing/2010/main" xmlns:a16="http://schemas.microsoft.com/office/drawing/2014/main" xmlns="" w="9525">
+                <a14:hiddenLine xmlns="" xmlns:a16="http://schemas.microsoft.com/office/drawing/2014/main" xmlns:a14="http://schemas.microsoft.com/office/drawing/2010/main" xmlns:p14="http://schemas.microsoft.com/office/powerpoint/2010/main" w="9525">
                   <a:solidFill>
                     <a:srgbClr val="000000"/>
                   </a:solidFill>
@@ -25347,7 +25348,7 @@
             </a:ln>
             <a:extLst>
               <a:ext uri="{91240B29-F687-4f45-9708-019B960494DF}">
-                <a14:hiddenLine xmlns:p14="http://schemas.microsoft.com/office/powerpoint/2010/main" xmlns:a14="http://schemas.microsoft.com/office/drawing/2010/main" xmlns:a16="http://schemas.microsoft.com/office/drawing/2014/main" xmlns="" w="9525">
+                <a14:hiddenLine xmlns="" xmlns:a16="http://schemas.microsoft.com/office/drawing/2014/main" xmlns:a14="http://schemas.microsoft.com/office/drawing/2010/main" xmlns:p14="http://schemas.microsoft.com/office/powerpoint/2010/main" w="9525">
                   <a:solidFill>
                     <a:srgbClr val="000000"/>
                   </a:solidFill>
@@ -25452,7 +25453,7 @@
             </a:ln>
             <a:extLst>
               <a:ext uri="{91240B29-F687-4f45-9708-019B960494DF}">
-                <a14:hiddenLine xmlns:p14="http://schemas.microsoft.com/office/powerpoint/2010/main" xmlns:a14="http://schemas.microsoft.com/office/drawing/2010/main" xmlns:a16="http://schemas.microsoft.com/office/drawing/2014/main" xmlns="" w="9525">
+                <a14:hiddenLine xmlns="" xmlns:a16="http://schemas.microsoft.com/office/drawing/2014/main" xmlns:a14="http://schemas.microsoft.com/office/drawing/2010/main" xmlns:p14="http://schemas.microsoft.com/office/powerpoint/2010/main" w="9525">
                   <a:solidFill>
                     <a:srgbClr val="000000"/>
                   </a:solidFill>
@@ -25725,6 +25726,107 @@
     <p:extLst>
       <p:ext uri="{BB962C8B-B14F-4D97-AF65-F5344CB8AC3E}">
         <p14:creationId xmlns:p14="http://schemas.microsoft.com/office/powerpoint/2010/main" val="1077572526"/>
+      </p:ext>
+    </p:extLst>
+  </p:cSld>
+  <p:clrMapOvr>
+    <a:masterClrMapping/>
+  </p:clrMapOvr>
+</p:sld>
+</file>
+
+<file path=ppt/slides/slide22.xml><?xml version="1.0" encoding="utf-8"?>
+<p:sld xmlns:a="http://schemas.openxmlformats.org/drawingml/2006/main" xmlns:r="http://schemas.openxmlformats.org/officeDocument/2006/relationships" xmlns:p="http://schemas.openxmlformats.org/presentationml/2006/main">
+  <p:cSld>
+    <p:spTree>
+      <p:nvGrpSpPr>
+        <p:cNvPr id="1" name=""/>
+        <p:cNvGrpSpPr/>
+        <p:nvPr/>
+      </p:nvGrpSpPr>
+      <p:grpSpPr>
+        <a:xfrm>
+          <a:off x="0" y="0"/>
+          <a:ext cx="0" cy="0"/>
+          <a:chOff x="0" y="0"/>
+          <a:chExt cx="0" cy="0"/>
+        </a:xfrm>
+      </p:grpSpPr>
+      <p:sp>
+        <p:nvSpPr>
+          <p:cNvPr id="2" name="Title 1">
+            <a:extLst>
+              <a:ext uri="{FF2B5EF4-FFF2-40B4-BE49-F238E27FC236}">
+                <a16:creationId xmlns:a16="http://schemas.microsoft.com/office/drawing/2014/main" id="{73BCED15-A359-4BD9-9850-D1F8E2AD80D2}"/>
+              </a:ext>
+            </a:extLst>
+          </p:cNvPr>
+          <p:cNvSpPr>
+            <a:spLocks noGrp="1"/>
+          </p:cNvSpPr>
+          <p:nvPr>
+            <p:ph type="title"/>
+          </p:nvPr>
+        </p:nvSpPr>
+        <p:spPr/>
+        <p:txBody>
+          <a:bodyPr>
+            <a:normAutofit/>
+          </a:bodyPr>
+          <a:lstStyle/>
+          <a:p>
+            <a:r>
+              <a:rPr lang="en-US" dirty="0"/>
+              <a:t>What to improve in the model?</a:t>
+            </a:r>
+          </a:p>
+        </p:txBody>
+      </p:sp>
+      <p:sp>
+        <p:nvSpPr>
+          <p:cNvPr id="3" name="Content Placeholder 2">
+            <a:extLst>
+              <a:ext uri="{FF2B5EF4-FFF2-40B4-BE49-F238E27FC236}">
+                <a16:creationId xmlns:a16="http://schemas.microsoft.com/office/drawing/2014/main" id="{9A89B413-D367-4208-8A69-752E02A45A3E}"/>
+              </a:ext>
+            </a:extLst>
+          </p:cNvPr>
+          <p:cNvSpPr>
+            <a:spLocks noGrp="1"/>
+          </p:cNvSpPr>
+          <p:nvPr>
+            <p:ph idx="1"/>
+          </p:nvPr>
+        </p:nvSpPr>
+        <p:spPr>
+          <a:xfrm>
+            <a:off x="1141412" y="2828925"/>
+            <a:ext cx="9905999" cy="2962276"/>
+          </a:xfrm>
+        </p:spPr>
+        <p:txBody>
+          <a:bodyPr>
+            <a:normAutofit/>
+          </a:bodyPr>
+          <a:lstStyle/>
+          <a:p>
+            <a:r>
+              <a:rPr lang="en-US" sz="3600" dirty="0"/>
+              <a:t>Next step</a:t>
+            </a:r>
+          </a:p>
+          <a:p>
+            <a:r>
+              <a:rPr lang="en-US" sz="3600" dirty="0"/>
+              <a:t>application</a:t>
+            </a:r>
+          </a:p>
+        </p:txBody>
+      </p:sp>
+    </p:spTree>
+    <p:extLst>
+      <p:ext uri="{BB962C8B-B14F-4D97-AF65-F5344CB8AC3E}">
+        <p14:creationId xmlns:p14="http://schemas.microsoft.com/office/powerpoint/2010/main" val="1038819620"/>
       </p:ext>
     </p:extLst>
   </p:cSld>

--- a/FP.pptx
+++ b/FP.pptx
@@ -5,7 +5,7 @@
     <p:sldMasterId id="2147483719" r:id="rId1"/>
   </p:sldMasterIdLst>
   <p:notesMasterIdLst>
-    <p:notesMasterId r:id="rId24"/>
+    <p:notesMasterId r:id="rId23"/>
   </p:notesMasterIdLst>
   <p:sldIdLst>
     <p:sldId id="256" r:id="rId2"/>
@@ -29,7 +29,6 @@
     <p:sldId id="274" r:id="rId20"/>
     <p:sldId id="273" r:id="rId21"/>
     <p:sldId id="275" r:id="rId22"/>
-    <p:sldId id="277" r:id="rId23"/>
   </p:sldIdLst>
   <p:sldSz cx="12192000" cy="6858000"/>
   <p:notesSz cx="6858000" cy="9144000"/>
@@ -703,7 +702,7 @@
           <a:noFill/>
           <a:extLst>
             <a:ext uri="{909E8E84-426E-40dd-AFC4-6F175D3DCCD1}">
-              <a14:hiddenFill xmlns:a14="http://schemas.microsoft.com/office/drawing/2010/main" xmlns="">
+              <a14:hiddenFill xmlns="" xmlns:a14="http://schemas.microsoft.com/office/drawing/2010/main">
                 <a:solidFill>
                   <a:srgbClr val="FFFFFF"/>
                 </a:solidFill>
@@ -763,7 +762,7 @@
             </a:ln>
             <a:extLst>
               <a:ext uri="{91240B29-F687-4f45-9708-019B960494DF}">
-                <a14:hiddenLine xmlns:a14="http://schemas.microsoft.com/office/drawing/2010/main" xmlns="" w="9525">
+                <a14:hiddenLine xmlns="" xmlns:a14="http://schemas.microsoft.com/office/drawing/2010/main" w="9525">
                   <a:solidFill>
                     <a:srgbClr val="000000"/>
                   </a:solidFill>
@@ -853,7 +852,7 @@
             </a:ln>
             <a:extLst>
               <a:ext uri="{91240B29-F687-4f45-9708-019B960494DF}">
-                <a14:hiddenLine xmlns:a14="http://schemas.microsoft.com/office/drawing/2010/main" xmlns="" w="9525">
+                <a14:hiddenLine xmlns="" xmlns:a14="http://schemas.microsoft.com/office/drawing/2010/main" w="9525">
                   <a:solidFill>
                     <a:srgbClr val="000000"/>
                   </a:solidFill>
@@ -943,7 +942,7 @@
             </a:ln>
             <a:extLst>
               <a:ext uri="{91240B29-F687-4f45-9708-019B960494DF}">
-                <a14:hiddenLine xmlns:a14="http://schemas.microsoft.com/office/drawing/2010/main" xmlns="" w="9525">
+                <a14:hiddenLine xmlns="" xmlns:a14="http://schemas.microsoft.com/office/drawing/2010/main" w="9525">
                   <a:solidFill>
                     <a:srgbClr val="000000"/>
                   </a:solidFill>
@@ -977,7 +976,7 @@
             </a:ln>
             <a:extLst>
               <a:ext uri="{91240B29-F687-4f45-9708-019B960494DF}">
-                <a14:hiddenLine xmlns:a14="http://schemas.microsoft.com/office/drawing/2010/main" xmlns="" w="9525">
+                <a14:hiddenLine xmlns="" xmlns:a14="http://schemas.microsoft.com/office/drawing/2010/main" w="9525">
                   <a:solidFill>
                     <a:srgbClr val="000000"/>
                   </a:solidFill>
@@ -1067,7 +1066,7 @@
             </a:ln>
             <a:extLst>
               <a:ext uri="{91240B29-F687-4f45-9708-019B960494DF}">
-                <a14:hiddenLine xmlns:a14="http://schemas.microsoft.com/office/drawing/2010/main" xmlns="" w="9525">
+                <a14:hiddenLine xmlns="" xmlns:a14="http://schemas.microsoft.com/office/drawing/2010/main" w="9525">
                   <a:solidFill>
                     <a:srgbClr val="000000"/>
                   </a:solidFill>
@@ -1129,7 +1128,7 @@
             </a:ln>
             <a:extLst>
               <a:ext uri="{91240B29-F687-4f45-9708-019B960494DF}">
-                <a14:hiddenLine xmlns:a14="http://schemas.microsoft.com/office/drawing/2010/main" xmlns="" w="9525">
+                <a14:hiddenLine xmlns="" xmlns:a14="http://schemas.microsoft.com/office/drawing/2010/main" w="9525">
                   <a:solidFill>
                     <a:srgbClr val="000000"/>
                   </a:solidFill>
@@ -1191,7 +1190,7 @@
             </a:ln>
             <a:extLst>
               <a:ext uri="{91240B29-F687-4f45-9708-019B960494DF}">
-                <a14:hiddenLine xmlns:a14="http://schemas.microsoft.com/office/drawing/2010/main" xmlns="" w="9525">
+                <a14:hiddenLine xmlns="" xmlns:a14="http://schemas.microsoft.com/office/drawing/2010/main" w="9525">
                   <a:solidFill>
                     <a:srgbClr val="000000"/>
                   </a:solidFill>
@@ -1281,7 +1280,7 @@
             </a:ln>
             <a:extLst>
               <a:ext uri="{91240B29-F687-4f45-9708-019B960494DF}">
-                <a14:hiddenLine xmlns:a14="http://schemas.microsoft.com/office/drawing/2010/main" xmlns="" w="9525">
+                <a14:hiddenLine xmlns="" xmlns:a14="http://schemas.microsoft.com/office/drawing/2010/main" w="9525">
                   <a:solidFill>
                     <a:srgbClr val="000000"/>
                   </a:solidFill>
@@ -1343,7 +1342,7 @@
             </a:ln>
             <a:extLst>
               <a:ext uri="{91240B29-F687-4f45-9708-019B960494DF}">
-                <a14:hiddenLine xmlns:a14="http://schemas.microsoft.com/office/drawing/2010/main" xmlns="" w="9525">
+                <a14:hiddenLine xmlns="" xmlns:a14="http://schemas.microsoft.com/office/drawing/2010/main" w="9525">
                   <a:solidFill>
                     <a:srgbClr val="000000"/>
                   </a:solidFill>
@@ -1405,7 +1404,7 @@
             </a:ln>
             <a:extLst>
               <a:ext uri="{91240B29-F687-4f45-9708-019B960494DF}">
-                <a14:hiddenLine xmlns:a14="http://schemas.microsoft.com/office/drawing/2010/main" xmlns="" w="9525">
+                <a14:hiddenLine xmlns="" xmlns:a14="http://schemas.microsoft.com/office/drawing/2010/main" w="9525">
                   <a:solidFill>
                     <a:srgbClr val="000000"/>
                   </a:solidFill>
@@ -1495,7 +1494,7 @@
             </a:ln>
             <a:extLst>
               <a:ext uri="{91240B29-F687-4f45-9708-019B960494DF}">
-                <a14:hiddenLine xmlns:a14="http://schemas.microsoft.com/office/drawing/2010/main" xmlns="" w="9525">
+                <a14:hiddenLine xmlns="" xmlns:a14="http://schemas.microsoft.com/office/drawing/2010/main" w="9525">
                   <a:solidFill>
                     <a:srgbClr val="000000"/>
                   </a:solidFill>
@@ -1585,7 +1584,7 @@
             </a:ln>
             <a:extLst>
               <a:ext uri="{91240B29-F687-4f45-9708-019B960494DF}">
-                <a14:hiddenLine xmlns:a14="http://schemas.microsoft.com/office/drawing/2010/main" xmlns="" w="9525">
+                <a14:hiddenLine xmlns="" xmlns:a14="http://schemas.microsoft.com/office/drawing/2010/main" w="9525">
                   <a:solidFill>
                     <a:srgbClr val="000000"/>
                   </a:solidFill>
@@ -1647,7 +1646,7 @@
             </a:ln>
             <a:extLst>
               <a:ext uri="{91240B29-F687-4f45-9708-019B960494DF}">
-                <a14:hiddenLine xmlns:a14="http://schemas.microsoft.com/office/drawing/2010/main" xmlns="" w="9525">
+                <a14:hiddenLine xmlns="" xmlns:a14="http://schemas.microsoft.com/office/drawing/2010/main" w="9525">
                   <a:solidFill>
                     <a:srgbClr val="000000"/>
                   </a:solidFill>
@@ -1757,7 +1756,7 @@
             </a:ln>
             <a:extLst>
               <a:ext uri="{91240B29-F687-4f45-9708-019B960494DF}">
-                <a14:hiddenLine xmlns:a14="http://schemas.microsoft.com/office/drawing/2010/main" xmlns="" w="9525">
+                <a14:hiddenLine xmlns="" xmlns:a14="http://schemas.microsoft.com/office/drawing/2010/main" w="9525">
                   <a:solidFill>
                     <a:srgbClr val="000000"/>
                   </a:solidFill>
@@ -1819,7 +1818,7 @@
             </a:ln>
             <a:extLst>
               <a:ext uri="{91240B29-F687-4f45-9708-019B960494DF}">
-                <a14:hiddenLine xmlns:a14="http://schemas.microsoft.com/office/drawing/2010/main" xmlns="" w="9525">
+                <a14:hiddenLine xmlns="" xmlns:a14="http://schemas.microsoft.com/office/drawing/2010/main" w="9525">
                   <a:solidFill>
                     <a:srgbClr val="000000"/>
                   </a:solidFill>
@@ -1909,7 +1908,7 @@
             </a:ln>
             <a:extLst>
               <a:ext uri="{91240B29-F687-4f45-9708-019B960494DF}">
-                <a14:hiddenLine xmlns:a14="http://schemas.microsoft.com/office/drawing/2010/main" xmlns="" w="9525">
+                <a14:hiddenLine xmlns="" xmlns:a14="http://schemas.microsoft.com/office/drawing/2010/main" w="9525">
                   <a:solidFill>
                     <a:srgbClr val="000000"/>
                   </a:solidFill>
@@ -1999,7 +1998,7 @@
             </a:ln>
             <a:extLst>
               <a:ext uri="{91240B29-F687-4f45-9708-019B960494DF}">
-                <a14:hiddenLine xmlns:a14="http://schemas.microsoft.com/office/drawing/2010/main" xmlns="" w="9525">
+                <a14:hiddenLine xmlns="" xmlns:a14="http://schemas.microsoft.com/office/drawing/2010/main" w="9525">
                   <a:solidFill>
                     <a:srgbClr val="000000"/>
                   </a:solidFill>
@@ -2061,7 +2060,7 @@
             </a:ln>
             <a:extLst>
               <a:ext uri="{91240B29-F687-4f45-9708-019B960494DF}">
-                <a14:hiddenLine xmlns:a14="http://schemas.microsoft.com/office/drawing/2010/main" xmlns="" w="9525">
+                <a14:hiddenLine xmlns="" xmlns:a14="http://schemas.microsoft.com/office/drawing/2010/main" w="9525">
                   <a:solidFill>
                     <a:srgbClr val="000000"/>
                   </a:solidFill>
@@ -2151,7 +2150,7 @@
             </a:ln>
             <a:extLst>
               <a:ext uri="{91240B29-F687-4f45-9708-019B960494DF}">
-                <a14:hiddenLine xmlns:a14="http://schemas.microsoft.com/office/drawing/2010/main" xmlns="" w="9525">
+                <a14:hiddenLine xmlns="" xmlns:a14="http://schemas.microsoft.com/office/drawing/2010/main" w="9525">
                   <a:solidFill>
                     <a:srgbClr val="000000"/>
                   </a:solidFill>
@@ -2241,7 +2240,7 @@
             </a:ln>
             <a:extLst>
               <a:ext uri="{91240B29-F687-4f45-9708-019B960494DF}">
-                <a14:hiddenLine xmlns:a14="http://schemas.microsoft.com/office/drawing/2010/main" xmlns="" w="9525">
+                <a14:hiddenLine xmlns="" xmlns:a14="http://schemas.microsoft.com/office/drawing/2010/main" w="9525">
                   <a:solidFill>
                     <a:srgbClr val="000000"/>
                   </a:solidFill>
@@ -2297,7 +2296,7 @@
             </a:ln>
             <a:extLst>
               <a:ext uri="{91240B29-F687-4f45-9708-019B960494DF}">
-                <a14:hiddenLine xmlns:a14="http://schemas.microsoft.com/office/drawing/2010/main" xmlns="" w="9525">
+                <a14:hiddenLine xmlns="" xmlns:a14="http://schemas.microsoft.com/office/drawing/2010/main" w="9525">
                   <a:solidFill>
                     <a:srgbClr val="000000"/>
                   </a:solidFill>
@@ -2387,7 +2386,7 @@
             </a:ln>
             <a:extLst>
               <a:ext uri="{91240B29-F687-4f45-9708-019B960494DF}">
-                <a14:hiddenLine xmlns:a14="http://schemas.microsoft.com/office/drawing/2010/main" xmlns="" w="9525">
+                <a14:hiddenLine xmlns="" xmlns:a14="http://schemas.microsoft.com/office/drawing/2010/main" w="9525">
                   <a:solidFill>
                     <a:srgbClr val="000000"/>
                   </a:solidFill>
@@ -2443,7 +2442,7 @@
             </a:ln>
             <a:extLst>
               <a:ext uri="{91240B29-F687-4f45-9708-019B960494DF}">
-                <a14:hiddenLine xmlns:a14="http://schemas.microsoft.com/office/drawing/2010/main" xmlns="" w="9525">
+                <a14:hiddenLine xmlns="" xmlns:a14="http://schemas.microsoft.com/office/drawing/2010/main" w="9525">
                   <a:solidFill>
                     <a:srgbClr val="000000"/>
                   </a:solidFill>
@@ -2533,7 +2532,7 @@
             </a:ln>
             <a:extLst>
               <a:ext uri="{91240B29-F687-4f45-9708-019B960494DF}">
-                <a14:hiddenLine xmlns:a14="http://schemas.microsoft.com/office/drawing/2010/main" xmlns="" w="9525">
+                <a14:hiddenLine xmlns="" xmlns:a14="http://schemas.microsoft.com/office/drawing/2010/main" w="9525">
                   <a:solidFill>
                     <a:srgbClr val="000000"/>
                   </a:solidFill>
@@ -2601,7 +2600,7 @@
             </a:ln>
             <a:extLst>
               <a:ext uri="{91240B29-F687-4f45-9708-019B960494DF}">
-                <a14:hiddenLine xmlns:a14="http://schemas.microsoft.com/office/drawing/2010/main" xmlns="" w="9525">
+                <a14:hiddenLine xmlns="" xmlns:a14="http://schemas.microsoft.com/office/drawing/2010/main" w="9525">
                   <a:solidFill>
                     <a:srgbClr val="000000"/>
                   </a:solidFill>
@@ -2691,7 +2690,7 @@
             </a:ln>
             <a:extLst>
               <a:ext uri="{91240B29-F687-4f45-9708-019B960494DF}">
-                <a14:hiddenLine xmlns:a14="http://schemas.microsoft.com/office/drawing/2010/main" xmlns="" w="9525">
+                <a14:hiddenLine xmlns="" xmlns:a14="http://schemas.microsoft.com/office/drawing/2010/main" w="9525">
                   <a:solidFill>
                     <a:srgbClr val="000000"/>
                   </a:solidFill>
@@ -2759,7 +2758,7 @@
             </a:ln>
             <a:extLst>
               <a:ext uri="{91240B29-F687-4f45-9708-019B960494DF}">
-                <a14:hiddenLine xmlns:a14="http://schemas.microsoft.com/office/drawing/2010/main" xmlns="" w="9525">
+                <a14:hiddenLine xmlns="" xmlns:a14="http://schemas.microsoft.com/office/drawing/2010/main" w="9525">
                   <a:solidFill>
                     <a:srgbClr val="000000"/>
                   </a:solidFill>
@@ -2849,7 +2848,7 @@
             </a:ln>
             <a:extLst>
               <a:ext uri="{91240B29-F687-4f45-9708-019B960494DF}">
-                <a14:hiddenLine xmlns:a14="http://schemas.microsoft.com/office/drawing/2010/main" xmlns="" w="9525">
+                <a14:hiddenLine xmlns="" xmlns:a14="http://schemas.microsoft.com/office/drawing/2010/main" w="9525">
                   <a:solidFill>
                     <a:srgbClr val="000000"/>
                   </a:solidFill>
@@ -2883,7 +2882,7 @@
             </a:ln>
             <a:extLst>
               <a:ext uri="{91240B29-F687-4f45-9708-019B960494DF}">
-                <a14:hiddenLine xmlns:a14="http://schemas.microsoft.com/office/drawing/2010/main" xmlns="" w="9525">
+                <a14:hiddenLine xmlns="" xmlns:a14="http://schemas.microsoft.com/office/drawing/2010/main" w="9525">
                   <a:solidFill>
                     <a:srgbClr val="000000"/>
                   </a:solidFill>
@@ -2973,7 +2972,7 @@
             </a:ln>
             <a:extLst>
               <a:ext uri="{91240B29-F687-4f45-9708-019B960494DF}">
-                <a14:hiddenLine xmlns:a14="http://schemas.microsoft.com/office/drawing/2010/main" xmlns="" w="9525">
+                <a14:hiddenLine xmlns="" xmlns:a14="http://schemas.microsoft.com/office/drawing/2010/main" w="9525">
                   <a:solidFill>
                     <a:srgbClr val="000000"/>
                   </a:solidFill>
@@ -3035,7 +3034,7 @@
             </a:ln>
             <a:extLst>
               <a:ext uri="{91240B29-F687-4f45-9708-019B960494DF}">
-                <a14:hiddenLine xmlns:a14="http://schemas.microsoft.com/office/drawing/2010/main" xmlns="" w="9525">
+                <a14:hiddenLine xmlns="" xmlns:a14="http://schemas.microsoft.com/office/drawing/2010/main" w="9525">
                   <a:solidFill>
                     <a:srgbClr val="000000"/>
                   </a:solidFill>
@@ -3097,7 +3096,7 @@
             </a:ln>
             <a:extLst>
               <a:ext uri="{91240B29-F687-4f45-9708-019B960494DF}">
-                <a14:hiddenLine xmlns:a14="http://schemas.microsoft.com/office/drawing/2010/main" xmlns="" w="9525">
+                <a14:hiddenLine xmlns="" xmlns:a14="http://schemas.microsoft.com/office/drawing/2010/main" w="9525">
                   <a:solidFill>
                     <a:srgbClr val="000000"/>
                   </a:solidFill>
@@ -3187,7 +3186,7 @@
             </a:ln>
             <a:extLst>
               <a:ext uri="{91240B29-F687-4f45-9708-019B960494DF}">
-                <a14:hiddenLine xmlns:a14="http://schemas.microsoft.com/office/drawing/2010/main" xmlns="" w="9525">
+                <a14:hiddenLine xmlns="" xmlns:a14="http://schemas.microsoft.com/office/drawing/2010/main" w="9525">
                   <a:solidFill>
                     <a:srgbClr val="000000"/>
                   </a:solidFill>
@@ -3255,7 +3254,7 @@
             </a:ln>
             <a:extLst>
               <a:ext uri="{91240B29-F687-4f45-9708-019B960494DF}">
-                <a14:hiddenLine xmlns:a14="http://schemas.microsoft.com/office/drawing/2010/main" xmlns="" w="9525">
+                <a14:hiddenLine xmlns="" xmlns:a14="http://schemas.microsoft.com/office/drawing/2010/main" w="9525">
                   <a:solidFill>
                     <a:srgbClr val="000000"/>
                   </a:solidFill>
@@ -3317,7 +3316,7 @@
             </a:ln>
             <a:extLst>
               <a:ext uri="{91240B29-F687-4f45-9708-019B960494DF}">
-                <a14:hiddenLine xmlns:a14="http://schemas.microsoft.com/office/drawing/2010/main" xmlns="" w="9525">
+                <a14:hiddenLine xmlns="" xmlns:a14="http://schemas.microsoft.com/office/drawing/2010/main" w="9525">
                   <a:solidFill>
                     <a:srgbClr val="000000"/>
                   </a:solidFill>
@@ -3407,7 +3406,7 @@
             </a:ln>
             <a:extLst>
               <a:ext uri="{91240B29-F687-4f45-9708-019B960494DF}">
-                <a14:hiddenLine xmlns:a14="http://schemas.microsoft.com/office/drawing/2010/main" xmlns="" w="9525">
+                <a14:hiddenLine xmlns="" xmlns:a14="http://schemas.microsoft.com/office/drawing/2010/main" w="9525">
                   <a:solidFill>
                     <a:srgbClr val="000000"/>
                   </a:solidFill>
@@ -3469,7 +3468,7 @@
             </a:ln>
             <a:extLst>
               <a:ext uri="{91240B29-F687-4f45-9708-019B960494DF}">
-                <a14:hiddenLine xmlns:a14="http://schemas.microsoft.com/office/drawing/2010/main" xmlns="" w="9525">
+                <a14:hiddenLine xmlns="" xmlns:a14="http://schemas.microsoft.com/office/drawing/2010/main" w="9525">
                   <a:solidFill>
                     <a:srgbClr val="000000"/>
                   </a:solidFill>
@@ -3559,7 +3558,7 @@
             </a:ln>
             <a:extLst>
               <a:ext uri="{91240B29-F687-4f45-9708-019B960494DF}">
-                <a14:hiddenLine xmlns:a14="http://schemas.microsoft.com/office/drawing/2010/main" xmlns="" w="9525">
+                <a14:hiddenLine xmlns="" xmlns:a14="http://schemas.microsoft.com/office/drawing/2010/main" w="9525">
                   <a:solidFill>
                     <a:srgbClr val="000000"/>
                   </a:solidFill>
@@ -3621,7 +3620,7 @@
             </a:ln>
             <a:extLst>
               <a:ext uri="{91240B29-F687-4f45-9708-019B960494DF}">
-                <a14:hiddenLine xmlns:a14="http://schemas.microsoft.com/office/drawing/2010/main" xmlns="" w="9525">
+                <a14:hiddenLine xmlns="" xmlns:a14="http://schemas.microsoft.com/office/drawing/2010/main" w="9525">
                   <a:solidFill>
                     <a:srgbClr val="000000"/>
                   </a:solidFill>
@@ -3711,7 +3710,7 @@
             </a:ln>
             <a:extLst>
               <a:ext uri="{91240B29-F687-4f45-9708-019B960494DF}">
-                <a14:hiddenLine xmlns:a14="http://schemas.microsoft.com/office/drawing/2010/main" xmlns="" w="9525">
+                <a14:hiddenLine xmlns="" xmlns:a14="http://schemas.microsoft.com/office/drawing/2010/main" w="9525">
                   <a:solidFill>
                     <a:srgbClr val="000000"/>
                   </a:solidFill>
@@ -3745,7 +3744,7 @@
             </a:ln>
             <a:extLst>
               <a:ext uri="{91240B29-F687-4f45-9708-019B960494DF}">
-                <a14:hiddenLine xmlns:a14="http://schemas.microsoft.com/office/drawing/2010/main" xmlns="" w="9525">
+                <a14:hiddenLine xmlns="" xmlns:a14="http://schemas.microsoft.com/office/drawing/2010/main" w="9525">
                   <a:solidFill>
                     <a:srgbClr val="000000"/>
                   </a:solidFill>
@@ -3810,7 +3809,7 @@
             </a:ln>
             <a:extLst>
               <a:ext uri="{91240B29-F687-4f45-9708-019B960494DF}">
-                <a14:hiddenLine xmlns:a14="http://schemas.microsoft.com/office/drawing/2010/main" xmlns="" w="9525">
+                <a14:hiddenLine xmlns="" xmlns:a14="http://schemas.microsoft.com/office/drawing/2010/main" w="9525">
                   <a:solidFill>
                     <a:srgbClr val="000000"/>
                   </a:solidFill>
@@ -3900,7 +3899,7 @@
             </a:ln>
             <a:extLst>
               <a:ext uri="{91240B29-F687-4f45-9708-019B960494DF}">
-                <a14:hiddenLine xmlns:a14="http://schemas.microsoft.com/office/drawing/2010/main" xmlns="" w="9525">
+                <a14:hiddenLine xmlns="" xmlns:a14="http://schemas.microsoft.com/office/drawing/2010/main" w="9525">
                   <a:solidFill>
                     <a:srgbClr val="000000"/>
                   </a:solidFill>
@@ -3962,7 +3961,7 @@
             </a:ln>
             <a:extLst>
               <a:ext uri="{91240B29-F687-4f45-9708-019B960494DF}">
-                <a14:hiddenLine xmlns:a14="http://schemas.microsoft.com/office/drawing/2010/main" xmlns="" w="9525">
+                <a14:hiddenLine xmlns="" xmlns:a14="http://schemas.microsoft.com/office/drawing/2010/main" w="9525">
                   <a:solidFill>
                     <a:srgbClr val="000000"/>
                   </a:solidFill>
@@ -4052,7 +4051,7 @@
             </a:ln>
             <a:extLst>
               <a:ext uri="{91240B29-F687-4f45-9708-019B960494DF}">
-                <a14:hiddenLine xmlns:a14="http://schemas.microsoft.com/office/drawing/2010/main" xmlns="" w="9525">
+                <a14:hiddenLine xmlns="" xmlns:a14="http://schemas.microsoft.com/office/drawing/2010/main" w="9525">
                   <a:solidFill>
                     <a:srgbClr val="000000"/>
                   </a:solidFill>
@@ -4142,7 +4141,7 @@
             </a:ln>
             <a:extLst>
               <a:ext uri="{91240B29-F687-4f45-9708-019B960494DF}">
-                <a14:hiddenLine xmlns:a14="http://schemas.microsoft.com/office/drawing/2010/main" xmlns="" w="9525">
+                <a14:hiddenLine xmlns="" xmlns:a14="http://schemas.microsoft.com/office/drawing/2010/main" w="9525">
                   <a:solidFill>
                     <a:srgbClr val="000000"/>
                   </a:solidFill>
@@ -4207,7 +4206,7 @@
             </a:ln>
             <a:extLst>
               <a:ext uri="{91240B29-F687-4f45-9708-019B960494DF}">
-                <a14:hiddenLine xmlns:a14="http://schemas.microsoft.com/office/drawing/2010/main" xmlns="" w="9525">
+                <a14:hiddenLine xmlns="" xmlns:a14="http://schemas.microsoft.com/office/drawing/2010/main" w="9525">
                   <a:solidFill>
                     <a:srgbClr val="000000"/>
                   </a:solidFill>
@@ -4269,7 +4268,7 @@
             </a:ln>
             <a:extLst>
               <a:ext uri="{91240B29-F687-4f45-9708-019B960494DF}">
-                <a14:hiddenLine xmlns:a14="http://schemas.microsoft.com/office/drawing/2010/main" xmlns="" w="9525">
+                <a14:hiddenLine xmlns="" xmlns:a14="http://schemas.microsoft.com/office/drawing/2010/main" w="9525">
                   <a:solidFill>
                     <a:srgbClr val="000000"/>
                   </a:solidFill>
@@ -4359,7 +4358,7 @@
             </a:ln>
             <a:extLst>
               <a:ext uri="{91240B29-F687-4f45-9708-019B960494DF}">
-                <a14:hiddenLine xmlns:a14="http://schemas.microsoft.com/office/drawing/2010/main" xmlns="" w="9525">
+                <a14:hiddenLine xmlns="" xmlns:a14="http://schemas.microsoft.com/office/drawing/2010/main" w="9525">
                   <a:solidFill>
                     <a:srgbClr val="000000"/>
                   </a:solidFill>
@@ -4449,7 +4448,7 @@
             </a:ln>
             <a:extLst>
               <a:ext uri="{91240B29-F687-4f45-9708-019B960494DF}">
-                <a14:hiddenLine xmlns:a14="http://schemas.microsoft.com/office/drawing/2010/main" xmlns="" w="9525">
+                <a14:hiddenLine xmlns="" xmlns:a14="http://schemas.microsoft.com/office/drawing/2010/main" w="9525">
                   <a:solidFill>
                     <a:srgbClr val="000000"/>
                   </a:solidFill>
@@ -4511,7 +4510,7 @@
             </a:ln>
             <a:extLst>
               <a:ext uri="{91240B29-F687-4f45-9708-019B960494DF}">
-                <a14:hiddenLine xmlns:a14="http://schemas.microsoft.com/office/drawing/2010/main" xmlns="" w="9525">
+                <a14:hiddenLine xmlns="" xmlns:a14="http://schemas.microsoft.com/office/drawing/2010/main" w="9525">
                   <a:solidFill>
                     <a:srgbClr val="000000"/>
                   </a:solidFill>
@@ -4631,7 +4630,7 @@
             </a:ln>
             <a:extLst>
               <a:ext uri="{91240B29-F687-4f45-9708-019B960494DF}">
-                <a14:hiddenLine xmlns:a14="http://schemas.microsoft.com/office/drawing/2010/main" xmlns="" w="9525">
+                <a14:hiddenLine xmlns="" xmlns:a14="http://schemas.microsoft.com/office/drawing/2010/main" w="9525">
                   <a:solidFill>
                     <a:srgbClr val="000000"/>
                   </a:solidFill>
@@ -4699,7 +4698,7 @@
             </a:ln>
             <a:extLst>
               <a:ext uri="{91240B29-F687-4f45-9708-019B960494DF}">
-                <a14:hiddenLine xmlns:a14="http://schemas.microsoft.com/office/drawing/2010/main" xmlns="" w="9525">
+                <a14:hiddenLine xmlns="" xmlns:a14="http://schemas.microsoft.com/office/drawing/2010/main" w="9525">
                   <a:solidFill>
                     <a:srgbClr val="000000"/>
                   </a:solidFill>
@@ -4789,7 +4788,7 @@
             </a:ln>
             <a:extLst>
               <a:ext uri="{91240B29-F687-4f45-9708-019B960494DF}">
-                <a14:hiddenLine xmlns:a14="http://schemas.microsoft.com/office/drawing/2010/main" xmlns="" w="9525">
+                <a14:hiddenLine xmlns="" xmlns:a14="http://schemas.microsoft.com/office/drawing/2010/main" w="9525">
                   <a:solidFill>
                     <a:srgbClr val="000000"/>
                   </a:solidFill>
@@ -9596,7 +9595,7 @@
           <a:noFill/>
           <a:extLst>
             <a:ext uri="{909E8E84-426E-40dd-AFC4-6F175D3DCCD1}">
-              <a14:hiddenFill xmlns:a14="http://schemas.microsoft.com/office/drawing/2010/main" xmlns="">
+              <a14:hiddenFill xmlns="" xmlns:a14="http://schemas.microsoft.com/office/drawing/2010/main">
                 <a:solidFill>
                   <a:srgbClr val="FFFFFF"/>
                 </a:solidFill>
@@ -9670,7 +9669,7 @@
               </a:ln>
               <a:extLst>
                 <a:ext uri="{91240B29-F687-4f45-9708-019B960494DF}">
-                  <a14:hiddenLine xmlns:a14="http://schemas.microsoft.com/office/drawing/2010/main" xmlns="" w="9525">
+                  <a14:hiddenLine xmlns="" xmlns:a14="http://schemas.microsoft.com/office/drawing/2010/main" w="9525">
                     <a:solidFill>
                       <a:srgbClr val="000000"/>
                     </a:solidFill>
@@ -9760,7 +9759,7 @@
               </a:ln>
               <a:extLst>
                 <a:ext uri="{91240B29-F687-4f45-9708-019B960494DF}">
-                  <a14:hiddenLine xmlns:a14="http://schemas.microsoft.com/office/drawing/2010/main" xmlns="" w="9525">
+                  <a14:hiddenLine xmlns="" xmlns:a14="http://schemas.microsoft.com/office/drawing/2010/main" w="9525">
                     <a:solidFill>
                       <a:srgbClr val="000000"/>
                     </a:solidFill>
@@ -9850,7 +9849,7 @@
               </a:ln>
               <a:extLst>
                 <a:ext uri="{91240B29-F687-4f45-9708-019B960494DF}">
-                  <a14:hiddenLine xmlns:a14="http://schemas.microsoft.com/office/drawing/2010/main" xmlns="" w="9525">
+                  <a14:hiddenLine xmlns="" xmlns:a14="http://schemas.microsoft.com/office/drawing/2010/main" w="9525">
                     <a:solidFill>
                       <a:srgbClr val="000000"/>
                     </a:solidFill>
@@ -9912,7 +9911,7 @@
               </a:ln>
               <a:extLst>
                 <a:ext uri="{91240B29-F687-4f45-9708-019B960494DF}">
-                  <a14:hiddenLine xmlns:a14="http://schemas.microsoft.com/office/drawing/2010/main" xmlns="" w="9525">
+                  <a14:hiddenLine xmlns="" xmlns:a14="http://schemas.microsoft.com/office/drawing/2010/main" w="9525">
                     <a:solidFill>
                       <a:srgbClr val="000000"/>
                     </a:solidFill>
@@ -10002,7 +10001,7 @@
               </a:ln>
               <a:extLst>
                 <a:ext uri="{91240B29-F687-4f45-9708-019B960494DF}">
-                  <a14:hiddenLine xmlns:a14="http://schemas.microsoft.com/office/drawing/2010/main" xmlns="" w="9525">
+                  <a14:hiddenLine xmlns="" xmlns:a14="http://schemas.microsoft.com/office/drawing/2010/main" w="9525">
                     <a:solidFill>
                       <a:srgbClr val="000000"/>
                     </a:solidFill>
@@ -10064,7 +10063,7 @@
               </a:ln>
               <a:extLst>
                 <a:ext uri="{91240B29-F687-4f45-9708-019B960494DF}">
-                  <a14:hiddenLine xmlns:a14="http://schemas.microsoft.com/office/drawing/2010/main" xmlns="" w="9525">
+                  <a14:hiddenLine xmlns="" xmlns:a14="http://schemas.microsoft.com/office/drawing/2010/main" w="9525">
                     <a:solidFill>
                       <a:srgbClr val="000000"/>
                     </a:solidFill>
@@ -10126,7 +10125,7 @@
               </a:ln>
               <a:extLst>
                 <a:ext uri="{91240B29-F687-4f45-9708-019B960494DF}">
-                  <a14:hiddenLine xmlns:a14="http://schemas.microsoft.com/office/drawing/2010/main" xmlns="" w="9525">
+                  <a14:hiddenLine xmlns="" xmlns:a14="http://schemas.microsoft.com/office/drawing/2010/main" w="9525">
                     <a:solidFill>
                       <a:srgbClr val="000000"/>
                     </a:solidFill>
@@ -10216,7 +10215,7 @@
               </a:ln>
               <a:extLst>
                 <a:ext uri="{91240B29-F687-4f45-9708-019B960494DF}">
-                  <a14:hiddenLine xmlns:a14="http://schemas.microsoft.com/office/drawing/2010/main" xmlns="" w="9525">
+                  <a14:hiddenLine xmlns="" xmlns:a14="http://schemas.microsoft.com/office/drawing/2010/main" w="9525">
                     <a:solidFill>
                       <a:srgbClr val="000000"/>
                     </a:solidFill>
@@ -10306,7 +10305,7 @@
               </a:ln>
               <a:extLst>
                 <a:ext uri="{91240B29-F687-4f45-9708-019B960494DF}">
-                  <a14:hiddenLine xmlns:a14="http://schemas.microsoft.com/office/drawing/2010/main" xmlns="" w="9525">
+                  <a14:hiddenLine xmlns="" xmlns:a14="http://schemas.microsoft.com/office/drawing/2010/main" w="9525">
                     <a:solidFill>
                       <a:srgbClr val="000000"/>
                     </a:solidFill>
@@ -10368,7 +10367,7 @@
               </a:ln>
               <a:extLst>
                 <a:ext uri="{91240B29-F687-4f45-9708-019B960494DF}">
-                  <a14:hiddenLine xmlns:a14="http://schemas.microsoft.com/office/drawing/2010/main" xmlns="" w="9525">
+                  <a14:hiddenLine xmlns="" xmlns:a14="http://schemas.microsoft.com/office/drawing/2010/main" w="9525">
                     <a:solidFill>
                       <a:srgbClr val="000000"/>
                     </a:solidFill>
@@ -10478,7 +10477,7 @@
               </a:ln>
               <a:extLst>
                 <a:ext uri="{91240B29-F687-4f45-9708-019B960494DF}">
-                  <a14:hiddenLine xmlns:a14="http://schemas.microsoft.com/office/drawing/2010/main" xmlns="" w="9525">
+                  <a14:hiddenLine xmlns="" xmlns:a14="http://schemas.microsoft.com/office/drawing/2010/main" w="9525">
                     <a:solidFill>
                       <a:srgbClr val="000000"/>
                     </a:solidFill>
@@ -10562,7 +10561,7 @@
               </a:ln>
               <a:extLst>
                 <a:ext uri="{91240B29-F687-4f45-9708-019B960494DF}">
-                  <a14:hiddenLine xmlns:a14="http://schemas.microsoft.com/office/drawing/2010/main" xmlns="" w="9525">
+                  <a14:hiddenLine xmlns="" xmlns:a14="http://schemas.microsoft.com/office/drawing/2010/main" w="9525">
                     <a:solidFill>
                       <a:srgbClr val="000000"/>
                     </a:solidFill>
@@ -10624,7 +10623,7 @@
               </a:ln>
               <a:extLst>
                 <a:ext uri="{91240B29-F687-4f45-9708-019B960494DF}">
-                  <a14:hiddenLine xmlns:a14="http://schemas.microsoft.com/office/drawing/2010/main" xmlns="" w="9525">
+                  <a14:hiddenLine xmlns="" xmlns:a14="http://schemas.microsoft.com/office/drawing/2010/main" w="9525">
                     <a:solidFill>
                       <a:srgbClr val="000000"/>
                     </a:solidFill>
@@ -10686,7 +10685,7 @@
               </a:ln>
               <a:extLst>
                 <a:ext uri="{91240B29-F687-4f45-9708-019B960494DF}">
-                  <a14:hiddenLine xmlns:a14="http://schemas.microsoft.com/office/drawing/2010/main" xmlns="" w="9525">
+                  <a14:hiddenLine xmlns="" xmlns:a14="http://schemas.microsoft.com/office/drawing/2010/main" w="9525">
                     <a:solidFill>
                       <a:srgbClr val="000000"/>
                     </a:solidFill>
@@ -10776,7 +10775,7 @@
               </a:ln>
               <a:extLst>
                 <a:ext uri="{91240B29-F687-4f45-9708-019B960494DF}">
-                  <a14:hiddenLine xmlns:a14="http://schemas.microsoft.com/office/drawing/2010/main" xmlns="" w="9525">
+                  <a14:hiddenLine xmlns="" xmlns:a14="http://schemas.microsoft.com/office/drawing/2010/main" w="9525">
                     <a:solidFill>
                       <a:srgbClr val="000000"/>
                     </a:solidFill>
@@ -10810,7 +10809,7 @@
               </a:ln>
               <a:extLst>
                 <a:ext uri="{91240B29-F687-4f45-9708-019B960494DF}">
-                  <a14:hiddenLine xmlns:a14="http://schemas.microsoft.com/office/drawing/2010/main" xmlns="" w="9525">
+                  <a14:hiddenLine xmlns="" xmlns:a14="http://schemas.microsoft.com/office/drawing/2010/main" w="9525">
                     <a:solidFill>
                       <a:srgbClr val="000000"/>
                     </a:solidFill>
@@ -10875,7 +10874,7 @@
               </a:ln>
               <a:extLst>
                 <a:ext uri="{91240B29-F687-4f45-9708-019B960494DF}">
-                  <a14:hiddenLine xmlns:a14="http://schemas.microsoft.com/office/drawing/2010/main" xmlns="" w="9525">
+                  <a14:hiddenLine xmlns="" xmlns:a14="http://schemas.microsoft.com/office/drawing/2010/main" w="9525">
                     <a:solidFill>
                       <a:srgbClr val="000000"/>
                     </a:solidFill>
@@ -10965,7 +10964,7 @@
               </a:ln>
               <a:extLst>
                 <a:ext uri="{91240B29-F687-4f45-9708-019B960494DF}">
-                  <a14:hiddenLine xmlns:a14="http://schemas.microsoft.com/office/drawing/2010/main" xmlns="" w="9525">
+                  <a14:hiddenLine xmlns="" xmlns:a14="http://schemas.microsoft.com/office/drawing/2010/main" w="9525">
                     <a:solidFill>
                       <a:srgbClr val="000000"/>
                     </a:solidFill>
@@ -11027,7 +11026,7 @@
               </a:ln>
               <a:extLst>
                 <a:ext uri="{91240B29-F687-4f45-9708-019B960494DF}">
-                  <a14:hiddenLine xmlns:a14="http://schemas.microsoft.com/office/drawing/2010/main" xmlns="" w="9525">
+                  <a14:hiddenLine xmlns="" xmlns:a14="http://schemas.microsoft.com/office/drawing/2010/main" w="9525">
                     <a:solidFill>
                       <a:srgbClr val="000000"/>
                     </a:solidFill>
@@ -11117,7 +11116,7 @@
               </a:ln>
               <a:extLst>
                 <a:ext uri="{91240B29-F687-4f45-9708-019B960494DF}">
-                  <a14:hiddenLine xmlns:a14="http://schemas.microsoft.com/office/drawing/2010/main" xmlns="" w="9525">
+                  <a14:hiddenLine xmlns="" xmlns:a14="http://schemas.microsoft.com/office/drawing/2010/main" w="9525">
                     <a:solidFill>
                       <a:srgbClr val="000000"/>
                     </a:solidFill>
@@ -11182,7 +11181,7 @@
               </a:ln>
               <a:extLst>
                 <a:ext uri="{91240B29-F687-4f45-9708-019B960494DF}">
-                  <a14:hiddenLine xmlns:a14="http://schemas.microsoft.com/office/drawing/2010/main" xmlns="" w="9525">
+                  <a14:hiddenLine xmlns="" xmlns:a14="http://schemas.microsoft.com/office/drawing/2010/main" w="9525">
                     <a:solidFill>
                       <a:srgbClr val="000000"/>
                     </a:solidFill>
@@ -11244,7 +11243,7 @@
               </a:ln>
               <a:extLst>
                 <a:ext uri="{91240B29-F687-4f45-9708-019B960494DF}">
-                  <a14:hiddenLine xmlns:a14="http://schemas.microsoft.com/office/drawing/2010/main" xmlns="" w="9525">
+                  <a14:hiddenLine xmlns="" xmlns:a14="http://schemas.microsoft.com/office/drawing/2010/main" w="9525">
                     <a:solidFill>
                       <a:srgbClr val="000000"/>
                     </a:solidFill>
@@ -11334,7 +11333,7 @@
               </a:ln>
               <a:extLst>
                 <a:ext uri="{91240B29-F687-4f45-9708-019B960494DF}">
-                  <a14:hiddenLine xmlns:a14="http://schemas.microsoft.com/office/drawing/2010/main" xmlns="" w="9525">
+                  <a14:hiddenLine xmlns="" xmlns:a14="http://schemas.microsoft.com/office/drawing/2010/main" w="9525">
                     <a:solidFill>
                       <a:srgbClr val="000000"/>
                     </a:solidFill>
@@ -11424,7 +11423,7 @@
               </a:ln>
               <a:extLst>
                 <a:ext uri="{91240B29-F687-4f45-9708-019B960494DF}">
-                  <a14:hiddenLine xmlns:a14="http://schemas.microsoft.com/office/drawing/2010/main" xmlns="" w="9525">
+                  <a14:hiddenLine xmlns="" xmlns:a14="http://schemas.microsoft.com/office/drawing/2010/main" w="9525">
                     <a:solidFill>
                       <a:srgbClr val="000000"/>
                     </a:solidFill>
@@ -11489,7 +11488,7 @@
               </a:ln>
               <a:extLst>
                 <a:ext uri="{91240B29-F687-4f45-9708-019B960494DF}">
-                  <a14:hiddenLine xmlns:a14="http://schemas.microsoft.com/office/drawing/2010/main" xmlns="" w="9525">
+                  <a14:hiddenLine xmlns="" xmlns:a14="http://schemas.microsoft.com/office/drawing/2010/main" w="9525">
                     <a:solidFill>
                       <a:srgbClr val="000000"/>
                     </a:solidFill>
@@ -11609,7 +11608,7 @@
               </a:ln>
               <a:extLst>
                 <a:ext uri="{91240B29-F687-4f45-9708-019B960494DF}">
-                  <a14:hiddenLine xmlns:a14="http://schemas.microsoft.com/office/drawing/2010/main" xmlns="" w="9525">
+                  <a14:hiddenLine xmlns="" xmlns:a14="http://schemas.microsoft.com/office/drawing/2010/main" w="9525">
                     <a:solidFill>
                       <a:srgbClr val="000000"/>
                     </a:solidFill>
@@ -11707,7 +11706,7 @@
               </a:ln>
               <a:extLst>
                 <a:ext uri="{91240B29-F687-4f45-9708-019B960494DF}">
-                  <a14:hiddenLine xmlns:a14="http://schemas.microsoft.com/office/drawing/2010/main" xmlns="" w="9525">
+                  <a14:hiddenLine xmlns="" xmlns:a14="http://schemas.microsoft.com/office/drawing/2010/main" w="9525">
                     <a:solidFill>
                       <a:srgbClr val="000000"/>
                     </a:solidFill>
@@ -11822,7 +11821,7 @@
               </a:ln>
               <a:extLst>
                 <a:ext uri="{91240B29-F687-4f45-9708-019B960494DF}">
-                  <a14:hiddenLine xmlns:a14="http://schemas.microsoft.com/office/drawing/2010/main" xmlns="" w="9525">
+                  <a14:hiddenLine xmlns="" xmlns:a14="http://schemas.microsoft.com/office/drawing/2010/main" w="9525">
                     <a:solidFill>
                       <a:srgbClr val="000000"/>
                     </a:solidFill>
@@ -11912,7 +11911,7 @@
               </a:ln>
               <a:extLst>
                 <a:ext uri="{91240B29-F687-4f45-9708-019B960494DF}">
-                  <a14:hiddenLine xmlns:a14="http://schemas.microsoft.com/office/drawing/2010/main" xmlns="" w="9525">
+                  <a14:hiddenLine xmlns="" xmlns:a14="http://schemas.microsoft.com/office/drawing/2010/main" w="9525">
                     <a:solidFill>
                       <a:srgbClr val="000000"/>
                     </a:solidFill>
@@ -11977,7 +11976,7 @@
               </a:ln>
               <a:extLst>
                 <a:ext uri="{91240B29-F687-4f45-9708-019B960494DF}">
-                  <a14:hiddenLine xmlns:a14="http://schemas.microsoft.com/office/drawing/2010/main" xmlns="" w="9525">
+                  <a14:hiddenLine xmlns="" xmlns:a14="http://schemas.microsoft.com/office/drawing/2010/main" w="9525">
                     <a:solidFill>
                       <a:srgbClr val="000000"/>
                     </a:solidFill>
@@ -12067,7 +12066,7 @@
               </a:ln>
               <a:extLst>
                 <a:ext uri="{91240B29-F687-4f45-9708-019B960494DF}">
-                  <a14:hiddenLine xmlns:a14="http://schemas.microsoft.com/office/drawing/2010/main" xmlns="" w="9525">
+                  <a14:hiddenLine xmlns="" xmlns:a14="http://schemas.microsoft.com/office/drawing/2010/main" w="9525">
                     <a:solidFill>
                       <a:srgbClr val="000000"/>
                     </a:solidFill>
@@ -12135,7 +12134,7 @@
               </a:ln>
               <a:extLst>
                 <a:ext uri="{91240B29-F687-4f45-9708-019B960494DF}">
-                  <a14:hiddenLine xmlns:a14="http://schemas.microsoft.com/office/drawing/2010/main" xmlns="" w="9525">
+                  <a14:hiddenLine xmlns="" xmlns:a14="http://schemas.microsoft.com/office/drawing/2010/main" w="9525">
                     <a:solidFill>
                       <a:srgbClr val="000000"/>
                     </a:solidFill>
@@ -12225,7 +12224,7 @@
               </a:ln>
               <a:extLst>
                 <a:ext uri="{91240B29-F687-4f45-9708-019B960494DF}">
-                  <a14:hiddenLine xmlns:a14="http://schemas.microsoft.com/office/drawing/2010/main" xmlns="" w="9525">
+                  <a14:hiddenLine xmlns="" xmlns:a14="http://schemas.microsoft.com/office/drawing/2010/main" w="9525">
                     <a:solidFill>
                       <a:srgbClr val="000000"/>
                     </a:solidFill>
@@ -12293,7 +12292,7 @@
               </a:ln>
               <a:extLst>
                 <a:ext uri="{91240B29-F687-4f45-9708-019B960494DF}">
-                  <a14:hiddenLine xmlns:a14="http://schemas.microsoft.com/office/drawing/2010/main" xmlns="" w="9525">
+                  <a14:hiddenLine xmlns="" xmlns:a14="http://schemas.microsoft.com/office/drawing/2010/main" w="9525">
                     <a:solidFill>
                       <a:srgbClr val="000000"/>
                     </a:solidFill>
@@ -12383,7 +12382,7 @@
               </a:ln>
               <a:extLst>
                 <a:ext uri="{91240B29-F687-4f45-9708-019B960494DF}">
-                  <a14:hiddenLine xmlns:a14="http://schemas.microsoft.com/office/drawing/2010/main" xmlns="" w="9525">
+                  <a14:hiddenLine xmlns="" xmlns:a14="http://schemas.microsoft.com/office/drawing/2010/main" w="9525">
                     <a:solidFill>
                       <a:srgbClr val="000000"/>
                     </a:solidFill>
@@ -12417,7 +12416,7 @@
               </a:ln>
               <a:extLst>
                 <a:ext uri="{91240B29-F687-4f45-9708-019B960494DF}">
-                  <a14:hiddenLine xmlns:a14="http://schemas.microsoft.com/office/drawing/2010/main" xmlns="" w="9525">
+                  <a14:hiddenLine xmlns="" xmlns:a14="http://schemas.microsoft.com/office/drawing/2010/main" w="9525">
                     <a:solidFill>
                       <a:srgbClr val="000000"/>
                     </a:solidFill>
@@ -13137,7 +13136,7 @@
             </a:ln>
             <a:extLst>
               <a:ext uri="{91240B29-F687-4f45-9708-019B960494DF}">
-                <a14:hiddenLine xmlns="" xmlns:a16="http://schemas.microsoft.com/office/drawing/2014/main" xmlns:p14="http://schemas.microsoft.com/office/powerpoint/2010/main" xmlns:a14="http://schemas.microsoft.com/office/drawing/2010/main" w="9525">
+                <a14:hiddenLine xmlns:a14="http://schemas.microsoft.com/office/drawing/2010/main" xmlns:p14="http://schemas.microsoft.com/office/powerpoint/2010/main" xmlns:a16="http://schemas.microsoft.com/office/drawing/2014/main" xmlns="" w="9525">
                   <a:solidFill>
                     <a:srgbClr val="000000"/>
                   </a:solidFill>
@@ -13242,7 +13241,7 @@
             </a:ln>
             <a:extLst>
               <a:ext uri="{91240B29-F687-4f45-9708-019B960494DF}">
-                <a14:hiddenLine xmlns="" xmlns:a16="http://schemas.microsoft.com/office/drawing/2014/main" xmlns:p14="http://schemas.microsoft.com/office/powerpoint/2010/main" xmlns:a14="http://schemas.microsoft.com/office/drawing/2010/main" w="9525">
+                <a14:hiddenLine xmlns:a14="http://schemas.microsoft.com/office/drawing/2010/main" xmlns:p14="http://schemas.microsoft.com/office/powerpoint/2010/main" xmlns:a16="http://schemas.microsoft.com/office/drawing/2014/main" xmlns="" w="9525">
                   <a:solidFill>
                     <a:srgbClr val="000000"/>
                   </a:solidFill>
@@ -13347,7 +13346,7 @@
             </a:ln>
             <a:extLst>
               <a:ext uri="{91240B29-F687-4f45-9708-019B960494DF}">
-                <a14:hiddenLine xmlns="" xmlns:a16="http://schemas.microsoft.com/office/drawing/2014/main" xmlns:p14="http://schemas.microsoft.com/office/powerpoint/2010/main" xmlns:a14="http://schemas.microsoft.com/office/drawing/2010/main" w="9525">
+                <a14:hiddenLine xmlns:a14="http://schemas.microsoft.com/office/drawing/2010/main" xmlns:p14="http://schemas.microsoft.com/office/powerpoint/2010/main" xmlns:a16="http://schemas.microsoft.com/office/drawing/2014/main" xmlns="" w="9525">
                   <a:solidFill>
                     <a:srgbClr val="000000"/>
                   </a:solidFill>
@@ -13396,7 +13395,7 @@
             </a:ln>
             <a:extLst>
               <a:ext uri="{91240B29-F687-4f45-9708-019B960494DF}">
-                <a14:hiddenLine xmlns="" xmlns:a16="http://schemas.microsoft.com/office/drawing/2014/main" xmlns:p14="http://schemas.microsoft.com/office/powerpoint/2010/main" xmlns:a14="http://schemas.microsoft.com/office/drawing/2010/main" w="9525">
+                <a14:hiddenLine xmlns:a14="http://schemas.microsoft.com/office/drawing/2010/main" xmlns:p14="http://schemas.microsoft.com/office/powerpoint/2010/main" xmlns:a16="http://schemas.microsoft.com/office/drawing/2014/main" xmlns="" w="9525">
                   <a:solidFill>
                     <a:srgbClr val="000000"/>
                   </a:solidFill>
@@ -13501,7 +13500,7 @@
             </a:ln>
             <a:extLst>
               <a:ext uri="{91240B29-F687-4f45-9708-019B960494DF}">
-                <a14:hiddenLine xmlns="" xmlns:a16="http://schemas.microsoft.com/office/drawing/2014/main" xmlns:p14="http://schemas.microsoft.com/office/powerpoint/2010/main" xmlns:a14="http://schemas.microsoft.com/office/drawing/2010/main" w="9525">
+                <a14:hiddenLine xmlns:a14="http://schemas.microsoft.com/office/drawing/2010/main" xmlns:p14="http://schemas.microsoft.com/office/powerpoint/2010/main" xmlns:a16="http://schemas.microsoft.com/office/drawing/2014/main" xmlns="" w="9525">
                   <a:solidFill>
                     <a:srgbClr val="000000"/>
                   </a:solidFill>
@@ -13578,7 +13577,7 @@
             </a:ln>
             <a:extLst>
               <a:ext uri="{91240B29-F687-4f45-9708-019B960494DF}">
-                <a14:hiddenLine xmlns="" xmlns:a16="http://schemas.microsoft.com/office/drawing/2014/main" xmlns:p14="http://schemas.microsoft.com/office/powerpoint/2010/main" xmlns:a14="http://schemas.microsoft.com/office/drawing/2010/main" w="9525">
+                <a14:hiddenLine xmlns:a14="http://schemas.microsoft.com/office/drawing/2010/main" xmlns:p14="http://schemas.microsoft.com/office/powerpoint/2010/main" xmlns:a16="http://schemas.microsoft.com/office/drawing/2014/main" xmlns="" w="9525">
                   <a:solidFill>
                     <a:srgbClr val="000000"/>
                   </a:solidFill>
@@ -13655,7 +13654,7 @@
             </a:ln>
             <a:extLst>
               <a:ext uri="{91240B29-F687-4f45-9708-019B960494DF}">
-                <a14:hiddenLine xmlns="" xmlns:a16="http://schemas.microsoft.com/office/drawing/2014/main" xmlns:p14="http://schemas.microsoft.com/office/powerpoint/2010/main" xmlns:a14="http://schemas.microsoft.com/office/drawing/2010/main" w="9525">
+                <a14:hiddenLine xmlns:a14="http://schemas.microsoft.com/office/drawing/2010/main" xmlns:p14="http://schemas.microsoft.com/office/powerpoint/2010/main" xmlns:a16="http://schemas.microsoft.com/office/drawing/2014/main" xmlns="" w="9525">
                   <a:solidFill>
                     <a:srgbClr val="000000"/>
                   </a:solidFill>
@@ -13760,7 +13759,7 @@
             </a:ln>
             <a:extLst>
               <a:ext uri="{91240B29-F687-4f45-9708-019B960494DF}">
-                <a14:hiddenLine xmlns="" xmlns:a16="http://schemas.microsoft.com/office/drawing/2014/main" xmlns:p14="http://schemas.microsoft.com/office/powerpoint/2010/main" xmlns:a14="http://schemas.microsoft.com/office/drawing/2010/main" w="9525">
+                <a14:hiddenLine xmlns:a14="http://schemas.microsoft.com/office/drawing/2010/main" xmlns:p14="http://schemas.microsoft.com/office/powerpoint/2010/main" xmlns:a16="http://schemas.microsoft.com/office/drawing/2014/main" xmlns="" w="9525">
                   <a:solidFill>
                     <a:srgbClr val="000000"/>
                   </a:solidFill>
@@ -13837,7 +13836,7 @@
             </a:ln>
             <a:extLst>
               <a:ext uri="{91240B29-F687-4f45-9708-019B960494DF}">
-                <a14:hiddenLine xmlns="" xmlns:a16="http://schemas.microsoft.com/office/drawing/2014/main" xmlns:p14="http://schemas.microsoft.com/office/powerpoint/2010/main" xmlns:a14="http://schemas.microsoft.com/office/drawing/2010/main" w="9525">
+                <a14:hiddenLine xmlns:a14="http://schemas.microsoft.com/office/drawing/2010/main" xmlns:p14="http://schemas.microsoft.com/office/powerpoint/2010/main" xmlns:a16="http://schemas.microsoft.com/office/drawing/2014/main" xmlns="" w="9525">
                   <a:solidFill>
                     <a:srgbClr val="000000"/>
                   </a:solidFill>
@@ -13914,7 +13913,7 @@
             </a:ln>
             <a:extLst>
               <a:ext uri="{91240B29-F687-4f45-9708-019B960494DF}">
-                <a14:hiddenLine xmlns="" xmlns:a16="http://schemas.microsoft.com/office/drawing/2014/main" xmlns:p14="http://schemas.microsoft.com/office/powerpoint/2010/main" xmlns:a14="http://schemas.microsoft.com/office/drawing/2010/main" w="9525">
+                <a14:hiddenLine xmlns:a14="http://schemas.microsoft.com/office/drawing/2010/main" xmlns:p14="http://schemas.microsoft.com/office/powerpoint/2010/main" xmlns:a16="http://schemas.microsoft.com/office/drawing/2014/main" xmlns="" w="9525">
                   <a:solidFill>
                     <a:srgbClr val="000000"/>
                   </a:solidFill>
@@ -14019,7 +14018,7 @@
             </a:ln>
             <a:extLst>
               <a:ext uri="{91240B29-F687-4f45-9708-019B960494DF}">
-                <a14:hiddenLine xmlns="" xmlns:a16="http://schemas.microsoft.com/office/drawing/2014/main" xmlns:p14="http://schemas.microsoft.com/office/powerpoint/2010/main" xmlns:a14="http://schemas.microsoft.com/office/drawing/2010/main" w="9525">
+                <a14:hiddenLine xmlns:a14="http://schemas.microsoft.com/office/drawing/2010/main" xmlns:p14="http://schemas.microsoft.com/office/powerpoint/2010/main" xmlns:a16="http://schemas.microsoft.com/office/drawing/2014/main" xmlns="" w="9525">
                   <a:solidFill>
                     <a:srgbClr val="000000"/>
                   </a:solidFill>
@@ -14124,7 +14123,7 @@
             </a:ln>
             <a:extLst>
               <a:ext uri="{91240B29-F687-4f45-9708-019B960494DF}">
-                <a14:hiddenLine xmlns="" xmlns:a16="http://schemas.microsoft.com/office/drawing/2014/main" xmlns:p14="http://schemas.microsoft.com/office/powerpoint/2010/main" xmlns:a14="http://schemas.microsoft.com/office/drawing/2010/main" w="9525">
+                <a14:hiddenLine xmlns:a14="http://schemas.microsoft.com/office/drawing/2010/main" xmlns:p14="http://schemas.microsoft.com/office/powerpoint/2010/main" xmlns:a16="http://schemas.microsoft.com/office/drawing/2014/main" xmlns="" w="9525">
                   <a:solidFill>
                     <a:srgbClr val="000000"/>
                   </a:solidFill>
@@ -14201,7 +14200,7 @@
             </a:ln>
             <a:extLst>
               <a:ext uri="{91240B29-F687-4f45-9708-019B960494DF}">
-                <a14:hiddenLine xmlns="" xmlns:a16="http://schemas.microsoft.com/office/drawing/2014/main" xmlns:p14="http://schemas.microsoft.com/office/powerpoint/2010/main" xmlns:a14="http://schemas.microsoft.com/office/drawing/2010/main" w="9525">
+                <a14:hiddenLine xmlns:a14="http://schemas.microsoft.com/office/drawing/2010/main" xmlns:p14="http://schemas.microsoft.com/office/powerpoint/2010/main" xmlns:a16="http://schemas.microsoft.com/office/drawing/2014/main" xmlns="" w="9525">
                   <a:solidFill>
                     <a:srgbClr val="000000"/>
                   </a:solidFill>
@@ -14326,7 +14325,7 @@
             </a:ln>
             <a:extLst>
               <a:ext uri="{91240B29-F687-4f45-9708-019B960494DF}">
-                <a14:hiddenLine xmlns="" xmlns:a16="http://schemas.microsoft.com/office/drawing/2014/main" xmlns:p14="http://schemas.microsoft.com/office/powerpoint/2010/main" xmlns:a14="http://schemas.microsoft.com/office/drawing/2010/main" w="9525">
+                <a14:hiddenLine xmlns:a14="http://schemas.microsoft.com/office/drawing/2010/main" xmlns:p14="http://schemas.microsoft.com/office/powerpoint/2010/main" xmlns:a16="http://schemas.microsoft.com/office/drawing/2014/main" xmlns="" w="9525">
                   <a:solidFill>
                     <a:srgbClr val="000000"/>
                   </a:solidFill>
@@ -14403,7 +14402,7 @@
             </a:ln>
             <a:extLst>
               <a:ext uri="{91240B29-F687-4f45-9708-019B960494DF}">
-                <a14:hiddenLine xmlns="" xmlns:a16="http://schemas.microsoft.com/office/drawing/2014/main" xmlns:p14="http://schemas.microsoft.com/office/powerpoint/2010/main" xmlns:a14="http://schemas.microsoft.com/office/drawing/2010/main" w="9525">
+                <a14:hiddenLine xmlns:a14="http://schemas.microsoft.com/office/drawing/2010/main" xmlns:p14="http://schemas.microsoft.com/office/powerpoint/2010/main" xmlns:a16="http://schemas.microsoft.com/office/drawing/2014/main" xmlns="" w="9525">
                   <a:solidFill>
                     <a:srgbClr val="000000"/>
                   </a:solidFill>
@@ -14508,7 +14507,7 @@
             </a:ln>
             <a:extLst>
               <a:ext uri="{91240B29-F687-4f45-9708-019B960494DF}">
-                <a14:hiddenLine xmlns="" xmlns:a16="http://schemas.microsoft.com/office/drawing/2014/main" xmlns:p14="http://schemas.microsoft.com/office/powerpoint/2010/main" xmlns:a14="http://schemas.microsoft.com/office/drawing/2010/main" w="9525">
+                <a14:hiddenLine xmlns:a14="http://schemas.microsoft.com/office/drawing/2010/main" xmlns:p14="http://schemas.microsoft.com/office/powerpoint/2010/main" xmlns:a16="http://schemas.microsoft.com/office/drawing/2014/main" xmlns="" w="9525">
                   <a:solidFill>
                     <a:srgbClr val="000000"/>
                   </a:solidFill>
@@ -14613,7 +14612,7 @@
             </a:ln>
             <a:extLst>
               <a:ext uri="{91240B29-F687-4f45-9708-019B960494DF}">
-                <a14:hiddenLine xmlns="" xmlns:a16="http://schemas.microsoft.com/office/drawing/2014/main" xmlns:p14="http://schemas.microsoft.com/office/powerpoint/2010/main" xmlns:a14="http://schemas.microsoft.com/office/drawing/2010/main" w="9525">
+                <a14:hiddenLine xmlns:a14="http://schemas.microsoft.com/office/drawing/2010/main" xmlns:p14="http://schemas.microsoft.com/office/powerpoint/2010/main" xmlns:a16="http://schemas.microsoft.com/office/drawing/2014/main" xmlns="" w="9525">
                   <a:solidFill>
                     <a:srgbClr val="000000"/>
                   </a:solidFill>
@@ -14690,7 +14689,7 @@
             </a:ln>
             <a:extLst>
               <a:ext uri="{91240B29-F687-4f45-9708-019B960494DF}">
-                <a14:hiddenLine xmlns="" xmlns:a16="http://schemas.microsoft.com/office/drawing/2014/main" xmlns:p14="http://schemas.microsoft.com/office/powerpoint/2010/main" xmlns:a14="http://schemas.microsoft.com/office/drawing/2010/main" w="9525">
+                <a14:hiddenLine xmlns:a14="http://schemas.microsoft.com/office/drawing/2010/main" xmlns:p14="http://schemas.microsoft.com/office/powerpoint/2010/main" xmlns:a16="http://schemas.microsoft.com/office/drawing/2014/main" xmlns="" w="9525">
                   <a:solidFill>
                     <a:srgbClr val="000000"/>
                   </a:solidFill>
@@ -14795,7 +14794,7 @@
             </a:ln>
             <a:extLst>
               <a:ext uri="{91240B29-F687-4f45-9708-019B960494DF}">
-                <a14:hiddenLine xmlns="" xmlns:a16="http://schemas.microsoft.com/office/drawing/2014/main" xmlns:p14="http://schemas.microsoft.com/office/powerpoint/2010/main" xmlns:a14="http://schemas.microsoft.com/office/drawing/2010/main" w="9525">
+                <a14:hiddenLine xmlns:a14="http://schemas.microsoft.com/office/drawing/2010/main" xmlns:p14="http://schemas.microsoft.com/office/powerpoint/2010/main" xmlns:a16="http://schemas.microsoft.com/office/drawing/2014/main" xmlns="" w="9525">
                   <a:solidFill>
                     <a:srgbClr val="000000"/>
                   </a:solidFill>
@@ -14900,7 +14899,7 @@
             </a:ln>
             <a:extLst>
               <a:ext uri="{91240B29-F687-4f45-9708-019B960494DF}">
-                <a14:hiddenLine xmlns="" xmlns:a16="http://schemas.microsoft.com/office/drawing/2014/main" xmlns:p14="http://schemas.microsoft.com/office/powerpoint/2010/main" xmlns:a14="http://schemas.microsoft.com/office/drawing/2010/main" w="9525">
+                <a14:hiddenLine xmlns:a14="http://schemas.microsoft.com/office/drawing/2010/main" xmlns:p14="http://schemas.microsoft.com/office/powerpoint/2010/main" xmlns:a16="http://schemas.microsoft.com/office/drawing/2014/main" xmlns="" w="9525">
                   <a:solidFill>
                     <a:srgbClr val="000000"/>
                   </a:solidFill>
@@ -14971,7 +14970,7 @@
             </a:ln>
             <a:extLst>
               <a:ext uri="{91240B29-F687-4f45-9708-019B960494DF}">
-                <a14:hiddenLine xmlns="" xmlns:a16="http://schemas.microsoft.com/office/drawing/2014/main" xmlns:p14="http://schemas.microsoft.com/office/powerpoint/2010/main" xmlns:a14="http://schemas.microsoft.com/office/drawing/2010/main" w="9525">
+                <a14:hiddenLine xmlns:a14="http://schemas.microsoft.com/office/drawing/2010/main" xmlns:p14="http://schemas.microsoft.com/office/powerpoint/2010/main" xmlns:a16="http://schemas.microsoft.com/office/drawing/2014/main" xmlns="" w="9525">
                   <a:solidFill>
                     <a:srgbClr val="000000"/>
                   </a:solidFill>
@@ -15076,7 +15075,7 @@
             </a:ln>
             <a:extLst>
               <a:ext uri="{91240B29-F687-4f45-9708-019B960494DF}">
-                <a14:hiddenLine xmlns="" xmlns:a16="http://schemas.microsoft.com/office/drawing/2014/main" xmlns:p14="http://schemas.microsoft.com/office/powerpoint/2010/main" xmlns:a14="http://schemas.microsoft.com/office/drawing/2010/main" w="9525">
+                <a14:hiddenLine xmlns:a14="http://schemas.microsoft.com/office/drawing/2010/main" xmlns:p14="http://schemas.microsoft.com/office/powerpoint/2010/main" xmlns:a16="http://schemas.microsoft.com/office/drawing/2014/main" xmlns="" w="9525">
                   <a:solidFill>
                     <a:srgbClr val="000000"/>
                   </a:solidFill>
@@ -15147,7 +15146,7 @@
             </a:ln>
             <a:extLst>
               <a:ext uri="{91240B29-F687-4f45-9708-019B960494DF}">
-                <a14:hiddenLine xmlns="" xmlns:a16="http://schemas.microsoft.com/office/drawing/2014/main" xmlns:p14="http://schemas.microsoft.com/office/powerpoint/2010/main" xmlns:a14="http://schemas.microsoft.com/office/drawing/2010/main" w="9525">
+                <a14:hiddenLine xmlns:a14="http://schemas.microsoft.com/office/drawing/2010/main" xmlns:p14="http://schemas.microsoft.com/office/powerpoint/2010/main" xmlns:a16="http://schemas.microsoft.com/office/drawing/2014/main" xmlns="" w="9525">
                   <a:solidFill>
                     <a:srgbClr val="000000"/>
                   </a:solidFill>
@@ -15252,7 +15251,7 @@
             </a:ln>
             <a:extLst>
               <a:ext uri="{91240B29-F687-4f45-9708-019B960494DF}">
-                <a14:hiddenLine xmlns="" xmlns:a16="http://schemas.microsoft.com/office/drawing/2014/main" xmlns:p14="http://schemas.microsoft.com/office/powerpoint/2010/main" xmlns:a14="http://schemas.microsoft.com/office/drawing/2010/main" w="9525">
+                <a14:hiddenLine xmlns:a14="http://schemas.microsoft.com/office/drawing/2010/main" xmlns:p14="http://schemas.microsoft.com/office/powerpoint/2010/main" xmlns:a16="http://schemas.microsoft.com/office/drawing/2014/main" xmlns="" w="9525">
                   <a:solidFill>
                     <a:srgbClr val="000000"/>
                   </a:solidFill>
@@ -15335,7 +15334,7 @@
             </a:ln>
             <a:extLst>
               <a:ext uri="{91240B29-F687-4f45-9708-019B960494DF}">
-                <a14:hiddenLine xmlns="" xmlns:a16="http://schemas.microsoft.com/office/drawing/2014/main" xmlns:p14="http://schemas.microsoft.com/office/powerpoint/2010/main" xmlns:a14="http://schemas.microsoft.com/office/drawing/2010/main" w="9525">
+                <a14:hiddenLine xmlns:a14="http://schemas.microsoft.com/office/drawing/2010/main" xmlns:p14="http://schemas.microsoft.com/office/powerpoint/2010/main" xmlns:a16="http://schemas.microsoft.com/office/drawing/2014/main" xmlns="" w="9525">
                   <a:solidFill>
                     <a:srgbClr val="000000"/>
                   </a:solidFill>
@@ -15440,7 +15439,7 @@
             </a:ln>
             <a:extLst>
               <a:ext uri="{91240B29-F687-4f45-9708-019B960494DF}">
-                <a14:hiddenLine xmlns="" xmlns:a16="http://schemas.microsoft.com/office/drawing/2014/main" xmlns:p14="http://schemas.microsoft.com/office/powerpoint/2010/main" xmlns:a14="http://schemas.microsoft.com/office/drawing/2010/main" w="9525">
+                <a14:hiddenLine xmlns:a14="http://schemas.microsoft.com/office/drawing/2010/main" xmlns:p14="http://schemas.microsoft.com/office/powerpoint/2010/main" xmlns:a16="http://schemas.microsoft.com/office/drawing/2014/main" xmlns="" w="9525">
                   <a:solidFill>
                     <a:srgbClr val="000000"/>
                   </a:solidFill>
@@ -15523,7 +15522,7 @@
             </a:ln>
             <a:extLst>
               <a:ext uri="{91240B29-F687-4f45-9708-019B960494DF}">
-                <a14:hiddenLine xmlns="" xmlns:a16="http://schemas.microsoft.com/office/drawing/2014/main" xmlns:p14="http://schemas.microsoft.com/office/powerpoint/2010/main" xmlns:a14="http://schemas.microsoft.com/office/drawing/2010/main" w="9525">
+                <a14:hiddenLine xmlns:a14="http://schemas.microsoft.com/office/drawing/2010/main" xmlns:p14="http://schemas.microsoft.com/office/powerpoint/2010/main" xmlns:a16="http://schemas.microsoft.com/office/drawing/2014/main" xmlns="" w="9525">
                   <a:solidFill>
                     <a:srgbClr val="000000"/>
                   </a:solidFill>
@@ -15628,7 +15627,7 @@
             </a:ln>
             <a:extLst>
               <a:ext uri="{91240B29-F687-4f45-9708-019B960494DF}">
-                <a14:hiddenLine xmlns="" xmlns:a16="http://schemas.microsoft.com/office/drawing/2014/main" xmlns:p14="http://schemas.microsoft.com/office/powerpoint/2010/main" xmlns:a14="http://schemas.microsoft.com/office/drawing/2010/main" w="9525">
+                <a14:hiddenLine xmlns:a14="http://schemas.microsoft.com/office/drawing/2010/main" xmlns:p14="http://schemas.microsoft.com/office/powerpoint/2010/main" xmlns:a16="http://schemas.microsoft.com/office/drawing/2014/main" xmlns="" w="9525">
                   <a:solidFill>
                     <a:srgbClr val="000000"/>
                   </a:solidFill>
@@ -15677,7 +15676,7 @@
             </a:ln>
             <a:extLst>
               <a:ext uri="{91240B29-F687-4f45-9708-019B960494DF}">
-                <a14:hiddenLine xmlns="" xmlns:a16="http://schemas.microsoft.com/office/drawing/2014/main" xmlns:p14="http://schemas.microsoft.com/office/powerpoint/2010/main" xmlns:a14="http://schemas.microsoft.com/office/drawing/2010/main" w="9525">
+                <a14:hiddenLine xmlns:a14="http://schemas.microsoft.com/office/drawing/2010/main" xmlns:p14="http://schemas.microsoft.com/office/powerpoint/2010/main" xmlns:a16="http://schemas.microsoft.com/office/drawing/2014/main" xmlns="" w="9525">
                   <a:solidFill>
                     <a:srgbClr val="000000"/>
                   </a:solidFill>
@@ -15782,7 +15781,7 @@
             </a:ln>
             <a:extLst>
               <a:ext uri="{91240B29-F687-4f45-9708-019B960494DF}">
-                <a14:hiddenLine xmlns="" xmlns:a16="http://schemas.microsoft.com/office/drawing/2014/main" xmlns:p14="http://schemas.microsoft.com/office/powerpoint/2010/main" xmlns:a14="http://schemas.microsoft.com/office/drawing/2010/main" w="9525">
+                <a14:hiddenLine xmlns:a14="http://schemas.microsoft.com/office/drawing/2010/main" xmlns:p14="http://schemas.microsoft.com/office/powerpoint/2010/main" xmlns:a16="http://schemas.microsoft.com/office/drawing/2014/main" xmlns="" w="9525">
                   <a:solidFill>
                     <a:srgbClr val="000000"/>
                   </a:solidFill>
@@ -15859,7 +15858,7 @@
             </a:ln>
             <a:extLst>
               <a:ext uri="{91240B29-F687-4f45-9708-019B960494DF}">
-                <a14:hiddenLine xmlns="" xmlns:a16="http://schemas.microsoft.com/office/drawing/2014/main" xmlns:p14="http://schemas.microsoft.com/office/powerpoint/2010/main" xmlns:a14="http://schemas.microsoft.com/office/drawing/2010/main" w="9525">
+                <a14:hiddenLine xmlns:a14="http://schemas.microsoft.com/office/drawing/2010/main" xmlns:p14="http://schemas.microsoft.com/office/powerpoint/2010/main" xmlns:a16="http://schemas.microsoft.com/office/drawing/2014/main" xmlns="" w="9525">
                   <a:solidFill>
                     <a:srgbClr val="000000"/>
                   </a:solidFill>
@@ -15936,7 +15935,7 @@
             </a:ln>
             <a:extLst>
               <a:ext uri="{91240B29-F687-4f45-9708-019B960494DF}">
-                <a14:hiddenLine xmlns="" xmlns:a16="http://schemas.microsoft.com/office/drawing/2014/main" xmlns:p14="http://schemas.microsoft.com/office/powerpoint/2010/main" xmlns:a14="http://schemas.microsoft.com/office/drawing/2010/main" w="9525">
+                <a14:hiddenLine xmlns:a14="http://schemas.microsoft.com/office/drawing/2010/main" xmlns:p14="http://schemas.microsoft.com/office/powerpoint/2010/main" xmlns:a16="http://schemas.microsoft.com/office/drawing/2014/main" xmlns="" w="9525">
                   <a:solidFill>
                     <a:srgbClr val="000000"/>
                   </a:solidFill>
@@ -16041,7 +16040,7 @@
             </a:ln>
             <a:extLst>
               <a:ext uri="{91240B29-F687-4f45-9708-019B960494DF}">
-                <a14:hiddenLine xmlns="" xmlns:a16="http://schemas.microsoft.com/office/drawing/2014/main" xmlns:p14="http://schemas.microsoft.com/office/powerpoint/2010/main" xmlns:a14="http://schemas.microsoft.com/office/drawing/2010/main" w="9525">
+                <a14:hiddenLine xmlns:a14="http://schemas.microsoft.com/office/drawing/2010/main" xmlns:p14="http://schemas.microsoft.com/office/powerpoint/2010/main" xmlns:a16="http://schemas.microsoft.com/office/drawing/2014/main" xmlns="" w="9525">
                   <a:solidFill>
                     <a:srgbClr val="000000"/>
                   </a:solidFill>
@@ -16124,7 +16123,7 @@
             </a:ln>
             <a:extLst>
               <a:ext uri="{91240B29-F687-4f45-9708-019B960494DF}">
-                <a14:hiddenLine xmlns="" xmlns:a16="http://schemas.microsoft.com/office/drawing/2014/main" xmlns:p14="http://schemas.microsoft.com/office/powerpoint/2010/main" xmlns:a14="http://schemas.microsoft.com/office/drawing/2010/main" w="9525">
+                <a14:hiddenLine xmlns:a14="http://schemas.microsoft.com/office/drawing/2010/main" xmlns:p14="http://schemas.microsoft.com/office/powerpoint/2010/main" xmlns:a16="http://schemas.microsoft.com/office/drawing/2014/main" xmlns="" w="9525">
                   <a:solidFill>
                     <a:srgbClr val="000000"/>
                   </a:solidFill>
@@ -16201,7 +16200,7 @@
             </a:ln>
             <a:extLst>
               <a:ext uri="{91240B29-F687-4f45-9708-019B960494DF}">
-                <a14:hiddenLine xmlns="" xmlns:a16="http://schemas.microsoft.com/office/drawing/2014/main" xmlns:p14="http://schemas.microsoft.com/office/powerpoint/2010/main" xmlns:a14="http://schemas.microsoft.com/office/drawing/2010/main" w="9525">
+                <a14:hiddenLine xmlns:a14="http://schemas.microsoft.com/office/drawing/2010/main" xmlns:p14="http://schemas.microsoft.com/office/powerpoint/2010/main" xmlns:a16="http://schemas.microsoft.com/office/drawing/2014/main" xmlns="" w="9525">
                   <a:solidFill>
                     <a:srgbClr val="000000"/>
                   </a:solidFill>
@@ -16306,7 +16305,7 @@
             </a:ln>
             <a:extLst>
               <a:ext uri="{91240B29-F687-4f45-9708-019B960494DF}">
-                <a14:hiddenLine xmlns="" xmlns:a16="http://schemas.microsoft.com/office/drawing/2014/main" xmlns:p14="http://schemas.microsoft.com/office/powerpoint/2010/main" xmlns:a14="http://schemas.microsoft.com/office/drawing/2010/main" w="9525">
+                <a14:hiddenLine xmlns:a14="http://schemas.microsoft.com/office/drawing/2010/main" xmlns:p14="http://schemas.microsoft.com/office/powerpoint/2010/main" xmlns:a16="http://schemas.microsoft.com/office/drawing/2014/main" xmlns="" w="9525">
                   <a:solidFill>
                     <a:srgbClr val="000000"/>
                   </a:solidFill>
@@ -16383,7 +16382,7 @@
             </a:ln>
             <a:extLst>
               <a:ext uri="{91240B29-F687-4f45-9708-019B960494DF}">
-                <a14:hiddenLine xmlns="" xmlns:a16="http://schemas.microsoft.com/office/drawing/2014/main" xmlns:p14="http://schemas.microsoft.com/office/powerpoint/2010/main" xmlns:a14="http://schemas.microsoft.com/office/drawing/2010/main" w="9525">
+                <a14:hiddenLine xmlns:a14="http://schemas.microsoft.com/office/drawing/2010/main" xmlns:p14="http://schemas.microsoft.com/office/powerpoint/2010/main" xmlns:a16="http://schemas.microsoft.com/office/drawing/2014/main" xmlns="" w="9525">
                   <a:solidFill>
                     <a:srgbClr val="000000"/>
                   </a:solidFill>
@@ -16488,7 +16487,7 @@
             </a:ln>
             <a:extLst>
               <a:ext uri="{91240B29-F687-4f45-9708-019B960494DF}">
-                <a14:hiddenLine xmlns="" xmlns:a16="http://schemas.microsoft.com/office/drawing/2014/main" xmlns:p14="http://schemas.microsoft.com/office/powerpoint/2010/main" xmlns:a14="http://schemas.microsoft.com/office/drawing/2010/main" w="9525">
+                <a14:hiddenLine xmlns:a14="http://schemas.microsoft.com/office/drawing/2010/main" xmlns:p14="http://schemas.microsoft.com/office/powerpoint/2010/main" xmlns:a16="http://schemas.microsoft.com/office/drawing/2014/main" xmlns="" w="9525">
                   <a:solidFill>
                     <a:srgbClr val="000000"/>
                   </a:solidFill>
@@ -16565,7 +16564,7 @@
             </a:ln>
             <a:extLst>
               <a:ext uri="{91240B29-F687-4f45-9708-019B960494DF}">
-                <a14:hiddenLine xmlns="" xmlns:a16="http://schemas.microsoft.com/office/drawing/2014/main" xmlns:p14="http://schemas.microsoft.com/office/powerpoint/2010/main" xmlns:a14="http://schemas.microsoft.com/office/drawing/2010/main" w="9525">
+                <a14:hiddenLine xmlns:a14="http://schemas.microsoft.com/office/drawing/2010/main" xmlns:p14="http://schemas.microsoft.com/office/powerpoint/2010/main" xmlns:a16="http://schemas.microsoft.com/office/drawing/2014/main" xmlns="" w="9525">
                   <a:solidFill>
                     <a:srgbClr val="000000"/>
                   </a:solidFill>
@@ -16670,7 +16669,7 @@
             </a:ln>
             <a:extLst>
               <a:ext uri="{91240B29-F687-4f45-9708-019B960494DF}">
-                <a14:hiddenLine xmlns="" xmlns:a16="http://schemas.microsoft.com/office/drawing/2014/main" xmlns:p14="http://schemas.microsoft.com/office/powerpoint/2010/main" xmlns:a14="http://schemas.microsoft.com/office/drawing/2010/main" w="9525">
+                <a14:hiddenLine xmlns:a14="http://schemas.microsoft.com/office/drawing/2010/main" xmlns:p14="http://schemas.microsoft.com/office/powerpoint/2010/main" xmlns:a16="http://schemas.microsoft.com/office/drawing/2014/main" xmlns="" w="9525">
                   <a:solidFill>
                     <a:srgbClr val="000000"/>
                   </a:solidFill>
@@ -16719,7 +16718,7 @@
             </a:ln>
             <a:extLst>
               <a:ext uri="{91240B29-F687-4f45-9708-019B960494DF}">
-                <a14:hiddenLine xmlns="" xmlns:a16="http://schemas.microsoft.com/office/drawing/2014/main" xmlns:p14="http://schemas.microsoft.com/office/powerpoint/2010/main" xmlns:a14="http://schemas.microsoft.com/office/drawing/2010/main" w="9525">
+                <a14:hiddenLine xmlns:a14="http://schemas.microsoft.com/office/drawing/2010/main" xmlns:p14="http://schemas.microsoft.com/office/powerpoint/2010/main" xmlns:a16="http://schemas.microsoft.com/office/drawing/2014/main" xmlns="" w="9525">
                   <a:solidFill>
                     <a:srgbClr val="000000"/>
                   </a:solidFill>
@@ -16799,7 +16798,7 @@
             </a:ln>
             <a:extLst>
               <a:ext uri="{91240B29-F687-4f45-9708-019B960494DF}">
-                <a14:hiddenLine xmlns="" xmlns:a16="http://schemas.microsoft.com/office/drawing/2014/main" xmlns:p14="http://schemas.microsoft.com/office/powerpoint/2010/main" xmlns:a14="http://schemas.microsoft.com/office/drawing/2010/main" w="9525">
+                <a14:hiddenLine xmlns:a14="http://schemas.microsoft.com/office/drawing/2010/main" xmlns:p14="http://schemas.microsoft.com/office/powerpoint/2010/main" xmlns:a16="http://schemas.microsoft.com/office/drawing/2014/main" xmlns="" w="9525">
                   <a:solidFill>
                     <a:srgbClr val="000000"/>
                   </a:solidFill>
@@ -16904,7 +16903,7 @@
             </a:ln>
             <a:extLst>
               <a:ext uri="{91240B29-F687-4f45-9708-019B960494DF}">
-                <a14:hiddenLine xmlns="" xmlns:a16="http://schemas.microsoft.com/office/drawing/2014/main" xmlns:p14="http://schemas.microsoft.com/office/powerpoint/2010/main" xmlns:a14="http://schemas.microsoft.com/office/drawing/2010/main" w="9525">
+                <a14:hiddenLine xmlns:a14="http://schemas.microsoft.com/office/drawing/2010/main" xmlns:p14="http://schemas.microsoft.com/office/powerpoint/2010/main" xmlns:a16="http://schemas.microsoft.com/office/drawing/2014/main" xmlns="" w="9525">
                   <a:solidFill>
                     <a:srgbClr val="000000"/>
                   </a:solidFill>
@@ -16981,7 +16980,7 @@
             </a:ln>
             <a:extLst>
               <a:ext uri="{91240B29-F687-4f45-9708-019B960494DF}">
-                <a14:hiddenLine xmlns="" xmlns:a16="http://schemas.microsoft.com/office/drawing/2014/main" xmlns:p14="http://schemas.microsoft.com/office/powerpoint/2010/main" xmlns:a14="http://schemas.microsoft.com/office/drawing/2010/main" w="9525">
+                <a14:hiddenLine xmlns:a14="http://schemas.microsoft.com/office/drawing/2010/main" xmlns:p14="http://schemas.microsoft.com/office/powerpoint/2010/main" xmlns:a16="http://schemas.microsoft.com/office/drawing/2014/main" xmlns="" w="9525">
                   <a:solidFill>
                     <a:srgbClr val="000000"/>
                   </a:solidFill>
@@ -17086,7 +17085,7 @@
             </a:ln>
             <a:extLst>
               <a:ext uri="{91240B29-F687-4f45-9708-019B960494DF}">
-                <a14:hiddenLine xmlns="" xmlns:a16="http://schemas.microsoft.com/office/drawing/2014/main" xmlns:p14="http://schemas.microsoft.com/office/powerpoint/2010/main" xmlns:a14="http://schemas.microsoft.com/office/drawing/2010/main" w="9525">
+                <a14:hiddenLine xmlns:a14="http://schemas.microsoft.com/office/drawing/2010/main" xmlns:p14="http://schemas.microsoft.com/office/powerpoint/2010/main" xmlns:a16="http://schemas.microsoft.com/office/drawing/2014/main" xmlns="" w="9525">
                   <a:solidFill>
                     <a:srgbClr val="000000"/>
                   </a:solidFill>
@@ -17191,7 +17190,7 @@
             </a:ln>
             <a:extLst>
               <a:ext uri="{91240B29-F687-4f45-9708-019B960494DF}">
-                <a14:hiddenLine xmlns="" xmlns:a16="http://schemas.microsoft.com/office/drawing/2014/main" xmlns:p14="http://schemas.microsoft.com/office/powerpoint/2010/main" xmlns:a14="http://schemas.microsoft.com/office/drawing/2010/main" w="9525">
+                <a14:hiddenLine xmlns:a14="http://schemas.microsoft.com/office/drawing/2010/main" xmlns:p14="http://schemas.microsoft.com/office/powerpoint/2010/main" xmlns:a16="http://schemas.microsoft.com/office/drawing/2014/main" xmlns="" w="9525">
                   <a:solidFill>
                     <a:srgbClr val="000000"/>
                   </a:solidFill>
@@ -17271,7 +17270,7 @@
             </a:ln>
             <a:extLst>
               <a:ext uri="{91240B29-F687-4f45-9708-019B960494DF}">
-                <a14:hiddenLine xmlns="" xmlns:a16="http://schemas.microsoft.com/office/drawing/2014/main" xmlns:p14="http://schemas.microsoft.com/office/powerpoint/2010/main" xmlns:a14="http://schemas.microsoft.com/office/drawing/2010/main" w="9525">
+                <a14:hiddenLine xmlns:a14="http://schemas.microsoft.com/office/drawing/2010/main" xmlns:p14="http://schemas.microsoft.com/office/powerpoint/2010/main" xmlns:a16="http://schemas.microsoft.com/office/drawing/2014/main" xmlns="" w="9525">
                   <a:solidFill>
                     <a:srgbClr val="000000"/>
                   </a:solidFill>
@@ -17348,7 +17347,7 @@
             </a:ln>
             <a:extLst>
               <a:ext uri="{91240B29-F687-4f45-9708-019B960494DF}">
-                <a14:hiddenLine xmlns="" xmlns:a16="http://schemas.microsoft.com/office/drawing/2014/main" xmlns:p14="http://schemas.microsoft.com/office/powerpoint/2010/main" xmlns:a14="http://schemas.microsoft.com/office/drawing/2010/main" w="9525">
+                <a14:hiddenLine xmlns:a14="http://schemas.microsoft.com/office/drawing/2010/main" xmlns:p14="http://schemas.microsoft.com/office/powerpoint/2010/main" xmlns:a16="http://schemas.microsoft.com/office/drawing/2014/main" xmlns="" w="9525">
                   <a:solidFill>
                     <a:srgbClr val="000000"/>
                   </a:solidFill>
@@ -17453,7 +17452,7 @@
             </a:ln>
             <a:extLst>
               <a:ext uri="{91240B29-F687-4f45-9708-019B960494DF}">
-                <a14:hiddenLine xmlns="" xmlns:a16="http://schemas.microsoft.com/office/drawing/2014/main" xmlns:p14="http://schemas.microsoft.com/office/powerpoint/2010/main" xmlns:a14="http://schemas.microsoft.com/office/drawing/2010/main" w="9525">
+                <a14:hiddenLine xmlns:a14="http://schemas.microsoft.com/office/drawing/2010/main" xmlns:p14="http://schemas.microsoft.com/office/powerpoint/2010/main" xmlns:a16="http://schemas.microsoft.com/office/drawing/2014/main" xmlns="" w="9525">
                   <a:solidFill>
                     <a:srgbClr val="000000"/>
                   </a:solidFill>
@@ -17558,7 +17557,7 @@
             </a:ln>
             <a:extLst>
               <a:ext uri="{91240B29-F687-4f45-9708-019B960494DF}">
-                <a14:hiddenLine xmlns="" xmlns:a16="http://schemas.microsoft.com/office/drawing/2014/main" xmlns:p14="http://schemas.microsoft.com/office/powerpoint/2010/main" xmlns:a14="http://schemas.microsoft.com/office/drawing/2010/main" w="9525">
+                <a14:hiddenLine xmlns:a14="http://schemas.microsoft.com/office/drawing/2010/main" xmlns:p14="http://schemas.microsoft.com/office/powerpoint/2010/main" xmlns:a16="http://schemas.microsoft.com/office/drawing/2014/main" xmlns="" w="9525">
                   <a:solidFill>
                     <a:srgbClr val="000000"/>
                   </a:solidFill>
@@ -17635,7 +17634,7 @@
             </a:ln>
             <a:extLst>
               <a:ext uri="{91240B29-F687-4f45-9708-019B960494DF}">
-                <a14:hiddenLine xmlns="" xmlns:a16="http://schemas.microsoft.com/office/drawing/2014/main" xmlns:p14="http://schemas.microsoft.com/office/powerpoint/2010/main" xmlns:a14="http://schemas.microsoft.com/office/drawing/2010/main" w="9525">
+                <a14:hiddenLine xmlns:a14="http://schemas.microsoft.com/office/drawing/2010/main" xmlns:p14="http://schemas.microsoft.com/office/powerpoint/2010/main" xmlns:a16="http://schemas.microsoft.com/office/drawing/2014/main" xmlns="" w="9525">
                   <a:solidFill>
                     <a:srgbClr val="000000"/>
                   </a:solidFill>
@@ -17770,7 +17769,7 @@
             </a:ln>
             <a:extLst>
               <a:ext uri="{91240B29-F687-4f45-9708-019B960494DF}">
-                <a14:hiddenLine xmlns="" xmlns:a16="http://schemas.microsoft.com/office/drawing/2014/main" xmlns:p14="http://schemas.microsoft.com/office/powerpoint/2010/main" xmlns:a14="http://schemas.microsoft.com/office/drawing/2010/main" w="9525">
+                <a14:hiddenLine xmlns:a14="http://schemas.microsoft.com/office/drawing/2010/main" xmlns:p14="http://schemas.microsoft.com/office/powerpoint/2010/main" xmlns:a16="http://schemas.microsoft.com/office/drawing/2014/main" xmlns="" w="9525">
                   <a:solidFill>
                     <a:srgbClr val="000000"/>
                   </a:solidFill>
@@ -17853,7 +17852,7 @@
             </a:ln>
             <a:extLst>
               <a:ext uri="{91240B29-F687-4f45-9708-019B960494DF}">
-                <a14:hiddenLine xmlns="" xmlns:a16="http://schemas.microsoft.com/office/drawing/2014/main" xmlns:p14="http://schemas.microsoft.com/office/powerpoint/2010/main" xmlns:a14="http://schemas.microsoft.com/office/drawing/2010/main" w="9525">
+                <a14:hiddenLine xmlns:a14="http://schemas.microsoft.com/office/drawing/2010/main" xmlns:p14="http://schemas.microsoft.com/office/powerpoint/2010/main" xmlns:a16="http://schemas.microsoft.com/office/drawing/2014/main" xmlns="" w="9525">
                   <a:solidFill>
                     <a:srgbClr val="000000"/>
                   </a:solidFill>
@@ -17958,7 +17957,7 @@
             </a:ln>
             <a:extLst>
               <a:ext uri="{91240B29-F687-4f45-9708-019B960494DF}">
-                <a14:hiddenLine xmlns="" xmlns:a16="http://schemas.microsoft.com/office/drawing/2014/main" xmlns:p14="http://schemas.microsoft.com/office/powerpoint/2010/main" xmlns:a14="http://schemas.microsoft.com/office/drawing/2010/main" w="9525">
+                <a14:hiddenLine xmlns:a14="http://schemas.microsoft.com/office/drawing/2010/main" xmlns:p14="http://schemas.microsoft.com/office/powerpoint/2010/main" xmlns:a16="http://schemas.microsoft.com/office/drawing/2014/main" xmlns="" w="9525">
                   <a:solidFill>
                     <a:srgbClr val="000000"/>
                   </a:solidFill>
@@ -18026,7 +18025,7 @@
           <a:noFill/>
           <a:extLst>
             <a:ext uri="{909E8E84-426E-40dd-AFC4-6F175D3DCCD1}">
-              <a14:hiddenFill xmlns="" xmlns:a16="http://schemas.microsoft.com/office/drawing/2014/main" xmlns:p14="http://schemas.microsoft.com/office/powerpoint/2010/main" xmlns:a14="http://schemas.microsoft.com/office/drawing/2010/main">
+              <a14:hiddenFill xmlns:a14="http://schemas.microsoft.com/office/drawing/2010/main" xmlns:p14="http://schemas.microsoft.com/office/powerpoint/2010/main" xmlns:a16="http://schemas.microsoft.com/office/drawing/2014/main" xmlns="">
                 <a:solidFill>
                   <a:srgbClr val="FFFFFF"/>
                 </a:solidFill>
@@ -20548,7 +20547,7 @@
             <a:noFill/>
             <a:extLst>
               <a:ext uri="{909E8E84-426E-40dd-AFC4-6F175D3DCCD1}">
-                <a14:hiddenFill xmlns="" xmlns:a16="http://schemas.microsoft.com/office/drawing/2014/main" xmlns:a14="http://schemas.microsoft.com/office/drawing/2010/main" xmlns:p14="http://schemas.microsoft.com/office/powerpoint/2010/main">
+                <a14:hiddenFill xmlns:p14="http://schemas.microsoft.com/office/powerpoint/2010/main" xmlns:a14="http://schemas.microsoft.com/office/drawing/2010/main" xmlns:a16="http://schemas.microsoft.com/office/drawing/2014/main" xmlns="">
                   <a:solidFill>
                     <a:srgbClr val="FFFFFF"/>
                   </a:solidFill>
@@ -20632,7 +20631,7 @@
             </a:ln>
             <a:extLst>
               <a:ext uri="{91240B29-F687-4f45-9708-019B960494DF}">
-                <a14:hiddenLine xmlns="" xmlns:a16="http://schemas.microsoft.com/office/drawing/2014/main" xmlns:a14="http://schemas.microsoft.com/office/drawing/2010/main" xmlns:p14="http://schemas.microsoft.com/office/powerpoint/2010/main" w="9525">
+                <a14:hiddenLine xmlns:p14="http://schemas.microsoft.com/office/powerpoint/2010/main" xmlns:a14="http://schemas.microsoft.com/office/drawing/2010/main" xmlns:a16="http://schemas.microsoft.com/office/drawing/2014/main" xmlns="" w="9525">
                   <a:solidFill>
                     <a:srgbClr val="000000"/>
                   </a:solidFill>
@@ -20737,7 +20736,7 @@
             </a:ln>
             <a:extLst>
               <a:ext uri="{91240B29-F687-4f45-9708-019B960494DF}">
-                <a14:hiddenLine xmlns="" xmlns:a16="http://schemas.microsoft.com/office/drawing/2014/main" xmlns:a14="http://schemas.microsoft.com/office/drawing/2010/main" xmlns:p14="http://schemas.microsoft.com/office/powerpoint/2010/main" w="9525">
+                <a14:hiddenLine xmlns:p14="http://schemas.microsoft.com/office/powerpoint/2010/main" xmlns:a14="http://schemas.microsoft.com/office/drawing/2010/main" xmlns:a16="http://schemas.microsoft.com/office/drawing/2014/main" xmlns="" w="9525">
                   <a:solidFill>
                     <a:srgbClr val="000000"/>
                   </a:solidFill>
@@ -20842,7 +20841,7 @@
             </a:ln>
             <a:extLst>
               <a:ext uri="{91240B29-F687-4f45-9708-019B960494DF}">
-                <a14:hiddenLine xmlns="" xmlns:a16="http://schemas.microsoft.com/office/drawing/2014/main" xmlns:a14="http://schemas.microsoft.com/office/drawing/2010/main" xmlns:p14="http://schemas.microsoft.com/office/powerpoint/2010/main" w="9525">
+                <a14:hiddenLine xmlns:p14="http://schemas.microsoft.com/office/powerpoint/2010/main" xmlns:a14="http://schemas.microsoft.com/office/drawing/2010/main" xmlns:a16="http://schemas.microsoft.com/office/drawing/2014/main" xmlns="" w="9525">
                   <a:solidFill>
                     <a:srgbClr val="000000"/>
                   </a:solidFill>
@@ -20891,7 +20890,7 @@
             </a:ln>
             <a:extLst>
               <a:ext uri="{91240B29-F687-4f45-9708-019B960494DF}">
-                <a14:hiddenLine xmlns="" xmlns:a16="http://schemas.microsoft.com/office/drawing/2014/main" xmlns:a14="http://schemas.microsoft.com/office/drawing/2010/main" xmlns:p14="http://schemas.microsoft.com/office/powerpoint/2010/main" w="9525">
+                <a14:hiddenLine xmlns:p14="http://schemas.microsoft.com/office/powerpoint/2010/main" xmlns:a14="http://schemas.microsoft.com/office/drawing/2010/main" xmlns:a16="http://schemas.microsoft.com/office/drawing/2014/main" xmlns="" w="9525">
                   <a:solidFill>
                     <a:srgbClr val="000000"/>
                   </a:solidFill>
@@ -20996,7 +20995,7 @@
             </a:ln>
             <a:extLst>
               <a:ext uri="{91240B29-F687-4f45-9708-019B960494DF}">
-                <a14:hiddenLine xmlns="" xmlns:a16="http://schemas.microsoft.com/office/drawing/2014/main" xmlns:a14="http://schemas.microsoft.com/office/drawing/2010/main" xmlns:p14="http://schemas.microsoft.com/office/powerpoint/2010/main" w="9525">
+                <a14:hiddenLine xmlns:p14="http://schemas.microsoft.com/office/powerpoint/2010/main" xmlns:a14="http://schemas.microsoft.com/office/drawing/2010/main" xmlns:a16="http://schemas.microsoft.com/office/drawing/2014/main" xmlns="" w="9525">
                   <a:solidFill>
                     <a:srgbClr val="000000"/>
                   </a:solidFill>
@@ -21073,7 +21072,7 @@
             </a:ln>
             <a:extLst>
               <a:ext uri="{91240B29-F687-4f45-9708-019B960494DF}">
-                <a14:hiddenLine xmlns="" xmlns:a16="http://schemas.microsoft.com/office/drawing/2014/main" xmlns:a14="http://schemas.microsoft.com/office/drawing/2010/main" xmlns:p14="http://schemas.microsoft.com/office/powerpoint/2010/main" w="9525">
+                <a14:hiddenLine xmlns:p14="http://schemas.microsoft.com/office/powerpoint/2010/main" xmlns:a14="http://schemas.microsoft.com/office/drawing/2010/main" xmlns:a16="http://schemas.microsoft.com/office/drawing/2014/main" xmlns="" w="9525">
                   <a:solidFill>
                     <a:srgbClr val="000000"/>
                   </a:solidFill>
@@ -21150,7 +21149,7 @@
             </a:ln>
             <a:extLst>
               <a:ext uri="{91240B29-F687-4f45-9708-019B960494DF}">
-                <a14:hiddenLine xmlns="" xmlns:a16="http://schemas.microsoft.com/office/drawing/2014/main" xmlns:a14="http://schemas.microsoft.com/office/drawing/2010/main" xmlns:p14="http://schemas.microsoft.com/office/powerpoint/2010/main" w="9525">
+                <a14:hiddenLine xmlns:p14="http://schemas.microsoft.com/office/powerpoint/2010/main" xmlns:a14="http://schemas.microsoft.com/office/drawing/2010/main" xmlns:a16="http://schemas.microsoft.com/office/drawing/2014/main" xmlns="" w="9525">
                   <a:solidFill>
                     <a:srgbClr val="000000"/>
                   </a:solidFill>
@@ -21255,7 +21254,7 @@
             </a:ln>
             <a:extLst>
               <a:ext uri="{91240B29-F687-4f45-9708-019B960494DF}">
-                <a14:hiddenLine xmlns="" xmlns:a16="http://schemas.microsoft.com/office/drawing/2014/main" xmlns:a14="http://schemas.microsoft.com/office/drawing/2010/main" xmlns:p14="http://schemas.microsoft.com/office/powerpoint/2010/main" w="9525">
+                <a14:hiddenLine xmlns:p14="http://schemas.microsoft.com/office/powerpoint/2010/main" xmlns:a14="http://schemas.microsoft.com/office/drawing/2010/main" xmlns:a16="http://schemas.microsoft.com/office/drawing/2014/main" xmlns="" w="9525">
                   <a:solidFill>
                     <a:srgbClr val="000000"/>
                   </a:solidFill>
@@ -21332,7 +21331,7 @@
             </a:ln>
             <a:extLst>
               <a:ext uri="{91240B29-F687-4f45-9708-019B960494DF}">
-                <a14:hiddenLine xmlns="" xmlns:a16="http://schemas.microsoft.com/office/drawing/2014/main" xmlns:a14="http://schemas.microsoft.com/office/drawing/2010/main" xmlns:p14="http://schemas.microsoft.com/office/powerpoint/2010/main" w="9525">
+                <a14:hiddenLine xmlns:p14="http://schemas.microsoft.com/office/powerpoint/2010/main" xmlns:a14="http://schemas.microsoft.com/office/drawing/2010/main" xmlns:a16="http://schemas.microsoft.com/office/drawing/2014/main" xmlns="" w="9525">
                   <a:solidFill>
                     <a:srgbClr val="000000"/>
                   </a:solidFill>
@@ -21409,7 +21408,7 @@
             </a:ln>
             <a:extLst>
               <a:ext uri="{91240B29-F687-4f45-9708-019B960494DF}">
-                <a14:hiddenLine xmlns="" xmlns:a16="http://schemas.microsoft.com/office/drawing/2014/main" xmlns:a14="http://schemas.microsoft.com/office/drawing/2010/main" xmlns:p14="http://schemas.microsoft.com/office/powerpoint/2010/main" w="9525">
+                <a14:hiddenLine xmlns:p14="http://schemas.microsoft.com/office/powerpoint/2010/main" xmlns:a14="http://schemas.microsoft.com/office/drawing/2010/main" xmlns:a16="http://schemas.microsoft.com/office/drawing/2014/main" xmlns="" w="9525">
                   <a:solidFill>
                     <a:srgbClr val="000000"/>
                   </a:solidFill>
@@ -21514,7 +21513,7 @@
             </a:ln>
             <a:extLst>
               <a:ext uri="{91240B29-F687-4f45-9708-019B960494DF}">
-                <a14:hiddenLine xmlns="" xmlns:a16="http://schemas.microsoft.com/office/drawing/2014/main" xmlns:a14="http://schemas.microsoft.com/office/drawing/2010/main" xmlns:p14="http://schemas.microsoft.com/office/powerpoint/2010/main" w="9525">
+                <a14:hiddenLine xmlns:p14="http://schemas.microsoft.com/office/powerpoint/2010/main" xmlns:a14="http://schemas.microsoft.com/office/drawing/2010/main" xmlns:a16="http://schemas.microsoft.com/office/drawing/2014/main" xmlns="" w="9525">
                   <a:solidFill>
                     <a:srgbClr val="000000"/>
                   </a:solidFill>
@@ -21619,7 +21618,7 @@
             </a:ln>
             <a:extLst>
               <a:ext uri="{91240B29-F687-4f45-9708-019B960494DF}">
-                <a14:hiddenLine xmlns="" xmlns:a16="http://schemas.microsoft.com/office/drawing/2014/main" xmlns:a14="http://schemas.microsoft.com/office/drawing/2010/main" xmlns:p14="http://schemas.microsoft.com/office/powerpoint/2010/main" w="9525">
+                <a14:hiddenLine xmlns:p14="http://schemas.microsoft.com/office/powerpoint/2010/main" xmlns:a14="http://schemas.microsoft.com/office/drawing/2010/main" xmlns:a16="http://schemas.microsoft.com/office/drawing/2014/main" xmlns="" w="9525">
                   <a:solidFill>
                     <a:srgbClr val="000000"/>
                   </a:solidFill>
@@ -21696,7 +21695,7 @@
             </a:ln>
             <a:extLst>
               <a:ext uri="{91240B29-F687-4f45-9708-019B960494DF}">
-                <a14:hiddenLine xmlns="" xmlns:a16="http://schemas.microsoft.com/office/drawing/2014/main" xmlns:a14="http://schemas.microsoft.com/office/drawing/2010/main" xmlns:p14="http://schemas.microsoft.com/office/powerpoint/2010/main" w="9525">
+                <a14:hiddenLine xmlns:p14="http://schemas.microsoft.com/office/powerpoint/2010/main" xmlns:a14="http://schemas.microsoft.com/office/drawing/2010/main" xmlns:a16="http://schemas.microsoft.com/office/drawing/2014/main" xmlns="" w="9525">
                   <a:solidFill>
                     <a:srgbClr val="000000"/>
                   </a:solidFill>
@@ -21821,7 +21820,7 @@
             </a:ln>
             <a:extLst>
               <a:ext uri="{91240B29-F687-4f45-9708-019B960494DF}">
-                <a14:hiddenLine xmlns="" xmlns:a16="http://schemas.microsoft.com/office/drawing/2014/main" xmlns:a14="http://schemas.microsoft.com/office/drawing/2010/main" xmlns:p14="http://schemas.microsoft.com/office/powerpoint/2010/main" w="9525">
+                <a14:hiddenLine xmlns:p14="http://schemas.microsoft.com/office/powerpoint/2010/main" xmlns:a14="http://schemas.microsoft.com/office/drawing/2010/main" xmlns:a16="http://schemas.microsoft.com/office/drawing/2014/main" xmlns="" w="9525">
                   <a:solidFill>
                     <a:srgbClr val="000000"/>
                   </a:solidFill>
@@ -21898,7 +21897,7 @@
             </a:ln>
             <a:extLst>
               <a:ext uri="{91240B29-F687-4f45-9708-019B960494DF}">
-                <a14:hiddenLine xmlns="" xmlns:a16="http://schemas.microsoft.com/office/drawing/2014/main" xmlns:a14="http://schemas.microsoft.com/office/drawing/2010/main" xmlns:p14="http://schemas.microsoft.com/office/powerpoint/2010/main" w="9525">
+                <a14:hiddenLine xmlns:p14="http://schemas.microsoft.com/office/powerpoint/2010/main" xmlns:a14="http://schemas.microsoft.com/office/drawing/2010/main" xmlns:a16="http://schemas.microsoft.com/office/drawing/2014/main" xmlns="" w="9525">
                   <a:solidFill>
                     <a:srgbClr val="000000"/>
                   </a:solidFill>
@@ -22003,7 +22002,7 @@
             </a:ln>
             <a:extLst>
               <a:ext uri="{91240B29-F687-4f45-9708-019B960494DF}">
-                <a14:hiddenLine xmlns="" xmlns:a16="http://schemas.microsoft.com/office/drawing/2014/main" xmlns:a14="http://schemas.microsoft.com/office/drawing/2010/main" xmlns:p14="http://schemas.microsoft.com/office/powerpoint/2010/main" w="9525">
+                <a14:hiddenLine xmlns:p14="http://schemas.microsoft.com/office/powerpoint/2010/main" xmlns:a14="http://schemas.microsoft.com/office/drawing/2010/main" xmlns:a16="http://schemas.microsoft.com/office/drawing/2014/main" xmlns="" w="9525">
                   <a:solidFill>
                     <a:srgbClr val="000000"/>
                   </a:solidFill>
@@ -22108,7 +22107,7 @@
             </a:ln>
             <a:extLst>
               <a:ext uri="{91240B29-F687-4f45-9708-019B960494DF}">
-                <a14:hiddenLine xmlns="" xmlns:a16="http://schemas.microsoft.com/office/drawing/2014/main" xmlns:a14="http://schemas.microsoft.com/office/drawing/2010/main" xmlns:p14="http://schemas.microsoft.com/office/powerpoint/2010/main" w="9525">
+                <a14:hiddenLine xmlns:p14="http://schemas.microsoft.com/office/powerpoint/2010/main" xmlns:a14="http://schemas.microsoft.com/office/drawing/2010/main" xmlns:a16="http://schemas.microsoft.com/office/drawing/2014/main" xmlns="" w="9525">
                   <a:solidFill>
                     <a:srgbClr val="000000"/>
                   </a:solidFill>
@@ -22185,7 +22184,7 @@
             </a:ln>
             <a:extLst>
               <a:ext uri="{91240B29-F687-4f45-9708-019B960494DF}">
-                <a14:hiddenLine xmlns="" xmlns:a16="http://schemas.microsoft.com/office/drawing/2014/main" xmlns:a14="http://schemas.microsoft.com/office/drawing/2010/main" xmlns:p14="http://schemas.microsoft.com/office/powerpoint/2010/main" w="9525">
+                <a14:hiddenLine xmlns:p14="http://schemas.microsoft.com/office/powerpoint/2010/main" xmlns:a14="http://schemas.microsoft.com/office/drawing/2010/main" xmlns:a16="http://schemas.microsoft.com/office/drawing/2014/main" xmlns="" w="9525">
                   <a:solidFill>
                     <a:srgbClr val="000000"/>
                   </a:solidFill>
@@ -22290,7 +22289,7 @@
             </a:ln>
             <a:extLst>
               <a:ext uri="{91240B29-F687-4f45-9708-019B960494DF}">
-                <a14:hiddenLine xmlns="" xmlns:a16="http://schemas.microsoft.com/office/drawing/2014/main" xmlns:a14="http://schemas.microsoft.com/office/drawing/2010/main" xmlns:p14="http://schemas.microsoft.com/office/powerpoint/2010/main" w="9525">
+                <a14:hiddenLine xmlns:p14="http://schemas.microsoft.com/office/powerpoint/2010/main" xmlns:a14="http://schemas.microsoft.com/office/drawing/2010/main" xmlns:a16="http://schemas.microsoft.com/office/drawing/2014/main" xmlns="" w="9525">
                   <a:solidFill>
                     <a:srgbClr val="000000"/>
                   </a:solidFill>
@@ -22395,7 +22394,7 @@
             </a:ln>
             <a:extLst>
               <a:ext uri="{91240B29-F687-4f45-9708-019B960494DF}">
-                <a14:hiddenLine xmlns="" xmlns:a16="http://schemas.microsoft.com/office/drawing/2014/main" xmlns:a14="http://schemas.microsoft.com/office/drawing/2010/main" xmlns:p14="http://schemas.microsoft.com/office/powerpoint/2010/main" w="9525">
+                <a14:hiddenLine xmlns:p14="http://schemas.microsoft.com/office/powerpoint/2010/main" xmlns:a14="http://schemas.microsoft.com/office/drawing/2010/main" xmlns:a16="http://schemas.microsoft.com/office/drawing/2014/main" xmlns="" w="9525">
                   <a:solidFill>
                     <a:srgbClr val="000000"/>
                   </a:solidFill>
@@ -22466,7 +22465,7 @@
             </a:ln>
             <a:extLst>
               <a:ext uri="{91240B29-F687-4f45-9708-019B960494DF}">
-                <a14:hiddenLine xmlns="" xmlns:a16="http://schemas.microsoft.com/office/drawing/2014/main" xmlns:a14="http://schemas.microsoft.com/office/drawing/2010/main" xmlns:p14="http://schemas.microsoft.com/office/powerpoint/2010/main" w="9525">
+                <a14:hiddenLine xmlns:p14="http://schemas.microsoft.com/office/powerpoint/2010/main" xmlns:a14="http://schemas.microsoft.com/office/drawing/2010/main" xmlns:a16="http://schemas.microsoft.com/office/drawing/2014/main" xmlns="" w="9525">
                   <a:solidFill>
                     <a:srgbClr val="000000"/>
                   </a:solidFill>
@@ -22571,7 +22570,7 @@
             </a:ln>
             <a:extLst>
               <a:ext uri="{91240B29-F687-4f45-9708-019B960494DF}">
-                <a14:hiddenLine xmlns="" xmlns:a16="http://schemas.microsoft.com/office/drawing/2014/main" xmlns:a14="http://schemas.microsoft.com/office/drawing/2010/main" xmlns:p14="http://schemas.microsoft.com/office/powerpoint/2010/main" w="9525">
+                <a14:hiddenLine xmlns:p14="http://schemas.microsoft.com/office/powerpoint/2010/main" xmlns:a14="http://schemas.microsoft.com/office/drawing/2010/main" xmlns:a16="http://schemas.microsoft.com/office/drawing/2014/main" xmlns="" w="9525">
                   <a:solidFill>
                     <a:srgbClr val="000000"/>
                   </a:solidFill>
@@ -22642,7 +22641,7 @@
             </a:ln>
             <a:extLst>
               <a:ext uri="{91240B29-F687-4f45-9708-019B960494DF}">
-                <a14:hiddenLine xmlns="" xmlns:a16="http://schemas.microsoft.com/office/drawing/2014/main" xmlns:a14="http://schemas.microsoft.com/office/drawing/2010/main" xmlns:p14="http://schemas.microsoft.com/office/powerpoint/2010/main" w="9525">
+                <a14:hiddenLine xmlns:p14="http://schemas.microsoft.com/office/powerpoint/2010/main" xmlns:a14="http://schemas.microsoft.com/office/drawing/2010/main" xmlns:a16="http://schemas.microsoft.com/office/drawing/2014/main" xmlns="" w="9525">
                   <a:solidFill>
                     <a:srgbClr val="000000"/>
                   </a:solidFill>
@@ -22747,7 +22746,7 @@
             </a:ln>
             <a:extLst>
               <a:ext uri="{91240B29-F687-4f45-9708-019B960494DF}">
-                <a14:hiddenLine xmlns="" xmlns:a16="http://schemas.microsoft.com/office/drawing/2014/main" xmlns:a14="http://schemas.microsoft.com/office/drawing/2010/main" xmlns:p14="http://schemas.microsoft.com/office/powerpoint/2010/main" w="9525">
+                <a14:hiddenLine xmlns:p14="http://schemas.microsoft.com/office/powerpoint/2010/main" xmlns:a14="http://schemas.microsoft.com/office/drawing/2010/main" xmlns:a16="http://schemas.microsoft.com/office/drawing/2014/main" xmlns="" w="9525">
                   <a:solidFill>
                     <a:srgbClr val="000000"/>
                   </a:solidFill>
@@ -22830,7 +22829,7 @@
             </a:ln>
             <a:extLst>
               <a:ext uri="{91240B29-F687-4f45-9708-019B960494DF}">
-                <a14:hiddenLine xmlns="" xmlns:a16="http://schemas.microsoft.com/office/drawing/2014/main" xmlns:a14="http://schemas.microsoft.com/office/drawing/2010/main" xmlns:p14="http://schemas.microsoft.com/office/powerpoint/2010/main" w="9525">
+                <a14:hiddenLine xmlns:p14="http://schemas.microsoft.com/office/powerpoint/2010/main" xmlns:a14="http://schemas.microsoft.com/office/drawing/2010/main" xmlns:a16="http://schemas.microsoft.com/office/drawing/2014/main" xmlns="" w="9525">
                   <a:solidFill>
                     <a:srgbClr val="000000"/>
                   </a:solidFill>
@@ -22935,7 +22934,7 @@
             </a:ln>
             <a:extLst>
               <a:ext uri="{91240B29-F687-4f45-9708-019B960494DF}">
-                <a14:hiddenLine xmlns="" xmlns:a16="http://schemas.microsoft.com/office/drawing/2014/main" xmlns:a14="http://schemas.microsoft.com/office/drawing/2010/main" xmlns:p14="http://schemas.microsoft.com/office/powerpoint/2010/main" w="9525">
+                <a14:hiddenLine xmlns:p14="http://schemas.microsoft.com/office/powerpoint/2010/main" xmlns:a14="http://schemas.microsoft.com/office/drawing/2010/main" xmlns:a16="http://schemas.microsoft.com/office/drawing/2014/main" xmlns="" w="9525">
                   <a:solidFill>
                     <a:srgbClr val="000000"/>
                   </a:solidFill>
@@ -23018,7 +23017,7 @@
             </a:ln>
             <a:extLst>
               <a:ext uri="{91240B29-F687-4f45-9708-019B960494DF}">
-                <a14:hiddenLine xmlns="" xmlns:a16="http://schemas.microsoft.com/office/drawing/2014/main" xmlns:a14="http://schemas.microsoft.com/office/drawing/2010/main" xmlns:p14="http://schemas.microsoft.com/office/powerpoint/2010/main" w="9525">
+                <a14:hiddenLine xmlns:p14="http://schemas.microsoft.com/office/powerpoint/2010/main" xmlns:a14="http://schemas.microsoft.com/office/drawing/2010/main" xmlns:a16="http://schemas.microsoft.com/office/drawing/2014/main" xmlns="" w="9525">
                   <a:solidFill>
                     <a:srgbClr val="000000"/>
                   </a:solidFill>
@@ -23123,7 +23122,7 @@
             </a:ln>
             <a:extLst>
               <a:ext uri="{91240B29-F687-4f45-9708-019B960494DF}">
-                <a14:hiddenLine xmlns="" xmlns:a16="http://schemas.microsoft.com/office/drawing/2014/main" xmlns:a14="http://schemas.microsoft.com/office/drawing/2010/main" xmlns:p14="http://schemas.microsoft.com/office/powerpoint/2010/main" w="9525">
+                <a14:hiddenLine xmlns:p14="http://schemas.microsoft.com/office/powerpoint/2010/main" xmlns:a14="http://schemas.microsoft.com/office/drawing/2010/main" xmlns:a16="http://schemas.microsoft.com/office/drawing/2014/main" xmlns="" w="9525">
                   <a:solidFill>
                     <a:srgbClr val="000000"/>
                   </a:solidFill>
@@ -23172,7 +23171,7 @@
             </a:ln>
             <a:extLst>
               <a:ext uri="{91240B29-F687-4f45-9708-019B960494DF}">
-                <a14:hiddenLine xmlns="" xmlns:a16="http://schemas.microsoft.com/office/drawing/2014/main" xmlns:a14="http://schemas.microsoft.com/office/drawing/2010/main" xmlns:p14="http://schemas.microsoft.com/office/powerpoint/2010/main" w="9525">
+                <a14:hiddenLine xmlns:p14="http://schemas.microsoft.com/office/powerpoint/2010/main" xmlns:a14="http://schemas.microsoft.com/office/drawing/2010/main" xmlns:a16="http://schemas.microsoft.com/office/drawing/2014/main" xmlns="" w="9525">
                   <a:solidFill>
                     <a:srgbClr val="000000"/>
                   </a:solidFill>
@@ -23277,7 +23276,7 @@
             </a:ln>
             <a:extLst>
               <a:ext uri="{91240B29-F687-4f45-9708-019B960494DF}">
-                <a14:hiddenLine xmlns="" xmlns:a16="http://schemas.microsoft.com/office/drawing/2014/main" xmlns:a14="http://schemas.microsoft.com/office/drawing/2010/main" xmlns:p14="http://schemas.microsoft.com/office/powerpoint/2010/main" w="9525">
+                <a14:hiddenLine xmlns:p14="http://schemas.microsoft.com/office/powerpoint/2010/main" xmlns:a14="http://schemas.microsoft.com/office/drawing/2010/main" xmlns:a16="http://schemas.microsoft.com/office/drawing/2014/main" xmlns="" w="9525">
                   <a:solidFill>
                     <a:srgbClr val="000000"/>
                   </a:solidFill>
@@ -23354,7 +23353,7 @@
             </a:ln>
             <a:extLst>
               <a:ext uri="{91240B29-F687-4f45-9708-019B960494DF}">
-                <a14:hiddenLine xmlns="" xmlns:a16="http://schemas.microsoft.com/office/drawing/2014/main" xmlns:a14="http://schemas.microsoft.com/office/drawing/2010/main" xmlns:p14="http://schemas.microsoft.com/office/powerpoint/2010/main" w="9525">
+                <a14:hiddenLine xmlns:p14="http://schemas.microsoft.com/office/powerpoint/2010/main" xmlns:a14="http://schemas.microsoft.com/office/drawing/2010/main" xmlns:a16="http://schemas.microsoft.com/office/drawing/2014/main" xmlns="" w="9525">
                   <a:solidFill>
                     <a:srgbClr val="000000"/>
                   </a:solidFill>
@@ -23431,7 +23430,7 @@
             </a:ln>
             <a:extLst>
               <a:ext uri="{91240B29-F687-4f45-9708-019B960494DF}">
-                <a14:hiddenLine xmlns="" xmlns:a16="http://schemas.microsoft.com/office/drawing/2014/main" xmlns:a14="http://schemas.microsoft.com/office/drawing/2010/main" xmlns:p14="http://schemas.microsoft.com/office/powerpoint/2010/main" w="9525">
+                <a14:hiddenLine xmlns:p14="http://schemas.microsoft.com/office/powerpoint/2010/main" xmlns:a14="http://schemas.microsoft.com/office/drawing/2010/main" xmlns:a16="http://schemas.microsoft.com/office/drawing/2014/main" xmlns="" w="9525">
                   <a:solidFill>
                     <a:srgbClr val="000000"/>
                   </a:solidFill>
@@ -23536,7 +23535,7 @@
             </a:ln>
             <a:extLst>
               <a:ext uri="{91240B29-F687-4f45-9708-019B960494DF}">
-                <a14:hiddenLine xmlns="" xmlns:a16="http://schemas.microsoft.com/office/drawing/2014/main" xmlns:a14="http://schemas.microsoft.com/office/drawing/2010/main" xmlns:p14="http://schemas.microsoft.com/office/powerpoint/2010/main" w="9525">
+                <a14:hiddenLine xmlns:p14="http://schemas.microsoft.com/office/powerpoint/2010/main" xmlns:a14="http://schemas.microsoft.com/office/drawing/2010/main" xmlns:a16="http://schemas.microsoft.com/office/drawing/2014/main" xmlns="" w="9525">
                   <a:solidFill>
                     <a:srgbClr val="000000"/>
                   </a:solidFill>
@@ -23619,7 +23618,7 @@
             </a:ln>
             <a:extLst>
               <a:ext uri="{91240B29-F687-4f45-9708-019B960494DF}">
-                <a14:hiddenLine xmlns="" xmlns:a16="http://schemas.microsoft.com/office/drawing/2014/main" xmlns:a14="http://schemas.microsoft.com/office/drawing/2010/main" xmlns:p14="http://schemas.microsoft.com/office/powerpoint/2010/main" w="9525">
+                <a14:hiddenLine xmlns:p14="http://schemas.microsoft.com/office/powerpoint/2010/main" xmlns:a14="http://schemas.microsoft.com/office/drawing/2010/main" xmlns:a16="http://schemas.microsoft.com/office/drawing/2014/main" xmlns="" w="9525">
                   <a:solidFill>
                     <a:srgbClr val="000000"/>
                   </a:solidFill>
@@ -23696,7 +23695,7 @@
             </a:ln>
             <a:extLst>
               <a:ext uri="{91240B29-F687-4f45-9708-019B960494DF}">
-                <a14:hiddenLine xmlns="" xmlns:a16="http://schemas.microsoft.com/office/drawing/2014/main" xmlns:a14="http://schemas.microsoft.com/office/drawing/2010/main" xmlns:p14="http://schemas.microsoft.com/office/powerpoint/2010/main" w="9525">
+                <a14:hiddenLine xmlns:p14="http://schemas.microsoft.com/office/powerpoint/2010/main" xmlns:a14="http://schemas.microsoft.com/office/drawing/2010/main" xmlns:a16="http://schemas.microsoft.com/office/drawing/2014/main" xmlns="" w="9525">
                   <a:solidFill>
                     <a:srgbClr val="000000"/>
                   </a:solidFill>
@@ -23801,7 +23800,7 @@
             </a:ln>
             <a:extLst>
               <a:ext uri="{91240B29-F687-4f45-9708-019B960494DF}">
-                <a14:hiddenLine xmlns="" xmlns:a16="http://schemas.microsoft.com/office/drawing/2014/main" xmlns:a14="http://schemas.microsoft.com/office/drawing/2010/main" xmlns:p14="http://schemas.microsoft.com/office/powerpoint/2010/main" w="9525">
+                <a14:hiddenLine xmlns:p14="http://schemas.microsoft.com/office/powerpoint/2010/main" xmlns:a14="http://schemas.microsoft.com/office/drawing/2010/main" xmlns:a16="http://schemas.microsoft.com/office/drawing/2014/main" xmlns="" w="9525">
                   <a:solidFill>
                     <a:srgbClr val="000000"/>
                   </a:solidFill>
@@ -23878,7 +23877,7 @@
             </a:ln>
             <a:extLst>
               <a:ext uri="{91240B29-F687-4f45-9708-019B960494DF}">
-                <a14:hiddenLine xmlns="" xmlns:a16="http://schemas.microsoft.com/office/drawing/2014/main" xmlns:a14="http://schemas.microsoft.com/office/drawing/2010/main" xmlns:p14="http://schemas.microsoft.com/office/powerpoint/2010/main" w="9525">
+                <a14:hiddenLine xmlns:p14="http://schemas.microsoft.com/office/powerpoint/2010/main" xmlns:a14="http://schemas.microsoft.com/office/drawing/2010/main" xmlns:a16="http://schemas.microsoft.com/office/drawing/2014/main" xmlns="" w="9525">
                   <a:solidFill>
                     <a:srgbClr val="000000"/>
                   </a:solidFill>
@@ -23983,7 +23982,7 @@
             </a:ln>
             <a:extLst>
               <a:ext uri="{91240B29-F687-4f45-9708-019B960494DF}">
-                <a14:hiddenLine xmlns="" xmlns:a16="http://schemas.microsoft.com/office/drawing/2014/main" xmlns:a14="http://schemas.microsoft.com/office/drawing/2010/main" xmlns:p14="http://schemas.microsoft.com/office/powerpoint/2010/main" w="9525">
+                <a14:hiddenLine xmlns:p14="http://schemas.microsoft.com/office/powerpoint/2010/main" xmlns:a14="http://schemas.microsoft.com/office/drawing/2010/main" xmlns:a16="http://schemas.microsoft.com/office/drawing/2014/main" xmlns="" w="9525">
                   <a:solidFill>
                     <a:srgbClr val="000000"/>
                   </a:solidFill>
@@ -24060,7 +24059,7 @@
             </a:ln>
             <a:extLst>
               <a:ext uri="{91240B29-F687-4f45-9708-019B960494DF}">
-                <a14:hiddenLine xmlns="" xmlns:a16="http://schemas.microsoft.com/office/drawing/2014/main" xmlns:a14="http://schemas.microsoft.com/office/drawing/2010/main" xmlns:p14="http://schemas.microsoft.com/office/powerpoint/2010/main" w="9525">
+                <a14:hiddenLine xmlns:p14="http://schemas.microsoft.com/office/powerpoint/2010/main" xmlns:a14="http://schemas.microsoft.com/office/drawing/2010/main" xmlns:a16="http://schemas.microsoft.com/office/drawing/2014/main" xmlns="" w="9525">
                   <a:solidFill>
                     <a:srgbClr val="000000"/>
                   </a:solidFill>
@@ -24165,7 +24164,7 @@
             </a:ln>
             <a:extLst>
               <a:ext uri="{91240B29-F687-4f45-9708-019B960494DF}">
-                <a14:hiddenLine xmlns="" xmlns:a16="http://schemas.microsoft.com/office/drawing/2014/main" xmlns:a14="http://schemas.microsoft.com/office/drawing/2010/main" xmlns:p14="http://schemas.microsoft.com/office/powerpoint/2010/main" w="9525">
+                <a14:hiddenLine xmlns:p14="http://schemas.microsoft.com/office/powerpoint/2010/main" xmlns:a14="http://schemas.microsoft.com/office/drawing/2010/main" xmlns:a16="http://schemas.microsoft.com/office/drawing/2014/main" xmlns="" w="9525">
                   <a:solidFill>
                     <a:srgbClr val="000000"/>
                   </a:solidFill>
@@ -24214,7 +24213,7 @@
             </a:ln>
             <a:extLst>
               <a:ext uri="{91240B29-F687-4f45-9708-019B960494DF}">
-                <a14:hiddenLine xmlns="" xmlns:a16="http://schemas.microsoft.com/office/drawing/2014/main" xmlns:a14="http://schemas.microsoft.com/office/drawing/2010/main" xmlns:p14="http://schemas.microsoft.com/office/powerpoint/2010/main" w="9525">
+                <a14:hiddenLine xmlns:p14="http://schemas.microsoft.com/office/powerpoint/2010/main" xmlns:a14="http://schemas.microsoft.com/office/drawing/2010/main" xmlns:a16="http://schemas.microsoft.com/office/drawing/2014/main" xmlns="" w="9525">
                   <a:solidFill>
                     <a:srgbClr val="000000"/>
                   </a:solidFill>
@@ -24294,7 +24293,7 @@
             </a:ln>
             <a:extLst>
               <a:ext uri="{91240B29-F687-4f45-9708-019B960494DF}">
-                <a14:hiddenLine xmlns="" xmlns:a16="http://schemas.microsoft.com/office/drawing/2014/main" xmlns:a14="http://schemas.microsoft.com/office/drawing/2010/main" xmlns:p14="http://schemas.microsoft.com/office/powerpoint/2010/main" w="9525">
+                <a14:hiddenLine xmlns:p14="http://schemas.microsoft.com/office/powerpoint/2010/main" xmlns:a14="http://schemas.microsoft.com/office/drawing/2010/main" xmlns:a16="http://schemas.microsoft.com/office/drawing/2014/main" xmlns="" w="9525">
                   <a:solidFill>
                     <a:srgbClr val="000000"/>
                   </a:solidFill>
@@ -24399,7 +24398,7 @@
             </a:ln>
             <a:extLst>
               <a:ext uri="{91240B29-F687-4f45-9708-019B960494DF}">
-                <a14:hiddenLine xmlns="" xmlns:a16="http://schemas.microsoft.com/office/drawing/2014/main" xmlns:a14="http://schemas.microsoft.com/office/drawing/2010/main" xmlns:p14="http://schemas.microsoft.com/office/powerpoint/2010/main" w="9525">
+                <a14:hiddenLine xmlns:p14="http://schemas.microsoft.com/office/powerpoint/2010/main" xmlns:a14="http://schemas.microsoft.com/office/drawing/2010/main" xmlns:a16="http://schemas.microsoft.com/office/drawing/2014/main" xmlns="" w="9525">
                   <a:solidFill>
                     <a:srgbClr val="000000"/>
                   </a:solidFill>
@@ -24476,7 +24475,7 @@
             </a:ln>
             <a:extLst>
               <a:ext uri="{91240B29-F687-4f45-9708-019B960494DF}">
-                <a14:hiddenLine xmlns="" xmlns:a16="http://schemas.microsoft.com/office/drawing/2014/main" xmlns:a14="http://schemas.microsoft.com/office/drawing/2010/main" xmlns:p14="http://schemas.microsoft.com/office/powerpoint/2010/main" w="9525">
+                <a14:hiddenLine xmlns:p14="http://schemas.microsoft.com/office/powerpoint/2010/main" xmlns:a14="http://schemas.microsoft.com/office/drawing/2010/main" xmlns:a16="http://schemas.microsoft.com/office/drawing/2014/main" xmlns="" w="9525">
                   <a:solidFill>
                     <a:srgbClr val="000000"/>
                   </a:solidFill>
@@ -24581,7 +24580,7 @@
             </a:ln>
             <a:extLst>
               <a:ext uri="{91240B29-F687-4f45-9708-019B960494DF}">
-                <a14:hiddenLine xmlns="" xmlns:a16="http://schemas.microsoft.com/office/drawing/2014/main" xmlns:a14="http://schemas.microsoft.com/office/drawing/2010/main" xmlns:p14="http://schemas.microsoft.com/office/powerpoint/2010/main" w="9525">
+                <a14:hiddenLine xmlns:p14="http://schemas.microsoft.com/office/powerpoint/2010/main" xmlns:a14="http://schemas.microsoft.com/office/drawing/2010/main" xmlns:a16="http://schemas.microsoft.com/office/drawing/2014/main" xmlns="" w="9525">
                   <a:solidFill>
                     <a:srgbClr val="000000"/>
                   </a:solidFill>
@@ -24686,7 +24685,7 @@
             </a:ln>
             <a:extLst>
               <a:ext uri="{91240B29-F687-4f45-9708-019B960494DF}">
-                <a14:hiddenLine xmlns="" xmlns:a16="http://schemas.microsoft.com/office/drawing/2014/main" xmlns:a14="http://schemas.microsoft.com/office/drawing/2010/main" xmlns:p14="http://schemas.microsoft.com/office/powerpoint/2010/main" w="9525">
+                <a14:hiddenLine xmlns:p14="http://schemas.microsoft.com/office/powerpoint/2010/main" xmlns:a14="http://schemas.microsoft.com/office/drawing/2010/main" xmlns:a16="http://schemas.microsoft.com/office/drawing/2014/main" xmlns="" w="9525">
                   <a:solidFill>
                     <a:srgbClr val="000000"/>
                   </a:solidFill>
@@ -24766,7 +24765,7 @@
             </a:ln>
             <a:extLst>
               <a:ext uri="{91240B29-F687-4f45-9708-019B960494DF}">
-                <a14:hiddenLine xmlns="" xmlns:a16="http://schemas.microsoft.com/office/drawing/2014/main" xmlns:a14="http://schemas.microsoft.com/office/drawing/2010/main" xmlns:p14="http://schemas.microsoft.com/office/powerpoint/2010/main" w="9525">
+                <a14:hiddenLine xmlns:p14="http://schemas.microsoft.com/office/powerpoint/2010/main" xmlns:a14="http://schemas.microsoft.com/office/drawing/2010/main" xmlns:a16="http://schemas.microsoft.com/office/drawing/2014/main" xmlns="" w="9525">
                   <a:solidFill>
                     <a:srgbClr val="000000"/>
                   </a:solidFill>
@@ -24843,7 +24842,7 @@
             </a:ln>
             <a:extLst>
               <a:ext uri="{91240B29-F687-4f45-9708-019B960494DF}">
-                <a14:hiddenLine xmlns="" xmlns:a16="http://schemas.microsoft.com/office/drawing/2014/main" xmlns:a14="http://schemas.microsoft.com/office/drawing/2010/main" xmlns:p14="http://schemas.microsoft.com/office/powerpoint/2010/main" w="9525">
+                <a14:hiddenLine xmlns:p14="http://schemas.microsoft.com/office/powerpoint/2010/main" xmlns:a14="http://schemas.microsoft.com/office/drawing/2010/main" xmlns:a16="http://schemas.microsoft.com/office/drawing/2014/main" xmlns="" w="9525">
                   <a:solidFill>
                     <a:srgbClr val="000000"/>
                   </a:solidFill>
@@ -24948,7 +24947,7 @@
             </a:ln>
             <a:extLst>
               <a:ext uri="{91240B29-F687-4f45-9708-019B960494DF}">
-                <a14:hiddenLine xmlns="" xmlns:a16="http://schemas.microsoft.com/office/drawing/2014/main" xmlns:a14="http://schemas.microsoft.com/office/drawing/2010/main" xmlns:p14="http://schemas.microsoft.com/office/powerpoint/2010/main" w="9525">
+                <a14:hiddenLine xmlns:p14="http://schemas.microsoft.com/office/powerpoint/2010/main" xmlns:a14="http://schemas.microsoft.com/office/drawing/2010/main" xmlns:a16="http://schemas.microsoft.com/office/drawing/2014/main" xmlns="" w="9525">
                   <a:solidFill>
                     <a:srgbClr val="000000"/>
                   </a:solidFill>
@@ -25053,7 +25052,7 @@
             </a:ln>
             <a:extLst>
               <a:ext uri="{91240B29-F687-4f45-9708-019B960494DF}">
-                <a14:hiddenLine xmlns="" xmlns:a16="http://schemas.microsoft.com/office/drawing/2014/main" xmlns:a14="http://schemas.microsoft.com/office/drawing/2010/main" xmlns:p14="http://schemas.microsoft.com/office/powerpoint/2010/main" w="9525">
+                <a14:hiddenLine xmlns:p14="http://schemas.microsoft.com/office/powerpoint/2010/main" xmlns:a14="http://schemas.microsoft.com/office/drawing/2010/main" xmlns:a16="http://schemas.microsoft.com/office/drawing/2014/main" xmlns="" w="9525">
                   <a:solidFill>
                     <a:srgbClr val="000000"/>
                   </a:solidFill>
@@ -25130,7 +25129,7 @@
             </a:ln>
             <a:extLst>
               <a:ext uri="{91240B29-F687-4f45-9708-019B960494DF}">
-                <a14:hiddenLine xmlns="" xmlns:a16="http://schemas.microsoft.com/office/drawing/2014/main" xmlns:a14="http://schemas.microsoft.com/office/drawing/2010/main" xmlns:p14="http://schemas.microsoft.com/office/powerpoint/2010/main" w="9525">
+                <a14:hiddenLine xmlns:p14="http://schemas.microsoft.com/office/powerpoint/2010/main" xmlns:a14="http://schemas.microsoft.com/office/drawing/2010/main" xmlns:a16="http://schemas.microsoft.com/office/drawing/2014/main" xmlns="" w="9525">
                   <a:solidFill>
                     <a:srgbClr val="000000"/>
                   </a:solidFill>
@@ -25265,7 +25264,7 @@
             </a:ln>
             <a:extLst>
               <a:ext uri="{91240B29-F687-4f45-9708-019B960494DF}">
-                <a14:hiddenLine xmlns="" xmlns:a16="http://schemas.microsoft.com/office/drawing/2014/main" xmlns:a14="http://schemas.microsoft.com/office/drawing/2010/main" xmlns:p14="http://schemas.microsoft.com/office/powerpoint/2010/main" w="9525">
+                <a14:hiddenLine xmlns:p14="http://schemas.microsoft.com/office/powerpoint/2010/main" xmlns:a14="http://schemas.microsoft.com/office/drawing/2010/main" xmlns:a16="http://schemas.microsoft.com/office/drawing/2014/main" xmlns="" w="9525">
                   <a:solidFill>
                     <a:srgbClr val="000000"/>
                   </a:solidFill>
@@ -25348,7 +25347,7 @@
             </a:ln>
             <a:extLst>
               <a:ext uri="{91240B29-F687-4f45-9708-019B960494DF}">
-                <a14:hiddenLine xmlns="" xmlns:a16="http://schemas.microsoft.com/office/drawing/2014/main" xmlns:a14="http://schemas.microsoft.com/office/drawing/2010/main" xmlns:p14="http://schemas.microsoft.com/office/powerpoint/2010/main" w="9525">
+                <a14:hiddenLine xmlns:p14="http://schemas.microsoft.com/office/powerpoint/2010/main" xmlns:a14="http://schemas.microsoft.com/office/drawing/2010/main" xmlns:a16="http://schemas.microsoft.com/office/drawing/2014/main" xmlns="" w="9525">
                   <a:solidFill>
                     <a:srgbClr val="000000"/>
                   </a:solidFill>
@@ -25453,7 +25452,7 @@
             </a:ln>
             <a:extLst>
               <a:ext uri="{91240B29-F687-4f45-9708-019B960494DF}">
-                <a14:hiddenLine xmlns="" xmlns:a16="http://schemas.microsoft.com/office/drawing/2014/main" xmlns:a14="http://schemas.microsoft.com/office/drawing/2010/main" xmlns:p14="http://schemas.microsoft.com/office/powerpoint/2010/main" w="9525">
+                <a14:hiddenLine xmlns:p14="http://schemas.microsoft.com/office/powerpoint/2010/main" xmlns:a14="http://schemas.microsoft.com/office/drawing/2010/main" xmlns:a16="http://schemas.microsoft.com/office/drawing/2014/main" xmlns="" w="9525">
                   <a:solidFill>
                     <a:srgbClr val="000000"/>
                   </a:solidFill>
@@ -25726,107 +25725,6 @@
     <p:extLst>
       <p:ext uri="{BB962C8B-B14F-4D97-AF65-F5344CB8AC3E}">
         <p14:creationId xmlns:p14="http://schemas.microsoft.com/office/powerpoint/2010/main" val="1077572526"/>
-      </p:ext>
-    </p:extLst>
-  </p:cSld>
-  <p:clrMapOvr>
-    <a:masterClrMapping/>
-  </p:clrMapOvr>
-</p:sld>
-</file>
-
-<file path=ppt/slides/slide22.xml><?xml version="1.0" encoding="utf-8"?>
-<p:sld xmlns:a="http://schemas.openxmlformats.org/drawingml/2006/main" xmlns:r="http://schemas.openxmlformats.org/officeDocument/2006/relationships" xmlns:p="http://schemas.openxmlformats.org/presentationml/2006/main">
-  <p:cSld>
-    <p:spTree>
-      <p:nvGrpSpPr>
-        <p:cNvPr id="1" name=""/>
-        <p:cNvGrpSpPr/>
-        <p:nvPr/>
-      </p:nvGrpSpPr>
-      <p:grpSpPr>
-        <a:xfrm>
-          <a:off x="0" y="0"/>
-          <a:ext cx="0" cy="0"/>
-          <a:chOff x="0" y="0"/>
-          <a:chExt cx="0" cy="0"/>
-        </a:xfrm>
-      </p:grpSpPr>
-      <p:sp>
-        <p:nvSpPr>
-          <p:cNvPr id="2" name="Title 1">
-            <a:extLst>
-              <a:ext uri="{FF2B5EF4-FFF2-40B4-BE49-F238E27FC236}">
-                <a16:creationId xmlns:a16="http://schemas.microsoft.com/office/drawing/2014/main" id="{73BCED15-A359-4BD9-9850-D1F8E2AD80D2}"/>
-              </a:ext>
-            </a:extLst>
-          </p:cNvPr>
-          <p:cNvSpPr>
-            <a:spLocks noGrp="1"/>
-          </p:cNvSpPr>
-          <p:nvPr>
-            <p:ph type="title"/>
-          </p:nvPr>
-        </p:nvSpPr>
-        <p:spPr/>
-        <p:txBody>
-          <a:bodyPr>
-            <a:normAutofit/>
-          </a:bodyPr>
-          <a:lstStyle/>
-          <a:p>
-            <a:r>
-              <a:rPr lang="en-US" dirty="0"/>
-              <a:t>What to improve in the model?</a:t>
-            </a:r>
-          </a:p>
-        </p:txBody>
-      </p:sp>
-      <p:sp>
-        <p:nvSpPr>
-          <p:cNvPr id="3" name="Content Placeholder 2">
-            <a:extLst>
-              <a:ext uri="{FF2B5EF4-FFF2-40B4-BE49-F238E27FC236}">
-                <a16:creationId xmlns:a16="http://schemas.microsoft.com/office/drawing/2014/main" id="{9A89B413-D367-4208-8A69-752E02A45A3E}"/>
-              </a:ext>
-            </a:extLst>
-          </p:cNvPr>
-          <p:cNvSpPr>
-            <a:spLocks noGrp="1"/>
-          </p:cNvSpPr>
-          <p:nvPr>
-            <p:ph idx="1"/>
-          </p:nvPr>
-        </p:nvSpPr>
-        <p:spPr>
-          <a:xfrm>
-            <a:off x="1141412" y="2828925"/>
-            <a:ext cx="9905999" cy="2962276"/>
-          </a:xfrm>
-        </p:spPr>
-        <p:txBody>
-          <a:bodyPr>
-            <a:normAutofit/>
-          </a:bodyPr>
-          <a:lstStyle/>
-          <a:p>
-            <a:r>
-              <a:rPr lang="en-US" sz="3600" dirty="0"/>
-              <a:t>Next step</a:t>
-            </a:r>
-          </a:p>
-          <a:p>
-            <a:r>
-              <a:rPr lang="en-US" sz="3600" dirty="0"/>
-              <a:t>application</a:t>
-            </a:r>
-          </a:p>
-        </p:txBody>
-      </p:sp>
-    </p:spTree>
-    <p:extLst>
-      <p:ext uri="{BB962C8B-B14F-4D97-AF65-F5344CB8AC3E}">
-        <p14:creationId xmlns:p14="http://schemas.microsoft.com/office/powerpoint/2010/main" val="1038819620"/>
       </p:ext>
     </p:extLst>
   </p:cSld>

--- a/FP.pptx
+++ b/FP.pptx
@@ -5,7 +5,7 @@
     <p:sldMasterId id="2147483719" r:id="rId1"/>
   </p:sldMasterIdLst>
   <p:notesMasterIdLst>
-    <p:notesMasterId r:id="rId23"/>
+    <p:notesMasterId r:id="rId24"/>
   </p:notesMasterIdLst>
   <p:sldIdLst>
     <p:sldId id="256" r:id="rId2"/>
@@ -29,6 +29,7 @@
     <p:sldId id="274" r:id="rId20"/>
     <p:sldId id="273" r:id="rId21"/>
     <p:sldId id="275" r:id="rId22"/>
+    <p:sldId id="277" r:id="rId23"/>
   </p:sldIdLst>
   <p:sldSz cx="12192000" cy="6858000"/>
   <p:notesSz cx="6858000" cy="9144000"/>
@@ -702,7 +703,7 @@
           <a:noFill/>
           <a:extLst>
             <a:ext uri="{909E8E84-426E-40dd-AFC4-6F175D3DCCD1}">
-              <a14:hiddenFill xmlns="" xmlns:a14="http://schemas.microsoft.com/office/drawing/2010/main">
+              <a14:hiddenFill xmlns:a14="http://schemas.microsoft.com/office/drawing/2010/main" xmlns="">
                 <a:solidFill>
                   <a:srgbClr val="FFFFFF"/>
                 </a:solidFill>
@@ -762,7 +763,7 @@
             </a:ln>
             <a:extLst>
               <a:ext uri="{91240B29-F687-4f45-9708-019B960494DF}">
-                <a14:hiddenLine xmlns="" xmlns:a14="http://schemas.microsoft.com/office/drawing/2010/main" w="9525">
+                <a14:hiddenLine xmlns:a14="http://schemas.microsoft.com/office/drawing/2010/main" xmlns="" w="9525">
                   <a:solidFill>
                     <a:srgbClr val="000000"/>
                   </a:solidFill>
@@ -852,7 +853,7 @@
             </a:ln>
             <a:extLst>
               <a:ext uri="{91240B29-F687-4f45-9708-019B960494DF}">
-                <a14:hiddenLine xmlns="" xmlns:a14="http://schemas.microsoft.com/office/drawing/2010/main" w="9525">
+                <a14:hiddenLine xmlns:a14="http://schemas.microsoft.com/office/drawing/2010/main" xmlns="" w="9525">
                   <a:solidFill>
                     <a:srgbClr val="000000"/>
                   </a:solidFill>
@@ -942,7 +943,7 @@
             </a:ln>
             <a:extLst>
               <a:ext uri="{91240B29-F687-4f45-9708-019B960494DF}">
-                <a14:hiddenLine xmlns="" xmlns:a14="http://schemas.microsoft.com/office/drawing/2010/main" w="9525">
+                <a14:hiddenLine xmlns:a14="http://schemas.microsoft.com/office/drawing/2010/main" xmlns="" w="9525">
                   <a:solidFill>
                     <a:srgbClr val="000000"/>
                   </a:solidFill>
@@ -976,7 +977,7 @@
             </a:ln>
             <a:extLst>
               <a:ext uri="{91240B29-F687-4f45-9708-019B960494DF}">
-                <a14:hiddenLine xmlns="" xmlns:a14="http://schemas.microsoft.com/office/drawing/2010/main" w="9525">
+                <a14:hiddenLine xmlns:a14="http://schemas.microsoft.com/office/drawing/2010/main" xmlns="" w="9525">
                   <a:solidFill>
                     <a:srgbClr val="000000"/>
                   </a:solidFill>
@@ -1066,7 +1067,7 @@
             </a:ln>
             <a:extLst>
               <a:ext uri="{91240B29-F687-4f45-9708-019B960494DF}">
-                <a14:hiddenLine xmlns="" xmlns:a14="http://schemas.microsoft.com/office/drawing/2010/main" w="9525">
+                <a14:hiddenLine xmlns:a14="http://schemas.microsoft.com/office/drawing/2010/main" xmlns="" w="9525">
                   <a:solidFill>
                     <a:srgbClr val="000000"/>
                   </a:solidFill>
@@ -1128,7 +1129,7 @@
             </a:ln>
             <a:extLst>
               <a:ext uri="{91240B29-F687-4f45-9708-019B960494DF}">
-                <a14:hiddenLine xmlns="" xmlns:a14="http://schemas.microsoft.com/office/drawing/2010/main" w="9525">
+                <a14:hiddenLine xmlns:a14="http://schemas.microsoft.com/office/drawing/2010/main" xmlns="" w="9525">
                   <a:solidFill>
                     <a:srgbClr val="000000"/>
                   </a:solidFill>
@@ -1190,7 +1191,7 @@
             </a:ln>
             <a:extLst>
               <a:ext uri="{91240B29-F687-4f45-9708-019B960494DF}">
-                <a14:hiddenLine xmlns="" xmlns:a14="http://schemas.microsoft.com/office/drawing/2010/main" w="9525">
+                <a14:hiddenLine xmlns:a14="http://schemas.microsoft.com/office/drawing/2010/main" xmlns="" w="9525">
                   <a:solidFill>
                     <a:srgbClr val="000000"/>
                   </a:solidFill>
@@ -1280,7 +1281,7 @@
             </a:ln>
             <a:extLst>
               <a:ext uri="{91240B29-F687-4f45-9708-019B960494DF}">
-                <a14:hiddenLine xmlns="" xmlns:a14="http://schemas.microsoft.com/office/drawing/2010/main" w="9525">
+                <a14:hiddenLine xmlns:a14="http://schemas.microsoft.com/office/drawing/2010/main" xmlns="" w="9525">
                   <a:solidFill>
                     <a:srgbClr val="000000"/>
                   </a:solidFill>
@@ -1342,7 +1343,7 @@
             </a:ln>
             <a:extLst>
               <a:ext uri="{91240B29-F687-4f45-9708-019B960494DF}">
-                <a14:hiddenLine xmlns="" xmlns:a14="http://schemas.microsoft.com/office/drawing/2010/main" w="9525">
+                <a14:hiddenLine xmlns:a14="http://schemas.microsoft.com/office/drawing/2010/main" xmlns="" w="9525">
                   <a:solidFill>
                     <a:srgbClr val="000000"/>
                   </a:solidFill>
@@ -1404,7 +1405,7 @@
             </a:ln>
             <a:extLst>
               <a:ext uri="{91240B29-F687-4f45-9708-019B960494DF}">
-                <a14:hiddenLine xmlns="" xmlns:a14="http://schemas.microsoft.com/office/drawing/2010/main" w="9525">
+                <a14:hiddenLine xmlns:a14="http://schemas.microsoft.com/office/drawing/2010/main" xmlns="" w="9525">
                   <a:solidFill>
                     <a:srgbClr val="000000"/>
                   </a:solidFill>
@@ -1494,7 +1495,7 @@
             </a:ln>
             <a:extLst>
               <a:ext uri="{91240B29-F687-4f45-9708-019B960494DF}">
-                <a14:hiddenLine xmlns="" xmlns:a14="http://schemas.microsoft.com/office/drawing/2010/main" w="9525">
+                <a14:hiddenLine xmlns:a14="http://schemas.microsoft.com/office/drawing/2010/main" xmlns="" w="9525">
                   <a:solidFill>
                     <a:srgbClr val="000000"/>
                   </a:solidFill>
@@ -1584,7 +1585,7 @@
             </a:ln>
             <a:extLst>
               <a:ext uri="{91240B29-F687-4f45-9708-019B960494DF}">
-                <a14:hiddenLine xmlns="" xmlns:a14="http://schemas.microsoft.com/office/drawing/2010/main" w="9525">
+                <a14:hiddenLine xmlns:a14="http://schemas.microsoft.com/office/drawing/2010/main" xmlns="" w="9525">
                   <a:solidFill>
                     <a:srgbClr val="000000"/>
                   </a:solidFill>
@@ -1646,7 +1647,7 @@
             </a:ln>
             <a:extLst>
               <a:ext uri="{91240B29-F687-4f45-9708-019B960494DF}">
-                <a14:hiddenLine xmlns="" xmlns:a14="http://schemas.microsoft.com/office/drawing/2010/main" w="9525">
+                <a14:hiddenLine xmlns:a14="http://schemas.microsoft.com/office/drawing/2010/main" xmlns="" w="9525">
                   <a:solidFill>
                     <a:srgbClr val="000000"/>
                   </a:solidFill>
@@ -1756,7 +1757,7 @@
             </a:ln>
             <a:extLst>
               <a:ext uri="{91240B29-F687-4f45-9708-019B960494DF}">
-                <a14:hiddenLine xmlns="" xmlns:a14="http://schemas.microsoft.com/office/drawing/2010/main" w="9525">
+                <a14:hiddenLine xmlns:a14="http://schemas.microsoft.com/office/drawing/2010/main" xmlns="" w="9525">
                   <a:solidFill>
                     <a:srgbClr val="000000"/>
                   </a:solidFill>
@@ -1818,7 +1819,7 @@
             </a:ln>
             <a:extLst>
               <a:ext uri="{91240B29-F687-4f45-9708-019B960494DF}">
-                <a14:hiddenLine xmlns="" xmlns:a14="http://schemas.microsoft.com/office/drawing/2010/main" w="9525">
+                <a14:hiddenLine xmlns:a14="http://schemas.microsoft.com/office/drawing/2010/main" xmlns="" w="9525">
                   <a:solidFill>
                     <a:srgbClr val="000000"/>
                   </a:solidFill>
@@ -1908,7 +1909,7 @@
             </a:ln>
             <a:extLst>
               <a:ext uri="{91240B29-F687-4f45-9708-019B960494DF}">
-                <a14:hiddenLine xmlns="" xmlns:a14="http://schemas.microsoft.com/office/drawing/2010/main" w="9525">
+                <a14:hiddenLine xmlns:a14="http://schemas.microsoft.com/office/drawing/2010/main" xmlns="" w="9525">
                   <a:solidFill>
                     <a:srgbClr val="000000"/>
                   </a:solidFill>
@@ -1998,7 +1999,7 @@
             </a:ln>
             <a:extLst>
               <a:ext uri="{91240B29-F687-4f45-9708-019B960494DF}">
-                <a14:hiddenLine xmlns="" xmlns:a14="http://schemas.microsoft.com/office/drawing/2010/main" w="9525">
+                <a14:hiddenLine xmlns:a14="http://schemas.microsoft.com/office/drawing/2010/main" xmlns="" w="9525">
                   <a:solidFill>
                     <a:srgbClr val="000000"/>
                   </a:solidFill>
@@ -2060,7 +2061,7 @@
             </a:ln>
             <a:extLst>
               <a:ext uri="{91240B29-F687-4f45-9708-019B960494DF}">
-                <a14:hiddenLine xmlns="" xmlns:a14="http://schemas.microsoft.com/office/drawing/2010/main" w="9525">
+                <a14:hiddenLine xmlns:a14="http://schemas.microsoft.com/office/drawing/2010/main" xmlns="" w="9525">
                   <a:solidFill>
                     <a:srgbClr val="000000"/>
                   </a:solidFill>
@@ -2150,7 +2151,7 @@
             </a:ln>
             <a:extLst>
               <a:ext uri="{91240B29-F687-4f45-9708-019B960494DF}">
-                <a14:hiddenLine xmlns="" xmlns:a14="http://schemas.microsoft.com/office/drawing/2010/main" w="9525">
+                <a14:hiddenLine xmlns:a14="http://schemas.microsoft.com/office/drawing/2010/main" xmlns="" w="9525">
                   <a:solidFill>
                     <a:srgbClr val="000000"/>
                   </a:solidFill>
@@ -2240,7 +2241,7 @@
             </a:ln>
             <a:extLst>
               <a:ext uri="{91240B29-F687-4f45-9708-019B960494DF}">
-                <a14:hiddenLine xmlns="" xmlns:a14="http://schemas.microsoft.com/office/drawing/2010/main" w="9525">
+                <a14:hiddenLine xmlns:a14="http://schemas.microsoft.com/office/drawing/2010/main" xmlns="" w="9525">
                   <a:solidFill>
                     <a:srgbClr val="000000"/>
                   </a:solidFill>
@@ -2296,7 +2297,7 @@
             </a:ln>
             <a:extLst>
               <a:ext uri="{91240B29-F687-4f45-9708-019B960494DF}">
-                <a14:hiddenLine xmlns="" xmlns:a14="http://schemas.microsoft.com/office/drawing/2010/main" w="9525">
+                <a14:hiddenLine xmlns:a14="http://schemas.microsoft.com/office/drawing/2010/main" xmlns="" w="9525">
                   <a:solidFill>
                     <a:srgbClr val="000000"/>
                   </a:solidFill>
@@ -2386,7 +2387,7 @@
             </a:ln>
             <a:extLst>
               <a:ext uri="{91240B29-F687-4f45-9708-019B960494DF}">
-                <a14:hiddenLine xmlns="" xmlns:a14="http://schemas.microsoft.com/office/drawing/2010/main" w="9525">
+                <a14:hiddenLine xmlns:a14="http://schemas.microsoft.com/office/drawing/2010/main" xmlns="" w="9525">
                   <a:solidFill>
                     <a:srgbClr val="000000"/>
                   </a:solidFill>
@@ -2442,7 +2443,7 @@
             </a:ln>
             <a:extLst>
               <a:ext uri="{91240B29-F687-4f45-9708-019B960494DF}">
-                <a14:hiddenLine xmlns="" xmlns:a14="http://schemas.microsoft.com/office/drawing/2010/main" w="9525">
+                <a14:hiddenLine xmlns:a14="http://schemas.microsoft.com/office/drawing/2010/main" xmlns="" w="9525">
                   <a:solidFill>
                     <a:srgbClr val="000000"/>
                   </a:solidFill>
@@ -2532,7 +2533,7 @@
             </a:ln>
             <a:extLst>
               <a:ext uri="{91240B29-F687-4f45-9708-019B960494DF}">
-                <a14:hiddenLine xmlns="" xmlns:a14="http://schemas.microsoft.com/office/drawing/2010/main" w="9525">
+                <a14:hiddenLine xmlns:a14="http://schemas.microsoft.com/office/drawing/2010/main" xmlns="" w="9525">
                   <a:solidFill>
                     <a:srgbClr val="000000"/>
                   </a:solidFill>
@@ -2600,7 +2601,7 @@
             </a:ln>
             <a:extLst>
               <a:ext uri="{91240B29-F687-4f45-9708-019B960494DF}">
-                <a14:hiddenLine xmlns="" xmlns:a14="http://schemas.microsoft.com/office/drawing/2010/main" w="9525">
+                <a14:hiddenLine xmlns:a14="http://schemas.microsoft.com/office/drawing/2010/main" xmlns="" w="9525">
                   <a:solidFill>
                     <a:srgbClr val="000000"/>
                   </a:solidFill>
@@ -2690,7 +2691,7 @@
             </a:ln>
             <a:extLst>
               <a:ext uri="{91240B29-F687-4f45-9708-019B960494DF}">
-                <a14:hiddenLine xmlns="" xmlns:a14="http://schemas.microsoft.com/office/drawing/2010/main" w="9525">
+                <a14:hiddenLine xmlns:a14="http://schemas.microsoft.com/office/drawing/2010/main" xmlns="" w="9525">
                   <a:solidFill>
                     <a:srgbClr val="000000"/>
                   </a:solidFill>
@@ -2758,7 +2759,7 @@
             </a:ln>
             <a:extLst>
               <a:ext uri="{91240B29-F687-4f45-9708-019B960494DF}">
-                <a14:hiddenLine xmlns="" xmlns:a14="http://schemas.microsoft.com/office/drawing/2010/main" w="9525">
+                <a14:hiddenLine xmlns:a14="http://schemas.microsoft.com/office/drawing/2010/main" xmlns="" w="9525">
                   <a:solidFill>
                     <a:srgbClr val="000000"/>
                   </a:solidFill>
@@ -2848,7 +2849,7 @@
             </a:ln>
             <a:extLst>
               <a:ext uri="{91240B29-F687-4f45-9708-019B960494DF}">
-                <a14:hiddenLine xmlns="" xmlns:a14="http://schemas.microsoft.com/office/drawing/2010/main" w="9525">
+                <a14:hiddenLine xmlns:a14="http://schemas.microsoft.com/office/drawing/2010/main" xmlns="" w="9525">
                   <a:solidFill>
                     <a:srgbClr val="000000"/>
                   </a:solidFill>
@@ -2882,7 +2883,7 @@
             </a:ln>
             <a:extLst>
               <a:ext uri="{91240B29-F687-4f45-9708-019B960494DF}">
-                <a14:hiddenLine xmlns="" xmlns:a14="http://schemas.microsoft.com/office/drawing/2010/main" w="9525">
+                <a14:hiddenLine xmlns:a14="http://schemas.microsoft.com/office/drawing/2010/main" xmlns="" w="9525">
                   <a:solidFill>
                     <a:srgbClr val="000000"/>
                   </a:solidFill>
@@ -2972,7 +2973,7 @@
             </a:ln>
             <a:extLst>
               <a:ext uri="{91240B29-F687-4f45-9708-019B960494DF}">
-                <a14:hiddenLine xmlns="" xmlns:a14="http://schemas.microsoft.com/office/drawing/2010/main" w="9525">
+                <a14:hiddenLine xmlns:a14="http://schemas.microsoft.com/office/drawing/2010/main" xmlns="" w="9525">
                   <a:solidFill>
                     <a:srgbClr val="000000"/>
                   </a:solidFill>
@@ -3034,7 +3035,7 @@
             </a:ln>
             <a:extLst>
               <a:ext uri="{91240B29-F687-4f45-9708-019B960494DF}">
-                <a14:hiddenLine xmlns="" xmlns:a14="http://schemas.microsoft.com/office/drawing/2010/main" w="9525">
+                <a14:hiddenLine xmlns:a14="http://schemas.microsoft.com/office/drawing/2010/main" xmlns="" w="9525">
                   <a:solidFill>
                     <a:srgbClr val="000000"/>
                   </a:solidFill>
@@ -3096,7 +3097,7 @@
             </a:ln>
             <a:extLst>
               <a:ext uri="{91240B29-F687-4f45-9708-019B960494DF}">
-                <a14:hiddenLine xmlns="" xmlns:a14="http://schemas.microsoft.com/office/drawing/2010/main" w="9525">
+                <a14:hiddenLine xmlns:a14="http://schemas.microsoft.com/office/drawing/2010/main" xmlns="" w="9525">
                   <a:solidFill>
                     <a:srgbClr val="000000"/>
                   </a:solidFill>
@@ -3186,7 +3187,7 @@
             </a:ln>
             <a:extLst>
               <a:ext uri="{91240B29-F687-4f45-9708-019B960494DF}">
-                <a14:hiddenLine xmlns="" xmlns:a14="http://schemas.microsoft.com/office/drawing/2010/main" w="9525">
+                <a14:hiddenLine xmlns:a14="http://schemas.microsoft.com/office/drawing/2010/main" xmlns="" w="9525">
                   <a:solidFill>
                     <a:srgbClr val="000000"/>
                   </a:solidFill>
@@ -3254,7 +3255,7 @@
             </a:ln>
             <a:extLst>
               <a:ext uri="{91240B29-F687-4f45-9708-019B960494DF}">
-                <a14:hiddenLine xmlns="" xmlns:a14="http://schemas.microsoft.com/office/drawing/2010/main" w="9525">
+                <a14:hiddenLine xmlns:a14="http://schemas.microsoft.com/office/drawing/2010/main" xmlns="" w="9525">
                   <a:solidFill>
                     <a:srgbClr val="000000"/>
                   </a:solidFill>
@@ -3316,7 +3317,7 @@
             </a:ln>
             <a:extLst>
               <a:ext uri="{91240B29-F687-4f45-9708-019B960494DF}">
-                <a14:hiddenLine xmlns="" xmlns:a14="http://schemas.microsoft.com/office/drawing/2010/main" w="9525">
+                <a14:hiddenLine xmlns:a14="http://schemas.microsoft.com/office/drawing/2010/main" xmlns="" w="9525">
                   <a:solidFill>
                     <a:srgbClr val="000000"/>
                   </a:solidFill>
@@ -3406,7 +3407,7 @@
             </a:ln>
             <a:extLst>
               <a:ext uri="{91240B29-F687-4f45-9708-019B960494DF}">
-                <a14:hiddenLine xmlns="" xmlns:a14="http://schemas.microsoft.com/office/drawing/2010/main" w="9525">
+                <a14:hiddenLine xmlns:a14="http://schemas.microsoft.com/office/drawing/2010/main" xmlns="" w="9525">
                   <a:solidFill>
                     <a:srgbClr val="000000"/>
                   </a:solidFill>
@@ -3468,7 +3469,7 @@
             </a:ln>
             <a:extLst>
               <a:ext uri="{91240B29-F687-4f45-9708-019B960494DF}">
-                <a14:hiddenLine xmlns="" xmlns:a14="http://schemas.microsoft.com/office/drawing/2010/main" w="9525">
+                <a14:hiddenLine xmlns:a14="http://schemas.microsoft.com/office/drawing/2010/main" xmlns="" w="9525">
                   <a:solidFill>
                     <a:srgbClr val="000000"/>
                   </a:solidFill>
@@ -3558,7 +3559,7 @@
             </a:ln>
             <a:extLst>
               <a:ext uri="{91240B29-F687-4f45-9708-019B960494DF}">
-                <a14:hiddenLine xmlns="" xmlns:a14="http://schemas.microsoft.com/office/drawing/2010/main" w="9525">
+                <a14:hiddenLine xmlns:a14="http://schemas.microsoft.com/office/drawing/2010/main" xmlns="" w="9525">
                   <a:solidFill>
                     <a:srgbClr val="000000"/>
                   </a:solidFill>
@@ -3620,7 +3621,7 @@
             </a:ln>
             <a:extLst>
               <a:ext uri="{91240B29-F687-4f45-9708-019B960494DF}">
-                <a14:hiddenLine xmlns="" xmlns:a14="http://schemas.microsoft.com/office/drawing/2010/main" w="9525">
+                <a14:hiddenLine xmlns:a14="http://schemas.microsoft.com/office/drawing/2010/main" xmlns="" w="9525">
                   <a:solidFill>
                     <a:srgbClr val="000000"/>
                   </a:solidFill>
@@ -3710,7 +3711,7 @@
             </a:ln>
             <a:extLst>
               <a:ext uri="{91240B29-F687-4f45-9708-019B960494DF}">
-                <a14:hiddenLine xmlns="" xmlns:a14="http://schemas.microsoft.com/office/drawing/2010/main" w="9525">
+                <a14:hiddenLine xmlns:a14="http://schemas.microsoft.com/office/drawing/2010/main" xmlns="" w="9525">
                   <a:solidFill>
                     <a:srgbClr val="000000"/>
                   </a:solidFill>
@@ -3744,7 +3745,7 @@
             </a:ln>
             <a:extLst>
               <a:ext uri="{91240B29-F687-4f45-9708-019B960494DF}">
-                <a14:hiddenLine xmlns="" xmlns:a14="http://schemas.microsoft.com/office/drawing/2010/main" w="9525">
+                <a14:hiddenLine xmlns:a14="http://schemas.microsoft.com/office/drawing/2010/main" xmlns="" w="9525">
                   <a:solidFill>
                     <a:srgbClr val="000000"/>
                   </a:solidFill>
@@ -3809,7 +3810,7 @@
             </a:ln>
             <a:extLst>
               <a:ext uri="{91240B29-F687-4f45-9708-019B960494DF}">
-                <a14:hiddenLine xmlns="" xmlns:a14="http://schemas.microsoft.com/office/drawing/2010/main" w="9525">
+                <a14:hiddenLine xmlns:a14="http://schemas.microsoft.com/office/drawing/2010/main" xmlns="" w="9525">
                   <a:solidFill>
                     <a:srgbClr val="000000"/>
                   </a:solidFill>
@@ -3899,7 +3900,7 @@
             </a:ln>
             <a:extLst>
               <a:ext uri="{91240B29-F687-4f45-9708-019B960494DF}">
-                <a14:hiddenLine xmlns="" xmlns:a14="http://schemas.microsoft.com/office/drawing/2010/main" w="9525">
+                <a14:hiddenLine xmlns:a14="http://schemas.microsoft.com/office/drawing/2010/main" xmlns="" w="9525">
                   <a:solidFill>
                     <a:srgbClr val="000000"/>
                   </a:solidFill>
@@ -3961,7 +3962,7 @@
             </a:ln>
             <a:extLst>
               <a:ext uri="{91240B29-F687-4f45-9708-019B960494DF}">
-                <a14:hiddenLine xmlns="" xmlns:a14="http://schemas.microsoft.com/office/drawing/2010/main" w="9525">
+                <a14:hiddenLine xmlns:a14="http://schemas.microsoft.com/office/drawing/2010/main" xmlns="" w="9525">
                   <a:solidFill>
                     <a:srgbClr val="000000"/>
                   </a:solidFill>
@@ -4051,7 +4052,7 @@
             </a:ln>
             <a:extLst>
               <a:ext uri="{91240B29-F687-4f45-9708-019B960494DF}">
-                <a14:hiddenLine xmlns="" xmlns:a14="http://schemas.microsoft.com/office/drawing/2010/main" w="9525">
+                <a14:hiddenLine xmlns:a14="http://schemas.microsoft.com/office/drawing/2010/main" xmlns="" w="9525">
                   <a:solidFill>
                     <a:srgbClr val="000000"/>
                   </a:solidFill>
@@ -4141,7 +4142,7 @@
             </a:ln>
             <a:extLst>
               <a:ext uri="{91240B29-F687-4f45-9708-019B960494DF}">
-                <a14:hiddenLine xmlns="" xmlns:a14="http://schemas.microsoft.com/office/drawing/2010/main" w="9525">
+                <a14:hiddenLine xmlns:a14="http://schemas.microsoft.com/office/drawing/2010/main" xmlns="" w="9525">
                   <a:solidFill>
                     <a:srgbClr val="000000"/>
                   </a:solidFill>
@@ -4206,7 +4207,7 @@
             </a:ln>
             <a:extLst>
               <a:ext uri="{91240B29-F687-4f45-9708-019B960494DF}">
-                <a14:hiddenLine xmlns="" xmlns:a14="http://schemas.microsoft.com/office/drawing/2010/main" w="9525">
+                <a14:hiddenLine xmlns:a14="http://schemas.microsoft.com/office/drawing/2010/main" xmlns="" w="9525">
                   <a:solidFill>
                     <a:srgbClr val="000000"/>
                   </a:solidFill>
@@ -4268,7 +4269,7 @@
             </a:ln>
             <a:extLst>
               <a:ext uri="{91240B29-F687-4f45-9708-019B960494DF}">
-                <a14:hiddenLine xmlns="" xmlns:a14="http://schemas.microsoft.com/office/drawing/2010/main" w="9525">
+                <a14:hiddenLine xmlns:a14="http://schemas.microsoft.com/office/drawing/2010/main" xmlns="" w="9525">
                   <a:solidFill>
                     <a:srgbClr val="000000"/>
                   </a:solidFill>
@@ -4358,7 +4359,7 @@
             </a:ln>
             <a:extLst>
               <a:ext uri="{91240B29-F687-4f45-9708-019B960494DF}">
-                <a14:hiddenLine xmlns="" xmlns:a14="http://schemas.microsoft.com/office/drawing/2010/main" w="9525">
+                <a14:hiddenLine xmlns:a14="http://schemas.microsoft.com/office/drawing/2010/main" xmlns="" w="9525">
                   <a:solidFill>
                     <a:srgbClr val="000000"/>
                   </a:solidFill>
@@ -4448,7 +4449,7 @@
             </a:ln>
             <a:extLst>
               <a:ext uri="{91240B29-F687-4f45-9708-019B960494DF}">
-                <a14:hiddenLine xmlns="" xmlns:a14="http://schemas.microsoft.com/office/drawing/2010/main" w="9525">
+                <a14:hiddenLine xmlns:a14="http://schemas.microsoft.com/office/drawing/2010/main" xmlns="" w="9525">
                   <a:solidFill>
                     <a:srgbClr val="000000"/>
                   </a:solidFill>
@@ -4510,7 +4511,7 @@
             </a:ln>
             <a:extLst>
               <a:ext uri="{91240B29-F687-4f45-9708-019B960494DF}">
-                <a14:hiddenLine xmlns="" xmlns:a14="http://schemas.microsoft.com/office/drawing/2010/main" w="9525">
+                <a14:hiddenLine xmlns:a14="http://schemas.microsoft.com/office/drawing/2010/main" xmlns="" w="9525">
                   <a:solidFill>
                     <a:srgbClr val="000000"/>
                   </a:solidFill>
@@ -4630,7 +4631,7 @@
             </a:ln>
             <a:extLst>
               <a:ext uri="{91240B29-F687-4f45-9708-019B960494DF}">
-                <a14:hiddenLine xmlns="" xmlns:a14="http://schemas.microsoft.com/office/drawing/2010/main" w="9525">
+                <a14:hiddenLine xmlns:a14="http://schemas.microsoft.com/office/drawing/2010/main" xmlns="" w="9525">
                   <a:solidFill>
                     <a:srgbClr val="000000"/>
                   </a:solidFill>
@@ -4698,7 +4699,7 @@
             </a:ln>
             <a:extLst>
               <a:ext uri="{91240B29-F687-4f45-9708-019B960494DF}">
-                <a14:hiddenLine xmlns="" xmlns:a14="http://schemas.microsoft.com/office/drawing/2010/main" w="9525">
+                <a14:hiddenLine xmlns:a14="http://schemas.microsoft.com/office/drawing/2010/main" xmlns="" w="9525">
                   <a:solidFill>
                     <a:srgbClr val="000000"/>
                   </a:solidFill>
@@ -4788,7 +4789,7 @@
             </a:ln>
             <a:extLst>
               <a:ext uri="{91240B29-F687-4f45-9708-019B960494DF}">
-                <a14:hiddenLine xmlns="" xmlns:a14="http://schemas.microsoft.com/office/drawing/2010/main" w="9525">
+                <a14:hiddenLine xmlns:a14="http://schemas.microsoft.com/office/drawing/2010/main" xmlns="" w="9525">
                   <a:solidFill>
                     <a:srgbClr val="000000"/>
                   </a:solidFill>
@@ -9595,7 +9596,7 @@
           <a:noFill/>
           <a:extLst>
             <a:ext uri="{909E8E84-426E-40dd-AFC4-6F175D3DCCD1}">
-              <a14:hiddenFill xmlns="" xmlns:a14="http://schemas.microsoft.com/office/drawing/2010/main">
+              <a14:hiddenFill xmlns:a14="http://schemas.microsoft.com/office/drawing/2010/main" xmlns="">
                 <a:solidFill>
                   <a:srgbClr val="FFFFFF"/>
                 </a:solidFill>
@@ -9669,7 +9670,7 @@
               </a:ln>
               <a:extLst>
                 <a:ext uri="{91240B29-F687-4f45-9708-019B960494DF}">
-                  <a14:hiddenLine xmlns="" xmlns:a14="http://schemas.microsoft.com/office/drawing/2010/main" w="9525">
+                  <a14:hiddenLine xmlns:a14="http://schemas.microsoft.com/office/drawing/2010/main" xmlns="" w="9525">
                     <a:solidFill>
                       <a:srgbClr val="000000"/>
                     </a:solidFill>
@@ -9759,7 +9760,7 @@
               </a:ln>
               <a:extLst>
                 <a:ext uri="{91240B29-F687-4f45-9708-019B960494DF}">
-                  <a14:hiddenLine xmlns="" xmlns:a14="http://schemas.microsoft.com/office/drawing/2010/main" w="9525">
+                  <a14:hiddenLine xmlns:a14="http://schemas.microsoft.com/office/drawing/2010/main" xmlns="" w="9525">
                     <a:solidFill>
                       <a:srgbClr val="000000"/>
                     </a:solidFill>
@@ -9849,7 +9850,7 @@
               </a:ln>
               <a:extLst>
                 <a:ext uri="{91240B29-F687-4f45-9708-019B960494DF}">
-                  <a14:hiddenLine xmlns="" xmlns:a14="http://schemas.microsoft.com/office/drawing/2010/main" w="9525">
+                  <a14:hiddenLine xmlns:a14="http://schemas.microsoft.com/office/drawing/2010/main" xmlns="" w="9525">
                     <a:solidFill>
                       <a:srgbClr val="000000"/>
                     </a:solidFill>
@@ -9911,7 +9912,7 @@
               </a:ln>
               <a:extLst>
                 <a:ext uri="{91240B29-F687-4f45-9708-019B960494DF}">
-                  <a14:hiddenLine xmlns="" xmlns:a14="http://schemas.microsoft.com/office/drawing/2010/main" w="9525">
+                  <a14:hiddenLine xmlns:a14="http://schemas.microsoft.com/office/drawing/2010/main" xmlns="" w="9525">
                     <a:solidFill>
                       <a:srgbClr val="000000"/>
                     </a:solidFill>
@@ -10001,7 +10002,7 @@
               </a:ln>
               <a:extLst>
                 <a:ext uri="{91240B29-F687-4f45-9708-019B960494DF}">
-                  <a14:hiddenLine xmlns="" xmlns:a14="http://schemas.microsoft.com/office/drawing/2010/main" w="9525">
+                  <a14:hiddenLine xmlns:a14="http://schemas.microsoft.com/office/drawing/2010/main" xmlns="" w="9525">
                     <a:solidFill>
                       <a:srgbClr val="000000"/>
                     </a:solidFill>
@@ -10063,7 +10064,7 @@
               </a:ln>
               <a:extLst>
                 <a:ext uri="{91240B29-F687-4f45-9708-019B960494DF}">
-                  <a14:hiddenLine xmlns="" xmlns:a14="http://schemas.microsoft.com/office/drawing/2010/main" w="9525">
+                  <a14:hiddenLine xmlns:a14="http://schemas.microsoft.com/office/drawing/2010/main" xmlns="" w="9525">
                     <a:solidFill>
                       <a:srgbClr val="000000"/>
                     </a:solidFill>
@@ -10125,7 +10126,7 @@
               </a:ln>
               <a:extLst>
                 <a:ext uri="{91240B29-F687-4f45-9708-019B960494DF}">
-                  <a14:hiddenLine xmlns="" xmlns:a14="http://schemas.microsoft.com/office/drawing/2010/main" w="9525">
+                  <a14:hiddenLine xmlns:a14="http://schemas.microsoft.com/office/drawing/2010/main" xmlns="" w="9525">
                     <a:solidFill>
                       <a:srgbClr val="000000"/>
                     </a:solidFill>
@@ -10215,7 +10216,7 @@
               </a:ln>
               <a:extLst>
                 <a:ext uri="{91240B29-F687-4f45-9708-019B960494DF}">
-                  <a14:hiddenLine xmlns="" xmlns:a14="http://schemas.microsoft.com/office/drawing/2010/main" w="9525">
+                  <a14:hiddenLine xmlns:a14="http://schemas.microsoft.com/office/drawing/2010/main" xmlns="" w="9525">
                     <a:solidFill>
                       <a:srgbClr val="000000"/>
                     </a:solidFill>
@@ -10305,7 +10306,7 @@
               </a:ln>
               <a:extLst>
                 <a:ext uri="{91240B29-F687-4f45-9708-019B960494DF}">
-                  <a14:hiddenLine xmlns="" xmlns:a14="http://schemas.microsoft.com/office/drawing/2010/main" w="9525">
+                  <a14:hiddenLine xmlns:a14="http://schemas.microsoft.com/office/drawing/2010/main" xmlns="" w="9525">
                     <a:solidFill>
                       <a:srgbClr val="000000"/>
                     </a:solidFill>
@@ -10367,7 +10368,7 @@
               </a:ln>
               <a:extLst>
                 <a:ext uri="{91240B29-F687-4f45-9708-019B960494DF}">
-                  <a14:hiddenLine xmlns="" xmlns:a14="http://schemas.microsoft.com/office/drawing/2010/main" w="9525">
+                  <a14:hiddenLine xmlns:a14="http://schemas.microsoft.com/office/drawing/2010/main" xmlns="" w="9525">
                     <a:solidFill>
                       <a:srgbClr val="000000"/>
                     </a:solidFill>
@@ -10477,7 +10478,7 @@
               </a:ln>
               <a:extLst>
                 <a:ext uri="{91240B29-F687-4f45-9708-019B960494DF}">
-                  <a14:hiddenLine xmlns="" xmlns:a14="http://schemas.microsoft.com/office/drawing/2010/main" w="9525">
+                  <a14:hiddenLine xmlns:a14="http://schemas.microsoft.com/office/drawing/2010/main" xmlns="" w="9525">
                     <a:solidFill>
                       <a:srgbClr val="000000"/>
                     </a:solidFill>
@@ -10561,7 +10562,7 @@
               </a:ln>
               <a:extLst>
                 <a:ext uri="{91240B29-F687-4f45-9708-019B960494DF}">
-                  <a14:hiddenLine xmlns="" xmlns:a14="http://schemas.microsoft.com/office/drawing/2010/main" w="9525">
+                  <a14:hiddenLine xmlns:a14="http://schemas.microsoft.com/office/drawing/2010/main" xmlns="" w="9525">
                     <a:solidFill>
                       <a:srgbClr val="000000"/>
                     </a:solidFill>
@@ -10623,7 +10624,7 @@
               </a:ln>
               <a:extLst>
                 <a:ext uri="{91240B29-F687-4f45-9708-019B960494DF}">
-                  <a14:hiddenLine xmlns="" xmlns:a14="http://schemas.microsoft.com/office/drawing/2010/main" w="9525">
+                  <a14:hiddenLine xmlns:a14="http://schemas.microsoft.com/office/drawing/2010/main" xmlns="" w="9525">
                     <a:solidFill>
                       <a:srgbClr val="000000"/>
                     </a:solidFill>
@@ -10685,7 +10686,7 @@
               </a:ln>
               <a:extLst>
                 <a:ext uri="{91240B29-F687-4f45-9708-019B960494DF}">
-                  <a14:hiddenLine xmlns="" xmlns:a14="http://schemas.microsoft.com/office/drawing/2010/main" w="9525">
+                  <a14:hiddenLine xmlns:a14="http://schemas.microsoft.com/office/drawing/2010/main" xmlns="" w="9525">
                     <a:solidFill>
                       <a:srgbClr val="000000"/>
                     </a:solidFill>
@@ -10775,7 +10776,7 @@
               </a:ln>
               <a:extLst>
                 <a:ext uri="{91240B29-F687-4f45-9708-019B960494DF}">
-                  <a14:hiddenLine xmlns="" xmlns:a14="http://schemas.microsoft.com/office/drawing/2010/main" w="9525">
+                  <a14:hiddenLine xmlns:a14="http://schemas.microsoft.com/office/drawing/2010/main" xmlns="" w="9525">
                     <a:solidFill>
                       <a:srgbClr val="000000"/>
                     </a:solidFill>
@@ -10809,7 +10810,7 @@
               </a:ln>
               <a:extLst>
                 <a:ext uri="{91240B29-F687-4f45-9708-019B960494DF}">
-                  <a14:hiddenLine xmlns="" xmlns:a14="http://schemas.microsoft.com/office/drawing/2010/main" w="9525">
+                  <a14:hiddenLine xmlns:a14="http://schemas.microsoft.com/office/drawing/2010/main" xmlns="" w="9525">
                     <a:solidFill>
                       <a:srgbClr val="000000"/>
                     </a:solidFill>
@@ -10874,7 +10875,7 @@
               </a:ln>
               <a:extLst>
                 <a:ext uri="{91240B29-F687-4f45-9708-019B960494DF}">
-                  <a14:hiddenLine xmlns="" xmlns:a14="http://schemas.microsoft.com/office/drawing/2010/main" w="9525">
+                  <a14:hiddenLine xmlns:a14="http://schemas.microsoft.com/office/drawing/2010/main" xmlns="" w="9525">
                     <a:solidFill>
                       <a:srgbClr val="000000"/>
                     </a:solidFill>
@@ -10964,7 +10965,7 @@
               </a:ln>
               <a:extLst>
                 <a:ext uri="{91240B29-F687-4f45-9708-019B960494DF}">
-                  <a14:hiddenLine xmlns="" xmlns:a14="http://schemas.microsoft.com/office/drawing/2010/main" w="9525">
+                  <a14:hiddenLine xmlns:a14="http://schemas.microsoft.com/office/drawing/2010/main" xmlns="" w="9525">
                     <a:solidFill>
                       <a:srgbClr val="000000"/>
                     </a:solidFill>
@@ -11026,7 +11027,7 @@
               </a:ln>
               <a:extLst>
                 <a:ext uri="{91240B29-F687-4f45-9708-019B960494DF}">
-                  <a14:hiddenLine xmlns="" xmlns:a14="http://schemas.microsoft.com/office/drawing/2010/main" w="9525">
+                  <a14:hiddenLine xmlns:a14="http://schemas.microsoft.com/office/drawing/2010/main" xmlns="" w="9525">
                     <a:solidFill>
                       <a:srgbClr val="000000"/>
                     </a:solidFill>
@@ -11116,7 +11117,7 @@
               </a:ln>
               <a:extLst>
                 <a:ext uri="{91240B29-F687-4f45-9708-019B960494DF}">
-                  <a14:hiddenLine xmlns="" xmlns:a14="http://schemas.microsoft.com/office/drawing/2010/main" w="9525">
+                  <a14:hiddenLine xmlns:a14="http://schemas.microsoft.com/office/drawing/2010/main" xmlns="" w="9525">
                     <a:solidFill>
                       <a:srgbClr val="000000"/>
                     </a:solidFill>
@@ -11181,7 +11182,7 @@
               </a:ln>
               <a:extLst>
                 <a:ext uri="{91240B29-F687-4f45-9708-019B960494DF}">
-                  <a14:hiddenLine xmlns="" xmlns:a14="http://schemas.microsoft.com/office/drawing/2010/main" w="9525">
+                  <a14:hiddenLine xmlns:a14="http://schemas.microsoft.com/office/drawing/2010/main" xmlns="" w="9525">
                     <a:solidFill>
                       <a:srgbClr val="000000"/>
                     </a:solidFill>
@@ -11243,7 +11244,7 @@
               </a:ln>
               <a:extLst>
                 <a:ext uri="{91240B29-F687-4f45-9708-019B960494DF}">
-                  <a14:hiddenLine xmlns="" xmlns:a14="http://schemas.microsoft.com/office/drawing/2010/main" w="9525">
+                  <a14:hiddenLine xmlns:a14="http://schemas.microsoft.com/office/drawing/2010/main" xmlns="" w="9525">
                     <a:solidFill>
                       <a:srgbClr val="000000"/>
                     </a:solidFill>
@@ -11333,7 +11334,7 @@
               </a:ln>
               <a:extLst>
                 <a:ext uri="{91240B29-F687-4f45-9708-019B960494DF}">
-                  <a14:hiddenLine xmlns="" xmlns:a14="http://schemas.microsoft.com/office/drawing/2010/main" w="9525">
+                  <a14:hiddenLine xmlns:a14="http://schemas.microsoft.com/office/drawing/2010/main" xmlns="" w="9525">
                     <a:solidFill>
                       <a:srgbClr val="000000"/>
                     </a:solidFill>
@@ -11423,7 +11424,7 @@
               </a:ln>
               <a:extLst>
                 <a:ext uri="{91240B29-F687-4f45-9708-019B960494DF}">
-                  <a14:hiddenLine xmlns="" xmlns:a14="http://schemas.microsoft.com/office/drawing/2010/main" w="9525">
+                  <a14:hiddenLine xmlns:a14="http://schemas.microsoft.com/office/drawing/2010/main" xmlns="" w="9525">
                     <a:solidFill>
                       <a:srgbClr val="000000"/>
                     </a:solidFill>
@@ -11488,7 +11489,7 @@
               </a:ln>
               <a:extLst>
                 <a:ext uri="{91240B29-F687-4f45-9708-019B960494DF}">
-                  <a14:hiddenLine xmlns="" xmlns:a14="http://schemas.microsoft.com/office/drawing/2010/main" w="9525">
+                  <a14:hiddenLine xmlns:a14="http://schemas.microsoft.com/office/drawing/2010/main" xmlns="" w="9525">
                     <a:solidFill>
                       <a:srgbClr val="000000"/>
                     </a:solidFill>
@@ -11608,7 +11609,7 @@
               </a:ln>
               <a:extLst>
                 <a:ext uri="{91240B29-F687-4f45-9708-019B960494DF}">
-                  <a14:hiddenLine xmlns="" xmlns:a14="http://schemas.microsoft.com/office/drawing/2010/main" w="9525">
+                  <a14:hiddenLine xmlns:a14="http://schemas.microsoft.com/office/drawing/2010/main" xmlns="" w="9525">
                     <a:solidFill>
                       <a:srgbClr val="000000"/>
                     </a:solidFill>
@@ -11706,7 +11707,7 @@
               </a:ln>
               <a:extLst>
                 <a:ext uri="{91240B29-F687-4f45-9708-019B960494DF}">
-                  <a14:hiddenLine xmlns="" xmlns:a14="http://schemas.microsoft.com/office/drawing/2010/main" w="9525">
+                  <a14:hiddenLine xmlns:a14="http://schemas.microsoft.com/office/drawing/2010/main" xmlns="" w="9525">
                     <a:solidFill>
                       <a:srgbClr val="000000"/>
                     </a:solidFill>
@@ -11821,7 +11822,7 @@
               </a:ln>
               <a:extLst>
                 <a:ext uri="{91240B29-F687-4f45-9708-019B960494DF}">
-                  <a14:hiddenLine xmlns="" xmlns:a14="http://schemas.microsoft.com/office/drawing/2010/main" w="9525">
+                  <a14:hiddenLine xmlns:a14="http://schemas.microsoft.com/office/drawing/2010/main" xmlns="" w="9525">
                     <a:solidFill>
                       <a:srgbClr val="000000"/>
                     </a:solidFill>
@@ -11911,7 +11912,7 @@
               </a:ln>
               <a:extLst>
                 <a:ext uri="{91240B29-F687-4f45-9708-019B960494DF}">
-                  <a14:hiddenLine xmlns="" xmlns:a14="http://schemas.microsoft.com/office/drawing/2010/main" w="9525">
+                  <a14:hiddenLine xmlns:a14="http://schemas.microsoft.com/office/drawing/2010/main" xmlns="" w="9525">
                     <a:solidFill>
                       <a:srgbClr val="000000"/>
                     </a:solidFill>
@@ -11976,7 +11977,7 @@
               </a:ln>
               <a:extLst>
                 <a:ext uri="{91240B29-F687-4f45-9708-019B960494DF}">
-                  <a14:hiddenLine xmlns="" xmlns:a14="http://schemas.microsoft.com/office/drawing/2010/main" w="9525">
+                  <a14:hiddenLine xmlns:a14="http://schemas.microsoft.com/office/drawing/2010/main" xmlns="" w="9525">
                     <a:solidFill>
                       <a:srgbClr val="000000"/>
                     </a:solidFill>
@@ -12066,7 +12067,7 @@
               </a:ln>
               <a:extLst>
                 <a:ext uri="{91240B29-F687-4f45-9708-019B960494DF}">
-                  <a14:hiddenLine xmlns="" xmlns:a14="http://schemas.microsoft.com/office/drawing/2010/main" w="9525">
+                  <a14:hiddenLine xmlns:a14="http://schemas.microsoft.com/office/drawing/2010/main" xmlns="" w="9525">
                     <a:solidFill>
                       <a:srgbClr val="000000"/>
                     </a:solidFill>
@@ -12134,7 +12135,7 @@
               </a:ln>
               <a:extLst>
                 <a:ext uri="{91240B29-F687-4f45-9708-019B960494DF}">
-                  <a14:hiddenLine xmlns="" xmlns:a14="http://schemas.microsoft.com/office/drawing/2010/main" w="9525">
+                  <a14:hiddenLine xmlns:a14="http://schemas.microsoft.com/office/drawing/2010/main" xmlns="" w="9525">
                     <a:solidFill>
                       <a:srgbClr val="000000"/>
                     </a:solidFill>
@@ -12224,7 +12225,7 @@
               </a:ln>
               <a:extLst>
                 <a:ext uri="{91240B29-F687-4f45-9708-019B960494DF}">
-                  <a14:hiddenLine xmlns="" xmlns:a14="http://schemas.microsoft.com/office/drawing/2010/main" w="9525">
+                  <a14:hiddenLine xmlns:a14="http://schemas.microsoft.com/office/drawing/2010/main" xmlns="" w="9525">
                     <a:solidFill>
                       <a:srgbClr val="000000"/>
                     </a:solidFill>
@@ -12292,7 +12293,7 @@
               </a:ln>
               <a:extLst>
                 <a:ext uri="{91240B29-F687-4f45-9708-019B960494DF}">
-                  <a14:hiddenLine xmlns="" xmlns:a14="http://schemas.microsoft.com/office/drawing/2010/main" w="9525">
+                  <a14:hiddenLine xmlns:a14="http://schemas.microsoft.com/office/drawing/2010/main" xmlns="" w="9525">
                     <a:solidFill>
                       <a:srgbClr val="000000"/>
                     </a:solidFill>
@@ -12382,7 +12383,7 @@
               </a:ln>
               <a:extLst>
                 <a:ext uri="{91240B29-F687-4f45-9708-019B960494DF}">
-                  <a14:hiddenLine xmlns="" xmlns:a14="http://schemas.microsoft.com/office/drawing/2010/main" w="9525">
+                  <a14:hiddenLine xmlns:a14="http://schemas.microsoft.com/office/drawing/2010/main" xmlns="" w="9525">
                     <a:solidFill>
                       <a:srgbClr val="000000"/>
                     </a:solidFill>
@@ -12416,7 +12417,7 @@
               </a:ln>
               <a:extLst>
                 <a:ext uri="{91240B29-F687-4f45-9708-019B960494DF}">
-                  <a14:hiddenLine xmlns="" xmlns:a14="http://schemas.microsoft.com/office/drawing/2010/main" w="9525">
+                  <a14:hiddenLine xmlns:a14="http://schemas.microsoft.com/office/drawing/2010/main" xmlns="" w="9525">
                     <a:solidFill>
                       <a:srgbClr val="000000"/>
                     </a:solidFill>
@@ -13136,7 +13137,7 @@
             </a:ln>
             <a:extLst>
               <a:ext uri="{91240B29-F687-4f45-9708-019B960494DF}">
-                <a14:hiddenLine xmlns:a14="http://schemas.microsoft.com/office/drawing/2010/main" xmlns:p14="http://schemas.microsoft.com/office/powerpoint/2010/main" xmlns:a16="http://schemas.microsoft.com/office/drawing/2014/main" xmlns="" w="9525">
+                <a14:hiddenLine xmlns="" xmlns:a16="http://schemas.microsoft.com/office/drawing/2014/main" xmlns:p14="http://schemas.microsoft.com/office/powerpoint/2010/main" xmlns:a14="http://schemas.microsoft.com/office/drawing/2010/main" w="9525">
                   <a:solidFill>
                     <a:srgbClr val="000000"/>
                   </a:solidFill>
@@ -13241,7 +13242,7 @@
             </a:ln>
             <a:extLst>
               <a:ext uri="{91240B29-F687-4f45-9708-019B960494DF}">
-                <a14:hiddenLine xmlns:a14="http://schemas.microsoft.com/office/drawing/2010/main" xmlns:p14="http://schemas.microsoft.com/office/powerpoint/2010/main" xmlns:a16="http://schemas.microsoft.com/office/drawing/2014/main" xmlns="" w="9525">
+                <a14:hiddenLine xmlns="" xmlns:a16="http://schemas.microsoft.com/office/drawing/2014/main" xmlns:p14="http://schemas.microsoft.com/office/powerpoint/2010/main" xmlns:a14="http://schemas.microsoft.com/office/drawing/2010/main" w="9525">
                   <a:solidFill>
                     <a:srgbClr val="000000"/>
                   </a:solidFill>
@@ -13346,7 +13347,7 @@
             </a:ln>
             <a:extLst>
               <a:ext uri="{91240B29-F687-4f45-9708-019B960494DF}">
-                <a14:hiddenLine xmlns:a14="http://schemas.microsoft.com/office/drawing/2010/main" xmlns:p14="http://schemas.microsoft.com/office/powerpoint/2010/main" xmlns:a16="http://schemas.microsoft.com/office/drawing/2014/main" xmlns="" w="9525">
+                <a14:hiddenLine xmlns="" xmlns:a16="http://schemas.microsoft.com/office/drawing/2014/main" xmlns:p14="http://schemas.microsoft.com/office/powerpoint/2010/main" xmlns:a14="http://schemas.microsoft.com/office/drawing/2010/main" w="9525">
                   <a:solidFill>
                     <a:srgbClr val="000000"/>
                   </a:solidFill>
@@ -13395,7 +13396,7 @@
             </a:ln>
             <a:extLst>
               <a:ext uri="{91240B29-F687-4f45-9708-019B960494DF}">
-                <a14:hiddenLine xmlns:a14="http://schemas.microsoft.com/office/drawing/2010/main" xmlns:p14="http://schemas.microsoft.com/office/powerpoint/2010/main" xmlns:a16="http://schemas.microsoft.com/office/drawing/2014/main" xmlns="" w="9525">
+                <a14:hiddenLine xmlns="" xmlns:a16="http://schemas.microsoft.com/office/drawing/2014/main" xmlns:p14="http://schemas.microsoft.com/office/powerpoint/2010/main" xmlns:a14="http://schemas.microsoft.com/office/drawing/2010/main" w="9525">
                   <a:solidFill>
                     <a:srgbClr val="000000"/>
                   </a:solidFill>
@@ -13500,7 +13501,7 @@
             </a:ln>
             <a:extLst>
               <a:ext uri="{91240B29-F687-4f45-9708-019B960494DF}">
-                <a14:hiddenLine xmlns:a14="http://schemas.microsoft.com/office/drawing/2010/main" xmlns:p14="http://schemas.microsoft.com/office/powerpoint/2010/main" xmlns:a16="http://schemas.microsoft.com/office/drawing/2014/main" xmlns="" w="9525">
+                <a14:hiddenLine xmlns="" xmlns:a16="http://schemas.microsoft.com/office/drawing/2014/main" xmlns:p14="http://schemas.microsoft.com/office/powerpoint/2010/main" xmlns:a14="http://schemas.microsoft.com/office/drawing/2010/main" w="9525">
                   <a:solidFill>
                     <a:srgbClr val="000000"/>
                   </a:solidFill>
@@ -13577,7 +13578,7 @@
             </a:ln>
             <a:extLst>
               <a:ext uri="{91240B29-F687-4f45-9708-019B960494DF}">
-                <a14:hiddenLine xmlns:a14="http://schemas.microsoft.com/office/drawing/2010/main" xmlns:p14="http://schemas.microsoft.com/office/powerpoint/2010/main" xmlns:a16="http://schemas.microsoft.com/office/drawing/2014/main" xmlns="" w="9525">
+                <a14:hiddenLine xmlns="" xmlns:a16="http://schemas.microsoft.com/office/drawing/2014/main" xmlns:p14="http://schemas.microsoft.com/office/powerpoint/2010/main" xmlns:a14="http://schemas.microsoft.com/office/drawing/2010/main" w="9525">
                   <a:solidFill>
                     <a:srgbClr val="000000"/>
                   </a:solidFill>
@@ -13654,7 +13655,7 @@
             </a:ln>
             <a:extLst>
               <a:ext uri="{91240B29-F687-4f45-9708-019B960494DF}">
-                <a14:hiddenLine xmlns:a14="http://schemas.microsoft.com/office/drawing/2010/main" xmlns:p14="http://schemas.microsoft.com/office/powerpoint/2010/main" xmlns:a16="http://schemas.microsoft.com/office/drawing/2014/main" xmlns="" w="9525">
+                <a14:hiddenLine xmlns="" xmlns:a16="http://schemas.microsoft.com/office/drawing/2014/main" xmlns:p14="http://schemas.microsoft.com/office/powerpoint/2010/main" xmlns:a14="http://schemas.microsoft.com/office/drawing/2010/main" w="9525">
                   <a:solidFill>
                     <a:srgbClr val="000000"/>
                   </a:solidFill>
@@ -13759,7 +13760,7 @@
             </a:ln>
             <a:extLst>
               <a:ext uri="{91240B29-F687-4f45-9708-019B960494DF}">
-                <a14:hiddenLine xmlns:a14="http://schemas.microsoft.com/office/drawing/2010/main" xmlns:p14="http://schemas.microsoft.com/office/powerpoint/2010/main" xmlns:a16="http://schemas.microsoft.com/office/drawing/2014/main" xmlns="" w="9525">
+                <a14:hiddenLine xmlns="" xmlns:a16="http://schemas.microsoft.com/office/drawing/2014/main" xmlns:p14="http://schemas.microsoft.com/office/powerpoint/2010/main" xmlns:a14="http://schemas.microsoft.com/office/drawing/2010/main" w="9525">
                   <a:solidFill>
                     <a:srgbClr val="000000"/>
                   </a:solidFill>
@@ -13836,7 +13837,7 @@
             </a:ln>
             <a:extLst>
               <a:ext uri="{91240B29-F687-4f45-9708-019B960494DF}">
-                <a14:hiddenLine xmlns:a14="http://schemas.microsoft.com/office/drawing/2010/main" xmlns:p14="http://schemas.microsoft.com/office/powerpoint/2010/main" xmlns:a16="http://schemas.microsoft.com/office/drawing/2014/main" xmlns="" w="9525">
+                <a14:hiddenLine xmlns="" xmlns:a16="http://schemas.microsoft.com/office/drawing/2014/main" xmlns:p14="http://schemas.microsoft.com/office/powerpoint/2010/main" xmlns:a14="http://schemas.microsoft.com/office/drawing/2010/main" w="9525">
                   <a:solidFill>
                     <a:srgbClr val="000000"/>
                   </a:solidFill>
@@ -13913,7 +13914,7 @@
             </a:ln>
             <a:extLst>
               <a:ext uri="{91240B29-F687-4f45-9708-019B960494DF}">
-                <a14:hiddenLine xmlns:a14="http://schemas.microsoft.com/office/drawing/2010/main" xmlns:p14="http://schemas.microsoft.com/office/powerpoint/2010/main" xmlns:a16="http://schemas.microsoft.com/office/drawing/2014/main" xmlns="" w="9525">
+                <a14:hiddenLine xmlns="" xmlns:a16="http://schemas.microsoft.com/office/drawing/2014/main" xmlns:p14="http://schemas.microsoft.com/office/powerpoint/2010/main" xmlns:a14="http://schemas.microsoft.com/office/drawing/2010/main" w="9525">
                   <a:solidFill>
                     <a:srgbClr val="000000"/>
                   </a:solidFill>
@@ -14018,7 +14019,7 @@
             </a:ln>
             <a:extLst>
               <a:ext uri="{91240B29-F687-4f45-9708-019B960494DF}">
-                <a14:hiddenLine xmlns:a14="http://schemas.microsoft.com/office/drawing/2010/main" xmlns:p14="http://schemas.microsoft.com/office/powerpoint/2010/main" xmlns:a16="http://schemas.microsoft.com/office/drawing/2014/main" xmlns="" w="9525">
+                <a14:hiddenLine xmlns="" xmlns:a16="http://schemas.microsoft.com/office/drawing/2014/main" xmlns:p14="http://schemas.microsoft.com/office/powerpoint/2010/main" xmlns:a14="http://schemas.microsoft.com/office/drawing/2010/main" w="9525">
                   <a:solidFill>
                     <a:srgbClr val="000000"/>
                   </a:solidFill>
@@ -14123,7 +14124,7 @@
             </a:ln>
             <a:extLst>
               <a:ext uri="{91240B29-F687-4f45-9708-019B960494DF}">
-                <a14:hiddenLine xmlns:a14="http://schemas.microsoft.com/office/drawing/2010/main" xmlns:p14="http://schemas.microsoft.com/office/powerpoint/2010/main" xmlns:a16="http://schemas.microsoft.com/office/drawing/2014/main" xmlns="" w="9525">
+                <a14:hiddenLine xmlns="" xmlns:a16="http://schemas.microsoft.com/office/drawing/2014/main" xmlns:p14="http://schemas.microsoft.com/office/powerpoint/2010/main" xmlns:a14="http://schemas.microsoft.com/office/drawing/2010/main" w="9525">
                   <a:solidFill>
                     <a:srgbClr val="000000"/>
                   </a:solidFill>
@@ -14200,7 +14201,7 @@
             </a:ln>
             <a:extLst>
               <a:ext uri="{91240B29-F687-4f45-9708-019B960494DF}">
-                <a14:hiddenLine xmlns:a14="http://schemas.microsoft.com/office/drawing/2010/main" xmlns:p14="http://schemas.microsoft.com/office/powerpoint/2010/main" xmlns:a16="http://schemas.microsoft.com/office/drawing/2014/main" xmlns="" w="9525">
+                <a14:hiddenLine xmlns="" xmlns:a16="http://schemas.microsoft.com/office/drawing/2014/main" xmlns:p14="http://schemas.microsoft.com/office/powerpoint/2010/main" xmlns:a14="http://schemas.microsoft.com/office/drawing/2010/main" w="9525">
                   <a:solidFill>
                     <a:srgbClr val="000000"/>
                   </a:solidFill>
@@ -14325,7 +14326,7 @@
             </a:ln>
             <a:extLst>
               <a:ext uri="{91240B29-F687-4f45-9708-019B960494DF}">
-                <a14:hiddenLine xmlns:a14="http://schemas.microsoft.com/office/drawing/2010/main" xmlns:p14="http://schemas.microsoft.com/office/powerpoint/2010/main" xmlns:a16="http://schemas.microsoft.com/office/drawing/2014/main" xmlns="" w="9525">
+                <a14:hiddenLine xmlns="" xmlns:a16="http://schemas.microsoft.com/office/drawing/2014/main" xmlns:p14="http://schemas.microsoft.com/office/powerpoint/2010/main" xmlns:a14="http://schemas.microsoft.com/office/drawing/2010/main" w="9525">
                   <a:solidFill>
                     <a:srgbClr val="000000"/>
                   </a:solidFill>
@@ -14402,7 +14403,7 @@
             </a:ln>
             <a:extLst>
               <a:ext uri="{91240B29-F687-4f45-9708-019B960494DF}">
-                <a14:hiddenLine xmlns:a14="http://schemas.microsoft.com/office/drawing/2010/main" xmlns:p14="http://schemas.microsoft.com/office/powerpoint/2010/main" xmlns:a16="http://schemas.microsoft.com/office/drawing/2014/main" xmlns="" w="9525">
+                <a14:hiddenLine xmlns="" xmlns:a16="http://schemas.microsoft.com/office/drawing/2014/main" xmlns:p14="http://schemas.microsoft.com/office/powerpoint/2010/main" xmlns:a14="http://schemas.microsoft.com/office/drawing/2010/main" w="9525">
                   <a:solidFill>
                     <a:srgbClr val="000000"/>
                   </a:solidFill>
@@ -14507,7 +14508,7 @@
             </a:ln>
             <a:extLst>
               <a:ext uri="{91240B29-F687-4f45-9708-019B960494DF}">
-                <a14:hiddenLine xmlns:a14="http://schemas.microsoft.com/office/drawing/2010/main" xmlns:p14="http://schemas.microsoft.com/office/powerpoint/2010/main" xmlns:a16="http://schemas.microsoft.com/office/drawing/2014/main" xmlns="" w="9525">
+                <a14:hiddenLine xmlns="" xmlns:a16="http://schemas.microsoft.com/office/drawing/2014/main" xmlns:p14="http://schemas.microsoft.com/office/powerpoint/2010/main" xmlns:a14="http://schemas.microsoft.com/office/drawing/2010/main" w="9525">
                   <a:solidFill>
                     <a:srgbClr val="000000"/>
                   </a:solidFill>
@@ -14612,7 +14613,7 @@
             </a:ln>
             <a:extLst>
               <a:ext uri="{91240B29-F687-4f45-9708-019B960494DF}">
-                <a14:hiddenLine xmlns:a14="http://schemas.microsoft.com/office/drawing/2010/main" xmlns:p14="http://schemas.microsoft.com/office/powerpoint/2010/main" xmlns:a16="http://schemas.microsoft.com/office/drawing/2014/main" xmlns="" w="9525">
+                <a14:hiddenLine xmlns="" xmlns:a16="http://schemas.microsoft.com/office/drawing/2014/main" xmlns:p14="http://schemas.microsoft.com/office/powerpoint/2010/main" xmlns:a14="http://schemas.microsoft.com/office/drawing/2010/main" w="9525">
                   <a:solidFill>
                     <a:srgbClr val="000000"/>
                   </a:solidFill>
@@ -14689,7 +14690,7 @@
             </a:ln>
             <a:extLst>
               <a:ext uri="{91240B29-F687-4f45-9708-019B960494DF}">
-                <a14:hiddenLine xmlns:a14="http://schemas.microsoft.com/office/drawing/2010/main" xmlns:p14="http://schemas.microsoft.com/office/powerpoint/2010/main" xmlns:a16="http://schemas.microsoft.com/office/drawing/2014/main" xmlns="" w="9525">
+                <a14:hiddenLine xmlns="" xmlns:a16="http://schemas.microsoft.com/office/drawing/2014/main" xmlns:p14="http://schemas.microsoft.com/office/powerpoint/2010/main" xmlns:a14="http://schemas.microsoft.com/office/drawing/2010/main" w="9525">
                   <a:solidFill>
                     <a:srgbClr val="000000"/>
                   </a:solidFill>
@@ -14794,7 +14795,7 @@
             </a:ln>
             <a:extLst>
               <a:ext uri="{91240B29-F687-4f45-9708-019B960494DF}">
-                <a14:hiddenLine xmlns:a14="http://schemas.microsoft.com/office/drawing/2010/main" xmlns:p14="http://schemas.microsoft.com/office/powerpoint/2010/main" xmlns:a16="http://schemas.microsoft.com/office/drawing/2014/main" xmlns="" w="9525">
+                <a14:hiddenLine xmlns="" xmlns:a16="http://schemas.microsoft.com/office/drawing/2014/main" xmlns:p14="http://schemas.microsoft.com/office/powerpoint/2010/main" xmlns:a14="http://schemas.microsoft.com/office/drawing/2010/main" w="9525">
                   <a:solidFill>
                     <a:srgbClr val="000000"/>
                   </a:solidFill>
@@ -14899,7 +14900,7 @@
             </a:ln>
             <a:extLst>
               <a:ext uri="{91240B29-F687-4f45-9708-019B960494DF}">
-                <a14:hiddenLine xmlns:a14="http://schemas.microsoft.com/office/drawing/2010/main" xmlns:p14="http://schemas.microsoft.com/office/powerpoint/2010/main" xmlns:a16="http://schemas.microsoft.com/office/drawing/2014/main" xmlns="" w="9525">
+                <a14:hiddenLine xmlns="" xmlns:a16="http://schemas.microsoft.com/office/drawing/2014/main" xmlns:p14="http://schemas.microsoft.com/office/powerpoint/2010/main" xmlns:a14="http://schemas.microsoft.com/office/drawing/2010/main" w="9525">
                   <a:solidFill>
                     <a:srgbClr val="000000"/>
                   </a:solidFill>
@@ -14970,7 +14971,7 @@
             </a:ln>
             <a:extLst>
               <a:ext uri="{91240B29-F687-4f45-9708-019B960494DF}">
-                <a14:hiddenLine xmlns:a14="http://schemas.microsoft.com/office/drawing/2010/main" xmlns:p14="http://schemas.microsoft.com/office/powerpoint/2010/main" xmlns:a16="http://schemas.microsoft.com/office/drawing/2014/main" xmlns="" w="9525">
+                <a14:hiddenLine xmlns="" xmlns:a16="http://schemas.microsoft.com/office/drawing/2014/main" xmlns:p14="http://schemas.microsoft.com/office/powerpoint/2010/main" xmlns:a14="http://schemas.microsoft.com/office/drawing/2010/main" w="9525">
                   <a:solidFill>
                     <a:srgbClr val="000000"/>
                   </a:solidFill>
@@ -15075,7 +15076,7 @@
             </a:ln>
             <a:extLst>
               <a:ext uri="{91240B29-F687-4f45-9708-019B960494DF}">
-                <a14:hiddenLine xmlns:a14="http://schemas.microsoft.com/office/drawing/2010/main" xmlns:p14="http://schemas.microsoft.com/office/powerpoint/2010/main" xmlns:a16="http://schemas.microsoft.com/office/drawing/2014/main" xmlns="" w="9525">
+                <a14:hiddenLine xmlns="" xmlns:a16="http://schemas.microsoft.com/office/drawing/2014/main" xmlns:p14="http://schemas.microsoft.com/office/powerpoint/2010/main" xmlns:a14="http://schemas.microsoft.com/office/drawing/2010/main" w="9525">
                   <a:solidFill>
                     <a:srgbClr val="000000"/>
                   </a:solidFill>
@@ -15146,7 +15147,7 @@
             </a:ln>
             <a:extLst>
               <a:ext uri="{91240B29-F687-4f45-9708-019B960494DF}">
-                <a14:hiddenLine xmlns:a14="http://schemas.microsoft.com/office/drawing/2010/main" xmlns:p14="http://schemas.microsoft.com/office/powerpoint/2010/main" xmlns:a16="http://schemas.microsoft.com/office/drawing/2014/main" xmlns="" w="9525">
+                <a14:hiddenLine xmlns="" xmlns:a16="http://schemas.microsoft.com/office/drawing/2014/main" xmlns:p14="http://schemas.microsoft.com/office/powerpoint/2010/main" xmlns:a14="http://schemas.microsoft.com/office/drawing/2010/main" w="9525">
                   <a:solidFill>
                     <a:srgbClr val="000000"/>
                   </a:solidFill>
@@ -15251,7 +15252,7 @@
             </a:ln>
             <a:extLst>
               <a:ext uri="{91240B29-F687-4f45-9708-019B960494DF}">
-                <a14:hiddenLine xmlns:a14="http://schemas.microsoft.com/office/drawing/2010/main" xmlns:p14="http://schemas.microsoft.com/office/powerpoint/2010/main" xmlns:a16="http://schemas.microsoft.com/office/drawing/2014/main" xmlns="" w="9525">
+                <a14:hiddenLine xmlns="" xmlns:a16="http://schemas.microsoft.com/office/drawing/2014/main" xmlns:p14="http://schemas.microsoft.com/office/powerpoint/2010/main" xmlns:a14="http://schemas.microsoft.com/office/drawing/2010/main" w="9525">
                   <a:solidFill>
                     <a:srgbClr val="000000"/>
                   </a:solidFill>
@@ -15334,7 +15335,7 @@
             </a:ln>
             <a:extLst>
               <a:ext uri="{91240B29-F687-4f45-9708-019B960494DF}">
-                <a14:hiddenLine xmlns:a14="http://schemas.microsoft.com/office/drawing/2010/main" xmlns:p14="http://schemas.microsoft.com/office/powerpoint/2010/main" xmlns:a16="http://schemas.microsoft.com/office/drawing/2014/main" xmlns="" w="9525">
+                <a14:hiddenLine xmlns="" xmlns:a16="http://schemas.microsoft.com/office/drawing/2014/main" xmlns:p14="http://schemas.microsoft.com/office/powerpoint/2010/main" xmlns:a14="http://schemas.microsoft.com/office/drawing/2010/main" w="9525">
                   <a:solidFill>
                     <a:srgbClr val="000000"/>
                   </a:solidFill>
@@ -15439,7 +15440,7 @@
             </a:ln>
             <a:extLst>
               <a:ext uri="{91240B29-F687-4f45-9708-019B960494DF}">
-                <a14:hiddenLine xmlns:a14="http://schemas.microsoft.com/office/drawing/2010/main" xmlns:p14="http://schemas.microsoft.com/office/powerpoint/2010/main" xmlns:a16="http://schemas.microsoft.com/office/drawing/2014/main" xmlns="" w="9525">
+                <a14:hiddenLine xmlns="" xmlns:a16="http://schemas.microsoft.com/office/drawing/2014/main" xmlns:p14="http://schemas.microsoft.com/office/powerpoint/2010/main" xmlns:a14="http://schemas.microsoft.com/office/drawing/2010/main" w="9525">
                   <a:solidFill>
                     <a:srgbClr val="000000"/>
                   </a:solidFill>
@@ -15522,7 +15523,7 @@
             </a:ln>
             <a:extLst>
               <a:ext uri="{91240B29-F687-4f45-9708-019B960494DF}">
-                <a14:hiddenLine xmlns:a14="http://schemas.microsoft.com/office/drawing/2010/main" xmlns:p14="http://schemas.microsoft.com/office/powerpoint/2010/main" xmlns:a16="http://schemas.microsoft.com/office/drawing/2014/main" xmlns="" w="9525">
+                <a14:hiddenLine xmlns="" xmlns:a16="http://schemas.microsoft.com/office/drawing/2014/main" xmlns:p14="http://schemas.microsoft.com/office/powerpoint/2010/main" xmlns:a14="http://schemas.microsoft.com/office/drawing/2010/main" w="9525">
                   <a:solidFill>
                     <a:srgbClr val="000000"/>
                   </a:solidFill>
@@ -15627,7 +15628,7 @@
             </a:ln>
             <a:extLst>
               <a:ext uri="{91240B29-F687-4f45-9708-019B960494DF}">
-                <a14:hiddenLine xmlns:a14="http://schemas.microsoft.com/office/drawing/2010/main" xmlns:p14="http://schemas.microsoft.com/office/powerpoint/2010/main" xmlns:a16="http://schemas.microsoft.com/office/drawing/2014/main" xmlns="" w="9525">
+                <a14:hiddenLine xmlns="" xmlns:a16="http://schemas.microsoft.com/office/drawing/2014/main" xmlns:p14="http://schemas.microsoft.com/office/powerpoint/2010/main" xmlns:a14="http://schemas.microsoft.com/office/drawing/2010/main" w="9525">
                   <a:solidFill>
                     <a:srgbClr val="000000"/>
                   </a:solidFill>
@@ -15676,7 +15677,7 @@
             </a:ln>
             <a:extLst>
               <a:ext uri="{91240B29-F687-4f45-9708-019B960494DF}">
-                <a14:hiddenLine xmlns:a14="http://schemas.microsoft.com/office/drawing/2010/main" xmlns:p14="http://schemas.microsoft.com/office/powerpoint/2010/main" xmlns:a16="http://schemas.microsoft.com/office/drawing/2014/main" xmlns="" w="9525">
+                <a14:hiddenLine xmlns="" xmlns:a16="http://schemas.microsoft.com/office/drawing/2014/main" xmlns:p14="http://schemas.microsoft.com/office/powerpoint/2010/main" xmlns:a14="http://schemas.microsoft.com/office/drawing/2010/main" w="9525">
                   <a:solidFill>
                     <a:srgbClr val="000000"/>
                   </a:solidFill>
@@ -15781,7 +15782,7 @@
             </a:ln>
             <a:extLst>
               <a:ext uri="{91240B29-F687-4f45-9708-019B960494DF}">
-                <a14:hiddenLine xmlns:a14="http://schemas.microsoft.com/office/drawing/2010/main" xmlns:p14="http://schemas.microsoft.com/office/powerpoint/2010/main" xmlns:a16="http://schemas.microsoft.com/office/drawing/2014/main" xmlns="" w="9525">
+                <a14:hiddenLine xmlns="" xmlns:a16="http://schemas.microsoft.com/office/drawing/2014/main" xmlns:p14="http://schemas.microsoft.com/office/powerpoint/2010/main" xmlns:a14="http://schemas.microsoft.com/office/drawing/2010/main" w="9525">
                   <a:solidFill>
                     <a:srgbClr val="000000"/>
                   </a:solidFill>
@@ -15858,7 +15859,7 @@
             </a:ln>
             <a:extLst>
               <a:ext uri="{91240B29-F687-4f45-9708-019B960494DF}">
-                <a14:hiddenLine xmlns:a14="http://schemas.microsoft.com/office/drawing/2010/main" xmlns:p14="http://schemas.microsoft.com/office/powerpoint/2010/main" xmlns:a16="http://schemas.microsoft.com/office/drawing/2014/main" xmlns="" w="9525">
+                <a14:hiddenLine xmlns="" xmlns:a16="http://schemas.microsoft.com/office/drawing/2014/main" xmlns:p14="http://schemas.microsoft.com/office/powerpoint/2010/main" xmlns:a14="http://schemas.microsoft.com/office/drawing/2010/main" w="9525">
                   <a:solidFill>
                     <a:srgbClr val="000000"/>
                   </a:solidFill>
@@ -15935,7 +15936,7 @@
             </a:ln>
             <a:extLst>
               <a:ext uri="{91240B29-F687-4f45-9708-019B960494DF}">
-                <a14:hiddenLine xmlns:a14="http://schemas.microsoft.com/office/drawing/2010/main" xmlns:p14="http://schemas.microsoft.com/office/powerpoint/2010/main" xmlns:a16="http://schemas.microsoft.com/office/drawing/2014/main" xmlns="" w="9525">
+                <a14:hiddenLine xmlns="" xmlns:a16="http://schemas.microsoft.com/office/drawing/2014/main" xmlns:p14="http://schemas.microsoft.com/office/powerpoint/2010/main" xmlns:a14="http://schemas.microsoft.com/office/drawing/2010/main" w="9525">
                   <a:solidFill>
                     <a:srgbClr val="000000"/>
                   </a:solidFill>
@@ -16040,7 +16041,7 @@
             </a:ln>
             <a:extLst>
               <a:ext uri="{91240B29-F687-4f45-9708-019B960494DF}">
-                <a14:hiddenLine xmlns:a14="http://schemas.microsoft.com/office/drawing/2010/main" xmlns:p14="http://schemas.microsoft.com/office/powerpoint/2010/main" xmlns:a16="http://schemas.microsoft.com/office/drawing/2014/main" xmlns="" w="9525">
+                <a14:hiddenLine xmlns="" xmlns:a16="http://schemas.microsoft.com/office/drawing/2014/main" xmlns:p14="http://schemas.microsoft.com/office/powerpoint/2010/main" xmlns:a14="http://schemas.microsoft.com/office/drawing/2010/main" w="9525">
                   <a:solidFill>
                     <a:srgbClr val="000000"/>
                   </a:solidFill>
@@ -16123,7 +16124,7 @@
             </a:ln>
             <a:extLst>
               <a:ext uri="{91240B29-F687-4f45-9708-019B960494DF}">
-                <a14:hiddenLine xmlns:a14="http://schemas.microsoft.com/office/drawing/2010/main" xmlns:p14="http://schemas.microsoft.com/office/powerpoint/2010/main" xmlns:a16="http://schemas.microsoft.com/office/drawing/2014/main" xmlns="" w="9525">
+                <a14:hiddenLine xmlns="" xmlns:a16="http://schemas.microsoft.com/office/drawing/2014/main" xmlns:p14="http://schemas.microsoft.com/office/powerpoint/2010/main" xmlns:a14="http://schemas.microsoft.com/office/drawing/2010/main" w="9525">
                   <a:solidFill>
                     <a:srgbClr val="000000"/>
                   </a:solidFill>
@@ -16200,7 +16201,7 @@
             </a:ln>
             <a:extLst>
               <a:ext uri="{91240B29-F687-4f45-9708-019B960494DF}">
-                <a14:hiddenLine xmlns:a14="http://schemas.microsoft.com/office/drawing/2010/main" xmlns:p14="http://schemas.microsoft.com/office/powerpoint/2010/main" xmlns:a16="http://schemas.microsoft.com/office/drawing/2014/main" xmlns="" w="9525">
+                <a14:hiddenLine xmlns="" xmlns:a16="http://schemas.microsoft.com/office/drawing/2014/main" xmlns:p14="http://schemas.microsoft.com/office/powerpoint/2010/main" xmlns:a14="http://schemas.microsoft.com/office/drawing/2010/main" w="9525">
                   <a:solidFill>
                     <a:srgbClr val="000000"/>
                   </a:solidFill>
@@ -16305,7 +16306,7 @@
             </a:ln>
             <a:extLst>
               <a:ext uri="{91240B29-F687-4f45-9708-019B960494DF}">
-                <a14:hiddenLine xmlns:a14="http://schemas.microsoft.com/office/drawing/2010/main" xmlns:p14="http://schemas.microsoft.com/office/powerpoint/2010/main" xmlns:a16="http://schemas.microsoft.com/office/drawing/2014/main" xmlns="" w="9525">
+                <a14:hiddenLine xmlns="" xmlns:a16="http://schemas.microsoft.com/office/drawing/2014/main" xmlns:p14="http://schemas.microsoft.com/office/powerpoint/2010/main" xmlns:a14="http://schemas.microsoft.com/office/drawing/2010/main" w="9525">
                   <a:solidFill>
                     <a:srgbClr val="000000"/>
                   </a:solidFill>
@@ -16382,7 +16383,7 @@
             </a:ln>
             <a:extLst>
               <a:ext uri="{91240B29-F687-4f45-9708-019B960494DF}">
-                <a14:hiddenLine xmlns:a14="http://schemas.microsoft.com/office/drawing/2010/main" xmlns:p14="http://schemas.microsoft.com/office/powerpoint/2010/main" xmlns:a16="http://schemas.microsoft.com/office/drawing/2014/main" xmlns="" w="9525">
+                <a14:hiddenLine xmlns="" xmlns:a16="http://schemas.microsoft.com/office/drawing/2014/main" xmlns:p14="http://schemas.microsoft.com/office/powerpoint/2010/main" xmlns:a14="http://schemas.microsoft.com/office/drawing/2010/main" w="9525">
                   <a:solidFill>
                     <a:srgbClr val="000000"/>
                   </a:solidFill>
@@ -16487,7 +16488,7 @@
             </a:ln>
             <a:extLst>
               <a:ext uri="{91240B29-F687-4f45-9708-019B960494DF}">
-                <a14:hiddenLine xmlns:a14="http://schemas.microsoft.com/office/drawing/2010/main" xmlns:p14="http://schemas.microsoft.com/office/powerpoint/2010/main" xmlns:a16="http://schemas.microsoft.com/office/drawing/2014/main" xmlns="" w="9525">
+                <a14:hiddenLine xmlns="" xmlns:a16="http://schemas.microsoft.com/office/drawing/2014/main" xmlns:p14="http://schemas.microsoft.com/office/powerpoint/2010/main" xmlns:a14="http://schemas.microsoft.com/office/drawing/2010/main" w="9525">
                   <a:solidFill>
                     <a:srgbClr val="000000"/>
                   </a:solidFill>
@@ -16564,7 +16565,7 @@
             </a:ln>
             <a:extLst>
               <a:ext uri="{91240B29-F687-4f45-9708-019B960494DF}">
-                <a14:hiddenLine xmlns:a14="http://schemas.microsoft.com/office/drawing/2010/main" xmlns:p14="http://schemas.microsoft.com/office/powerpoint/2010/main" xmlns:a16="http://schemas.microsoft.com/office/drawing/2014/main" xmlns="" w="9525">
+                <a14:hiddenLine xmlns="" xmlns:a16="http://schemas.microsoft.com/office/drawing/2014/main" xmlns:p14="http://schemas.microsoft.com/office/powerpoint/2010/main" xmlns:a14="http://schemas.microsoft.com/office/drawing/2010/main" w="9525">
                   <a:solidFill>
                     <a:srgbClr val="000000"/>
                   </a:solidFill>
@@ -16669,7 +16670,7 @@
             </a:ln>
             <a:extLst>
               <a:ext uri="{91240B29-F687-4f45-9708-019B960494DF}">
-                <a14:hiddenLine xmlns:a14="http://schemas.microsoft.com/office/drawing/2010/main" xmlns:p14="http://schemas.microsoft.com/office/powerpoint/2010/main" xmlns:a16="http://schemas.microsoft.com/office/drawing/2014/main" xmlns="" w="9525">
+                <a14:hiddenLine xmlns="" xmlns:a16="http://schemas.microsoft.com/office/drawing/2014/main" xmlns:p14="http://schemas.microsoft.com/office/powerpoint/2010/main" xmlns:a14="http://schemas.microsoft.com/office/drawing/2010/main" w="9525">
                   <a:solidFill>
                     <a:srgbClr val="000000"/>
                   </a:solidFill>
@@ -16718,7 +16719,7 @@
             </a:ln>
             <a:extLst>
               <a:ext uri="{91240B29-F687-4f45-9708-019B960494DF}">
-                <a14:hiddenLine xmlns:a14="http://schemas.microsoft.com/office/drawing/2010/main" xmlns:p14="http://schemas.microsoft.com/office/powerpoint/2010/main" xmlns:a16="http://schemas.microsoft.com/office/drawing/2014/main" xmlns="" w="9525">
+                <a14:hiddenLine xmlns="" xmlns:a16="http://schemas.microsoft.com/office/drawing/2014/main" xmlns:p14="http://schemas.microsoft.com/office/powerpoint/2010/main" xmlns:a14="http://schemas.microsoft.com/office/drawing/2010/main" w="9525">
                   <a:solidFill>
                     <a:srgbClr val="000000"/>
                   </a:solidFill>
@@ -16798,7 +16799,7 @@
             </a:ln>
             <a:extLst>
               <a:ext uri="{91240B29-F687-4f45-9708-019B960494DF}">
-                <a14:hiddenLine xmlns:a14="http://schemas.microsoft.com/office/drawing/2010/main" xmlns:p14="http://schemas.microsoft.com/office/powerpoint/2010/main" xmlns:a16="http://schemas.microsoft.com/office/drawing/2014/main" xmlns="" w="9525">
+                <a14:hiddenLine xmlns="" xmlns:a16="http://schemas.microsoft.com/office/drawing/2014/main" xmlns:p14="http://schemas.microsoft.com/office/powerpoint/2010/main" xmlns:a14="http://schemas.microsoft.com/office/drawing/2010/main" w="9525">
                   <a:solidFill>
                     <a:srgbClr val="000000"/>
                   </a:solidFill>
@@ -16903,7 +16904,7 @@
             </a:ln>
             <a:extLst>
               <a:ext uri="{91240B29-F687-4f45-9708-019B960494DF}">
-                <a14:hiddenLine xmlns:a14="http://schemas.microsoft.com/office/drawing/2010/main" xmlns:p14="http://schemas.microsoft.com/office/powerpoint/2010/main" xmlns:a16="http://schemas.microsoft.com/office/drawing/2014/main" xmlns="" w="9525">
+                <a14:hiddenLine xmlns="" xmlns:a16="http://schemas.microsoft.com/office/drawing/2014/main" xmlns:p14="http://schemas.microsoft.com/office/powerpoint/2010/main" xmlns:a14="http://schemas.microsoft.com/office/drawing/2010/main" w="9525">
                   <a:solidFill>
                     <a:srgbClr val="000000"/>
                   </a:solidFill>
@@ -16980,7 +16981,7 @@
             </a:ln>
             <a:extLst>
               <a:ext uri="{91240B29-F687-4f45-9708-019B960494DF}">
-                <a14:hiddenLine xmlns:a14="http://schemas.microsoft.com/office/drawing/2010/main" xmlns:p14="http://schemas.microsoft.com/office/powerpoint/2010/main" xmlns:a16="http://schemas.microsoft.com/office/drawing/2014/main" xmlns="" w="9525">
+                <a14:hiddenLine xmlns="" xmlns:a16="http://schemas.microsoft.com/office/drawing/2014/main" xmlns:p14="http://schemas.microsoft.com/office/powerpoint/2010/main" xmlns:a14="http://schemas.microsoft.com/office/drawing/2010/main" w="9525">
                   <a:solidFill>
                     <a:srgbClr val="000000"/>
                   </a:solidFill>
@@ -17085,7 +17086,7 @@
             </a:ln>
             <a:extLst>
               <a:ext uri="{91240B29-F687-4f45-9708-019B960494DF}">
-                <a14:hiddenLine xmlns:a14="http://schemas.microsoft.com/office/drawing/2010/main" xmlns:p14="http://schemas.microsoft.com/office/powerpoint/2010/main" xmlns:a16="http://schemas.microsoft.com/office/drawing/2014/main" xmlns="" w="9525">
+                <a14:hiddenLine xmlns="" xmlns:a16="http://schemas.microsoft.com/office/drawing/2014/main" xmlns:p14="http://schemas.microsoft.com/office/powerpoint/2010/main" xmlns:a14="http://schemas.microsoft.com/office/drawing/2010/main" w="9525">
                   <a:solidFill>
                     <a:srgbClr val="000000"/>
                   </a:solidFill>
@@ -17190,7 +17191,7 @@
             </a:ln>
             <a:extLst>
               <a:ext uri="{91240B29-F687-4f45-9708-019B960494DF}">
-                <a14:hiddenLine xmlns:a14="http://schemas.microsoft.com/office/drawing/2010/main" xmlns:p14="http://schemas.microsoft.com/office/powerpoint/2010/main" xmlns:a16="http://schemas.microsoft.com/office/drawing/2014/main" xmlns="" w="9525">
+                <a14:hiddenLine xmlns="" xmlns:a16="http://schemas.microsoft.com/office/drawing/2014/main" xmlns:p14="http://schemas.microsoft.com/office/powerpoint/2010/main" xmlns:a14="http://schemas.microsoft.com/office/drawing/2010/main" w="9525">
                   <a:solidFill>
                     <a:srgbClr val="000000"/>
                   </a:solidFill>
@@ -17270,7 +17271,7 @@
             </a:ln>
             <a:extLst>
               <a:ext uri="{91240B29-F687-4f45-9708-019B960494DF}">
-                <a14:hiddenLine xmlns:a14="http://schemas.microsoft.com/office/drawing/2010/main" xmlns:p14="http://schemas.microsoft.com/office/powerpoint/2010/main" xmlns:a16="http://schemas.microsoft.com/office/drawing/2014/main" xmlns="" w="9525">
+                <a14:hiddenLine xmlns="" xmlns:a16="http://schemas.microsoft.com/office/drawing/2014/main" xmlns:p14="http://schemas.microsoft.com/office/powerpoint/2010/main" xmlns:a14="http://schemas.microsoft.com/office/drawing/2010/main" w="9525">
                   <a:solidFill>
                     <a:srgbClr val="000000"/>
                   </a:solidFill>
@@ -17347,7 +17348,7 @@
             </a:ln>
             <a:extLst>
               <a:ext uri="{91240B29-F687-4f45-9708-019B960494DF}">
-                <a14:hiddenLine xmlns:a14="http://schemas.microsoft.com/office/drawing/2010/main" xmlns:p14="http://schemas.microsoft.com/office/powerpoint/2010/main" xmlns:a16="http://schemas.microsoft.com/office/drawing/2014/main" xmlns="" w="9525">
+                <a14:hiddenLine xmlns="" xmlns:a16="http://schemas.microsoft.com/office/drawing/2014/main" xmlns:p14="http://schemas.microsoft.com/office/powerpoint/2010/main" xmlns:a14="http://schemas.microsoft.com/office/drawing/2010/main" w="9525">
                   <a:solidFill>
                     <a:srgbClr val="000000"/>
                   </a:solidFill>
@@ -17452,7 +17453,7 @@
             </a:ln>
             <a:extLst>
               <a:ext uri="{91240B29-F687-4f45-9708-019B960494DF}">
-                <a14:hiddenLine xmlns:a14="http://schemas.microsoft.com/office/drawing/2010/main" xmlns:p14="http://schemas.microsoft.com/office/powerpoint/2010/main" xmlns:a16="http://schemas.microsoft.com/office/drawing/2014/main" xmlns="" w="9525">
+                <a14:hiddenLine xmlns="" xmlns:a16="http://schemas.microsoft.com/office/drawing/2014/main" xmlns:p14="http://schemas.microsoft.com/office/powerpoint/2010/main" xmlns:a14="http://schemas.microsoft.com/office/drawing/2010/main" w="9525">
                   <a:solidFill>
                     <a:srgbClr val="000000"/>
                   </a:solidFill>
@@ -17557,7 +17558,7 @@
             </a:ln>
             <a:extLst>
               <a:ext uri="{91240B29-F687-4f45-9708-019B960494DF}">
-                <a14:hiddenLine xmlns:a14="http://schemas.microsoft.com/office/drawing/2010/main" xmlns:p14="http://schemas.microsoft.com/office/powerpoint/2010/main" xmlns:a16="http://schemas.microsoft.com/office/drawing/2014/main" xmlns="" w="9525">
+                <a14:hiddenLine xmlns="" xmlns:a16="http://schemas.microsoft.com/office/drawing/2014/main" xmlns:p14="http://schemas.microsoft.com/office/powerpoint/2010/main" xmlns:a14="http://schemas.microsoft.com/office/drawing/2010/main" w="9525">
                   <a:solidFill>
                     <a:srgbClr val="000000"/>
                   </a:solidFill>
@@ -17634,7 +17635,7 @@
             </a:ln>
             <a:extLst>
               <a:ext uri="{91240B29-F687-4f45-9708-019B960494DF}">
-                <a14:hiddenLine xmlns:a14="http://schemas.microsoft.com/office/drawing/2010/main" xmlns:p14="http://schemas.microsoft.com/office/powerpoint/2010/main" xmlns:a16="http://schemas.microsoft.com/office/drawing/2014/main" xmlns="" w="9525">
+                <a14:hiddenLine xmlns="" xmlns:a16="http://schemas.microsoft.com/office/drawing/2014/main" xmlns:p14="http://schemas.microsoft.com/office/powerpoint/2010/main" xmlns:a14="http://schemas.microsoft.com/office/drawing/2010/main" w="9525">
                   <a:solidFill>
                     <a:srgbClr val="000000"/>
                   </a:solidFill>
@@ -17769,7 +17770,7 @@
             </a:ln>
             <a:extLst>
               <a:ext uri="{91240B29-F687-4f45-9708-019B960494DF}">
-                <a14:hiddenLine xmlns:a14="http://schemas.microsoft.com/office/drawing/2010/main" xmlns:p14="http://schemas.microsoft.com/office/powerpoint/2010/main" xmlns:a16="http://schemas.microsoft.com/office/drawing/2014/main" xmlns="" w="9525">
+                <a14:hiddenLine xmlns="" xmlns:a16="http://schemas.microsoft.com/office/drawing/2014/main" xmlns:p14="http://schemas.microsoft.com/office/powerpoint/2010/main" xmlns:a14="http://schemas.microsoft.com/office/drawing/2010/main" w="9525">
                   <a:solidFill>
                     <a:srgbClr val="000000"/>
                   </a:solidFill>
@@ -17852,7 +17853,7 @@
             </a:ln>
             <a:extLst>
               <a:ext uri="{91240B29-F687-4f45-9708-019B960494DF}">
-                <a14:hiddenLine xmlns:a14="http://schemas.microsoft.com/office/drawing/2010/main" xmlns:p14="http://schemas.microsoft.com/office/powerpoint/2010/main" xmlns:a16="http://schemas.microsoft.com/office/drawing/2014/main" xmlns="" w="9525">
+                <a14:hiddenLine xmlns="" xmlns:a16="http://schemas.microsoft.com/office/drawing/2014/main" xmlns:p14="http://schemas.microsoft.com/office/powerpoint/2010/main" xmlns:a14="http://schemas.microsoft.com/office/drawing/2010/main" w="9525">
                   <a:solidFill>
                     <a:srgbClr val="000000"/>
                   </a:solidFill>
@@ -17957,7 +17958,7 @@
             </a:ln>
             <a:extLst>
               <a:ext uri="{91240B29-F687-4f45-9708-019B960494DF}">
-                <a14:hiddenLine xmlns:a14="http://schemas.microsoft.com/office/drawing/2010/main" xmlns:p14="http://schemas.microsoft.com/office/powerpoint/2010/main" xmlns:a16="http://schemas.microsoft.com/office/drawing/2014/main" xmlns="" w="9525">
+                <a14:hiddenLine xmlns="" xmlns:a16="http://schemas.microsoft.com/office/drawing/2014/main" xmlns:p14="http://schemas.microsoft.com/office/powerpoint/2010/main" xmlns:a14="http://schemas.microsoft.com/office/drawing/2010/main" w="9525">
                   <a:solidFill>
                     <a:srgbClr val="000000"/>
                   </a:solidFill>
@@ -18025,7 +18026,7 @@
           <a:noFill/>
           <a:extLst>
             <a:ext uri="{909E8E84-426E-40dd-AFC4-6F175D3DCCD1}">
-              <a14:hiddenFill xmlns:a14="http://schemas.microsoft.com/office/drawing/2010/main" xmlns:p14="http://schemas.microsoft.com/office/powerpoint/2010/main" xmlns:a16="http://schemas.microsoft.com/office/drawing/2014/main" xmlns="">
+              <a14:hiddenFill xmlns="" xmlns:a16="http://schemas.microsoft.com/office/drawing/2014/main" xmlns:p14="http://schemas.microsoft.com/office/powerpoint/2010/main" xmlns:a14="http://schemas.microsoft.com/office/drawing/2010/main">
                 <a:solidFill>
                   <a:srgbClr val="FFFFFF"/>
                 </a:solidFill>
@@ -20547,7 +20548,7 @@
             <a:noFill/>
             <a:extLst>
               <a:ext uri="{909E8E84-426E-40dd-AFC4-6F175D3DCCD1}">
-                <a14:hiddenFill xmlns:p14="http://schemas.microsoft.com/office/powerpoint/2010/main" xmlns:a14="http://schemas.microsoft.com/office/drawing/2010/main" xmlns:a16="http://schemas.microsoft.com/office/drawing/2014/main" xmlns="">
+                <a14:hiddenFill xmlns="" xmlns:a16="http://schemas.microsoft.com/office/drawing/2014/main" xmlns:a14="http://schemas.microsoft.com/office/drawing/2010/main" xmlns:p14="http://schemas.microsoft.com/office/powerpoint/2010/main">
                   <a:solidFill>
                     <a:srgbClr val="FFFFFF"/>
                   </a:solidFill>
@@ -20631,7 +20632,7 @@
             </a:ln>
             <a:extLst>
               <a:ext uri="{91240B29-F687-4f45-9708-019B960494DF}">
-                <a14:hiddenLine xmlns:p14="http://schemas.microsoft.com/office/powerpoint/2010/main" xmlns:a14="http://schemas.microsoft.com/office/drawing/2010/main" xmlns:a16="http://schemas.microsoft.com/office/drawing/2014/main" xmlns="" w="9525">
+                <a14:hiddenLine xmlns="" xmlns:a16="http://schemas.microsoft.com/office/drawing/2014/main" xmlns:a14="http://schemas.microsoft.com/office/drawing/2010/main" xmlns:p14="http://schemas.microsoft.com/office/powerpoint/2010/main" w="9525">
                   <a:solidFill>
                     <a:srgbClr val="000000"/>
                   </a:solidFill>
@@ -20736,7 +20737,7 @@
             </a:ln>
             <a:extLst>
               <a:ext uri="{91240B29-F687-4f45-9708-019B960494DF}">
-                <a14:hiddenLine xmlns:p14="http://schemas.microsoft.com/office/powerpoint/2010/main" xmlns:a14="http://schemas.microsoft.com/office/drawing/2010/main" xmlns:a16="http://schemas.microsoft.com/office/drawing/2014/main" xmlns="" w="9525">
+                <a14:hiddenLine xmlns="" xmlns:a16="http://schemas.microsoft.com/office/drawing/2014/main" xmlns:a14="http://schemas.microsoft.com/office/drawing/2010/main" xmlns:p14="http://schemas.microsoft.com/office/powerpoint/2010/main" w="9525">
                   <a:solidFill>
                     <a:srgbClr val="000000"/>
                   </a:solidFill>
@@ -20841,7 +20842,7 @@
             </a:ln>
             <a:extLst>
               <a:ext uri="{91240B29-F687-4f45-9708-019B960494DF}">
-                <a14:hiddenLine xmlns:p14="http://schemas.microsoft.com/office/powerpoint/2010/main" xmlns:a14="http://schemas.microsoft.com/office/drawing/2010/main" xmlns:a16="http://schemas.microsoft.com/office/drawing/2014/main" xmlns="" w="9525">
+                <a14:hiddenLine xmlns="" xmlns:a16="http://schemas.microsoft.com/office/drawing/2014/main" xmlns:a14="http://schemas.microsoft.com/office/drawing/2010/main" xmlns:p14="http://schemas.microsoft.com/office/powerpoint/2010/main" w="9525">
                   <a:solidFill>
                     <a:srgbClr val="000000"/>
                   </a:solidFill>
@@ -20890,7 +20891,7 @@
             </a:ln>
             <a:extLst>
               <a:ext uri="{91240B29-F687-4f45-9708-019B960494DF}">
-                <a14:hiddenLine xmlns:p14="http://schemas.microsoft.com/office/powerpoint/2010/main" xmlns:a14="http://schemas.microsoft.com/office/drawing/2010/main" xmlns:a16="http://schemas.microsoft.com/office/drawing/2014/main" xmlns="" w="9525">
+                <a14:hiddenLine xmlns="" xmlns:a16="http://schemas.microsoft.com/office/drawing/2014/main" xmlns:a14="http://schemas.microsoft.com/office/drawing/2010/main" xmlns:p14="http://schemas.microsoft.com/office/powerpoint/2010/main" w="9525">
                   <a:solidFill>
                     <a:srgbClr val="000000"/>
                   </a:solidFill>
@@ -20995,7 +20996,7 @@
             </a:ln>
             <a:extLst>
               <a:ext uri="{91240B29-F687-4f45-9708-019B960494DF}">
-                <a14:hiddenLine xmlns:p14="http://schemas.microsoft.com/office/powerpoint/2010/main" xmlns:a14="http://schemas.microsoft.com/office/drawing/2010/main" xmlns:a16="http://schemas.microsoft.com/office/drawing/2014/main" xmlns="" w="9525">
+                <a14:hiddenLine xmlns="" xmlns:a16="http://schemas.microsoft.com/office/drawing/2014/main" xmlns:a14="http://schemas.microsoft.com/office/drawing/2010/main" xmlns:p14="http://schemas.microsoft.com/office/powerpoint/2010/main" w="9525">
                   <a:solidFill>
                     <a:srgbClr val="000000"/>
                   </a:solidFill>
@@ -21072,7 +21073,7 @@
             </a:ln>
             <a:extLst>
               <a:ext uri="{91240B29-F687-4f45-9708-019B960494DF}">
-                <a14:hiddenLine xmlns:p14="http://schemas.microsoft.com/office/powerpoint/2010/main" xmlns:a14="http://schemas.microsoft.com/office/drawing/2010/main" xmlns:a16="http://schemas.microsoft.com/office/drawing/2014/main" xmlns="" w="9525">
+                <a14:hiddenLine xmlns="" xmlns:a16="http://schemas.microsoft.com/office/drawing/2014/main" xmlns:a14="http://schemas.microsoft.com/office/drawing/2010/main" xmlns:p14="http://schemas.microsoft.com/office/powerpoint/2010/main" w="9525">
                   <a:solidFill>
                     <a:srgbClr val="000000"/>
                   </a:solidFill>
@@ -21149,7 +21150,7 @@
             </a:ln>
             <a:extLst>
               <a:ext uri="{91240B29-F687-4f45-9708-019B960494DF}">
-                <a14:hiddenLine xmlns:p14="http://schemas.microsoft.com/office/powerpoint/2010/main" xmlns:a14="http://schemas.microsoft.com/office/drawing/2010/main" xmlns:a16="http://schemas.microsoft.com/office/drawing/2014/main" xmlns="" w="9525">
+                <a14:hiddenLine xmlns="" xmlns:a16="http://schemas.microsoft.com/office/drawing/2014/main" xmlns:a14="http://schemas.microsoft.com/office/drawing/2010/main" xmlns:p14="http://schemas.microsoft.com/office/powerpoint/2010/main" w="9525">
                   <a:solidFill>
                     <a:srgbClr val="000000"/>
                   </a:solidFill>
@@ -21254,7 +21255,7 @@
             </a:ln>
             <a:extLst>
               <a:ext uri="{91240B29-F687-4f45-9708-019B960494DF}">
-                <a14:hiddenLine xmlns:p14="http://schemas.microsoft.com/office/powerpoint/2010/main" xmlns:a14="http://schemas.microsoft.com/office/drawing/2010/main" xmlns:a16="http://schemas.microsoft.com/office/drawing/2014/main" xmlns="" w="9525">
+                <a14:hiddenLine xmlns="" xmlns:a16="http://schemas.microsoft.com/office/drawing/2014/main" xmlns:a14="http://schemas.microsoft.com/office/drawing/2010/main" xmlns:p14="http://schemas.microsoft.com/office/powerpoint/2010/main" w="9525">
                   <a:solidFill>
                     <a:srgbClr val="000000"/>
                   </a:solidFill>
@@ -21331,7 +21332,7 @@
             </a:ln>
             <a:extLst>
               <a:ext uri="{91240B29-F687-4f45-9708-019B960494DF}">
-                <a14:hiddenLine xmlns:p14="http://schemas.microsoft.com/office/powerpoint/2010/main" xmlns:a14="http://schemas.microsoft.com/office/drawing/2010/main" xmlns:a16="http://schemas.microsoft.com/office/drawing/2014/main" xmlns="" w="9525">
+                <a14:hiddenLine xmlns="" xmlns:a16="http://schemas.microsoft.com/office/drawing/2014/main" xmlns:a14="http://schemas.microsoft.com/office/drawing/2010/main" xmlns:p14="http://schemas.microsoft.com/office/powerpoint/2010/main" w="9525">
                   <a:solidFill>
                     <a:srgbClr val="000000"/>
                   </a:solidFill>
@@ -21408,7 +21409,7 @@
             </a:ln>
             <a:extLst>
               <a:ext uri="{91240B29-F687-4f45-9708-019B960494DF}">
-                <a14:hiddenLine xmlns:p14="http://schemas.microsoft.com/office/powerpoint/2010/main" xmlns:a14="http://schemas.microsoft.com/office/drawing/2010/main" xmlns:a16="http://schemas.microsoft.com/office/drawing/2014/main" xmlns="" w="9525">
+                <a14:hiddenLine xmlns="" xmlns:a16="http://schemas.microsoft.com/office/drawing/2014/main" xmlns:a14="http://schemas.microsoft.com/office/drawing/2010/main" xmlns:p14="http://schemas.microsoft.com/office/powerpoint/2010/main" w="9525">
                   <a:solidFill>
                     <a:srgbClr val="000000"/>
                   </a:solidFill>
@@ -21513,7 +21514,7 @@
             </a:ln>
             <a:extLst>
               <a:ext uri="{91240B29-F687-4f45-9708-019B960494DF}">
-                <a14:hiddenLine xmlns:p14="http://schemas.microsoft.com/office/powerpoint/2010/main" xmlns:a14="http://schemas.microsoft.com/office/drawing/2010/main" xmlns:a16="http://schemas.microsoft.com/office/drawing/2014/main" xmlns="" w="9525">
+                <a14:hiddenLine xmlns="" xmlns:a16="http://schemas.microsoft.com/office/drawing/2014/main" xmlns:a14="http://schemas.microsoft.com/office/drawing/2010/main" xmlns:p14="http://schemas.microsoft.com/office/powerpoint/2010/main" w="9525">
                   <a:solidFill>
                     <a:srgbClr val="000000"/>
                   </a:solidFill>
@@ -21618,7 +21619,7 @@
             </a:ln>
             <a:extLst>
               <a:ext uri="{91240B29-F687-4f45-9708-019B960494DF}">
-                <a14:hiddenLine xmlns:p14="http://schemas.microsoft.com/office/powerpoint/2010/main" xmlns:a14="http://schemas.microsoft.com/office/drawing/2010/main" xmlns:a16="http://schemas.microsoft.com/office/drawing/2014/main" xmlns="" w="9525">
+                <a14:hiddenLine xmlns="" xmlns:a16="http://schemas.microsoft.com/office/drawing/2014/main" xmlns:a14="http://schemas.microsoft.com/office/drawing/2010/main" xmlns:p14="http://schemas.microsoft.com/office/powerpoint/2010/main" w="9525">
                   <a:solidFill>
                     <a:srgbClr val="000000"/>
                   </a:solidFill>
@@ -21695,7 +21696,7 @@
             </a:ln>
             <a:extLst>
               <a:ext uri="{91240B29-F687-4f45-9708-019B960494DF}">
-                <a14:hiddenLine xmlns:p14="http://schemas.microsoft.com/office/powerpoint/2010/main" xmlns:a14="http://schemas.microsoft.com/office/drawing/2010/main" xmlns:a16="http://schemas.microsoft.com/office/drawing/2014/main" xmlns="" w="9525">
+                <a14:hiddenLine xmlns="" xmlns:a16="http://schemas.microsoft.com/office/drawing/2014/main" xmlns:a14="http://schemas.microsoft.com/office/drawing/2010/main" xmlns:p14="http://schemas.microsoft.com/office/powerpoint/2010/main" w="9525">
                   <a:solidFill>
                     <a:srgbClr val="000000"/>
                   </a:solidFill>
@@ -21820,7 +21821,7 @@
             </a:ln>
             <a:extLst>
               <a:ext uri="{91240B29-F687-4f45-9708-019B960494DF}">
-                <a14:hiddenLine xmlns:p14="http://schemas.microsoft.com/office/powerpoint/2010/main" xmlns:a14="http://schemas.microsoft.com/office/drawing/2010/main" xmlns:a16="http://schemas.microsoft.com/office/drawing/2014/main" xmlns="" w="9525">
+                <a14:hiddenLine xmlns="" xmlns:a16="http://schemas.microsoft.com/office/drawing/2014/main" xmlns:a14="http://schemas.microsoft.com/office/drawing/2010/main" xmlns:p14="http://schemas.microsoft.com/office/powerpoint/2010/main" w="9525">
                   <a:solidFill>
                     <a:srgbClr val="000000"/>
                   </a:solidFill>
@@ -21897,7 +21898,7 @@
             </a:ln>
             <a:extLst>
               <a:ext uri="{91240B29-F687-4f45-9708-019B960494DF}">
-                <a14:hiddenLine xmlns:p14="http://schemas.microsoft.com/office/powerpoint/2010/main" xmlns:a14="http://schemas.microsoft.com/office/drawing/2010/main" xmlns:a16="http://schemas.microsoft.com/office/drawing/2014/main" xmlns="" w="9525">
+                <a14:hiddenLine xmlns="" xmlns:a16="http://schemas.microsoft.com/office/drawing/2014/main" xmlns:a14="http://schemas.microsoft.com/office/drawing/2010/main" xmlns:p14="http://schemas.microsoft.com/office/powerpoint/2010/main" w="9525">
                   <a:solidFill>
                     <a:srgbClr val="000000"/>
                   </a:solidFill>
@@ -22002,7 +22003,7 @@
             </a:ln>
             <a:extLst>
               <a:ext uri="{91240B29-F687-4f45-9708-019B960494DF}">
-                <a14:hiddenLine xmlns:p14="http://schemas.microsoft.com/office/powerpoint/2010/main" xmlns:a14="http://schemas.microsoft.com/office/drawing/2010/main" xmlns:a16="http://schemas.microsoft.com/office/drawing/2014/main" xmlns="" w="9525">
+                <a14:hiddenLine xmlns="" xmlns:a16="http://schemas.microsoft.com/office/drawing/2014/main" xmlns:a14="http://schemas.microsoft.com/office/drawing/2010/main" xmlns:p14="http://schemas.microsoft.com/office/powerpoint/2010/main" w="9525">
                   <a:solidFill>
                     <a:srgbClr val="000000"/>
                   </a:solidFill>
@@ -22107,7 +22108,7 @@
             </a:ln>
             <a:extLst>
               <a:ext uri="{91240B29-F687-4f45-9708-019B960494DF}">
-                <a14:hiddenLine xmlns:p14="http://schemas.microsoft.com/office/powerpoint/2010/main" xmlns:a14="http://schemas.microsoft.com/office/drawing/2010/main" xmlns:a16="http://schemas.microsoft.com/office/drawing/2014/main" xmlns="" w="9525">
+                <a14:hiddenLine xmlns="" xmlns:a16="http://schemas.microsoft.com/office/drawing/2014/main" xmlns:a14="http://schemas.microsoft.com/office/drawing/2010/main" xmlns:p14="http://schemas.microsoft.com/office/powerpoint/2010/main" w="9525">
                   <a:solidFill>
                     <a:srgbClr val="000000"/>
                   </a:solidFill>
@@ -22184,7 +22185,7 @@
             </a:ln>
             <a:extLst>
               <a:ext uri="{91240B29-F687-4f45-9708-019B960494DF}">
-                <a14:hiddenLine xmlns:p14="http://schemas.microsoft.com/office/powerpoint/2010/main" xmlns:a14="http://schemas.microsoft.com/office/drawing/2010/main" xmlns:a16="http://schemas.microsoft.com/office/drawing/2014/main" xmlns="" w="9525">
+                <a14:hiddenLine xmlns="" xmlns:a16="http://schemas.microsoft.com/office/drawing/2014/main" xmlns:a14="http://schemas.microsoft.com/office/drawing/2010/main" xmlns:p14="http://schemas.microsoft.com/office/powerpoint/2010/main" w="9525">
                   <a:solidFill>
                     <a:srgbClr val="000000"/>
                   </a:solidFill>
@@ -22289,7 +22290,7 @@
             </a:ln>
             <a:extLst>
               <a:ext uri="{91240B29-F687-4f45-9708-019B960494DF}">
-                <a14:hiddenLine xmlns:p14="http://schemas.microsoft.com/office/powerpoint/2010/main" xmlns:a14="http://schemas.microsoft.com/office/drawing/2010/main" xmlns:a16="http://schemas.microsoft.com/office/drawing/2014/main" xmlns="" w="9525">
+                <a14:hiddenLine xmlns="" xmlns:a16="http://schemas.microsoft.com/office/drawing/2014/main" xmlns:a14="http://schemas.microsoft.com/office/drawing/2010/main" xmlns:p14="http://schemas.microsoft.com/office/powerpoint/2010/main" w="9525">
                   <a:solidFill>
                     <a:srgbClr val="000000"/>
                   </a:solidFill>
@@ -22394,7 +22395,7 @@
             </a:ln>
             <a:extLst>
               <a:ext uri="{91240B29-F687-4f45-9708-019B960494DF}">
-                <a14:hiddenLine xmlns:p14="http://schemas.microsoft.com/office/powerpoint/2010/main" xmlns:a14="http://schemas.microsoft.com/office/drawing/2010/main" xmlns:a16="http://schemas.microsoft.com/office/drawing/2014/main" xmlns="" w="9525">
+                <a14:hiddenLine xmlns="" xmlns:a16="http://schemas.microsoft.com/office/drawing/2014/main" xmlns:a14="http://schemas.microsoft.com/office/drawing/2010/main" xmlns:p14="http://schemas.microsoft.com/office/powerpoint/2010/main" w="9525">
                   <a:solidFill>
                     <a:srgbClr val="000000"/>
                   </a:solidFill>
@@ -22465,7 +22466,7 @@
             </a:ln>
             <a:extLst>
               <a:ext uri="{91240B29-F687-4f45-9708-019B960494DF}">
-                <a14:hiddenLine xmlns:p14="http://schemas.microsoft.com/office/powerpoint/2010/main" xmlns:a14="http://schemas.microsoft.com/office/drawing/2010/main" xmlns:a16="http://schemas.microsoft.com/office/drawing/2014/main" xmlns="" w="9525">
+                <a14:hiddenLine xmlns="" xmlns:a16="http://schemas.microsoft.com/office/drawing/2014/main" xmlns:a14="http://schemas.microsoft.com/office/drawing/2010/main" xmlns:p14="http://schemas.microsoft.com/office/powerpoint/2010/main" w="9525">
                   <a:solidFill>
                     <a:srgbClr val="000000"/>
                   </a:solidFill>
@@ -22570,7 +22571,7 @@
             </a:ln>
             <a:extLst>
               <a:ext uri="{91240B29-F687-4f45-9708-019B960494DF}">
-                <a14:hiddenLine xmlns:p14="http://schemas.microsoft.com/office/powerpoint/2010/main" xmlns:a14="http://schemas.microsoft.com/office/drawing/2010/main" xmlns:a16="http://schemas.microsoft.com/office/drawing/2014/main" xmlns="" w="9525">
+                <a14:hiddenLine xmlns="" xmlns:a16="http://schemas.microsoft.com/office/drawing/2014/main" xmlns:a14="http://schemas.microsoft.com/office/drawing/2010/main" xmlns:p14="http://schemas.microsoft.com/office/powerpoint/2010/main" w="9525">
                   <a:solidFill>
                     <a:srgbClr val="000000"/>
                   </a:solidFill>
@@ -22641,7 +22642,7 @@
             </a:ln>
             <a:extLst>
               <a:ext uri="{91240B29-F687-4f45-9708-019B960494DF}">
-                <a14:hiddenLine xmlns:p14="http://schemas.microsoft.com/office/powerpoint/2010/main" xmlns:a14="http://schemas.microsoft.com/office/drawing/2010/main" xmlns:a16="http://schemas.microsoft.com/office/drawing/2014/main" xmlns="" w="9525">
+                <a14:hiddenLine xmlns="" xmlns:a16="http://schemas.microsoft.com/office/drawing/2014/main" xmlns:a14="http://schemas.microsoft.com/office/drawing/2010/main" xmlns:p14="http://schemas.microsoft.com/office/powerpoint/2010/main" w="9525">
                   <a:solidFill>
                     <a:srgbClr val="000000"/>
                   </a:solidFill>
@@ -22746,7 +22747,7 @@
             </a:ln>
             <a:extLst>
               <a:ext uri="{91240B29-F687-4f45-9708-019B960494DF}">
-                <a14:hiddenLine xmlns:p14="http://schemas.microsoft.com/office/powerpoint/2010/main" xmlns:a14="http://schemas.microsoft.com/office/drawing/2010/main" xmlns:a16="http://schemas.microsoft.com/office/drawing/2014/main" xmlns="" w="9525">
+                <a14:hiddenLine xmlns="" xmlns:a16="http://schemas.microsoft.com/office/drawing/2014/main" xmlns:a14="http://schemas.microsoft.com/office/drawing/2010/main" xmlns:p14="http://schemas.microsoft.com/office/powerpoint/2010/main" w="9525">
                   <a:solidFill>
                     <a:srgbClr val="000000"/>
                   </a:solidFill>
@@ -22829,7 +22830,7 @@
             </a:ln>
             <a:extLst>
               <a:ext uri="{91240B29-F687-4f45-9708-019B960494DF}">
-                <a14:hiddenLine xmlns:p14="http://schemas.microsoft.com/office/powerpoint/2010/main" xmlns:a14="http://schemas.microsoft.com/office/drawing/2010/main" xmlns:a16="http://schemas.microsoft.com/office/drawing/2014/main" xmlns="" w="9525">
+                <a14:hiddenLine xmlns="" xmlns:a16="http://schemas.microsoft.com/office/drawing/2014/main" xmlns:a14="http://schemas.microsoft.com/office/drawing/2010/main" xmlns:p14="http://schemas.microsoft.com/office/powerpoint/2010/main" w="9525">
                   <a:solidFill>
                     <a:srgbClr val="000000"/>
                   </a:solidFill>
@@ -22934,7 +22935,7 @@
             </a:ln>
             <a:extLst>
               <a:ext uri="{91240B29-F687-4f45-9708-019B960494DF}">
-                <a14:hiddenLine xmlns:p14="http://schemas.microsoft.com/office/powerpoint/2010/main" xmlns:a14="http://schemas.microsoft.com/office/drawing/2010/main" xmlns:a16="http://schemas.microsoft.com/office/drawing/2014/main" xmlns="" w="9525">
+                <a14:hiddenLine xmlns="" xmlns:a16="http://schemas.microsoft.com/office/drawing/2014/main" xmlns:a14="http://schemas.microsoft.com/office/drawing/2010/main" xmlns:p14="http://schemas.microsoft.com/office/powerpoint/2010/main" w="9525">
                   <a:solidFill>
                     <a:srgbClr val="000000"/>
                   </a:solidFill>
@@ -23017,7 +23018,7 @@
             </a:ln>
             <a:extLst>
               <a:ext uri="{91240B29-F687-4f45-9708-019B960494DF}">
-                <a14:hiddenLine xmlns:p14="http://schemas.microsoft.com/office/powerpoint/2010/main" xmlns:a14="http://schemas.microsoft.com/office/drawing/2010/main" xmlns:a16="http://schemas.microsoft.com/office/drawing/2014/main" xmlns="" w="9525">
+                <a14:hiddenLine xmlns="" xmlns:a16="http://schemas.microsoft.com/office/drawing/2014/main" xmlns:a14="http://schemas.microsoft.com/office/drawing/2010/main" xmlns:p14="http://schemas.microsoft.com/office/powerpoint/2010/main" w="9525">
                   <a:solidFill>
                     <a:srgbClr val="000000"/>
                   </a:solidFill>
@@ -23122,7 +23123,7 @@
             </a:ln>
             <a:extLst>
               <a:ext uri="{91240B29-F687-4f45-9708-019B960494DF}">
-                <a14:hiddenLine xmlns:p14="http://schemas.microsoft.com/office/powerpoint/2010/main" xmlns:a14="http://schemas.microsoft.com/office/drawing/2010/main" xmlns:a16="http://schemas.microsoft.com/office/drawing/2014/main" xmlns="" w="9525">
+                <a14:hiddenLine xmlns="" xmlns:a16="http://schemas.microsoft.com/office/drawing/2014/main" xmlns:a14="http://schemas.microsoft.com/office/drawing/2010/main" xmlns:p14="http://schemas.microsoft.com/office/powerpoint/2010/main" w="9525">
                   <a:solidFill>
                     <a:srgbClr val="000000"/>
                   </a:solidFill>
@@ -23171,7 +23172,7 @@
             </a:ln>
             <a:extLst>
               <a:ext uri="{91240B29-F687-4f45-9708-019B960494DF}">
-                <a14:hiddenLine xmlns:p14="http://schemas.microsoft.com/office/powerpoint/2010/main" xmlns:a14="http://schemas.microsoft.com/office/drawing/2010/main" xmlns:a16="http://schemas.microsoft.com/office/drawing/2014/main" xmlns="" w="9525">
+                <a14:hiddenLine xmlns="" xmlns:a16="http://schemas.microsoft.com/office/drawing/2014/main" xmlns:a14="http://schemas.microsoft.com/office/drawing/2010/main" xmlns:p14="http://schemas.microsoft.com/office/powerpoint/2010/main" w="9525">
                   <a:solidFill>
                     <a:srgbClr val="000000"/>
                   </a:solidFill>
@@ -23276,7 +23277,7 @@
             </a:ln>
             <a:extLst>
               <a:ext uri="{91240B29-F687-4f45-9708-019B960494DF}">
-                <a14:hiddenLine xmlns:p14="http://schemas.microsoft.com/office/powerpoint/2010/main" xmlns:a14="http://schemas.microsoft.com/office/drawing/2010/main" xmlns:a16="http://schemas.microsoft.com/office/drawing/2014/main" xmlns="" w="9525">
+                <a14:hiddenLine xmlns="" xmlns:a16="http://schemas.microsoft.com/office/drawing/2014/main" xmlns:a14="http://schemas.microsoft.com/office/drawing/2010/main" xmlns:p14="http://schemas.microsoft.com/office/powerpoint/2010/main" w="9525">
                   <a:solidFill>
                     <a:srgbClr val="000000"/>
                   </a:solidFill>
@@ -23353,7 +23354,7 @@
             </a:ln>
             <a:extLst>
               <a:ext uri="{91240B29-F687-4f45-9708-019B960494DF}">
-                <a14:hiddenLine xmlns:p14="http://schemas.microsoft.com/office/powerpoint/2010/main" xmlns:a14="http://schemas.microsoft.com/office/drawing/2010/main" xmlns:a16="http://schemas.microsoft.com/office/drawing/2014/main" xmlns="" w="9525">
+                <a14:hiddenLine xmlns="" xmlns:a16="http://schemas.microsoft.com/office/drawing/2014/main" xmlns:a14="http://schemas.microsoft.com/office/drawing/2010/main" xmlns:p14="http://schemas.microsoft.com/office/powerpoint/2010/main" w="9525">
                   <a:solidFill>
                     <a:srgbClr val="000000"/>
                   </a:solidFill>
@@ -23430,7 +23431,7 @@
             </a:ln>
             <a:extLst>
               <a:ext uri="{91240B29-F687-4f45-9708-019B960494DF}">
-                <a14:hiddenLine xmlns:p14="http://schemas.microsoft.com/office/powerpoint/2010/main" xmlns:a14="http://schemas.microsoft.com/office/drawing/2010/main" xmlns:a16="http://schemas.microsoft.com/office/drawing/2014/main" xmlns="" w="9525">
+                <a14:hiddenLine xmlns="" xmlns:a16="http://schemas.microsoft.com/office/drawing/2014/main" xmlns:a14="http://schemas.microsoft.com/office/drawing/2010/main" xmlns:p14="http://schemas.microsoft.com/office/powerpoint/2010/main" w="9525">
                   <a:solidFill>
                     <a:srgbClr val="000000"/>
                   </a:solidFill>
@@ -23535,7 +23536,7 @@
             </a:ln>
             <a:extLst>
               <a:ext uri="{91240B29-F687-4f45-9708-019B960494DF}">
-                <a14:hiddenLine xmlns:p14="http://schemas.microsoft.com/office/powerpoint/2010/main" xmlns:a14="http://schemas.microsoft.com/office/drawing/2010/main" xmlns:a16="http://schemas.microsoft.com/office/drawing/2014/main" xmlns="" w="9525">
+                <a14:hiddenLine xmlns="" xmlns:a16="http://schemas.microsoft.com/office/drawing/2014/main" xmlns:a14="http://schemas.microsoft.com/office/drawing/2010/main" xmlns:p14="http://schemas.microsoft.com/office/powerpoint/2010/main" w="9525">
                   <a:solidFill>
                     <a:srgbClr val="000000"/>
                   </a:solidFill>
@@ -23618,7 +23619,7 @@
             </a:ln>
             <a:extLst>
               <a:ext uri="{91240B29-F687-4f45-9708-019B960494DF}">
-                <a14:hiddenLine xmlns:p14="http://schemas.microsoft.com/office/powerpoint/2010/main" xmlns:a14="http://schemas.microsoft.com/office/drawing/2010/main" xmlns:a16="http://schemas.microsoft.com/office/drawing/2014/main" xmlns="" w="9525">
+                <a14:hiddenLine xmlns="" xmlns:a16="http://schemas.microsoft.com/office/drawing/2014/main" xmlns:a14="http://schemas.microsoft.com/office/drawing/2010/main" xmlns:p14="http://schemas.microsoft.com/office/powerpoint/2010/main" w="9525">
                   <a:solidFill>
                     <a:srgbClr val="000000"/>
                   </a:solidFill>
@@ -23695,7 +23696,7 @@
             </a:ln>
             <a:extLst>
               <a:ext uri="{91240B29-F687-4f45-9708-019B960494DF}">
-                <a14:hiddenLine xmlns:p14="http://schemas.microsoft.com/office/powerpoint/2010/main" xmlns:a14="http://schemas.microsoft.com/office/drawing/2010/main" xmlns:a16="http://schemas.microsoft.com/office/drawing/2014/main" xmlns="" w="9525">
+                <a14:hiddenLine xmlns="" xmlns:a16="http://schemas.microsoft.com/office/drawing/2014/main" xmlns:a14="http://schemas.microsoft.com/office/drawing/2010/main" xmlns:p14="http://schemas.microsoft.com/office/powerpoint/2010/main" w="9525">
                   <a:solidFill>
                     <a:srgbClr val="000000"/>
                   </a:solidFill>
@@ -23800,7 +23801,7 @@
             </a:ln>
             <a:extLst>
               <a:ext uri="{91240B29-F687-4f45-9708-019B960494DF}">
-                <a14:hiddenLine xmlns:p14="http://schemas.microsoft.com/office/powerpoint/2010/main" xmlns:a14="http://schemas.microsoft.com/office/drawing/2010/main" xmlns:a16="http://schemas.microsoft.com/office/drawing/2014/main" xmlns="" w="9525">
+                <a14:hiddenLine xmlns="" xmlns:a16="http://schemas.microsoft.com/office/drawing/2014/main" xmlns:a14="http://schemas.microsoft.com/office/drawing/2010/main" xmlns:p14="http://schemas.microsoft.com/office/powerpoint/2010/main" w="9525">
                   <a:solidFill>
                     <a:srgbClr val="000000"/>
                   </a:solidFill>
@@ -23877,7 +23878,7 @@
             </a:ln>
             <a:extLst>
               <a:ext uri="{91240B29-F687-4f45-9708-019B960494DF}">
-                <a14:hiddenLine xmlns:p14="http://schemas.microsoft.com/office/powerpoint/2010/main" xmlns:a14="http://schemas.microsoft.com/office/drawing/2010/main" xmlns:a16="http://schemas.microsoft.com/office/drawing/2014/main" xmlns="" w="9525">
+                <a14:hiddenLine xmlns="" xmlns:a16="http://schemas.microsoft.com/office/drawing/2014/main" xmlns:a14="http://schemas.microsoft.com/office/drawing/2010/main" xmlns:p14="http://schemas.microsoft.com/office/powerpoint/2010/main" w="9525">
                   <a:solidFill>
                     <a:srgbClr val="000000"/>
                   </a:solidFill>
@@ -23982,7 +23983,7 @@
             </a:ln>
             <a:extLst>
               <a:ext uri="{91240B29-F687-4f45-9708-019B960494DF}">
-                <a14:hiddenLine xmlns:p14="http://schemas.microsoft.com/office/powerpoint/2010/main" xmlns:a14="http://schemas.microsoft.com/office/drawing/2010/main" xmlns:a16="http://schemas.microsoft.com/office/drawing/2014/main" xmlns="" w="9525">
+                <a14:hiddenLine xmlns="" xmlns:a16="http://schemas.microsoft.com/office/drawing/2014/main" xmlns:a14="http://schemas.microsoft.com/office/drawing/2010/main" xmlns:p14="http://schemas.microsoft.com/office/powerpoint/2010/main" w="9525">
                   <a:solidFill>
                     <a:srgbClr val="000000"/>
                   </a:solidFill>
@@ -24059,7 +24060,7 @@
             </a:ln>
             <a:extLst>
               <a:ext uri="{91240B29-F687-4f45-9708-019B960494DF}">
-                <a14:hiddenLine xmlns:p14="http://schemas.microsoft.com/office/powerpoint/2010/main" xmlns:a14="http://schemas.microsoft.com/office/drawing/2010/main" xmlns:a16="http://schemas.microsoft.com/office/drawing/2014/main" xmlns="" w="9525">
+                <a14:hiddenLine xmlns="" xmlns:a16="http://schemas.microsoft.com/office/drawing/2014/main" xmlns:a14="http://schemas.microsoft.com/office/drawing/2010/main" xmlns:p14="http://schemas.microsoft.com/office/powerpoint/2010/main" w="9525">
                   <a:solidFill>
                     <a:srgbClr val="000000"/>
                   </a:solidFill>
@@ -24164,7 +24165,7 @@
             </a:ln>
             <a:extLst>
               <a:ext uri="{91240B29-F687-4f45-9708-019B960494DF}">
-                <a14:hiddenLine xmlns:p14="http://schemas.microsoft.com/office/powerpoint/2010/main" xmlns:a14="http://schemas.microsoft.com/office/drawing/2010/main" xmlns:a16="http://schemas.microsoft.com/office/drawing/2014/main" xmlns="" w="9525">
+                <a14:hiddenLine xmlns="" xmlns:a16="http://schemas.microsoft.com/office/drawing/2014/main" xmlns:a14="http://schemas.microsoft.com/office/drawing/2010/main" xmlns:p14="http://schemas.microsoft.com/office/powerpoint/2010/main" w="9525">
                   <a:solidFill>
                     <a:srgbClr val="000000"/>
                   </a:solidFill>
@@ -24213,7 +24214,7 @@
             </a:ln>
             <a:extLst>
               <a:ext uri="{91240B29-F687-4f45-9708-019B960494DF}">
-                <a14:hiddenLine xmlns:p14="http://schemas.microsoft.com/office/powerpoint/2010/main" xmlns:a14="http://schemas.microsoft.com/office/drawing/2010/main" xmlns:a16="http://schemas.microsoft.com/office/drawing/2014/main" xmlns="" w="9525">
+                <a14:hiddenLine xmlns="" xmlns:a16="http://schemas.microsoft.com/office/drawing/2014/main" xmlns:a14="http://schemas.microsoft.com/office/drawing/2010/main" xmlns:p14="http://schemas.microsoft.com/office/powerpoint/2010/main" w="9525">
                   <a:solidFill>
                     <a:srgbClr val="000000"/>
                   </a:solidFill>
@@ -24293,7 +24294,7 @@
             </a:ln>
             <a:extLst>
               <a:ext uri="{91240B29-F687-4f45-9708-019B960494DF}">
-                <a14:hiddenLine xmlns:p14="http://schemas.microsoft.com/office/powerpoint/2010/main" xmlns:a14="http://schemas.microsoft.com/office/drawing/2010/main" xmlns:a16="http://schemas.microsoft.com/office/drawing/2014/main" xmlns="" w="9525">
+                <a14:hiddenLine xmlns="" xmlns:a16="http://schemas.microsoft.com/office/drawing/2014/main" xmlns:a14="http://schemas.microsoft.com/office/drawing/2010/main" xmlns:p14="http://schemas.microsoft.com/office/powerpoint/2010/main" w="9525">
                   <a:solidFill>
                     <a:srgbClr val="000000"/>
                   </a:solidFill>
@@ -24398,7 +24399,7 @@
             </a:ln>
             <a:extLst>
               <a:ext uri="{91240B29-F687-4f45-9708-019B960494DF}">
-                <a14:hiddenLine xmlns:p14="http://schemas.microsoft.com/office/powerpoint/2010/main" xmlns:a14="http://schemas.microsoft.com/office/drawing/2010/main" xmlns:a16="http://schemas.microsoft.com/office/drawing/2014/main" xmlns="" w="9525">
+                <a14:hiddenLine xmlns="" xmlns:a16="http://schemas.microsoft.com/office/drawing/2014/main" xmlns:a14="http://schemas.microsoft.com/office/drawing/2010/main" xmlns:p14="http://schemas.microsoft.com/office/powerpoint/2010/main" w="9525">
                   <a:solidFill>
                     <a:srgbClr val="000000"/>
                   </a:solidFill>
@@ -24475,7 +24476,7 @@
             </a:ln>
             <a:extLst>
               <a:ext uri="{91240B29-F687-4f45-9708-019B960494DF}">
-                <a14:hiddenLine xmlns:p14="http://schemas.microsoft.com/office/powerpoint/2010/main" xmlns:a14="http://schemas.microsoft.com/office/drawing/2010/main" xmlns:a16="http://schemas.microsoft.com/office/drawing/2014/main" xmlns="" w="9525">
+                <a14:hiddenLine xmlns="" xmlns:a16="http://schemas.microsoft.com/office/drawing/2014/main" xmlns:a14="http://schemas.microsoft.com/office/drawing/2010/main" xmlns:p14="http://schemas.microsoft.com/office/powerpoint/2010/main" w="9525">
                   <a:solidFill>
                     <a:srgbClr val="000000"/>
                   </a:solidFill>
@@ -24580,7 +24581,7 @@
             </a:ln>
             <a:extLst>
               <a:ext uri="{91240B29-F687-4f45-9708-019B960494DF}">
-                <a14:hiddenLine xmlns:p14="http://schemas.microsoft.com/office/powerpoint/2010/main" xmlns:a14="http://schemas.microsoft.com/office/drawing/2010/main" xmlns:a16="http://schemas.microsoft.com/office/drawing/2014/main" xmlns="" w="9525">
+                <a14:hiddenLine xmlns="" xmlns:a16="http://schemas.microsoft.com/office/drawing/2014/main" xmlns:a14="http://schemas.microsoft.com/office/drawing/2010/main" xmlns:p14="http://schemas.microsoft.com/office/powerpoint/2010/main" w="9525">
                   <a:solidFill>
                     <a:srgbClr val="000000"/>
                   </a:solidFill>
@@ -24685,7 +24686,7 @@
             </a:ln>
             <a:extLst>
               <a:ext uri="{91240B29-F687-4f45-9708-019B960494DF}">
-                <a14:hiddenLine xmlns:p14="http://schemas.microsoft.com/office/powerpoint/2010/main" xmlns:a14="http://schemas.microsoft.com/office/drawing/2010/main" xmlns:a16="http://schemas.microsoft.com/office/drawing/2014/main" xmlns="" w="9525">
+                <a14:hiddenLine xmlns="" xmlns:a16="http://schemas.microsoft.com/office/drawing/2014/main" xmlns:a14="http://schemas.microsoft.com/office/drawing/2010/main" xmlns:p14="http://schemas.microsoft.com/office/powerpoint/2010/main" w="9525">
                   <a:solidFill>
                     <a:srgbClr val="000000"/>
                   </a:solidFill>
@@ -24765,7 +24766,7 @@
             </a:ln>
             <a:extLst>
               <a:ext uri="{91240B29-F687-4f45-9708-019B960494DF}">
-                <a14:hiddenLine xmlns:p14="http://schemas.microsoft.com/office/powerpoint/2010/main" xmlns:a14="http://schemas.microsoft.com/office/drawing/2010/main" xmlns:a16="http://schemas.microsoft.com/office/drawing/2014/main" xmlns="" w="9525">
+                <a14:hiddenLine xmlns="" xmlns:a16="http://schemas.microsoft.com/office/drawing/2014/main" xmlns:a14="http://schemas.microsoft.com/office/drawing/2010/main" xmlns:p14="http://schemas.microsoft.com/office/powerpoint/2010/main" w="9525">
                   <a:solidFill>
                     <a:srgbClr val="000000"/>
                   </a:solidFill>
@@ -24842,7 +24843,7 @@
             </a:ln>
             <a:extLst>
               <a:ext uri="{91240B29-F687-4f45-9708-019B960494DF}">
-                <a14:hiddenLine xmlns:p14="http://schemas.microsoft.com/office/powerpoint/2010/main" xmlns:a14="http://schemas.microsoft.com/office/drawing/2010/main" xmlns:a16="http://schemas.microsoft.com/office/drawing/2014/main" xmlns="" w="9525">
+                <a14:hiddenLine xmlns="" xmlns:a16="http://schemas.microsoft.com/office/drawing/2014/main" xmlns:a14="http://schemas.microsoft.com/office/drawing/2010/main" xmlns:p14="http://schemas.microsoft.com/office/powerpoint/2010/main" w="9525">
                   <a:solidFill>
                     <a:srgbClr val="000000"/>
                   </a:solidFill>
@@ -24947,7 +24948,7 @@
             </a:ln>
             <a:extLst>
               <a:ext uri="{91240B29-F687-4f45-9708-019B960494DF}">
-                <a14:hiddenLine xmlns:p14="http://schemas.microsoft.com/office/powerpoint/2010/main" xmlns:a14="http://schemas.microsoft.com/office/drawing/2010/main" xmlns:a16="http://schemas.microsoft.com/office/drawing/2014/main" xmlns="" w="9525">
+                <a14:hiddenLine xmlns="" xmlns:a16="http://schemas.microsoft.com/office/drawing/2014/main" xmlns:a14="http://schemas.microsoft.com/office/drawing/2010/main" xmlns:p14="http://schemas.microsoft.com/office/powerpoint/2010/main" w="9525">
                   <a:solidFill>
                     <a:srgbClr val="000000"/>
                   </a:solidFill>
@@ -25052,7 +25053,7 @@
             </a:ln>
             <a:extLst>
               <a:ext uri="{91240B29-F687-4f45-9708-019B960494DF}">
-                <a14:hiddenLine xmlns:p14="http://schemas.microsoft.com/office/powerpoint/2010/main" xmlns:a14="http://schemas.microsoft.com/office/drawing/2010/main" xmlns:a16="http://schemas.microsoft.com/office/drawing/2014/main" xmlns="" w="9525">
+                <a14:hiddenLine xmlns="" xmlns:a16="http://schemas.microsoft.com/office/drawing/2014/main" xmlns:a14="http://schemas.microsoft.com/office/drawing/2010/main" xmlns:p14="http://schemas.microsoft.com/office/powerpoint/2010/main" w="9525">
                   <a:solidFill>
                     <a:srgbClr val="000000"/>
                   </a:solidFill>
@@ -25129,7 +25130,7 @@
             </a:ln>
             <a:extLst>
               <a:ext uri="{91240B29-F687-4f45-9708-019B960494DF}">
-                <a14:hiddenLine xmlns:p14="http://schemas.microsoft.com/office/powerpoint/2010/main" xmlns:a14="http://schemas.microsoft.com/office/drawing/2010/main" xmlns:a16="http://schemas.microsoft.com/office/drawing/2014/main" xmlns="" w="9525">
+                <a14:hiddenLine xmlns="" xmlns:a16="http://schemas.microsoft.com/office/drawing/2014/main" xmlns:a14="http://schemas.microsoft.com/office/drawing/2010/main" xmlns:p14="http://schemas.microsoft.com/office/powerpoint/2010/main" w="9525">
                   <a:solidFill>
                     <a:srgbClr val="000000"/>
                   </a:solidFill>
@@ -25264,7 +25265,7 @@
             </a:ln>
             <a:extLst>
               <a:ext uri="{91240B29-F687-4f45-9708-019B960494DF}">
-                <a14:hiddenLine xmlns:p14="http://schemas.microsoft.com/office/powerpoint/2010/main" xmlns:a14="http://schemas.microsoft.com/office/drawing/2010/main" xmlns:a16="http://schemas.microsoft.com/office/drawing/2014/main" xmlns="" w="9525">
+                <a14:hiddenLine xmlns="" xmlns:a16="http://schemas.microsoft.com/office/drawing/2014/main" xmlns:a14="http://schemas.microsoft.com/office/drawing/2010/main" xmlns:p14="http://schemas.microsoft.com/office/powerpoint/2010/main" w="9525">
                   <a:solidFill>
                     <a:srgbClr val="000000"/>
                   </a:solidFill>
@@ -25347,7 +25348,7 @@
             </a:ln>
             <a:extLst>
               <a:ext uri="{91240B29-F687-4f45-9708-019B960494DF}">
-                <a14:hiddenLine xmlns:p14="http://schemas.microsoft.com/office/powerpoint/2010/main" xmlns:a14="http://schemas.microsoft.com/office/drawing/2010/main" xmlns:a16="http://schemas.microsoft.com/office/drawing/2014/main" xmlns="" w="9525">
+                <a14:hiddenLine xmlns="" xmlns:a16="http://schemas.microsoft.com/office/drawing/2014/main" xmlns:a14="http://schemas.microsoft.com/office/drawing/2010/main" xmlns:p14="http://schemas.microsoft.com/office/powerpoint/2010/main" w="9525">
                   <a:solidFill>
                     <a:srgbClr val="000000"/>
                   </a:solidFill>
@@ -25452,7 +25453,7 @@
             </a:ln>
             <a:extLst>
               <a:ext uri="{91240B29-F687-4f45-9708-019B960494DF}">
-                <a14:hiddenLine xmlns:p14="http://schemas.microsoft.com/office/powerpoint/2010/main" xmlns:a14="http://schemas.microsoft.com/office/drawing/2010/main" xmlns:a16="http://schemas.microsoft.com/office/drawing/2014/main" xmlns="" w="9525">
+                <a14:hiddenLine xmlns="" xmlns:a16="http://schemas.microsoft.com/office/drawing/2014/main" xmlns:a14="http://schemas.microsoft.com/office/drawing/2010/main" xmlns:p14="http://schemas.microsoft.com/office/powerpoint/2010/main" w="9525">
                   <a:solidFill>
                     <a:srgbClr val="000000"/>
                   </a:solidFill>
@@ -25725,6 +25726,74 @@
     <p:extLst>
       <p:ext uri="{BB962C8B-B14F-4D97-AF65-F5344CB8AC3E}">
         <p14:creationId xmlns:p14="http://schemas.microsoft.com/office/powerpoint/2010/main" val="1077572526"/>
+      </p:ext>
+    </p:extLst>
+  </p:cSld>
+  <p:clrMapOvr>
+    <a:masterClrMapping/>
+  </p:clrMapOvr>
+</p:sld>
+</file>
+
+<file path=ppt/slides/slide22.xml><?xml version="1.0" encoding="utf-8"?>
+<p:sld xmlns:a="http://schemas.openxmlformats.org/drawingml/2006/main" xmlns:r="http://schemas.openxmlformats.org/officeDocument/2006/relationships" xmlns:p="http://schemas.openxmlformats.org/presentationml/2006/main">
+  <p:cSld>
+    <p:spTree>
+      <p:nvGrpSpPr>
+        <p:cNvPr id="1" name=""/>
+        <p:cNvGrpSpPr/>
+        <p:nvPr/>
+      </p:nvGrpSpPr>
+      <p:grpSpPr>
+        <a:xfrm>
+          <a:off x="0" y="0"/>
+          <a:ext cx="0" cy="0"/>
+          <a:chOff x="0" y="0"/>
+          <a:chExt cx="0" cy="0"/>
+        </a:xfrm>
+      </p:grpSpPr>
+      <p:sp>
+        <p:nvSpPr>
+          <p:cNvPr id="3" name="Content Placeholder 2">
+            <a:extLst>
+              <a:ext uri="{FF2B5EF4-FFF2-40B4-BE49-F238E27FC236}">
+                <a16:creationId xmlns:a16="http://schemas.microsoft.com/office/drawing/2014/main" id="{289EAACF-4E28-43BD-BB5A-842289A06482}"/>
+              </a:ext>
+            </a:extLst>
+          </p:cNvPr>
+          <p:cNvSpPr>
+            <a:spLocks noGrp="1"/>
+          </p:cNvSpPr>
+          <p:nvPr>
+            <p:ph idx="1"/>
+          </p:nvPr>
+        </p:nvSpPr>
+        <p:spPr>
+          <a:xfrm>
+            <a:off x="2781301" y="2590799"/>
+            <a:ext cx="4781550" cy="3200401"/>
+          </a:xfrm>
+        </p:spPr>
+        <p:txBody>
+          <a:bodyPr>
+            <a:normAutofit/>
+          </a:bodyPr>
+          <a:lstStyle/>
+          <a:p>
+            <a:pPr marL="0" indent="0">
+              <a:buNone/>
+            </a:pPr>
+            <a:r>
+              <a:rPr lang="en-US" sz="6000" dirty="0"/>
+              <a:t>THANK YOU!!!</a:t>
+            </a:r>
+          </a:p>
+        </p:txBody>
+      </p:sp>
+    </p:spTree>
+    <p:extLst>
+      <p:ext uri="{BB962C8B-B14F-4D97-AF65-F5344CB8AC3E}">
+        <p14:creationId xmlns:p14="http://schemas.microsoft.com/office/powerpoint/2010/main" val="2660844397"/>
       </p:ext>
     </p:extLst>
   </p:cSld>

--- a/FP.pptx
+++ b/FP.pptx
@@ -5,7 +5,7 @@
     <p:sldMasterId id="2147483719" r:id="rId1"/>
   </p:sldMasterIdLst>
   <p:notesMasterIdLst>
-    <p:notesMasterId r:id="rId24"/>
+    <p:notesMasterId r:id="rId25"/>
   </p:notesMasterIdLst>
   <p:sldIdLst>
     <p:sldId id="256" r:id="rId2"/>
@@ -29,7 +29,8 @@
     <p:sldId id="274" r:id="rId20"/>
     <p:sldId id="273" r:id="rId21"/>
     <p:sldId id="275" r:id="rId22"/>
-    <p:sldId id="277" r:id="rId23"/>
+    <p:sldId id="278" r:id="rId23"/>
+    <p:sldId id="277" r:id="rId24"/>
   </p:sldIdLst>
   <p:sldSz cx="12192000" cy="6858000"/>
   <p:notesSz cx="6858000" cy="9144000"/>
@@ -703,7 +704,7 @@
           <a:noFill/>
           <a:extLst>
             <a:ext uri="{909E8E84-426E-40dd-AFC4-6F175D3DCCD1}">
-              <a14:hiddenFill xmlns:a14="http://schemas.microsoft.com/office/drawing/2010/main" xmlns="">
+              <a14:hiddenFill xmlns="" xmlns:a14="http://schemas.microsoft.com/office/drawing/2010/main">
                 <a:solidFill>
                   <a:srgbClr val="FFFFFF"/>
                 </a:solidFill>
@@ -763,7 +764,7 @@
             </a:ln>
             <a:extLst>
               <a:ext uri="{91240B29-F687-4f45-9708-019B960494DF}">
-                <a14:hiddenLine xmlns:a14="http://schemas.microsoft.com/office/drawing/2010/main" xmlns="" w="9525">
+                <a14:hiddenLine xmlns="" xmlns:a14="http://schemas.microsoft.com/office/drawing/2010/main" w="9525">
                   <a:solidFill>
                     <a:srgbClr val="000000"/>
                   </a:solidFill>
@@ -853,7 +854,7 @@
             </a:ln>
             <a:extLst>
               <a:ext uri="{91240B29-F687-4f45-9708-019B960494DF}">
-                <a14:hiddenLine xmlns:a14="http://schemas.microsoft.com/office/drawing/2010/main" xmlns="" w="9525">
+                <a14:hiddenLine xmlns="" xmlns:a14="http://schemas.microsoft.com/office/drawing/2010/main" w="9525">
                   <a:solidFill>
                     <a:srgbClr val="000000"/>
                   </a:solidFill>
@@ -943,7 +944,7 @@
             </a:ln>
             <a:extLst>
               <a:ext uri="{91240B29-F687-4f45-9708-019B960494DF}">
-                <a14:hiddenLine xmlns:a14="http://schemas.microsoft.com/office/drawing/2010/main" xmlns="" w="9525">
+                <a14:hiddenLine xmlns="" xmlns:a14="http://schemas.microsoft.com/office/drawing/2010/main" w="9525">
                   <a:solidFill>
                     <a:srgbClr val="000000"/>
                   </a:solidFill>
@@ -977,7 +978,7 @@
             </a:ln>
             <a:extLst>
               <a:ext uri="{91240B29-F687-4f45-9708-019B960494DF}">
-                <a14:hiddenLine xmlns:a14="http://schemas.microsoft.com/office/drawing/2010/main" xmlns="" w="9525">
+                <a14:hiddenLine xmlns="" xmlns:a14="http://schemas.microsoft.com/office/drawing/2010/main" w="9525">
                   <a:solidFill>
                     <a:srgbClr val="000000"/>
                   </a:solidFill>
@@ -1067,7 +1068,7 @@
             </a:ln>
             <a:extLst>
               <a:ext uri="{91240B29-F687-4f45-9708-019B960494DF}">
-                <a14:hiddenLine xmlns:a14="http://schemas.microsoft.com/office/drawing/2010/main" xmlns="" w="9525">
+                <a14:hiddenLine xmlns="" xmlns:a14="http://schemas.microsoft.com/office/drawing/2010/main" w="9525">
                   <a:solidFill>
                     <a:srgbClr val="000000"/>
                   </a:solidFill>
@@ -1129,7 +1130,7 @@
             </a:ln>
             <a:extLst>
               <a:ext uri="{91240B29-F687-4f45-9708-019B960494DF}">
-                <a14:hiddenLine xmlns:a14="http://schemas.microsoft.com/office/drawing/2010/main" xmlns="" w="9525">
+                <a14:hiddenLine xmlns="" xmlns:a14="http://schemas.microsoft.com/office/drawing/2010/main" w="9525">
                   <a:solidFill>
                     <a:srgbClr val="000000"/>
                   </a:solidFill>
@@ -1191,7 +1192,7 @@
             </a:ln>
             <a:extLst>
               <a:ext uri="{91240B29-F687-4f45-9708-019B960494DF}">
-                <a14:hiddenLine xmlns:a14="http://schemas.microsoft.com/office/drawing/2010/main" xmlns="" w="9525">
+                <a14:hiddenLine xmlns="" xmlns:a14="http://schemas.microsoft.com/office/drawing/2010/main" w="9525">
                   <a:solidFill>
                     <a:srgbClr val="000000"/>
                   </a:solidFill>
@@ -1281,7 +1282,7 @@
             </a:ln>
             <a:extLst>
               <a:ext uri="{91240B29-F687-4f45-9708-019B960494DF}">
-                <a14:hiddenLine xmlns:a14="http://schemas.microsoft.com/office/drawing/2010/main" xmlns="" w="9525">
+                <a14:hiddenLine xmlns="" xmlns:a14="http://schemas.microsoft.com/office/drawing/2010/main" w="9525">
                   <a:solidFill>
                     <a:srgbClr val="000000"/>
                   </a:solidFill>
@@ -1343,7 +1344,7 @@
             </a:ln>
             <a:extLst>
               <a:ext uri="{91240B29-F687-4f45-9708-019B960494DF}">
-                <a14:hiddenLine xmlns:a14="http://schemas.microsoft.com/office/drawing/2010/main" xmlns="" w="9525">
+                <a14:hiddenLine xmlns="" xmlns:a14="http://schemas.microsoft.com/office/drawing/2010/main" w="9525">
                   <a:solidFill>
                     <a:srgbClr val="000000"/>
                   </a:solidFill>
@@ -1405,7 +1406,7 @@
             </a:ln>
             <a:extLst>
               <a:ext uri="{91240B29-F687-4f45-9708-019B960494DF}">
-                <a14:hiddenLine xmlns:a14="http://schemas.microsoft.com/office/drawing/2010/main" xmlns="" w="9525">
+                <a14:hiddenLine xmlns="" xmlns:a14="http://schemas.microsoft.com/office/drawing/2010/main" w="9525">
                   <a:solidFill>
                     <a:srgbClr val="000000"/>
                   </a:solidFill>
@@ -1495,7 +1496,7 @@
             </a:ln>
             <a:extLst>
               <a:ext uri="{91240B29-F687-4f45-9708-019B960494DF}">
-                <a14:hiddenLine xmlns:a14="http://schemas.microsoft.com/office/drawing/2010/main" xmlns="" w="9525">
+                <a14:hiddenLine xmlns="" xmlns:a14="http://schemas.microsoft.com/office/drawing/2010/main" w="9525">
                   <a:solidFill>
                     <a:srgbClr val="000000"/>
                   </a:solidFill>
@@ -1585,7 +1586,7 @@
             </a:ln>
             <a:extLst>
               <a:ext uri="{91240B29-F687-4f45-9708-019B960494DF}">
-                <a14:hiddenLine xmlns:a14="http://schemas.microsoft.com/office/drawing/2010/main" xmlns="" w="9525">
+                <a14:hiddenLine xmlns="" xmlns:a14="http://schemas.microsoft.com/office/drawing/2010/main" w="9525">
                   <a:solidFill>
                     <a:srgbClr val="000000"/>
                   </a:solidFill>
@@ -1647,7 +1648,7 @@
             </a:ln>
             <a:extLst>
               <a:ext uri="{91240B29-F687-4f45-9708-019B960494DF}">
-                <a14:hiddenLine xmlns:a14="http://schemas.microsoft.com/office/drawing/2010/main" xmlns="" w="9525">
+                <a14:hiddenLine xmlns="" xmlns:a14="http://schemas.microsoft.com/office/drawing/2010/main" w="9525">
                   <a:solidFill>
                     <a:srgbClr val="000000"/>
                   </a:solidFill>
@@ -1757,7 +1758,7 @@
             </a:ln>
             <a:extLst>
               <a:ext uri="{91240B29-F687-4f45-9708-019B960494DF}">
-                <a14:hiddenLine xmlns:a14="http://schemas.microsoft.com/office/drawing/2010/main" xmlns="" w="9525">
+                <a14:hiddenLine xmlns="" xmlns:a14="http://schemas.microsoft.com/office/drawing/2010/main" w="9525">
                   <a:solidFill>
                     <a:srgbClr val="000000"/>
                   </a:solidFill>
@@ -1819,7 +1820,7 @@
             </a:ln>
             <a:extLst>
               <a:ext uri="{91240B29-F687-4f45-9708-019B960494DF}">
-                <a14:hiddenLine xmlns:a14="http://schemas.microsoft.com/office/drawing/2010/main" xmlns="" w="9525">
+                <a14:hiddenLine xmlns="" xmlns:a14="http://schemas.microsoft.com/office/drawing/2010/main" w="9525">
                   <a:solidFill>
                     <a:srgbClr val="000000"/>
                   </a:solidFill>
@@ -1909,7 +1910,7 @@
             </a:ln>
             <a:extLst>
               <a:ext uri="{91240B29-F687-4f45-9708-019B960494DF}">
-                <a14:hiddenLine xmlns:a14="http://schemas.microsoft.com/office/drawing/2010/main" xmlns="" w="9525">
+                <a14:hiddenLine xmlns="" xmlns:a14="http://schemas.microsoft.com/office/drawing/2010/main" w="9525">
                   <a:solidFill>
                     <a:srgbClr val="000000"/>
                   </a:solidFill>
@@ -1999,7 +2000,7 @@
             </a:ln>
             <a:extLst>
               <a:ext uri="{91240B29-F687-4f45-9708-019B960494DF}">
-                <a14:hiddenLine xmlns:a14="http://schemas.microsoft.com/office/drawing/2010/main" xmlns="" w="9525">
+                <a14:hiddenLine xmlns="" xmlns:a14="http://schemas.microsoft.com/office/drawing/2010/main" w="9525">
                   <a:solidFill>
                     <a:srgbClr val="000000"/>
                   </a:solidFill>
@@ -2061,7 +2062,7 @@
             </a:ln>
             <a:extLst>
               <a:ext uri="{91240B29-F687-4f45-9708-019B960494DF}">
-                <a14:hiddenLine xmlns:a14="http://schemas.microsoft.com/office/drawing/2010/main" xmlns="" w="9525">
+                <a14:hiddenLine xmlns="" xmlns:a14="http://schemas.microsoft.com/office/drawing/2010/main" w="9525">
                   <a:solidFill>
                     <a:srgbClr val="000000"/>
                   </a:solidFill>
@@ -2151,7 +2152,7 @@
             </a:ln>
             <a:extLst>
               <a:ext uri="{91240B29-F687-4f45-9708-019B960494DF}">
-                <a14:hiddenLine xmlns:a14="http://schemas.microsoft.com/office/drawing/2010/main" xmlns="" w="9525">
+                <a14:hiddenLine xmlns="" xmlns:a14="http://schemas.microsoft.com/office/drawing/2010/main" w="9525">
                   <a:solidFill>
                     <a:srgbClr val="000000"/>
                   </a:solidFill>
@@ -2241,7 +2242,7 @@
             </a:ln>
             <a:extLst>
               <a:ext uri="{91240B29-F687-4f45-9708-019B960494DF}">
-                <a14:hiddenLine xmlns:a14="http://schemas.microsoft.com/office/drawing/2010/main" xmlns="" w="9525">
+                <a14:hiddenLine xmlns="" xmlns:a14="http://schemas.microsoft.com/office/drawing/2010/main" w="9525">
                   <a:solidFill>
                     <a:srgbClr val="000000"/>
                   </a:solidFill>
@@ -2297,7 +2298,7 @@
             </a:ln>
             <a:extLst>
               <a:ext uri="{91240B29-F687-4f45-9708-019B960494DF}">
-                <a14:hiddenLine xmlns:a14="http://schemas.microsoft.com/office/drawing/2010/main" xmlns="" w="9525">
+                <a14:hiddenLine xmlns="" xmlns:a14="http://schemas.microsoft.com/office/drawing/2010/main" w="9525">
                   <a:solidFill>
                     <a:srgbClr val="000000"/>
                   </a:solidFill>
@@ -2387,7 +2388,7 @@
             </a:ln>
             <a:extLst>
               <a:ext uri="{91240B29-F687-4f45-9708-019B960494DF}">
-                <a14:hiddenLine xmlns:a14="http://schemas.microsoft.com/office/drawing/2010/main" xmlns="" w="9525">
+                <a14:hiddenLine xmlns="" xmlns:a14="http://schemas.microsoft.com/office/drawing/2010/main" w="9525">
                   <a:solidFill>
                     <a:srgbClr val="000000"/>
                   </a:solidFill>
@@ -2443,7 +2444,7 @@
             </a:ln>
             <a:extLst>
               <a:ext uri="{91240B29-F687-4f45-9708-019B960494DF}">
-                <a14:hiddenLine xmlns:a14="http://schemas.microsoft.com/office/drawing/2010/main" xmlns="" w="9525">
+                <a14:hiddenLine xmlns="" xmlns:a14="http://schemas.microsoft.com/office/drawing/2010/main" w="9525">
                   <a:solidFill>
                     <a:srgbClr val="000000"/>
                   </a:solidFill>
@@ -2533,7 +2534,7 @@
             </a:ln>
             <a:extLst>
               <a:ext uri="{91240B29-F687-4f45-9708-019B960494DF}">
-                <a14:hiddenLine xmlns:a14="http://schemas.microsoft.com/office/drawing/2010/main" xmlns="" w="9525">
+                <a14:hiddenLine xmlns="" xmlns:a14="http://schemas.microsoft.com/office/drawing/2010/main" w="9525">
                   <a:solidFill>
                     <a:srgbClr val="000000"/>
                   </a:solidFill>
@@ -2601,7 +2602,7 @@
             </a:ln>
             <a:extLst>
               <a:ext uri="{91240B29-F687-4f45-9708-019B960494DF}">
-                <a14:hiddenLine xmlns:a14="http://schemas.microsoft.com/office/drawing/2010/main" xmlns="" w="9525">
+                <a14:hiddenLine xmlns="" xmlns:a14="http://schemas.microsoft.com/office/drawing/2010/main" w="9525">
                   <a:solidFill>
                     <a:srgbClr val="000000"/>
                   </a:solidFill>
@@ -2691,7 +2692,7 @@
             </a:ln>
             <a:extLst>
               <a:ext uri="{91240B29-F687-4f45-9708-019B960494DF}">
-                <a14:hiddenLine xmlns:a14="http://schemas.microsoft.com/office/drawing/2010/main" xmlns="" w="9525">
+                <a14:hiddenLine xmlns="" xmlns:a14="http://schemas.microsoft.com/office/drawing/2010/main" w="9525">
                   <a:solidFill>
                     <a:srgbClr val="000000"/>
                   </a:solidFill>
@@ -2759,7 +2760,7 @@
             </a:ln>
             <a:extLst>
               <a:ext uri="{91240B29-F687-4f45-9708-019B960494DF}">
-                <a14:hiddenLine xmlns:a14="http://schemas.microsoft.com/office/drawing/2010/main" xmlns="" w="9525">
+                <a14:hiddenLine xmlns="" xmlns:a14="http://schemas.microsoft.com/office/drawing/2010/main" w="9525">
                   <a:solidFill>
                     <a:srgbClr val="000000"/>
                   </a:solidFill>
@@ -2849,7 +2850,7 @@
             </a:ln>
             <a:extLst>
               <a:ext uri="{91240B29-F687-4f45-9708-019B960494DF}">
-                <a14:hiddenLine xmlns:a14="http://schemas.microsoft.com/office/drawing/2010/main" xmlns="" w="9525">
+                <a14:hiddenLine xmlns="" xmlns:a14="http://schemas.microsoft.com/office/drawing/2010/main" w="9525">
                   <a:solidFill>
                     <a:srgbClr val="000000"/>
                   </a:solidFill>
@@ -2883,7 +2884,7 @@
             </a:ln>
             <a:extLst>
               <a:ext uri="{91240B29-F687-4f45-9708-019B960494DF}">
-                <a14:hiddenLine xmlns:a14="http://schemas.microsoft.com/office/drawing/2010/main" xmlns="" w="9525">
+                <a14:hiddenLine xmlns="" xmlns:a14="http://schemas.microsoft.com/office/drawing/2010/main" w="9525">
                   <a:solidFill>
                     <a:srgbClr val="000000"/>
                   </a:solidFill>
@@ -2973,7 +2974,7 @@
             </a:ln>
             <a:extLst>
               <a:ext uri="{91240B29-F687-4f45-9708-019B960494DF}">
-                <a14:hiddenLine xmlns:a14="http://schemas.microsoft.com/office/drawing/2010/main" xmlns="" w="9525">
+                <a14:hiddenLine xmlns="" xmlns:a14="http://schemas.microsoft.com/office/drawing/2010/main" w="9525">
                   <a:solidFill>
                     <a:srgbClr val="000000"/>
                   </a:solidFill>
@@ -3035,7 +3036,7 @@
             </a:ln>
             <a:extLst>
               <a:ext uri="{91240B29-F687-4f45-9708-019B960494DF}">
-                <a14:hiddenLine xmlns:a14="http://schemas.microsoft.com/office/drawing/2010/main" xmlns="" w="9525">
+                <a14:hiddenLine xmlns="" xmlns:a14="http://schemas.microsoft.com/office/drawing/2010/main" w="9525">
                   <a:solidFill>
                     <a:srgbClr val="000000"/>
                   </a:solidFill>
@@ -3097,7 +3098,7 @@
             </a:ln>
             <a:extLst>
               <a:ext uri="{91240B29-F687-4f45-9708-019B960494DF}">
-                <a14:hiddenLine xmlns:a14="http://schemas.microsoft.com/office/drawing/2010/main" xmlns="" w="9525">
+                <a14:hiddenLine xmlns="" xmlns:a14="http://schemas.microsoft.com/office/drawing/2010/main" w="9525">
                   <a:solidFill>
                     <a:srgbClr val="000000"/>
                   </a:solidFill>
@@ -3187,7 +3188,7 @@
             </a:ln>
             <a:extLst>
               <a:ext uri="{91240B29-F687-4f45-9708-019B960494DF}">
-                <a14:hiddenLine xmlns:a14="http://schemas.microsoft.com/office/drawing/2010/main" xmlns="" w="9525">
+                <a14:hiddenLine xmlns="" xmlns:a14="http://schemas.microsoft.com/office/drawing/2010/main" w="9525">
                   <a:solidFill>
                     <a:srgbClr val="000000"/>
                   </a:solidFill>
@@ -3255,7 +3256,7 @@
             </a:ln>
             <a:extLst>
               <a:ext uri="{91240B29-F687-4f45-9708-019B960494DF}">
-                <a14:hiddenLine xmlns:a14="http://schemas.microsoft.com/office/drawing/2010/main" xmlns="" w="9525">
+                <a14:hiddenLine xmlns="" xmlns:a14="http://schemas.microsoft.com/office/drawing/2010/main" w="9525">
                   <a:solidFill>
                     <a:srgbClr val="000000"/>
                   </a:solidFill>
@@ -3317,7 +3318,7 @@
             </a:ln>
             <a:extLst>
               <a:ext uri="{91240B29-F687-4f45-9708-019B960494DF}">
-                <a14:hiddenLine xmlns:a14="http://schemas.microsoft.com/office/drawing/2010/main" xmlns="" w="9525">
+                <a14:hiddenLine xmlns="" xmlns:a14="http://schemas.microsoft.com/office/drawing/2010/main" w="9525">
                   <a:solidFill>
                     <a:srgbClr val="000000"/>
                   </a:solidFill>
@@ -3407,7 +3408,7 @@
             </a:ln>
             <a:extLst>
               <a:ext uri="{91240B29-F687-4f45-9708-019B960494DF}">
-                <a14:hiddenLine xmlns:a14="http://schemas.microsoft.com/office/drawing/2010/main" xmlns="" w="9525">
+                <a14:hiddenLine xmlns="" xmlns:a14="http://schemas.microsoft.com/office/drawing/2010/main" w="9525">
                   <a:solidFill>
                     <a:srgbClr val="000000"/>
                   </a:solidFill>
@@ -3469,7 +3470,7 @@
             </a:ln>
             <a:extLst>
               <a:ext uri="{91240B29-F687-4f45-9708-019B960494DF}">
-                <a14:hiddenLine xmlns:a14="http://schemas.microsoft.com/office/drawing/2010/main" xmlns="" w="9525">
+                <a14:hiddenLine xmlns="" xmlns:a14="http://schemas.microsoft.com/office/drawing/2010/main" w="9525">
                   <a:solidFill>
                     <a:srgbClr val="000000"/>
                   </a:solidFill>
@@ -3559,7 +3560,7 @@
             </a:ln>
             <a:extLst>
               <a:ext uri="{91240B29-F687-4f45-9708-019B960494DF}">
-                <a14:hiddenLine xmlns:a14="http://schemas.microsoft.com/office/drawing/2010/main" xmlns="" w="9525">
+                <a14:hiddenLine xmlns="" xmlns:a14="http://schemas.microsoft.com/office/drawing/2010/main" w="9525">
                   <a:solidFill>
                     <a:srgbClr val="000000"/>
                   </a:solidFill>
@@ -3621,7 +3622,7 @@
             </a:ln>
             <a:extLst>
               <a:ext uri="{91240B29-F687-4f45-9708-019B960494DF}">
-                <a14:hiddenLine xmlns:a14="http://schemas.microsoft.com/office/drawing/2010/main" xmlns="" w="9525">
+                <a14:hiddenLine xmlns="" xmlns:a14="http://schemas.microsoft.com/office/drawing/2010/main" w="9525">
                   <a:solidFill>
                     <a:srgbClr val="000000"/>
                   </a:solidFill>
@@ -3711,7 +3712,7 @@
             </a:ln>
             <a:extLst>
               <a:ext uri="{91240B29-F687-4f45-9708-019B960494DF}">
-                <a14:hiddenLine xmlns:a14="http://schemas.microsoft.com/office/drawing/2010/main" xmlns="" w="9525">
+                <a14:hiddenLine xmlns="" xmlns:a14="http://schemas.microsoft.com/office/drawing/2010/main" w="9525">
                   <a:solidFill>
                     <a:srgbClr val="000000"/>
                   </a:solidFill>
@@ -3745,7 +3746,7 @@
             </a:ln>
             <a:extLst>
               <a:ext uri="{91240B29-F687-4f45-9708-019B960494DF}">
-                <a14:hiddenLine xmlns:a14="http://schemas.microsoft.com/office/drawing/2010/main" xmlns="" w="9525">
+                <a14:hiddenLine xmlns="" xmlns:a14="http://schemas.microsoft.com/office/drawing/2010/main" w="9525">
                   <a:solidFill>
                     <a:srgbClr val="000000"/>
                   </a:solidFill>
@@ -3810,7 +3811,7 @@
             </a:ln>
             <a:extLst>
               <a:ext uri="{91240B29-F687-4f45-9708-019B960494DF}">
-                <a14:hiddenLine xmlns:a14="http://schemas.microsoft.com/office/drawing/2010/main" xmlns="" w="9525">
+                <a14:hiddenLine xmlns="" xmlns:a14="http://schemas.microsoft.com/office/drawing/2010/main" w="9525">
                   <a:solidFill>
                     <a:srgbClr val="000000"/>
                   </a:solidFill>
@@ -3900,7 +3901,7 @@
             </a:ln>
             <a:extLst>
               <a:ext uri="{91240B29-F687-4f45-9708-019B960494DF}">
-                <a14:hiddenLine xmlns:a14="http://schemas.microsoft.com/office/drawing/2010/main" xmlns="" w="9525">
+                <a14:hiddenLine xmlns="" xmlns:a14="http://schemas.microsoft.com/office/drawing/2010/main" w="9525">
                   <a:solidFill>
                     <a:srgbClr val="000000"/>
                   </a:solidFill>
@@ -3962,7 +3963,7 @@
             </a:ln>
             <a:extLst>
               <a:ext uri="{91240B29-F687-4f45-9708-019B960494DF}">
-                <a14:hiddenLine xmlns:a14="http://schemas.microsoft.com/office/drawing/2010/main" xmlns="" w="9525">
+                <a14:hiddenLine xmlns="" xmlns:a14="http://schemas.microsoft.com/office/drawing/2010/main" w="9525">
                   <a:solidFill>
                     <a:srgbClr val="000000"/>
                   </a:solidFill>
@@ -4052,7 +4053,7 @@
             </a:ln>
             <a:extLst>
               <a:ext uri="{91240B29-F687-4f45-9708-019B960494DF}">
-                <a14:hiddenLine xmlns:a14="http://schemas.microsoft.com/office/drawing/2010/main" xmlns="" w="9525">
+                <a14:hiddenLine xmlns="" xmlns:a14="http://schemas.microsoft.com/office/drawing/2010/main" w="9525">
                   <a:solidFill>
                     <a:srgbClr val="000000"/>
                   </a:solidFill>
@@ -4142,7 +4143,7 @@
             </a:ln>
             <a:extLst>
               <a:ext uri="{91240B29-F687-4f45-9708-019B960494DF}">
-                <a14:hiddenLine xmlns:a14="http://schemas.microsoft.com/office/drawing/2010/main" xmlns="" w="9525">
+                <a14:hiddenLine xmlns="" xmlns:a14="http://schemas.microsoft.com/office/drawing/2010/main" w="9525">
                   <a:solidFill>
                     <a:srgbClr val="000000"/>
                   </a:solidFill>
@@ -4207,7 +4208,7 @@
             </a:ln>
             <a:extLst>
               <a:ext uri="{91240B29-F687-4f45-9708-019B960494DF}">
-                <a14:hiddenLine xmlns:a14="http://schemas.microsoft.com/office/drawing/2010/main" xmlns="" w="9525">
+                <a14:hiddenLine xmlns="" xmlns:a14="http://schemas.microsoft.com/office/drawing/2010/main" w="9525">
                   <a:solidFill>
                     <a:srgbClr val="000000"/>
                   </a:solidFill>
@@ -4269,7 +4270,7 @@
             </a:ln>
             <a:extLst>
               <a:ext uri="{91240B29-F687-4f45-9708-019B960494DF}">
-                <a14:hiddenLine xmlns:a14="http://schemas.microsoft.com/office/drawing/2010/main" xmlns="" w="9525">
+                <a14:hiddenLine xmlns="" xmlns:a14="http://schemas.microsoft.com/office/drawing/2010/main" w="9525">
                   <a:solidFill>
                     <a:srgbClr val="000000"/>
                   </a:solidFill>
@@ -4359,7 +4360,7 @@
             </a:ln>
             <a:extLst>
               <a:ext uri="{91240B29-F687-4f45-9708-019B960494DF}">
-                <a14:hiddenLine xmlns:a14="http://schemas.microsoft.com/office/drawing/2010/main" xmlns="" w="9525">
+                <a14:hiddenLine xmlns="" xmlns:a14="http://schemas.microsoft.com/office/drawing/2010/main" w="9525">
                   <a:solidFill>
                     <a:srgbClr val="000000"/>
                   </a:solidFill>
@@ -4449,7 +4450,7 @@
             </a:ln>
             <a:extLst>
               <a:ext uri="{91240B29-F687-4f45-9708-019B960494DF}">
-                <a14:hiddenLine xmlns:a14="http://schemas.microsoft.com/office/drawing/2010/main" xmlns="" w="9525">
+                <a14:hiddenLine xmlns="" xmlns:a14="http://schemas.microsoft.com/office/drawing/2010/main" w="9525">
                   <a:solidFill>
                     <a:srgbClr val="000000"/>
                   </a:solidFill>
@@ -4511,7 +4512,7 @@
             </a:ln>
             <a:extLst>
               <a:ext uri="{91240B29-F687-4f45-9708-019B960494DF}">
-                <a14:hiddenLine xmlns:a14="http://schemas.microsoft.com/office/drawing/2010/main" xmlns="" w="9525">
+                <a14:hiddenLine xmlns="" xmlns:a14="http://schemas.microsoft.com/office/drawing/2010/main" w="9525">
                   <a:solidFill>
                     <a:srgbClr val="000000"/>
                   </a:solidFill>
@@ -4631,7 +4632,7 @@
             </a:ln>
             <a:extLst>
               <a:ext uri="{91240B29-F687-4f45-9708-019B960494DF}">
-                <a14:hiddenLine xmlns:a14="http://schemas.microsoft.com/office/drawing/2010/main" xmlns="" w="9525">
+                <a14:hiddenLine xmlns="" xmlns:a14="http://schemas.microsoft.com/office/drawing/2010/main" w="9525">
                   <a:solidFill>
                     <a:srgbClr val="000000"/>
                   </a:solidFill>
@@ -4699,7 +4700,7 @@
             </a:ln>
             <a:extLst>
               <a:ext uri="{91240B29-F687-4f45-9708-019B960494DF}">
-                <a14:hiddenLine xmlns:a14="http://schemas.microsoft.com/office/drawing/2010/main" xmlns="" w="9525">
+                <a14:hiddenLine xmlns="" xmlns:a14="http://schemas.microsoft.com/office/drawing/2010/main" w="9525">
                   <a:solidFill>
                     <a:srgbClr val="000000"/>
                   </a:solidFill>
@@ -4789,7 +4790,7 @@
             </a:ln>
             <a:extLst>
               <a:ext uri="{91240B29-F687-4f45-9708-019B960494DF}">
-                <a14:hiddenLine xmlns:a14="http://schemas.microsoft.com/office/drawing/2010/main" xmlns="" w="9525">
+                <a14:hiddenLine xmlns="" xmlns:a14="http://schemas.microsoft.com/office/drawing/2010/main" w="9525">
                   <a:solidFill>
                     <a:srgbClr val="000000"/>
                   </a:solidFill>
@@ -9596,7 +9597,7 @@
           <a:noFill/>
           <a:extLst>
             <a:ext uri="{909E8E84-426E-40dd-AFC4-6F175D3DCCD1}">
-              <a14:hiddenFill xmlns:a14="http://schemas.microsoft.com/office/drawing/2010/main" xmlns="">
+              <a14:hiddenFill xmlns="" xmlns:a14="http://schemas.microsoft.com/office/drawing/2010/main">
                 <a:solidFill>
                   <a:srgbClr val="FFFFFF"/>
                 </a:solidFill>
@@ -9670,7 +9671,7 @@
               </a:ln>
               <a:extLst>
                 <a:ext uri="{91240B29-F687-4f45-9708-019B960494DF}">
-                  <a14:hiddenLine xmlns:a14="http://schemas.microsoft.com/office/drawing/2010/main" xmlns="" w="9525">
+                  <a14:hiddenLine xmlns="" xmlns:a14="http://schemas.microsoft.com/office/drawing/2010/main" w="9525">
                     <a:solidFill>
                       <a:srgbClr val="000000"/>
                     </a:solidFill>
@@ -9760,7 +9761,7 @@
               </a:ln>
               <a:extLst>
                 <a:ext uri="{91240B29-F687-4f45-9708-019B960494DF}">
-                  <a14:hiddenLine xmlns:a14="http://schemas.microsoft.com/office/drawing/2010/main" xmlns="" w="9525">
+                  <a14:hiddenLine xmlns="" xmlns:a14="http://schemas.microsoft.com/office/drawing/2010/main" w="9525">
                     <a:solidFill>
                       <a:srgbClr val="000000"/>
                     </a:solidFill>
@@ -9850,7 +9851,7 @@
               </a:ln>
               <a:extLst>
                 <a:ext uri="{91240B29-F687-4f45-9708-019B960494DF}">
-                  <a14:hiddenLine xmlns:a14="http://schemas.microsoft.com/office/drawing/2010/main" xmlns="" w="9525">
+                  <a14:hiddenLine xmlns="" xmlns:a14="http://schemas.microsoft.com/office/drawing/2010/main" w="9525">
                     <a:solidFill>
                       <a:srgbClr val="000000"/>
                     </a:solidFill>
@@ -9912,7 +9913,7 @@
               </a:ln>
               <a:extLst>
                 <a:ext uri="{91240B29-F687-4f45-9708-019B960494DF}">
-                  <a14:hiddenLine xmlns:a14="http://schemas.microsoft.com/office/drawing/2010/main" xmlns="" w="9525">
+                  <a14:hiddenLine xmlns="" xmlns:a14="http://schemas.microsoft.com/office/drawing/2010/main" w="9525">
                     <a:solidFill>
                       <a:srgbClr val="000000"/>
                     </a:solidFill>
@@ -10002,7 +10003,7 @@
               </a:ln>
               <a:extLst>
                 <a:ext uri="{91240B29-F687-4f45-9708-019B960494DF}">
-                  <a14:hiddenLine xmlns:a14="http://schemas.microsoft.com/office/drawing/2010/main" xmlns="" w="9525">
+                  <a14:hiddenLine xmlns="" xmlns:a14="http://schemas.microsoft.com/office/drawing/2010/main" w="9525">
                     <a:solidFill>
                       <a:srgbClr val="000000"/>
                     </a:solidFill>
@@ -10064,7 +10065,7 @@
               </a:ln>
               <a:extLst>
                 <a:ext uri="{91240B29-F687-4f45-9708-019B960494DF}">
-                  <a14:hiddenLine xmlns:a14="http://schemas.microsoft.com/office/drawing/2010/main" xmlns="" w="9525">
+                  <a14:hiddenLine xmlns="" xmlns:a14="http://schemas.microsoft.com/office/drawing/2010/main" w="9525">
                     <a:solidFill>
                       <a:srgbClr val="000000"/>
                     </a:solidFill>
@@ -10126,7 +10127,7 @@
               </a:ln>
               <a:extLst>
                 <a:ext uri="{91240B29-F687-4f45-9708-019B960494DF}">
-                  <a14:hiddenLine xmlns:a14="http://schemas.microsoft.com/office/drawing/2010/main" xmlns="" w="9525">
+                  <a14:hiddenLine xmlns="" xmlns:a14="http://schemas.microsoft.com/office/drawing/2010/main" w="9525">
                     <a:solidFill>
                       <a:srgbClr val="000000"/>
                     </a:solidFill>
@@ -10216,7 +10217,7 @@
               </a:ln>
               <a:extLst>
                 <a:ext uri="{91240B29-F687-4f45-9708-019B960494DF}">
-                  <a14:hiddenLine xmlns:a14="http://schemas.microsoft.com/office/drawing/2010/main" xmlns="" w="9525">
+                  <a14:hiddenLine xmlns="" xmlns:a14="http://schemas.microsoft.com/office/drawing/2010/main" w="9525">
                     <a:solidFill>
                       <a:srgbClr val="000000"/>
                     </a:solidFill>
@@ -10306,7 +10307,7 @@
               </a:ln>
               <a:extLst>
                 <a:ext uri="{91240B29-F687-4f45-9708-019B960494DF}">
-                  <a14:hiddenLine xmlns:a14="http://schemas.microsoft.com/office/drawing/2010/main" xmlns="" w="9525">
+                  <a14:hiddenLine xmlns="" xmlns:a14="http://schemas.microsoft.com/office/drawing/2010/main" w="9525">
                     <a:solidFill>
                       <a:srgbClr val="000000"/>
                     </a:solidFill>
@@ -10368,7 +10369,7 @@
               </a:ln>
               <a:extLst>
                 <a:ext uri="{91240B29-F687-4f45-9708-019B960494DF}">
-                  <a14:hiddenLine xmlns:a14="http://schemas.microsoft.com/office/drawing/2010/main" xmlns="" w="9525">
+                  <a14:hiddenLine xmlns="" xmlns:a14="http://schemas.microsoft.com/office/drawing/2010/main" w="9525">
                     <a:solidFill>
                       <a:srgbClr val="000000"/>
                     </a:solidFill>
@@ -10478,7 +10479,7 @@
               </a:ln>
               <a:extLst>
                 <a:ext uri="{91240B29-F687-4f45-9708-019B960494DF}">
-                  <a14:hiddenLine xmlns:a14="http://schemas.microsoft.com/office/drawing/2010/main" xmlns="" w="9525">
+                  <a14:hiddenLine xmlns="" xmlns:a14="http://schemas.microsoft.com/office/drawing/2010/main" w="9525">
                     <a:solidFill>
                       <a:srgbClr val="000000"/>
                     </a:solidFill>
@@ -10562,7 +10563,7 @@
               </a:ln>
               <a:extLst>
                 <a:ext uri="{91240B29-F687-4f45-9708-019B960494DF}">
-                  <a14:hiddenLine xmlns:a14="http://schemas.microsoft.com/office/drawing/2010/main" xmlns="" w="9525">
+                  <a14:hiddenLine xmlns="" xmlns:a14="http://schemas.microsoft.com/office/drawing/2010/main" w="9525">
                     <a:solidFill>
                       <a:srgbClr val="000000"/>
                     </a:solidFill>
@@ -10624,7 +10625,7 @@
               </a:ln>
               <a:extLst>
                 <a:ext uri="{91240B29-F687-4f45-9708-019B960494DF}">
-                  <a14:hiddenLine xmlns:a14="http://schemas.microsoft.com/office/drawing/2010/main" xmlns="" w="9525">
+                  <a14:hiddenLine xmlns="" xmlns:a14="http://schemas.microsoft.com/office/drawing/2010/main" w="9525">
                     <a:solidFill>
                       <a:srgbClr val="000000"/>
                     </a:solidFill>
@@ -10686,7 +10687,7 @@
               </a:ln>
               <a:extLst>
                 <a:ext uri="{91240B29-F687-4f45-9708-019B960494DF}">
-                  <a14:hiddenLine xmlns:a14="http://schemas.microsoft.com/office/drawing/2010/main" xmlns="" w="9525">
+                  <a14:hiddenLine xmlns="" xmlns:a14="http://schemas.microsoft.com/office/drawing/2010/main" w="9525">
                     <a:solidFill>
                       <a:srgbClr val="000000"/>
                     </a:solidFill>
@@ -10776,7 +10777,7 @@
               </a:ln>
               <a:extLst>
                 <a:ext uri="{91240B29-F687-4f45-9708-019B960494DF}">
-                  <a14:hiddenLine xmlns:a14="http://schemas.microsoft.com/office/drawing/2010/main" xmlns="" w="9525">
+                  <a14:hiddenLine xmlns="" xmlns:a14="http://schemas.microsoft.com/office/drawing/2010/main" w="9525">
                     <a:solidFill>
                       <a:srgbClr val="000000"/>
                     </a:solidFill>
@@ -10810,7 +10811,7 @@
               </a:ln>
               <a:extLst>
                 <a:ext uri="{91240B29-F687-4f45-9708-019B960494DF}">
-                  <a14:hiddenLine xmlns:a14="http://schemas.microsoft.com/office/drawing/2010/main" xmlns="" w="9525">
+                  <a14:hiddenLine xmlns="" xmlns:a14="http://schemas.microsoft.com/office/drawing/2010/main" w="9525">
                     <a:solidFill>
                       <a:srgbClr val="000000"/>
                     </a:solidFill>
@@ -10875,7 +10876,7 @@
               </a:ln>
               <a:extLst>
                 <a:ext uri="{91240B29-F687-4f45-9708-019B960494DF}">
-                  <a14:hiddenLine xmlns:a14="http://schemas.microsoft.com/office/drawing/2010/main" xmlns="" w="9525">
+                  <a14:hiddenLine xmlns="" xmlns:a14="http://schemas.microsoft.com/office/drawing/2010/main" w="9525">
                     <a:solidFill>
                       <a:srgbClr val="000000"/>
                     </a:solidFill>
@@ -10965,7 +10966,7 @@
               </a:ln>
               <a:extLst>
                 <a:ext uri="{91240B29-F687-4f45-9708-019B960494DF}">
-                  <a14:hiddenLine xmlns:a14="http://schemas.microsoft.com/office/drawing/2010/main" xmlns="" w="9525">
+                  <a14:hiddenLine xmlns="" xmlns:a14="http://schemas.microsoft.com/office/drawing/2010/main" w="9525">
                     <a:solidFill>
                       <a:srgbClr val="000000"/>
                     </a:solidFill>
@@ -11027,7 +11028,7 @@
               </a:ln>
               <a:extLst>
                 <a:ext uri="{91240B29-F687-4f45-9708-019B960494DF}">
-                  <a14:hiddenLine xmlns:a14="http://schemas.microsoft.com/office/drawing/2010/main" xmlns="" w="9525">
+                  <a14:hiddenLine xmlns="" xmlns:a14="http://schemas.microsoft.com/office/drawing/2010/main" w="9525">
                     <a:solidFill>
                       <a:srgbClr val="000000"/>
                     </a:solidFill>
@@ -11117,7 +11118,7 @@
               </a:ln>
               <a:extLst>
                 <a:ext uri="{91240B29-F687-4f45-9708-019B960494DF}">
-                  <a14:hiddenLine xmlns:a14="http://schemas.microsoft.com/office/drawing/2010/main" xmlns="" w="9525">
+                  <a14:hiddenLine xmlns="" xmlns:a14="http://schemas.microsoft.com/office/drawing/2010/main" w="9525">
                     <a:solidFill>
                       <a:srgbClr val="000000"/>
                     </a:solidFill>
@@ -11182,7 +11183,7 @@
               </a:ln>
               <a:extLst>
                 <a:ext uri="{91240B29-F687-4f45-9708-019B960494DF}">
-                  <a14:hiddenLine xmlns:a14="http://schemas.microsoft.com/office/drawing/2010/main" xmlns="" w="9525">
+                  <a14:hiddenLine xmlns="" xmlns:a14="http://schemas.microsoft.com/office/drawing/2010/main" w="9525">
                     <a:solidFill>
                       <a:srgbClr val="000000"/>
                     </a:solidFill>
@@ -11244,7 +11245,7 @@
               </a:ln>
               <a:extLst>
                 <a:ext uri="{91240B29-F687-4f45-9708-019B960494DF}">
-                  <a14:hiddenLine xmlns:a14="http://schemas.microsoft.com/office/drawing/2010/main" xmlns="" w="9525">
+                  <a14:hiddenLine xmlns="" xmlns:a14="http://schemas.microsoft.com/office/drawing/2010/main" w="9525">
                     <a:solidFill>
                       <a:srgbClr val="000000"/>
                     </a:solidFill>
@@ -11334,7 +11335,7 @@
               </a:ln>
               <a:extLst>
                 <a:ext uri="{91240B29-F687-4f45-9708-019B960494DF}">
-                  <a14:hiddenLine xmlns:a14="http://schemas.microsoft.com/office/drawing/2010/main" xmlns="" w="9525">
+                  <a14:hiddenLine xmlns="" xmlns:a14="http://schemas.microsoft.com/office/drawing/2010/main" w="9525">
                     <a:solidFill>
                       <a:srgbClr val="000000"/>
                     </a:solidFill>
@@ -11424,7 +11425,7 @@
               </a:ln>
               <a:extLst>
                 <a:ext uri="{91240B29-F687-4f45-9708-019B960494DF}">
-                  <a14:hiddenLine xmlns:a14="http://schemas.microsoft.com/office/drawing/2010/main" xmlns="" w="9525">
+                  <a14:hiddenLine xmlns="" xmlns:a14="http://schemas.microsoft.com/office/drawing/2010/main" w="9525">
                     <a:solidFill>
                       <a:srgbClr val="000000"/>
                     </a:solidFill>
@@ -11489,7 +11490,7 @@
               </a:ln>
               <a:extLst>
                 <a:ext uri="{91240B29-F687-4f45-9708-019B960494DF}">
-                  <a14:hiddenLine xmlns:a14="http://schemas.microsoft.com/office/drawing/2010/main" xmlns="" w="9525">
+                  <a14:hiddenLine xmlns="" xmlns:a14="http://schemas.microsoft.com/office/drawing/2010/main" w="9525">
                     <a:solidFill>
                       <a:srgbClr val="000000"/>
                     </a:solidFill>
@@ -11609,7 +11610,7 @@
               </a:ln>
               <a:extLst>
                 <a:ext uri="{91240B29-F687-4f45-9708-019B960494DF}">
-                  <a14:hiddenLine xmlns:a14="http://schemas.microsoft.com/office/drawing/2010/main" xmlns="" w="9525">
+                  <a14:hiddenLine xmlns="" xmlns:a14="http://schemas.microsoft.com/office/drawing/2010/main" w="9525">
                     <a:solidFill>
                       <a:srgbClr val="000000"/>
                     </a:solidFill>
@@ -11707,7 +11708,7 @@
               </a:ln>
               <a:extLst>
                 <a:ext uri="{91240B29-F687-4f45-9708-019B960494DF}">
-                  <a14:hiddenLine xmlns:a14="http://schemas.microsoft.com/office/drawing/2010/main" xmlns="" w="9525">
+                  <a14:hiddenLine xmlns="" xmlns:a14="http://schemas.microsoft.com/office/drawing/2010/main" w="9525">
                     <a:solidFill>
                       <a:srgbClr val="000000"/>
                     </a:solidFill>
@@ -11822,7 +11823,7 @@
               </a:ln>
               <a:extLst>
                 <a:ext uri="{91240B29-F687-4f45-9708-019B960494DF}">
-                  <a14:hiddenLine xmlns:a14="http://schemas.microsoft.com/office/drawing/2010/main" xmlns="" w="9525">
+                  <a14:hiddenLine xmlns="" xmlns:a14="http://schemas.microsoft.com/office/drawing/2010/main" w="9525">
                     <a:solidFill>
                       <a:srgbClr val="000000"/>
                     </a:solidFill>
@@ -11912,7 +11913,7 @@
               </a:ln>
               <a:extLst>
                 <a:ext uri="{91240B29-F687-4f45-9708-019B960494DF}">
-                  <a14:hiddenLine xmlns:a14="http://schemas.microsoft.com/office/drawing/2010/main" xmlns="" w="9525">
+                  <a14:hiddenLine xmlns="" xmlns:a14="http://schemas.microsoft.com/office/drawing/2010/main" w="9525">
                     <a:solidFill>
                       <a:srgbClr val="000000"/>
                     </a:solidFill>
@@ -11977,7 +11978,7 @@
               </a:ln>
               <a:extLst>
                 <a:ext uri="{91240B29-F687-4f45-9708-019B960494DF}">
-                  <a14:hiddenLine xmlns:a14="http://schemas.microsoft.com/office/drawing/2010/main" xmlns="" w="9525">
+                  <a14:hiddenLine xmlns="" xmlns:a14="http://schemas.microsoft.com/office/drawing/2010/main" w="9525">
                     <a:solidFill>
                       <a:srgbClr val="000000"/>
                     </a:solidFill>
@@ -12067,7 +12068,7 @@
               </a:ln>
               <a:extLst>
                 <a:ext uri="{91240B29-F687-4f45-9708-019B960494DF}">
-                  <a14:hiddenLine xmlns:a14="http://schemas.microsoft.com/office/drawing/2010/main" xmlns="" w="9525">
+                  <a14:hiddenLine xmlns="" xmlns:a14="http://schemas.microsoft.com/office/drawing/2010/main" w="9525">
                     <a:solidFill>
                       <a:srgbClr val="000000"/>
                     </a:solidFill>
@@ -12135,7 +12136,7 @@
               </a:ln>
               <a:extLst>
                 <a:ext uri="{91240B29-F687-4f45-9708-019B960494DF}">
-                  <a14:hiddenLine xmlns:a14="http://schemas.microsoft.com/office/drawing/2010/main" xmlns="" w="9525">
+                  <a14:hiddenLine xmlns="" xmlns:a14="http://schemas.microsoft.com/office/drawing/2010/main" w="9525">
                     <a:solidFill>
                       <a:srgbClr val="000000"/>
                     </a:solidFill>
@@ -12225,7 +12226,7 @@
               </a:ln>
               <a:extLst>
                 <a:ext uri="{91240B29-F687-4f45-9708-019B960494DF}">
-                  <a14:hiddenLine xmlns:a14="http://schemas.microsoft.com/office/drawing/2010/main" xmlns="" w="9525">
+                  <a14:hiddenLine xmlns="" xmlns:a14="http://schemas.microsoft.com/office/drawing/2010/main" w="9525">
                     <a:solidFill>
                       <a:srgbClr val="000000"/>
                     </a:solidFill>
@@ -12293,7 +12294,7 @@
               </a:ln>
               <a:extLst>
                 <a:ext uri="{91240B29-F687-4f45-9708-019B960494DF}">
-                  <a14:hiddenLine xmlns:a14="http://schemas.microsoft.com/office/drawing/2010/main" xmlns="" w="9525">
+                  <a14:hiddenLine xmlns="" xmlns:a14="http://schemas.microsoft.com/office/drawing/2010/main" w="9525">
                     <a:solidFill>
                       <a:srgbClr val="000000"/>
                     </a:solidFill>
@@ -12383,7 +12384,7 @@
               </a:ln>
               <a:extLst>
                 <a:ext uri="{91240B29-F687-4f45-9708-019B960494DF}">
-                  <a14:hiddenLine xmlns:a14="http://schemas.microsoft.com/office/drawing/2010/main" xmlns="" w="9525">
+                  <a14:hiddenLine xmlns="" xmlns:a14="http://schemas.microsoft.com/office/drawing/2010/main" w="9525">
                     <a:solidFill>
                       <a:srgbClr val="000000"/>
                     </a:solidFill>
@@ -12417,7 +12418,7 @@
               </a:ln>
               <a:extLst>
                 <a:ext uri="{91240B29-F687-4f45-9708-019B960494DF}">
-                  <a14:hiddenLine xmlns:a14="http://schemas.microsoft.com/office/drawing/2010/main" xmlns="" w="9525">
+                  <a14:hiddenLine xmlns="" xmlns:a14="http://schemas.microsoft.com/office/drawing/2010/main" w="9525">
                     <a:solidFill>
                       <a:srgbClr val="000000"/>
                     </a:solidFill>
@@ -13137,7 +13138,7 @@
             </a:ln>
             <a:extLst>
               <a:ext uri="{91240B29-F687-4f45-9708-019B960494DF}">
-                <a14:hiddenLine xmlns="" xmlns:a16="http://schemas.microsoft.com/office/drawing/2014/main" xmlns:p14="http://schemas.microsoft.com/office/powerpoint/2010/main" xmlns:a14="http://schemas.microsoft.com/office/drawing/2010/main" w="9525">
+                <a14:hiddenLine xmlns:a14="http://schemas.microsoft.com/office/drawing/2010/main" xmlns:p14="http://schemas.microsoft.com/office/powerpoint/2010/main" xmlns:a16="http://schemas.microsoft.com/office/drawing/2014/main" xmlns="" w="9525">
                   <a:solidFill>
                     <a:srgbClr val="000000"/>
                   </a:solidFill>
@@ -13242,7 +13243,7 @@
             </a:ln>
             <a:extLst>
               <a:ext uri="{91240B29-F687-4f45-9708-019B960494DF}">
-                <a14:hiddenLine xmlns="" xmlns:a16="http://schemas.microsoft.com/office/drawing/2014/main" xmlns:p14="http://schemas.microsoft.com/office/powerpoint/2010/main" xmlns:a14="http://schemas.microsoft.com/office/drawing/2010/main" w="9525">
+                <a14:hiddenLine xmlns:a14="http://schemas.microsoft.com/office/drawing/2010/main" xmlns:p14="http://schemas.microsoft.com/office/powerpoint/2010/main" xmlns:a16="http://schemas.microsoft.com/office/drawing/2014/main" xmlns="" w="9525">
                   <a:solidFill>
                     <a:srgbClr val="000000"/>
                   </a:solidFill>
@@ -13347,7 +13348,7 @@
             </a:ln>
             <a:extLst>
               <a:ext uri="{91240B29-F687-4f45-9708-019B960494DF}">
-                <a14:hiddenLine xmlns="" xmlns:a16="http://schemas.microsoft.com/office/drawing/2014/main" xmlns:p14="http://schemas.microsoft.com/office/powerpoint/2010/main" xmlns:a14="http://schemas.microsoft.com/office/drawing/2010/main" w="9525">
+                <a14:hiddenLine xmlns:a14="http://schemas.microsoft.com/office/drawing/2010/main" xmlns:p14="http://schemas.microsoft.com/office/powerpoint/2010/main" xmlns:a16="http://schemas.microsoft.com/office/drawing/2014/main" xmlns="" w="9525">
                   <a:solidFill>
                     <a:srgbClr val="000000"/>
                   </a:solidFill>
@@ -13396,7 +13397,7 @@
             </a:ln>
             <a:extLst>
               <a:ext uri="{91240B29-F687-4f45-9708-019B960494DF}">
-                <a14:hiddenLine xmlns="" xmlns:a16="http://schemas.microsoft.com/office/drawing/2014/main" xmlns:p14="http://schemas.microsoft.com/office/powerpoint/2010/main" xmlns:a14="http://schemas.microsoft.com/office/drawing/2010/main" w="9525">
+                <a14:hiddenLine xmlns:a14="http://schemas.microsoft.com/office/drawing/2010/main" xmlns:p14="http://schemas.microsoft.com/office/powerpoint/2010/main" xmlns:a16="http://schemas.microsoft.com/office/drawing/2014/main" xmlns="" w="9525">
                   <a:solidFill>
                     <a:srgbClr val="000000"/>
                   </a:solidFill>
@@ -13501,7 +13502,7 @@
             </a:ln>
             <a:extLst>
               <a:ext uri="{91240B29-F687-4f45-9708-019B960494DF}">
-                <a14:hiddenLine xmlns="" xmlns:a16="http://schemas.microsoft.com/office/drawing/2014/main" xmlns:p14="http://schemas.microsoft.com/office/powerpoint/2010/main" xmlns:a14="http://schemas.microsoft.com/office/drawing/2010/main" w="9525">
+                <a14:hiddenLine xmlns:a14="http://schemas.microsoft.com/office/drawing/2010/main" xmlns:p14="http://schemas.microsoft.com/office/powerpoint/2010/main" xmlns:a16="http://schemas.microsoft.com/office/drawing/2014/main" xmlns="" w="9525">
                   <a:solidFill>
                     <a:srgbClr val="000000"/>
                   </a:solidFill>
@@ -13578,7 +13579,7 @@
             </a:ln>
             <a:extLst>
               <a:ext uri="{91240B29-F687-4f45-9708-019B960494DF}">
-                <a14:hiddenLine xmlns="" xmlns:a16="http://schemas.microsoft.com/office/drawing/2014/main" xmlns:p14="http://schemas.microsoft.com/office/powerpoint/2010/main" xmlns:a14="http://schemas.microsoft.com/office/drawing/2010/main" w="9525">
+                <a14:hiddenLine xmlns:a14="http://schemas.microsoft.com/office/drawing/2010/main" xmlns:p14="http://schemas.microsoft.com/office/powerpoint/2010/main" xmlns:a16="http://schemas.microsoft.com/office/drawing/2014/main" xmlns="" w="9525">
                   <a:solidFill>
                     <a:srgbClr val="000000"/>
                   </a:solidFill>
@@ -13655,7 +13656,7 @@
             </a:ln>
             <a:extLst>
               <a:ext uri="{91240B29-F687-4f45-9708-019B960494DF}">
-                <a14:hiddenLine xmlns="" xmlns:a16="http://schemas.microsoft.com/office/drawing/2014/main" xmlns:p14="http://schemas.microsoft.com/office/powerpoint/2010/main" xmlns:a14="http://schemas.microsoft.com/office/drawing/2010/main" w="9525">
+                <a14:hiddenLine xmlns:a14="http://schemas.microsoft.com/office/drawing/2010/main" xmlns:p14="http://schemas.microsoft.com/office/powerpoint/2010/main" xmlns:a16="http://schemas.microsoft.com/office/drawing/2014/main" xmlns="" w="9525">
                   <a:solidFill>
                     <a:srgbClr val="000000"/>
                   </a:solidFill>
@@ -13760,7 +13761,7 @@
             </a:ln>
             <a:extLst>
               <a:ext uri="{91240B29-F687-4f45-9708-019B960494DF}">
-                <a14:hiddenLine xmlns="" xmlns:a16="http://schemas.microsoft.com/office/drawing/2014/main" xmlns:p14="http://schemas.microsoft.com/office/powerpoint/2010/main" xmlns:a14="http://schemas.microsoft.com/office/drawing/2010/main" w="9525">
+                <a14:hiddenLine xmlns:a14="http://schemas.microsoft.com/office/drawing/2010/main" xmlns:p14="http://schemas.microsoft.com/office/powerpoint/2010/main" xmlns:a16="http://schemas.microsoft.com/office/drawing/2014/main" xmlns="" w="9525">
                   <a:solidFill>
                     <a:srgbClr val="000000"/>
                   </a:solidFill>
@@ -13837,7 +13838,7 @@
             </a:ln>
             <a:extLst>
               <a:ext uri="{91240B29-F687-4f45-9708-019B960494DF}">
-                <a14:hiddenLine xmlns="" xmlns:a16="http://schemas.microsoft.com/office/drawing/2014/main" xmlns:p14="http://schemas.microsoft.com/office/powerpoint/2010/main" xmlns:a14="http://schemas.microsoft.com/office/drawing/2010/main" w="9525">
+                <a14:hiddenLine xmlns:a14="http://schemas.microsoft.com/office/drawing/2010/main" xmlns:p14="http://schemas.microsoft.com/office/powerpoint/2010/main" xmlns:a16="http://schemas.microsoft.com/office/drawing/2014/main" xmlns="" w="9525">
                   <a:solidFill>
                     <a:srgbClr val="000000"/>
                   </a:solidFill>
@@ -13914,7 +13915,7 @@
             </a:ln>
             <a:extLst>
               <a:ext uri="{91240B29-F687-4f45-9708-019B960494DF}">
-                <a14:hiddenLine xmlns="" xmlns:a16="http://schemas.microsoft.com/office/drawing/2014/main" xmlns:p14="http://schemas.microsoft.com/office/powerpoint/2010/main" xmlns:a14="http://schemas.microsoft.com/office/drawing/2010/main" w="9525">
+                <a14:hiddenLine xmlns:a14="http://schemas.microsoft.com/office/drawing/2010/main" xmlns:p14="http://schemas.microsoft.com/office/powerpoint/2010/main" xmlns:a16="http://schemas.microsoft.com/office/drawing/2014/main" xmlns="" w="9525">
                   <a:solidFill>
                     <a:srgbClr val="000000"/>
                   </a:solidFill>
@@ -14019,7 +14020,7 @@
             </a:ln>
             <a:extLst>
               <a:ext uri="{91240B29-F687-4f45-9708-019B960494DF}">
-                <a14:hiddenLine xmlns="" xmlns:a16="http://schemas.microsoft.com/office/drawing/2014/main" xmlns:p14="http://schemas.microsoft.com/office/powerpoint/2010/main" xmlns:a14="http://schemas.microsoft.com/office/drawing/2010/main" w="9525">
+                <a14:hiddenLine xmlns:a14="http://schemas.microsoft.com/office/drawing/2010/main" xmlns:p14="http://schemas.microsoft.com/office/powerpoint/2010/main" xmlns:a16="http://schemas.microsoft.com/office/drawing/2014/main" xmlns="" w="9525">
                   <a:solidFill>
                     <a:srgbClr val="000000"/>
                   </a:solidFill>
@@ -14124,7 +14125,7 @@
             </a:ln>
             <a:extLst>
               <a:ext uri="{91240B29-F687-4f45-9708-019B960494DF}">
-                <a14:hiddenLine xmlns="" xmlns:a16="http://schemas.microsoft.com/office/drawing/2014/main" xmlns:p14="http://schemas.microsoft.com/office/powerpoint/2010/main" xmlns:a14="http://schemas.microsoft.com/office/drawing/2010/main" w="9525">
+                <a14:hiddenLine xmlns:a14="http://schemas.microsoft.com/office/drawing/2010/main" xmlns:p14="http://schemas.microsoft.com/office/powerpoint/2010/main" xmlns:a16="http://schemas.microsoft.com/office/drawing/2014/main" xmlns="" w="9525">
                   <a:solidFill>
                     <a:srgbClr val="000000"/>
                   </a:solidFill>
@@ -14201,7 +14202,7 @@
             </a:ln>
             <a:extLst>
               <a:ext uri="{91240B29-F687-4f45-9708-019B960494DF}">
-                <a14:hiddenLine xmlns="" xmlns:a16="http://schemas.microsoft.com/office/drawing/2014/main" xmlns:p14="http://schemas.microsoft.com/office/powerpoint/2010/main" xmlns:a14="http://schemas.microsoft.com/office/drawing/2010/main" w="9525">
+                <a14:hiddenLine xmlns:a14="http://schemas.microsoft.com/office/drawing/2010/main" xmlns:p14="http://schemas.microsoft.com/office/powerpoint/2010/main" xmlns:a16="http://schemas.microsoft.com/office/drawing/2014/main" xmlns="" w="9525">
                   <a:solidFill>
                     <a:srgbClr val="000000"/>
                   </a:solidFill>
@@ -14326,7 +14327,7 @@
             </a:ln>
             <a:extLst>
               <a:ext uri="{91240B29-F687-4f45-9708-019B960494DF}">
-                <a14:hiddenLine xmlns="" xmlns:a16="http://schemas.microsoft.com/office/drawing/2014/main" xmlns:p14="http://schemas.microsoft.com/office/powerpoint/2010/main" xmlns:a14="http://schemas.microsoft.com/office/drawing/2010/main" w="9525">
+                <a14:hiddenLine xmlns:a14="http://schemas.microsoft.com/office/drawing/2010/main" xmlns:p14="http://schemas.microsoft.com/office/powerpoint/2010/main" xmlns:a16="http://schemas.microsoft.com/office/drawing/2014/main" xmlns="" w="9525">
                   <a:solidFill>
                     <a:srgbClr val="000000"/>
                   </a:solidFill>
@@ -14403,7 +14404,7 @@
             </a:ln>
             <a:extLst>
               <a:ext uri="{91240B29-F687-4f45-9708-019B960494DF}">
-                <a14:hiddenLine xmlns="" xmlns:a16="http://schemas.microsoft.com/office/drawing/2014/main" xmlns:p14="http://schemas.microsoft.com/office/powerpoint/2010/main" xmlns:a14="http://schemas.microsoft.com/office/drawing/2010/main" w="9525">
+                <a14:hiddenLine xmlns:a14="http://schemas.microsoft.com/office/drawing/2010/main" xmlns:p14="http://schemas.microsoft.com/office/powerpoint/2010/main" xmlns:a16="http://schemas.microsoft.com/office/drawing/2014/main" xmlns="" w="9525">
                   <a:solidFill>
                     <a:srgbClr val="000000"/>
                   </a:solidFill>
@@ -14508,7 +14509,7 @@
             </a:ln>
             <a:extLst>
               <a:ext uri="{91240B29-F687-4f45-9708-019B960494DF}">
-                <a14:hiddenLine xmlns="" xmlns:a16="http://schemas.microsoft.com/office/drawing/2014/main" xmlns:p14="http://schemas.microsoft.com/office/powerpoint/2010/main" xmlns:a14="http://schemas.microsoft.com/office/drawing/2010/main" w="9525">
+                <a14:hiddenLine xmlns:a14="http://schemas.microsoft.com/office/drawing/2010/main" xmlns:p14="http://schemas.microsoft.com/office/powerpoint/2010/main" xmlns:a16="http://schemas.microsoft.com/office/drawing/2014/main" xmlns="" w="9525">
                   <a:solidFill>
                     <a:srgbClr val="000000"/>
                   </a:solidFill>
@@ -14613,7 +14614,7 @@
             </a:ln>
             <a:extLst>
               <a:ext uri="{91240B29-F687-4f45-9708-019B960494DF}">
-                <a14:hiddenLine xmlns="" xmlns:a16="http://schemas.microsoft.com/office/drawing/2014/main" xmlns:p14="http://schemas.microsoft.com/office/powerpoint/2010/main" xmlns:a14="http://schemas.microsoft.com/office/drawing/2010/main" w="9525">
+                <a14:hiddenLine xmlns:a14="http://schemas.microsoft.com/office/drawing/2010/main" xmlns:p14="http://schemas.microsoft.com/office/powerpoint/2010/main" xmlns:a16="http://schemas.microsoft.com/office/drawing/2014/main" xmlns="" w="9525">
                   <a:solidFill>
                     <a:srgbClr val="000000"/>
                   </a:solidFill>
@@ -14690,7 +14691,7 @@
             </a:ln>
             <a:extLst>
               <a:ext uri="{91240B29-F687-4f45-9708-019B960494DF}">
-                <a14:hiddenLine xmlns="" xmlns:a16="http://schemas.microsoft.com/office/drawing/2014/main" xmlns:p14="http://schemas.microsoft.com/office/powerpoint/2010/main" xmlns:a14="http://schemas.microsoft.com/office/drawing/2010/main" w="9525">
+                <a14:hiddenLine xmlns:a14="http://schemas.microsoft.com/office/drawing/2010/main" xmlns:p14="http://schemas.microsoft.com/office/powerpoint/2010/main" xmlns:a16="http://schemas.microsoft.com/office/drawing/2014/main" xmlns="" w="9525">
                   <a:solidFill>
                     <a:srgbClr val="000000"/>
                   </a:solidFill>
@@ -14795,7 +14796,7 @@
             </a:ln>
             <a:extLst>
               <a:ext uri="{91240B29-F687-4f45-9708-019B960494DF}">
-                <a14:hiddenLine xmlns="" xmlns:a16="http://schemas.microsoft.com/office/drawing/2014/main" xmlns:p14="http://schemas.microsoft.com/office/powerpoint/2010/main" xmlns:a14="http://schemas.microsoft.com/office/drawing/2010/main" w="9525">
+                <a14:hiddenLine xmlns:a14="http://schemas.microsoft.com/office/drawing/2010/main" xmlns:p14="http://schemas.microsoft.com/office/powerpoint/2010/main" xmlns:a16="http://schemas.microsoft.com/office/drawing/2014/main" xmlns="" w="9525">
                   <a:solidFill>
                     <a:srgbClr val="000000"/>
                   </a:solidFill>
@@ -14900,7 +14901,7 @@
             </a:ln>
             <a:extLst>
               <a:ext uri="{91240B29-F687-4f45-9708-019B960494DF}">
-                <a14:hiddenLine xmlns="" xmlns:a16="http://schemas.microsoft.com/office/drawing/2014/main" xmlns:p14="http://schemas.microsoft.com/office/powerpoint/2010/main" xmlns:a14="http://schemas.microsoft.com/office/drawing/2010/main" w="9525">
+                <a14:hiddenLine xmlns:a14="http://schemas.microsoft.com/office/drawing/2010/main" xmlns:p14="http://schemas.microsoft.com/office/powerpoint/2010/main" xmlns:a16="http://schemas.microsoft.com/office/drawing/2014/main" xmlns="" w="9525">
                   <a:solidFill>
                     <a:srgbClr val="000000"/>
                   </a:solidFill>
@@ -14971,7 +14972,7 @@
             </a:ln>
             <a:extLst>
               <a:ext uri="{91240B29-F687-4f45-9708-019B960494DF}">
-                <a14:hiddenLine xmlns="" xmlns:a16="http://schemas.microsoft.com/office/drawing/2014/main" xmlns:p14="http://schemas.microsoft.com/office/powerpoint/2010/main" xmlns:a14="http://schemas.microsoft.com/office/drawing/2010/main" w="9525">
+                <a14:hiddenLine xmlns:a14="http://schemas.microsoft.com/office/drawing/2010/main" xmlns:p14="http://schemas.microsoft.com/office/powerpoint/2010/main" xmlns:a16="http://schemas.microsoft.com/office/drawing/2014/main" xmlns="" w="9525">
                   <a:solidFill>
                     <a:srgbClr val="000000"/>
                   </a:solidFill>
@@ -15076,7 +15077,7 @@
             </a:ln>
             <a:extLst>
               <a:ext uri="{91240B29-F687-4f45-9708-019B960494DF}">
-                <a14:hiddenLine xmlns="" xmlns:a16="http://schemas.microsoft.com/office/drawing/2014/main" xmlns:p14="http://schemas.microsoft.com/office/powerpoint/2010/main" xmlns:a14="http://schemas.microsoft.com/office/drawing/2010/main" w="9525">
+                <a14:hiddenLine xmlns:a14="http://schemas.microsoft.com/office/drawing/2010/main" xmlns:p14="http://schemas.microsoft.com/office/powerpoint/2010/main" xmlns:a16="http://schemas.microsoft.com/office/drawing/2014/main" xmlns="" w="9525">
                   <a:solidFill>
                     <a:srgbClr val="000000"/>
                   </a:solidFill>
@@ -15147,7 +15148,7 @@
             </a:ln>
             <a:extLst>
               <a:ext uri="{91240B29-F687-4f45-9708-019B960494DF}">
-                <a14:hiddenLine xmlns="" xmlns:a16="http://schemas.microsoft.com/office/drawing/2014/main" xmlns:p14="http://schemas.microsoft.com/office/powerpoint/2010/main" xmlns:a14="http://schemas.microsoft.com/office/drawing/2010/main" w="9525">
+                <a14:hiddenLine xmlns:a14="http://schemas.microsoft.com/office/drawing/2010/main" xmlns:p14="http://schemas.microsoft.com/office/powerpoint/2010/main" xmlns:a16="http://schemas.microsoft.com/office/drawing/2014/main" xmlns="" w="9525">
                   <a:solidFill>
                     <a:srgbClr val="000000"/>
                   </a:solidFill>
@@ -15252,7 +15253,7 @@
             </a:ln>
             <a:extLst>
               <a:ext uri="{91240B29-F687-4f45-9708-019B960494DF}">
-                <a14:hiddenLine xmlns="" xmlns:a16="http://schemas.microsoft.com/office/drawing/2014/main" xmlns:p14="http://schemas.microsoft.com/office/powerpoint/2010/main" xmlns:a14="http://schemas.microsoft.com/office/drawing/2010/main" w="9525">
+                <a14:hiddenLine xmlns:a14="http://schemas.microsoft.com/office/drawing/2010/main" xmlns:p14="http://schemas.microsoft.com/office/powerpoint/2010/main" xmlns:a16="http://schemas.microsoft.com/office/drawing/2014/main" xmlns="" w="9525">
                   <a:solidFill>
                     <a:srgbClr val="000000"/>
                   </a:solidFill>
@@ -15335,7 +15336,7 @@
             </a:ln>
             <a:extLst>
               <a:ext uri="{91240B29-F687-4f45-9708-019B960494DF}">
-                <a14:hiddenLine xmlns="" xmlns:a16="http://schemas.microsoft.com/office/drawing/2014/main" xmlns:p14="http://schemas.microsoft.com/office/powerpoint/2010/main" xmlns:a14="http://schemas.microsoft.com/office/drawing/2010/main" w="9525">
+                <a14:hiddenLine xmlns:a14="http://schemas.microsoft.com/office/drawing/2010/main" xmlns:p14="http://schemas.microsoft.com/office/powerpoint/2010/main" xmlns:a16="http://schemas.microsoft.com/office/drawing/2014/main" xmlns="" w="9525">
                   <a:solidFill>
                     <a:srgbClr val="000000"/>
                   </a:solidFill>
@@ -15440,7 +15441,7 @@
             </a:ln>
             <a:extLst>
               <a:ext uri="{91240B29-F687-4f45-9708-019B960494DF}">
-                <a14:hiddenLine xmlns="" xmlns:a16="http://schemas.microsoft.com/office/drawing/2014/main" xmlns:p14="http://schemas.microsoft.com/office/powerpoint/2010/main" xmlns:a14="http://schemas.microsoft.com/office/drawing/2010/main" w="9525">
+                <a14:hiddenLine xmlns:a14="http://schemas.microsoft.com/office/drawing/2010/main" xmlns:p14="http://schemas.microsoft.com/office/powerpoint/2010/main" xmlns:a16="http://schemas.microsoft.com/office/drawing/2014/main" xmlns="" w="9525">
                   <a:solidFill>
                     <a:srgbClr val="000000"/>
                   </a:solidFill>
@@ -15523,7 +15524,7 @@
             </a:ln>
             <a:extLst>
               <a:ext uri="{91240B29-F687-4f45-9708-019B960494DF}">
-                <a14:hiddenLine xmlns="" xmlns:a16="http://schemas.microsoft.com/office/drawing/2014/main" xmlns:p14="http://schemas.microsoft.com/office/powerpoint/2010/main" xmlns:a14="http://schemas.microsoft.com/office/drawing/2010/main" w="9525">
+                <a14:hiddenLine xmlns:a14="http://schemas.microsoft.com/office/drawing/2010/main" xmlns:p14="http://schemas.microsoft.com/office/powerpoint/2010/main" xmlns:a16="http://schemas.microsoft.com/office/drawing/2014/main" xmlns="" w="9525">
                   <a:solidFill>
                     <a:srgbClr val="000000"/>
                   </a:solidFill>
@@ -15628,7 +15629,7 @@
             </a:ln>
             <a:extLst>
               <a:ext uri="{91240B29-F687-4f45-9708-019B960494DF}">
-                <a14:hiddenLine xmlns="" xmlns:a16="http://schemas.microsoft.com/office/drawing/2014/main" xmlns:p14="http://schemas.microsoft.com/office/powerpoint/2010/main" xmlns:a14="http://schemas.microsoft.com/office/drawing/2010/main" w="9525">
+                <a14:hiddenLine xmlns:a14="http://schemas.microsoft.com/office/drawing/2010/main" xmlns:p14="http://schemas.microsoft.com/office/powerpoint/2010/main" xmlns:a16="http://schemas.microsoft.com/office/drawing/2014/main" xmlns="" w="9525">
                   <a:solidFill>
                     <a:srgbClr val="000000"/>
                   </a:solidFill>
@@ -15677,7 +15678,7 @@
             </a:ln>
             <a:extLst>
               <a:ext uri="{91240B29-F687-4f45-9708-019B960494DF}">
-                <a14:hiddenLine xmlns="" xmlns:a16="http://schemas.microsoft.com/office/drawing/2014/main" xmlns:p14="http://schemas.microsoft.com/office/powerpoint/2010/main" xmlns:a14="http://schemas.microsoft.com/office/drawing/2010/main" w="9525">
+                <a14:hiddenLine xmlns:a14="http://schemas.microsoft.com/office/drawing/2010/main" xmlns:p14="http://schemas.microsoft.com/office/powerpoint/2010/main" xmlns:a16="http://schemas.microsoft.com/office/drawing/2014/main" xmlns="" w="9525">
                   <a:solidFill>
                     <a:srgbClr val="000000"/>
                   </a:solidFill>
@@ -15782,7 +15783,7 @@
             </a:ln>
             <a:extLst>
               <a:ext uri="{91240B29-F687-4f45-9708-019B960494DF}">
-                <a14:hiddenLine xmlns="" xmlns:a16="http://schemas.microsoft.com/office/drawing/2014/main" xmlns:p14="http://schemas.microsoft.com/office/powerpoint/2010/main" xmlns:a14="http://schemas.microsoft.com/office/drawing/2010/main" w="9525">
+                <a14:hiddenLine xmlns:a14="http://schemas.microsoft.com/office/drawing/2010/main" xmlns:p14="http://schemas.microsoft.com/office/powerpoint/2010/main" xmlns:a16="http://schemas.microsoft.com/office/drawing/2014/main" xmlns="" w="9525">
                   <a:solidFill>
                     <a:srgbClr val="000000"/>
                   </a:solidFill>
@@ -15859,7 +15860,7 @@
             </a:ln>
             <a:extLst>
               <a:ext uri="{91240B29-F687-4f45-9708-019B960494DF}">
-                <a14:hiddenLine xmlns="" xmlns:a16="http://schemas.microsoft.com/office/drawing/2014/main" xmlns:p14="http://schemas.microsoft.com/office/powerpoint/2010/main" xmlns:a14="http://schemas.microsoft.com/office/drawing/2010/main" w="9525">
+                <a14:hiddenLine xmlns:a14="http://schemas.microsoft.com/office/drawing/2010/main" xmlns:p14="http://schemas.microsoft.com/office/powerpoint/2010/main" xmlns:a16="http://schemas.microsoft.com/office/drawing/2014/main" xmlns="" w="9525">
                   <a:solidFill>
                     <a:srgbClr val="000000"/>
                   </a:solidFill>
@@ -15936,7 +15937,7 @@
             </a:ln>
             <a:extLst>
               <a:ext uri="{91240B29-F687-4f45-9708-019B960494DF}">
-                <a14:hiddenLine xmlns="" xmlns:a16="http://schemas.microsoft.com/office/drawing/2014/main" xmlns:p14="http://schemas.microsoft.com/office/powerpoint/2010/main" xmlns:a14="http://schemas.microsoft.com/office/drawing/2010/main" w="9525">
+                <a14:hiddenLine xmlns:a14="http://schemas.microsoft.com/office/drawing/2010/main" xmlns:p14="http://schemas.microsoft.com/office/powerpoint/2010/main" xmlns:a16="http://schemas.microsoft.com/office/drawing/2014/main" xmlns="" w="9525">
                   <a:solidFill>
                     <a:srgbClr val="000000"/>
                   </a:solidFill>
@@ -16041,7 +16042,7 @@
             </a:ln>
             <a:extLst>
               <a:ext uri="{91240B29-F687-4f45-9708-019B960494DF}">
-                <a14:hiddenLine xmlns="" xmlns:a16="http://schemas.microsoft.com/office/drawing/2014/main" xmlns:p14="http://schemas.microsoft.com/office/powerpoint/2010/main" xmlns:a14="http://schemas.microsoft.com/office/drawing/2010/main" w="9525">
+                <a14:hiddenLine xmlns:a14="http://schemas.microsoft.com/office/drawing/2010/main" xmlns:p14="http://schemas.microsoft.com/office/powerpoint/2010/main" xmlns:a16="http://schemas.microsoft.com/office/drawing/2014/main" xmlns="" w="9525">
                   <a:solidFill>
                     <a:srgbClr val="000000"/>
                   </a:solidFill>
@@ -16124,7 +16125,7 @@
             </a:ln>
             <a:extLst>
               <a:ext uri="{91240B29-F687-4f45-9708-019B960494DF}">
-                <a14:hiddenLine xmlns="" xmlns:a16="http://schemas.microsoft.com/office/drawing/2014/main" xmlns:p14="http://schemas.microsoft.com/office/powerpoint/2010/main" xmlns:a14="http://schemas.microsoft.com/office/drawing/2010/main" w="9525">
+                <a14:hiddenLine xmlns:a14="http://schemas.microsoft.com/office/drawing/2010/main" xmlns:p14="http://schemas.microsoft.com/office/powerpoint/2010/main" xmlns:a16="http://schemas.microsoft.com/office/drawing/2014/main" xmlns="" w="9525">
                   <a:solidFill>
                     <a:srgbClr val="000000"/>
                   </a:solidFill>
@@ -16201,7 +16202,7 @@
             </a:ln>
             <a:extLst>
               <a:ext uri="{91240B29-F687-4f45-9708-019B960494DF}">
-                <a14:hiddenLine xmlns="" xmlns:a16="http://schemas.microsoft.com/office/drawing/2014/main" xmlns:p14="http://schemas.microsoft.com/office/powerpoint/2010/main" xmlns:a14="http://schemas.microsoft.com/office/drawing/2010/main" w="9525">
+                <a14:hiddenLine xmlns:a14="http://schemas.microsoft.com/office/drawing/2010/main" xmlns:p14="http://schemas.microsoft.com/office/powerpoint/2010/main" xmlns:a16="http://schemas.microsoft.com/office/drawing/2014/main" xmlns="" w="9525">
                   <a:solidFill>
                     <a:srgbClr val="000000"/>
                   </a:solidFill>
@@ -16306,7 +16307,7 @@
             </a:ln>
             <a:extLst>
               <a:ext uri="{91240B29-F687-4f45-9708-019B960494DF}">
-                <a14:hiddenLine xmlns="" xmlns:a16="http://schemas.microsoft.com/office/drawing/2014/main" xmlns:p14="http://schemas.microsoft.com/office/powerpoint/2010/main" xmlns:a14="http://schemas.microsoft.com/office/drawing/2010/main" w="9525">
+                <a14:hiddenLine xmlns:a14="http://schemas.microsoft.com/office/drawing/2010/main" xmlns:p14="http://schemas.microsoft.com/office/powerpoint/2010/main" xmlns:a16="http://schemas.microsoft.com/office/drawing/2014/main" xmlns="" w="9525">
                   <a:solidFill>
                     <a:srgbClr val="000000"/>
                   </a:solidFill>
@@ -16383,7 +16384,7 @@
             </a:ln>
             <a:extLst>
               <a:ext uri="{91240B29-F687-4f45-9708-019B960494DF}">
-                <a14:hiddenLine xmlns="" xmlns:a16="http://schemas.microsoft.com/office/drawing/2014/main" xmlns:p14="http://schemas.microsoft.com/office/powerpoint/2010/main" xmlns:a14="http://schemas.microsoft.com/office/drawing/2010/main" w="9525">
+                <a14:hiddenLine xmlns:a14="http://schemas.microsoft.com/office/drawing/2010/main" xmlns:p14="http://schemas.microsoft.com/office/powerpoint/2010/main" xmlns:a16="http://schemas.microsoft.com/office/drawing/2014/main" xmlns="" w="9525">
                   <a:solidFill>
                     <a:srgbClr val="000000"/>
                   </a:solidFill>
@@ -16488,7 +16489,7 @@
             </a:ln>
             <a:extLst>
               <a:ext uri="{91240B29-F687-4f45-9708-019B960494DF}">
-                <a14:hiddenLine xmlns="" xmlns:a16="http://schemas.microsoft.com/office/drawing/2014/main" xmlns:p14="http://schemas.microsoft.com/office/powerpoint/2010/main" xmlns:a14="http://schemas.microsoft.com/office/drawing/2010/main" w="9525">
+                <a14:hiddenLine xmlns:a14="http://schemas.microsoft.com/office/drawing/2010/main" xmlns:p14="http://schemas.microsoft.com/office/powerpoint/2010/main" xmlns:a16="http://schemas.microsoft.com/office/drawing/2014/main" xmlns="" w="9525">
                   <a:solidFill>
                     <a:srgbClr val="000000"/>
                   </a:solidFill>
@@ -16565,7 +16566,7 @@
             </a:ln>
             <a:extLst>
               <a:ext uri="{91240B29-F687-4f45-9708-019B960494DF}">
-                <a14:hiddenLine xmlns="" xmlns:a16="http://schemas.microsoft.com/office/drawing/2014/main" xmlns:p14="http://schemas.microsoft.com/office/powerpoint/2010/main" xmlns:a14="http://schemas.microsoft.com/office/drawing/2010/main" w="9525">
+                <a14:hiddenLine xmlns:a14="http://schemas.microsoft.com/office/drawing/2010/main" xmlns:p14="http://schemas.microsoft.com/office/powerpoint/2010/main" xmlns:a16="http://schemas.microsoft.com/office/drawing/2014/main" xmlns="" w="9525">
                   <a:solidFill>
                     <a:srgbClr val="000000"/>
                   </a:solidFill>
@@ -16670,7 +16671,7 @@
             </a:ln>
             <a:extLst>
               <a:ext uri="{91240B29-F687-4f45-9708-019B960494DF}">
-                <a14:hiddenLine xmlns="" xmlns:a16="http://schemas.microsoft.com/office/drawing/2014/main" xmlns:p14="http://schemas.microsoft.com/office/powerpoint/2010/main" xmlns:a14="http://schemas.microsoft.com/office/drawing/2010/main" w="9525">
+                <a14:hiddenLine xmlns:a14="http://schemas.microsoft.com/office/drawing/2010/main" xmlns:p14="http://schemas.microsoft.com/office/powerpoint/2010/main" xmlns:a16="http://schemas.microsoft.com/office/drawing/2014/main" xmlns="" w="9525">
                   <a:solidFill>
                     <a:srgbClr val="000000"/>
                   </a:solidFill>
@@ -16719,7 +16720,7 @@
             </a:ln>
             <a:extLst>
               <a:ext uri="{91240B29-F687-4f45-9708-019B960494DF}">
-                <a14:hiddenLine xmlns="" xmlns:a16="http://schemas.microsoft.com/office/drawing/2014/main" xmlns:p14="http://schemas.microsoft.com/office/powerpoint/2010/main" xmlns:a14="http://schemas.microsoft.com/office/drawing/2010/main" w="9525">
+                <a14:hiddenLine xmlns:a14="http://schemas.microsoft.com/office/drawing/2010/main" xmlns:p14="http://schemas.microsoft.com/office/powerpoint/2010/main" xmlns:a16="http://schemas.microsoft.com/office/drawing/2014/main" xmlns="" w="9525">
                   <a:solidFill>
                     <a:srgbClr val="000000"/>
                   </a:solidFill>
@@ -16799,7 +16800,7 @@
             </a:ln>
             <a:extLst>
               <a:ext uri="{91240B29-F687-4f45-9708-019B960494DF}">
-                <a14:hiddenLine xmlns="" xmlns:a16="http://schemas.microsoft.com/office/drawing/2014/main" xmlns:p14="http://schemas.microsoft.com/office/powerpoint/2010/main" xmlns:a14="http://schemas.microsoft.com/office/drawing/2010/main" w="9525">
+                <a14:hiddenLine xmlns:a14="http://schemas.microsoft.com/office/drawing/2010/main" xmlns:p14="http://schemas.microsoft.com/office/powerpoint/2010/main" xmlns:a16="http://schemas.microsoft.com/office/drawing/2014/main" xmlns="" w="9525">
                   <a:solidFill>
                     <a:srgbClr val="000000"/>
                   </a:solidFill>
@@ -16904,7 +16905,7 @@
             </a:ln>
             <a:extLst>
               <a:ext uri="{91240B29-F687-4f45-9708-019B960494DF}">
-                <a14:hiddenLine xmlns="" xmlns:a16="http://schemas.microsoft.com/office/drawing/2014/main" xmlns:p14="http://schemas.microsoft.com/office/powerpoint/2010/main" xmlns:a14="http://schemas.microsoft.com/office/drawing/2010/main" w="9525">
+                <a14:hiddenLine xmlns:a14="http://schemas.microsoft.com/office/drawing/2010/main" xmlns:p14="http://schemas.microsoft.com/office/powerpoint/2010/main" xmlns:a16="http://schemas.microsoft.com/office/drawing/2014/main" xmlns="" w="9525">
                   <a:solidFill>
                     <a:srgbClr val="000000"/>
                   </a:solidFill>
@@ -16981,7 +16982,7 @@
             </a:ln>
             <a:extLst>
               <a:ext uri="{91240B29-F687-4f45-9708-019B960494DF}">
-                <a14:hiddenLine xmlns="" xmlns:a16="http://schemas.microsoft.com/office/drawing/2014/main" xmlns:p14="http://schemas.microsoft.com/office/powerpoint/2010/main" xmlns:a14="http://schemas.microsoft.com/office/drawing/2010/main" w="9525">
+                <a14:hiddenLine xmlns:a14="http://schemas.microsoft.com/office/drawing/2010/main" xmlns:p14="http://schemas.microsoft.com/office/powerpoint/2010/main" xmlns:a16="http://schemas.microsoft.com/office/drawing/2014/main" xmlns="" w="9525">
                   <a:solidFill>
                     <a:srgbClr val="000000"/>
                   </a:solidFill>
@@ -17086,7 +17087,7 @@
             </a:ln>
             <a:extLst>
               <a:ext uri="{91240B29-F687-4f45-9708-019B960494DF}">
-                <a14:hiddenLine xmlns="" xmlns:a16="http://schemas.microsoft.com/office/drawing/2014/main" xmlns:p14="http://schemas.microsoft.com/office/powerpoint/2010/main" xmlns:a14="http://schemas.microsoft.com/office/drawing/2010/main" w="9525">
+                <a14:hiddenLine xmlns:a14="http://schemas.microsoft.com/office/drawing/2010/main" xmlns:p14="http://schemas.microsoft.com/office/powerpoint/2010/main" xmlns:a16="http://schemas.microsoft.com/office/drawing/2014/main" xmlns="" w="9525">
                   <a:solidFill>
                     <a:srgbClr val="000000"/>
                   </a:solidFill>
@@ -17191,7 +17192,7 @@
             </a:ln>
             <a:extLst>
               <a:ext uri="{91240B29-F687-4f45-9708-019B960494DF}">
-                <a14:hiddenLine xmlns="" xmlns:a16="http://schemas.microsoft.com/office/drawing/2014/main" xmlns:p14="http://schemas.microsoft.com/office/powerpoint/2010/main" xmlns:a14="http://schemas.microsoft.com/office/drawing/2010/main" w="9525">
+                <a14:hiddenLine xmlns:a14="http://schemas.microsoft.com/office/drawing/2010/main" xmlns:p14="http://schemas.microsoft.com/office/powerpoint/2010/main" xmlns:a16="http://schemas.microsoft.com/office/drawing/2014/main" xmlns="" w="9525">
                   <a:solidFill>
                     <a:srgbClr val="000000"/>
                   </a:solidFill>
@@ -17271,7 +17272,7 @@
             </a:ln>
             <a:extLst>
               <a:ext uri="{91240B29-F687-4f45-9708-019B960494DF}">
-                <a14:hiddenLine xmlns="" xmlns:a16="http://schemas.microsoft.com/office/drawing/2014/main" xmlns:p14="http://schemas.microsoft.com/office/powerpoint/2010/main" xmlns:a14="http://schemas.microsoft.com/office/drawing/2010/main" w="9525">
+                <a14:hiddenLine xmlns:a14="http://schemas.microsoft.com/office/drawing/2010/main" xmlns:p14="http://schemas.microsoft.com/office/powerpoint/2010/main" xmlns:a16="http://schemas.microsoft.com/office/drawing/2014/main" xmlns="" w="9525">
                   <a:solidFill>
                     <a:srgbClr val="000000"/>
                   </a:solidFill>
@@ -17348,7 +17349,7 @@
             </a:ln>
             <a:extLst>
               <a:ext uri="{91240B29-F687-4f45-9708-019B960494DF}">
-                <a14:hiddenLine xmlns="" xmlns:a16="http://schemas.microsoft.com/office/drawing/2014/main" xmlns:p14="http://schemas.microsoft.com/office/powerpoint/2010/main" xmlns:a14="http://schemas.microsoft.com/office/drawing/2010/main" w="9525">
+                <a14:hiddenLine xmlns:a14="http://schemas.microsoft.com/office/drawing/2010/main" xmlns:p14="http://schemas.microsoft.com/office/powerpoint/2010/main" xmlns:a16="http://schemas.microsoft.com/office/drawing/2014/main" xmlns="" w="9525">
                   <a:solidFill>
                     <a:srgbClr val="000000"/>
                   </a:solidFill>
@@ -17453,7 +17454,7 @@
             </a:ln>
             <a:extLst>
               <a:ext uri="{91240B29-F687-4f45-9708-019B960494DF}">
-                <a14:hiddenLine xmlns="" xmlns:a16="http://schemas.microsoft.com/office/drawing/2014/main" xmlns:p14="http://schemas.microsoft.com/office/powerpoint/2010/main" xmlns:a14="http://schemas.microsoft.com/office/drawing/2010/main" w="9525">
+                <a14:hiddenLine xmlns:a14="http://schemas.microsoft.com/office/drawing/2010/main" xmlns:p14="http://schemas.microsoft.com/office/powerpoint/2010/main" xmlns:a16="http://schemas.microsoft.com/office/drawing/2014/main" xmlns="" w="9525">
                   <a:solidFill>
                     <a:srgbClr val="000000"/>
                   </a:solidFill>
@@ -17558,7 +17559,7 @@
             </a:ln>
             <a:extLst>
               <a:ext uri="{91240B29-F687-4f45-9708-019B960494DF}">
-                <a14:hiddenLine xmlns="" xmlns:a16="http://schemas.microsoft.com/office/drawing/2014/main" xmlns:p14="http://schemas.microsoft.com/office/powerpoint/2010/main" xmlns:a14="http://schemas.microsoft.com/office/drawing/2010/main" w="9525">
+                <a14:hiddenLine xmlns:a14="http://schemas.microsoft.com/office/drawing/2010/main" xmlns:p14="http://schemas.microsoft.com/office/powerpoint/2010/main" xmlns:a16="http://schemas.microsoft.com/office/drawing/2014/main" xmlns="" w="9525">
                   <a:solidFill>
                     <a:srgbClr val="000000"/>
                   </a:solidFill>
@@ -17635,7 +17636,7 @@
             </a:ln>
             <a:extLst>
               <a:ext uri="{91240B29-F687-4f45-9708-019B960494DF}">
-                <a14:hiddenLine xmlns="" xmlns:a16="http://schemas.microsoft.com/office/drawing/2014/main" xmlns:p14="http://schemas.microsoft.com/office/powerpoint/2010/main" xmlns:a14="http://schemas.microsoft.com/office/drawing/2010/main" w="9525">
+                <a14:hiddenLine xmlns:a14="http://schemas.microsoft.com/office/drawing/2010/main" xmlns:p14="http://schemas.microsoft.com/office/powerpoint/2010/main" xmlns:a16="http://schemas.microsoft.com/office/drawing/2014/main" xmlns="" w="9525">
                   <a:solidFill>
                     <a:srgbClr val="000000"/>
                   </a:solidFill>
@@ -17770,7 +17771,7 @@
             </a:ln>
             <a:extLst>
               <a:ext uri="{91240B29-F687-4f45-9708-019B960494DF}">
-                <a14:hiddenLine xmlns="" xmlns:a16="http://schemas.microsoft.com/office/drawing/2014/main" xmlns:p14="http://schemas.microsoft.com/office/powerpoint/2010/main" xmlns:a14="http://schemas.microsoft.com/office/drawing/2010/main" w="9525">
+                <a14:hiddenLine xmlns:a14="http://schemas.microsoft.com/office/drawing/2010/main" xmlns:p14="http://schemas.microsoft.com/office/powerpoint/2010/main" xmlns:a16="http://schemas.microsoft.com/office/drawing/2014/main" xmlns="" w="9525">
                   <a:solidFill>
                     <a:srgbClr val="000000"/>
                   </a:solidFill>
@@ -17853,7 +17854,7 @@
             </a:ln>
             <a:extLst>
               <a:ext uri="{91240B29-F687-4f45-9708-019B960494DF}">
-                <a14:hiddenLine xmlns="" xmlns:a16="http://schemas.microsoft.com/office/drawing/2014/main" xmlns:p14="http://schemas.microsoft.com/office/powerpoint/2010/main" xmlns:a14="http://schemas.microsoft.com/office/drawing/2010/main" w="9525">
+                <a14:hiddenLine xmlns:a14="http://schemas.microsoft.com/office/drawing/2010/main" xmlns:p14="http://schemas.microsoft.com/office/powerpoint/2010/main" xmlns:a16="http://schemas.microsoft.com/office/drawing/2014/main" xmlns="" w="9525">
                   <a:solidFill>
                     <a:srgbClr val="000000"/>
                   </a:solidFill>
@@ -17958,7 +17959,7 @@
             </a:ln>
             <a:extLst>
               <a:ext uri="{91240B29-F687-4f45-9708-019B960494DF}">
-                <a14:hiddenLine xmlns="" xmlns:a16="http://schemas.microsoft.com/office/drawing/2014/main" xmlns:p14="http://schemas.microsoft.com/office/powerpoint/2010/main" xmlns:a14="http://schemas.microsoft.com/office/drawing/2010/main" w="9525">
+                <a14:hiddenLine xmlns:a14="http://schemas.microsoft.com/office/drawing/2010/main" xmlns:p14="http://schemas.microsoft.com/office/powerpoint/2010/main" xmlns:a16="http://schemas.microsoft.com/office/drawing/2014/main" xmlns="" w="9525">
                   <a:solidFill>
                     <a:srgbClr val="000000"/>
                   </a:solidFill>
@@ -18026,7 +18027,7 @@
           <a:noFill/>
           <a:extLst>
             <a:ext uri="{909E8E84-426E-40dd-AFC4-6F175D3DCCD1}">
-              <a14:hiddenFill xmlns="" xmlns:a16="http://schemas.microsoft.com/office/drawing/2014/main" xmlns:p14="http://schemas.microsoft.com/office/powerpoint/2010/main" xmlns:a14="http://schemas.microsoft.com/office/drawing/2010/main">
+              <a14:hiddenFill xmlns:a14="http://schemas.microsoft.com/office/drawing/2010/main" xmlns:p14="http://schemas.microsoft.com/office/powerpoint/2010/main" xmlns:a16="http://schemas.microsoft.com/office/drawing/2014/main" xmlns="">
                 <a:solidFill>
                   <a:srgbClr val="FFFFFF"/>
                 </a:solidFill>
@@ -20548,7 +20549,7 @@
             <a:noFill/>
             <a:extLst>
               <a:ext uri="{909E8E84-426E-40dd-AFC4-6F175D3DCCD1}">
-                <a14:hiddenFill xmlns="" xmlns:a16="http://schemas.microsoft.com/office/drawing/2014/main" xmlns:a14="http://schemas.microsoft.com/office/drawing/2010/main" xmlns:p14="http://schemas.microsoft.com/office/powerpoint/2010/main">
+                <a14:hiddenFill xmlns:p14="http://schemas.microsoft.com/office/powerpoint/2010/main" xmlns:a14="http://schemas.microsoft.com/office/drawing/2010/main" xmlns:a16="http://schemas.microsoft.com/office/drawing/2014/main" xmlns="">
                   <a:solidFill>
                     <a:srgbClr val="FFFFFF"/>
                   </a:solidFill>
@@ -20632,7 +20633,7 @@
             </a:ln>
             <a:extLst>
               <a:ext uri="{91240B29-F687-4f45-9708-019B960494DF}">
-                <a14:hiddenLine xmlns="" xmlns:a16="http://schemas.microsoft.com/office/drawing/2014/main" xmlns:a14="http://schemas.microsoft.com/office/drawing/2010/main" xmlns:p14="http://schemas.microsoft.com/office/powerpoint/2010/main" w="9525">
+                <a14:hiddenLine xmlns:p14="http://schemas.microsoft.com/office/powerpoint/2010/main" xmlns:a14="http://schemas.microsoft.com/office/drawing/2010/main" xmlns:a16="http://schemas.microsoft.com/office/drawing/2014/main" xmlns="" w="9525">
                   <a:solidFill>
                     <a:srgbClr val="000000"/>
                   </a:solidFill>
@@ -20737,7 +20738,7 @@
             </a:ln>
             <a:extLst>
               <a:ext uri="{91240B29-F687-4f45-9708-019B960494DF}">
-                <a14:hiddenLine xmlns="" xmlns:a16="http://schemas.microsoft.com/office/drawing/2014/main" xmlns:a14="http://schemas.microsoft.com/office/drawing/2010/main" xmlns:p14="http://schemas.microsoft.com/office/powerpoint/2010/main" w="9525">
+                <a14:hiddenLine xmlns:p14="http://schemas.microsoft.com/office/powerpoint/2010/main" xmlns:a14="http://schemas.microsoft.com/office/drawing/2010/main" xmlns:a16="http://schemas.microsoft.com/office/drawing/2014/main" xmlns="" w="9525">
                   <a:solidFill>
                     <a:srgbClr val="000000"/>
                   </a:solidFill>
@@ -20842,7 +20843,7 @@
             </a:ln>
             <a:extLst>
               <a:ext uri="{91240B29-F687-4f45-9708-019B960494DF}">
-                <a14:hiddenLine xmlns="" xmlns:a16="http://schemas.microsoft.com/office/drawing/2014/main" xmlns:a14="http://schemas.microsoft.com/office/drawing/2010/main" xmlns:p14="http://schemas.microsoft.com/office/powerpoint/2010/main" w="9525">
+                <a14:hiddenLine xmlns:p14="http://schemas.microsoft.com/office/powerpoint/2010/main" xmlns:a14="http://schemas.microsoft.com/office/drawing/2010/main" xmlns:a16="http://schemas.microsoft.com/office/drawing/2014/main" xmlns="" w="9525">
                   <a:solidFill>
                     <a:srgbClr val="000000"/>
                   </a:solidFill>
@@ -20891,7 +20892,7 @@
             </a:ln>
             <a:extLst>
               <a:ext uri="{91240B29-F687-4f45-9708-019B960494DF}">
-                <a14:hiddenLine xmlns="" xmlns:a16="http://schemas.microsoft.com/office/drawing/2014/main" xmlns:a14="http://schemas.microsoft.com/office/drawing/2010/main" xmlns:p14="http://schemas.microsoft.com/office/powerpoint/2010/main" w="9525">
+                <a14:hiddenLine xmlns:p14="http://schemas.microsoft.com/office/powerpoint/2010/main" xmlns:a14="http://schemas.microsoft.com/office/drawing/2010/main" xmlns:a16="http://schemas.microsoft.com/office/drawing/2014/main" xmlns="" w="9525">
                   <a:solidFill>
                     <a:srgbClr val="000000"/>
                   </a:solidFill>
@@ -20996,7 +20997,7 @@
             </a:ln>
             <a:extLst>
               <a:ext uri="{91240B29-F687-4f45-9708-019B960494DF}">
-                <a14:hiddenLine xmlns="" xmlns:a16="http://schemas.microsoft.com/office/drawing/2014/main" xmlns:a14="http://schemas.microsoft.com/office/drawing/2010/main" xmlns:p14="http://schemas.microsoft.com/office/powerpoint/2010/main" w="9525">
+                <a14:hiddenLine xmlns:p14="http://schemas.microsoft.com/office/powerpoint/2010/main" xmlns:a14="http://schemas.microsoft.com/office/drawing/2010/main" xmlns:a16="http://schemas.microsoft.com/office/drawing/2014/main" xmlns="" w="9525">
                   <a:solidFill>
                     <a:srgbClr val="000000"/>
                   </a:solidFill>
@@ -21073,7 +21074,7 @@
             </a:ln>
             <a:extLst>
               <a:ext uri="{91240B29-F687-4f45-9708-019B960494DF}">
-                <a14:hiddenLine xmlns="" xmlns:a16="http://schemas.microsoft.com/office/drawing/2014/main" xmlns:a14="http://schemas.microsoft.com/office/drawing/2010/main" xmlns:p14="http://schemas.microsoft.com/office/powerpoint/2010/main" w="9525">
+                <a14:hiddenLine xmlns:p14="http://schemas.microsoft.com/office/powerpoint/2010/main" xmlns:a14="http://schemas.microsoft.com/office/drawing/2010/main" xmlns:a16="http://schemas.microsoft.com/office/drawing/2014/main" xmlns="" w="9525">
                   <a:solidFill>
                     <a:srgbClr val="000000"/>
                   </a:solidFill>
@@ -21150,7 +21151,7 @@
             </a:ln>
             <a:extLst>
               <a:ext uri="{91240B29-F687-4f45-9708-019B960494DF}">
-                <a14:hiddenLine xmlns="" xmlns:a16="http://schemas.microsoft.com/office/drawing/2014/main" xmlns:a14="http://schemas.microsoft.com/office/drawing/2010/main" xmlns:p14="http://schemas.microsoft.com/office/powerpoint/2010/main" w="9525">
+                <a14:hiddenLine xmlns:p14="http://schemas.microsoft.com/office/powerpoint/2010/main" xmlns:a14="http://schemas.microsoft.com/office/drawing/2010/main" xmlns:a16="http://schemas.microsoft.com/office/drawing/2014/main" xmlns="" w="9525">
                   <a:solidFill>
                     <a:srgbClr val="000000"/>
                   </a:solidFill>
@@ -21255,7 +21256,7 @@
             </a:ln>
             <a:extLst>
               <a:ext uri="{91240B29-F687-4f45-9708-019B960494DF}">
-                <a14:hiddenLine xmlns="" xmlns:a16="http://schemas.microsoft.com/office/drawing/2014/main" xmlns:a14="http://schemas.microsoft.com/office/drawing/2010/main" xmlns:p14="http://schemas.microsoft.com/office/powerpoint/2010/main" w="9525">
+                <a14:hiddenLine xmlns:p14="http://schemas.microsoft.com/office/powerpoint/2010/main" xmlns:a14="http://schemas.microsoft.com/office/drawing/2010/main" xmlns:a16="http://schemas.microsoft.com/office/drawing/2014/main" xmlns="" w="9525">
                   <a:solidFill>
                     <a:srgbClr val="000000"/>
                   </a:solidFill>
@@ -21332,7 +21333,7 @@
             </a:ln>
             <a:extLst>
               <a:ext uri="{91240B29-F687-4f45-9708-019B960494DF}">
-                <a14:hiddenLine xmlns="" xmlns:a16="http://schemas.microsoft.com/office/drawing/2014/main" xmlns:a14="http://schemas.microsoft.com/office/drawing/2010/main" xmlns:p14="http://schemas.microsoft.com/office/powerpoint/2010/main" w="9525">
+                <a14:hiddenLine xmlns:p14="http://schemas.microsoft.com/office/powerpoint/2010/main" xmlns:a14="http://schemas.microsoft.com/office/drawing/2010/main" xmlns:a16="http://schemas.microsoft.com/office/drawing/2014/main" xmlns="" w="9525">
                   <a:solidFill>
                     <a:srgbClr val="000000"/>
                   </a:solidFill>
@@ -21409,7 +21410,7 @@
             </a:ln>
             <a:extLst>
               <a:ext uri="{91240B29-F687-4f45-9708-019B960494DF}">
-                <a14:hiddenLine xmlns="" xmlns:a16="http://schemas.microsoft.com/office/drawing/2014/main" xmlns:a14="http://schemas.microsoft.com/office/drawing/2010/main" xmlns:p14="http://schemas.microsoft.com/office/powerpoint/2010/main" w="9525">
+                <a14:hiddenLine xmlns:p14="http://schemas.microsoft.com/office/powerpoint/2010/main" xmlns:a14="http://schemas.microsoft.com/office/drawing/2010/main" xmlns:a16="http://schemas.microsoft.com/office/drawing/2014/main" xmlns="" w="9525">
                   <a:solidFill>
                     <a:srgbClr val="000000"/>
                   </a:solidFill>
@@ -21514,7 +21515,7 @@
             </a:ln>
             <a:extLst>
               <a:ext uri="{91240B29-F687-4f45-9708-019B960494DF}">
-                <a14:hiddenLine xmlns="" xmlns:a16="http://schemas.microsoft.com/office/drawing/2014/main" xmlns:a14="http://schemas.microsoft.com/office/drawing/2010/main" xmlns:p14="http://schemas.microsoft.com/office/powerpoint/2010/main" w="9525">
+                <a14:hiddenLine xmlns:p14="http://schemas.microsoft.com/office/powerpoint/2010/main" xmlns:a14="http://schemas.microsoft.com/office/drawing/2010/main" xmlns:a16="http://schemas.microsoft.com/office/drawing/2014/main" xmlns="" w="9525">
                   <a:solidFill>
                     <a:srgbClr val="000000"/>
                   </a:solidFill>
@@ -21619,7 +21620,7 @@
             </a:ln>
             <a:extLst>
               <a:ext uri="{91240B29-F687-4f45-9708-019B960494DF}">
-                <a14:hiddenLine xmlns="" xmlns:a16="http://schemas.microsoft.com/office/drawing/2014/main" xmlns:a14="http://schemas.microsoft.com/office/drawing/2010/main" xmlns:p14="http://schemas.microsoft.com/office/powerpoint/2010/main" w="9525">
+                <a14:hiddenLine xmlns:p14="http://schemas.microsoft.com/office/powerpoint/2010/main" xmlns:a14="http://schemas.microsoft.com/office/drawing/2010/main" xmlns:a16="http://schemas.microsoft.com/office/drawing/2014/main" xmlns="" w="9525">
                   <a:solidFill>
                     <a:srgbClr val="000000"/>
                   </a:solidFill>
@@ -21696,7 +21697,7 @@
             </a:ln>
             <a:extLst>
               <a:ext uri="{91240B29-F687-4f45-9708-019B960494DF}">
-                <a14:hiddenLine xmlns="" xmlns:a16="http://schemas.microsoft.com/office/drawing/2014/main" xmlns:a14="http://schemas.microsoft.com/office/drawing/2010/main" xmlns:p14="http://schemas.microsoft.com/office/powerpoint/2010/main" w="9525">
+                <a14:hiddenLine xmlns:p14="http://schemas.microsoft.com/office/powerpoint/2010/main" xmlns:a14="http://schemas.microsoft.com/office/drawing/2010/main" xmlns:a16="http://schemas.microsoft.com/office/drawing/2014/main" xmlns="" w="9525">
                   <a:solidFill>
                     <a:srgbClr val="000000"/>
                   </a:solidFill>
@@ -21821,7 +21822,7 @@
             </a:ln>
             <a:extLst>
               <a:ext uri="{91240B29-F687-4f45-9708-019B960494DF}">
-                <a14:hiddenLine xmlns="" xmlns:a16="http://schemas.microsoft.com/office/drawing/2014/main" xmlns:a14="http://schemas.microsoft.com/office/drawing/2010/main" xmlns:p14="http://schemas.microsoft.com/office/powerpoint/2010/main" w="9525">
+                <a14:hiddenLine xmlns:p14="http://schemas.microsoft.com/office/powerpoint/2010/main" xmlns:a14="http://schemas.microsoft.com/office/drawing/2010/main" xmlns:a16="http://schemas.microsoft.com/office/drawing/2014/main" xmlns="" w="9525">
                   <a:solidFill>
                     <a:srgbClr val="000000"/>
                   </a:solidFill>
@@ -21898,7 +21899,7 @@
             </a:ln>
             <a:extLst>
               <a:ext uri="{91240B29-F687-4f45-9708-019B960494DF}">
-                <a14:hiddenLine xmlns="" xmlns:a16="http://schemas.microsoft.com/office/drawing/2014/main" xmlns:a14="http://schemas.microsoft.com/office/drawing/2010/main" xmlns:p14="http://schemas.microsoft.com/office/powerpoint/2010/main" w="9525">
+                <a14:hiddenLine xmlns:p14="http://schemas.microsoft.com/office/powerpoint/2010/main" xmlns:a14="http://schemas.microsoft.com/office/drawing/2010/main" xmlns:a16="http://schemas.microsoft.com/office/drawing/2014/main" xmlns="" w="9525">
                   <a:solidFill>
                     <a:srgbClr val="000000"/>
                   </a:solidFill>
@@ -22003,7 +22004,7 @@
             </a:ln>
             <a:extLst>
               <a:ext uri="{91240B29-F687-4f45-9708-019B960494DF}">
-                <a14:hiddenLine xmlns="" xmlns:a16="http://schemas.microsoft.com/office/drawing/2014/main" xmlns:a14="http://schemas.microsoft.com/office/drawing/2010/main" xmlns:p14="http://schemas.microsoft.com/office/powerpoint/2010/main" w="9525">
+                <a14:hiddenLine xmlns:p14="http://schemas.microsoft.com/office/powerpoint/2010/main" xmlns:a14="http://schemas.microsoft.com/office/drawing/2010/main" xmlns:a16="http://schemas.microsoft.com/office/drawing/2014/main" xmlns="" w="9525">
                   <a:solidFill>
                     <a:srgbClr val="000000"/>
                   </a:solidFill>
@@ -22108,7 +22109,7 @@
             </a:ln>
             <a:extLst>
               <a:ext uri="{91240B29-F687-4f45-9708-019B960494DF}">
-                <a14:hiddenLine xmlns="" xmlns:a16="http://schemas.microsoft.com/office/drawing/2014/main" xmlns:a14="http://schemas.microsoft.com/office/drawing/2010/main" xmlns:p14="http://schemas.microsoft.com/office/powerpoint/2010/main" w="9525">
+                <a14:hiddenLine xmlns:p14="http://schemas.microsoft.com/office/powerpoint/2010/main" xmlns:a14="http://schemas.microsoft.com/office/drawing/2010/main" xmlns:a16="http://schemas.microsoft.com/office/drawing/2014/main" xmlns="" w="9525">
                   <a:solidFill>
                     <a:srgbClr val="000000"/>
                   </a:solidFill>
@@ -22185,7 +22186,7 @@
             </a:ln>
             <a:extLst>
               <a:ext uri="{91240B29-F687-4f45-9708-019B960494DF}">
-                <a14:hiddenLine xmlns="" xmlns:a16="http://schemas.microsoft.com/office/drawing/2014/main" xmlns:a14="http://schemas.microsoft.com/office/drawing/2010/main" xmlns:p14="http://schemas.microsoft.com/office/powerpoint/2010/main" w="9525">
+                <a14:hiddenLine xmlns:p14="http://schemas.microsoft.com/office/powerpoint/2010/main" xmlns:a14="http://schemas.microsoft.com/office/drawing/2010/main" xmlns:a16="http://schemas.microsoft.com/office/drawing/2014/main" xmlns="" w="9525">
                   <a:solidFill>
                     <a:srgbClr val="000000"/>
                   </a:solidFill>
@@ -22290,7 +22291,7 @@
             </a:ln>
             <a:extLst>
               <a:ext uri="{91240B29-F687-4f45-9708-019B960494DF}">
-                <a14:hiddenLine xmlns="" xmlns:a16="http://schemas.microsoft.com/office/drawing/2014/main" xmlns:a14="http://schemas.microsoft.com/office/drawing/2010/main" xmlns:p14="http://schemas.microsoft.com/office/powerpoint/2010/main" w="9525">
+                <a14:hiddenLine xmlns:p14="http://schemas.microsoft.com/office/powerpoint/2010/main" xmlns:a14="http://schemas.microsoft.com/office/drawing/2010/main" xmlns:a16="http://schemas.microsoft.com/office/drawing/2014/main" xmlns="" w="9525">
                   <a:solidFill>
                     <a:srgbClr val="000000"/>
                   </a:solidFill>
@@ -22395,7 +22396,7 @@
             </a:ln>
             <a:extLst>
               <a:ext uri="{91240B29-F687-4f45-9708-019B960494DF}">
-                <a14:hiddenLine xmlns="" xmlns:a16="http://schemas.microsoft.com/office/drawing/2014/main" xmlns:a14="http://schemas.microsoft.com/office/drawing/2010/main" xmlns:p14="http://schemas.microsoft.com/office/powerpoint/2010/main" w="9525">
+                <a14:hiddenLine xmlns:p14="http://schemas.microsoft.com/office/powerpoint/2010/main" xmlns:a14="http://schemas.microsoft.com/office/drawing/2010/main" xmlns:a16="http://schemas.microsoft.com/office/drawing/2014/main" xmlns="" w="9525">
                   <a:solidFill>
                     <a:srgbClr val="000000"/>
                   </a:solidFill>
@@ -22466,7 +22467,7 @@
             </a:ln>
             <a:extLst>
               <a:ext uri="{91240B29-F687-4f45-9708-019B960494DF}">
-                <a14:hiddenLine xmlns="" xmlns:a16="http://schemas.microsoft.com/office/drawing/2014/main" xmlns:a14="http://schemas.microsoft.com/office/drawing/2010/main" xmlns:p14="http://schemas.microsoft.com/office/powerpoint/2010/main" w="9525">
+                <a14:hiddenLine xmlns:p14="http://schemas.microsoft.com/office/powerpoint/2010/main" xmlns:a14="http://schemas.microsoft.com/office/drawing/2010/main" xmlns:a16="http://schemas.microsoft.com/office/drawing/2014/main" xmlns="" w="9525">
                   <a:solidFill>
                     <a:srgbClr val="000000"/>
                   </a:solidFill>
@@ -22571,7 +22572,7 @@
             </a:ln>
             <a:extLst>
               <a:ext uri="{91240B29-F687-4f45-9708-019B960494DF}">
-                <a14:hiddenLine xmlns="" xmlns:a16="http://schemas.microsoft.com/office/drawing/2014/main" xmlns:a14="http://schemas.microsoft.com/office/drawing/2010/main" xmlns:p14="http://schemas.microsoft.com/office/powerpoint/2010/main" w="9525">
+                <a14:hiddenLine xmlns:p14="http://schemas.microsoft.com/office/powerpoint/2010/main" xmlns:a14="http://schemas.microsoft.com/office/drawing/2010/main" xmlns:a16="http://schemas.microsoft.com/office/drawing/2014/main" xmlns="" w="9525">
                   <a:solidFill>
                     <a:srgbClr val="000000"/>
                   </a:solidFill>
@@ -22642,7 +22643,7 @@
             </a:ln>
             <a:extLst>
               <a:ext uri="{91240B29-F687-4f45-9708-019B960494DF}">
-                <a14:hiddenLine xmlns="" xmlns:a16="http://schemas.microsoft.com/office/drawing/2014/main" xmlns:a14="http://schemas.microsoft.com/office/drawing/2010/main" xmlns:p14="http://schemas.microsoft.com/office/powerpoint/2010/main" w="9525">
+                <a14:hiddenLine xmlns:p14="http://schemas.microsoft.com/office/powerpoint/2010/main" xmlns:a14="http://schemas.microsoft.com/office/drawing/2010/main" xmlns:a16="http://schemas.microsoft.com/office/drawing/2014/main" xmlns="" w="9525">
                   <a:solidFill>
                     <a:srgbClr val="000000"/>
                   </a:solidFill>
@@ -22747,7 +22748,7 @@
             </a:ln>
             <a:extLst>
               <a:ext uri="{91240B29-F687-4f45-9708-019B960494DF}">
-                <a14:hiddenLine xmlns="" xmlns:a16="http://schemas.microsoft.com/office/drawing/2014/main" xmlns:a14="http://schemas.microsoft.com/office/drawing/2010/main" xmlns:p14="http://schemas.microsoft.com/office/powerpoint/2010/main" w="9525">
+                <a14:hiddenLine xmlns:p14="http://schemas.microsoft.com/office/powerpoint/2010/main" xmlns:a14="http://schemas.microsoft.com/office/drawing/2010/main" xmlns:a16="http://schemas.microsoft.com/office/drawing/2014/main" xmlns="" w="9525">
                   <a:solidFill>
                     <a:srgbClr val="000000"/>
                   </a:solidFill>
@@ -22830,7 +22831,7 @@
             </a:ln>
             <a:extLst>
               <a:ext uri="{91240B29-F687-4f45-9708-019B960494DF}">
-                <a14:hiddenLine xmlns="" xmlns:a16="http://schemas.microsoft.com/office/drawing/2014/main" xmlns:a14="http://schemas.microsoft.com/office/drawing/2010/main" xmlns:p14="http://schemas.microsoft.com/office/powerpoint/2010/main" w="9525">
+                <a14:hiddenLine xmlns:p14="http://schemas.microsoft.com/office/powerpoint/2010/main" xmlns:a14="http://schemas.microsoft.com/office/drawing/2010/main" xmlns:a16="http://schemas.microsoft.com/office/drawing/2014/main" xmlns="" w="9525">
                   <a:solidFill>
                     <a:srgbClr val="000000"/>
                   </a:solidFill>
@@ -22935,7 +22936,7 @@
             </a:ln>
             <a:extLst>
               <a:ext uri="{91240B29-F687-4f45-9708-019B960494DF}">
-                <a14:hiddenLine xmlns="" xmlns:a16="http://schemas.microsoft.com/office/drawing/2014/main" xmlns:a14="http://schemas.microsoft.com/office/drawing/2010/main" xmlns:p14="http://schemas.microsoft.com/office/powerpoint/2010/main" w="9525">
+                <a14:hiddenLine xmlns:p14="http://schemas.microsoft.com/office/powerpoint/2010/main" xmlns:a14="http://schemas.microsoft.com/office/drawing/2010/main" xmlns:a16="http://schemas.microsoft.com/office/drawing/2014/main" xmlns="" w="9525">
                   <a:solidFill>
                     <a:srgbClr val="000000"/>
                   </a:solidFill>
@@ -23018,7 +23019,7 @@
             </a:ln>
             <a:extLst>
               <a:ext uri="{91240B29-F687-4f45-9708-019B960494DF}">
-                <a14:hiddenLine xmlns="" xmlns:a16="http://schemas.microsoft.com/office/drawing/2014/main" xmlns:a14="http://schemas.microsoft.com/office/drawing/2010/main" xmlns:p14="http://schemas.microsoft.com/office/powerpoint/2010/main" w="9525">
+                <a14:hiddenLine xmlns:p14="http://schemas.microsoft.com/office/powerpoint/2010/main" xmlns:a14="http://schemas.microsoft.com/office/drawing/2010/main" xmlns:a16="http://schemas.microsoft.com/office/drawing/2014/main" xmlns="" w="9525">
                   <a:solidFill>
                     <a:srgbClr val="000000"/>
                   </a:solidFill>
@@ -23123,7 +23124,7 @@
             </a:ln>
             <a:extLst>
               <a:ext uri="{91240B29-F687-4f45-9708-019B960494DF}">
-                <a14:hiddenLine xmlns="" xmlns:a16="http://schemas.microsoft.com/office/drawing/2014/main" xmlns:a14="http://schemas.microsoft.com/office/drawing/2010/main" xmlns:p14="http://schemas.microsoft.com/office/powerpoint/2010/main" w="9525">
+                <a14:hiddenLine xmlns:p14="http://schemas.microsoft.com/office/powerpoint/2010/main" xmlns:a14="http://schemas.microsoft.com/office/drawing/2010/main" xmlns:a16="http://schemas.microsoft.com/office/drawing/2014/main" xmlns="" w="9525">
                   <a:solidFill>
                     <a:srgbClr val="000000"/>
                   </a:solidFill>
@@ -23172,7 +23173,7 @@
             </a:ln>
             <a:extLst>
               <a:ext uri="{91240B29-F687-4f45-9708-019B960494DF}">
-                <a14:hiddenLine xmlns="" xmlns:a16="http://schemas.microsoft.com/office/drawing/2014/main" xmlns:a14="http://schemas.microsoft.com/office/drawing/2010/main" xmlns:p14="http://schemas.microsoft.com/office/powerpoint/2010/main" w="9525">
+                <a14:hiddenLine xmlns:p14="http://schemas.microsoft.com/office/powerpoint/2010/main" xmlns:a14="http://schemas.microsoft.com/office/drawing/2010/main" xmlns:a16="http://schemas.microsoft.com/office/drawing/2014/main" xmlns="" w="9525">
                   <a:solidFill>
                     <a:srgbClr val="000000"/>
                   </a:solidFill>
@@ -23277,7 +23278,7 @@
             </a:ln>
             <a:extLst>
               <a:ext uri="{91240B29-F687-4f45-9708-019B960494DF}">
-                <a14:hiddenLine xmlns="" xmlns:a16="http://schemas.microsoft.com/office/drawing/2014/main" xmlns:a14="http://schemas.microsoft.com/office/drawing/2010/main" xmlns:p14="http://schemas.microsoft.com/office/powerpoint/2010/main" w="9525">
+                <a14:hiddenLine xmlns:p14="http://schemas.microsoft.com/office/powerpoint/2010/main" xmlns:a14="http://schemas.microsoft.com/office/drawing/2010/main" xmlns:a16="http://schemas.microsoft.com/office/drawing/2014/main" xmlns="" w="9525">
                   <a:solidFill>
                     <a:srgbClr val="000000"/>
                   </a:solidFill>
@@ -23354,7 +23355,7 @@
             </a:ln>
             <a:extLst>
               <a:ext uri="{91240B29-F687-4f45-9708-019B960494DF}">
-                <a14:hiddenLine xmlns="" xmlns:a16="http://schemas.microsoft.com/office/drawing/2014/main" xmlns:a14="http://schemas.microsoft.com/office/drawing/2010/main" xmlns:p14="http://schemas.microsoft.com/office/powerpoint/2010/main" w="9525">
+                <a14:hiddenLine xmlns:p14="http://schemas.microsoft.com/office/powerpoint/2010/main" xmlns:a14="http://schemas.microsoft.com/office/drawing/2010/main" xmlns:a16="http://schemas.microsoft.com/office/drawing/2014/main" xmlns="" w="9525">
                   <a:solidFill>
                     <a:srgbClr val="000000"/>
                   </a:solidFill>
@@ -23431,7 +23432,7 @@
             </a:ln>
             <a:extLst>
               <a:ext uri="{91240B29-F687-4f45-9708-019B960494DF}">
-                <a14:hiddenLine xmlns="" xmlns:a16="http://schemas.microsoft.com/office/drawing/2014/main" xmlns:a14="http://schemas.microsoft.com/office/drawing/2010/main" xmlns:p14="http://schemas.microsoft.com/office/powerpoint/2010/main" w="9525">
+                <a14:hiddenLine xmlns:p14="http://schemas.microsoft.com/office/powerpoint/2010/main" xmlns:a14="http://schemas.microsoft.com/office/drawing/2010/main" xmlns:a16="http://schemas.microsoft.com/office/drawing/2014/main" xmlns="" w="9525">
                   <a:solidFill>
                     <a:srgbClr val="000000"/>
                   </a:solidFill>
@@ -23536,7 +23537,7 @@
             </a:ln>
             <a:extLst>
               <a:ext uri="{91240B29-F687-4f45-9708-019B960494DF}">
-                <a14:hiddenLine xmlns="" xmlns:a16="http://schemas.microsoft.com/office/drawing/2014/main" xmlns:a14="http://schemas.microsoft.com/office/drawing/2010/main" xmlns:p14="http://schemas.microsoft.com/office/powerpoint/2010/main" w="9525">
+                <a14:hiddenLine xmlns:p14="http://schemas.microsoft.com/office/powerpoint/2010/main" xmlns:a14="http://schemas.microsoft.com/office/drawing/2010/main" xmlns:a16="http://schemas.microsoft.com/office/drawing/2014/main" xmlns="" w="9525">
                   <a:solidFill>
                     <a:srgbClr val="000000"/>
                   </a:solidFill>
@@ -23619,7 +23620,7 @@
             </a:ln>
             <a:extLst>
               <a:ext uri="{91240B29-F687-4f45-9708-019B960494DF}">
-                <a14:hiddenLine xmlns="" xmlns:a16="http://schemas.microsoft.com/office/drawing/2014/main" xmlns:a14="http://schemas.microsoft.com/office/drawing/2010/main" xmlns:p14="http://schemas.microsoft.com/office/powerpoint/2010/main" w="9525">
+                <a14:hiddenLine xmlns:p14="http://schemas.microsoft.com/office/powerpoint/2010/main" xmlns:a14="http://schemas.microsoft.com/office/drawing/2010/main" xmlns:a16="http://schemas.microsoft.com/office/drawing/2014/main" xmlns="" w="9525">
                   <a:solidFill>
                     <a:srgbClr val="000000"/>
                   </a:solidFill>
@@ -23696,7 +23697,7 @@
             </a:ln>
             <a:extLst>
               <a:ext uri="{91240B29-F687-4f45-9708-019B960494DF}">
-                <a14:hiddenLine xmlns="" xmlns:a16="http://schemas.microsoft.com/office/drawing/2014/main" xmlns:a14="http://schemas.microsoft.com/office/drawing/2010/main" xmlns:p14="http://schemas.microsoft.com/office/powerpoint/2010/main" w="9525">
+                <a14:hiddenLine xmlns:p14="http://schemas.microsoft.com/office/powerpoint/2010/main" xmlns:a14="http://schemas.microsoft.com/office/drawing/2010/main" xmlns:a16="http://schemas.microsoft.com/office/drawing/2014/main" xmlns="" w="9525">
                   <a:solidFill>
                     <a:srgbClr val="000000"/>
                   </a:solidFill>
@@ -23801,7 +23802,7 @@
             </a:ln>
             <a:extLst>
               <a:ext uri="{91240B29-F687-4f45-9708-019B960494DF}">
-                <a14:hiddenLine xmlns="" xmlns:a16="http://schemas.microsoft.com/office/drawing/2014/main" xmlns:a14="http://schemas.microsoft.com/office/drawing/2010/main" xmlns:p14="http://schemas.microsoft.com/office/powerpoint/2010/main" w="9525">
+                <a14:hiddenLine xmlns:p14="http://schemas.microsoft.com/office/powerpoint/2010/main" xmlns:a14="http://schemas.microsoft.com/office/drawing/2010/main" xmlns:a16="http://schemas.microsoft.com/office/drawing/2014/main" xmlns="" w="9525">
                   <a:solidFill>
                     <a:srgbClr val="000000"/>
                   </a:solidFill>
@@ -23878,7 +23879,7 @@
             </a:ln>
             <a:extLst>
               <a:ext uri="{91240B29-F687-4f45-9708-019B960494DF}">
-                <a14:hiddenLine xmlns="" xmlns:a16="http://schemas.microsoft.com/office/drawing/2014/main" xmlns:a14="http://schemas.microsoft.com/office/drawing/2010/main" xmlns:p14="http://schemas.microsoft.com/office/powerpoint/2010/main" w="9525">
+                <a14:hiddenLine xmlns:p14="http://schemas.microsoft.com/office/powerpoint/2010/main" xmlns:a14="http://schemas.microsoft.com/office/drawing/2010/main" xmlns:a16="http://schemas.microsoft.com/office/drawing/2014/main" xmlns="" w="9525">
                   <a:solidFill>
                     <a:srgbClr val="000000"/>
                   </a:solidFill>
@@ -23983,7 +23984,7 @@
             </a:ln>
             <a:extLst>
               <a:ext uri="{91240B29-F687-4f45-9708-019B960494DF}">
-                <a14:hiddenLine xmlns="" xmlns:a16="http://schemas.microsoft.com/office/drawing/2014/main" xmlns:a14="http://schemas.microsoft.com/office/drawing/2010/main" xmlns:p14="http://schemas.microsoft.com/office/powerpoint/2010/main" w="9525">
+                <a14:hiddenLine xmlns:p14="http://schemas.microsoft.com/office/powerpoint/2010/main" xmlns:a14="http://schemas.microsoft.com/office/drawing/2010/main" xmlns:a16="http://schemas.microsoft.com/office/drawing/2014/main" xmlns="" w="9525">
                   <a:solidFill>
                     <a:srgbClr val="000000"/>
                   </a:solidFill>
@@ -24060,7 +24061,7 @@
             </a:ln>
             <a:extLst>
               <a:ext uri="{91240B29-F687-4f45-9708-019B960494DF}">
-                <a14:hiddenLine xmlns="" xmlns:a16="http://schemas.microsoft.com/office/drawing/2014/main" xmlns:a14="http://schemas.microsoft.com/office/drawing/2010/main" xmlns:p14="http://schemas.microsoft.com/office/powerpoint/2010/main" w="9525">
+                <a14:hiddenLine xmlns:p14="http://schemas.microsoft.com/office/powerpoint/2010/main" xmlns:a14="http://schemas.microsoft.com/office/drawing/2010/main" xmlns:a16="http://schemas.microsoft.com/office/drawing/2014/main" xmlns="" w="9525">
                   <a:solidFill>
                     <a:srgbClr val="000000"/>
                   </a:solidFill>
@@ -24165,7 +24166,7 @@
             </a:ln>
             <a:extLst>
               <a:ext uri="{91240B29-F687-4f45-9708-019B960494DF}">
-                <a14:hiddenLine xmlns="" xmlns:a16="http://schemas.microsoft.com/office/drawing/2014/main" xmlns:a14="http://schemas.microsoft.com/office/drawing/2010/main" xmlns:p14="http://schemas.microsoft.com/office/powerpoint/2010/main" w="9525">
+                <a14:hiddenLine xmlns:p14="http://schemas.microsoft.com/office/powerpoint/2010/main" xmlns:a14="http://schemas.microsoft.com/office/drawing/2010/main" xmlns:a16="http://schemas.microsoft.com/office/drawing/2014/main" xmlns="" w="9525">
                   <a:solidFill>
                     <a:srgbClr val="000000"/>
                   </a:solidFill>
@@ -24214,7 +24215,7 @@
             </a:ln>
             <a:extLst>
               <a:ext uri="{91240B29-F687-4f45-9708-019B960494DF}">
-                <a14:hiddenLine xmlns="" xmlns:a16="http://schemas.microsoft.com/office/drawing/2014/main" xmlns:a14="http://schemas.microsoft.com/office/drawing/2010/main" xmlns:p14="http://schemas.microsoft.com/office/powerpoint/2010/main" w="9525">
+                <a14:hiddenLine xmlns:p14="http://schemas.microsoft.com/office/powerpoint/2010/main" xmlns:a14="http://schemas.microsoft.com/office/drawing/2010/main" xmlns:a16="http://schemas.microsoft.com/office/drawing/2014/main" xmlns="" w="9525">
                   <a:solidFill>
                     <a:srgbClr val="000000"/>
                   </a:solidFill>
@@ -24294,7 +24295,7 @@
             </a:ln>
             <a:extLst>
               <a:ext uri="{91240B29-F687-4f45-9708-019B960494DF}">
-                <a14:hiddenLine xmlns="" xmlns:a16="http://schemas.microsoft.com/office/drawing/2014/main" xmlns:a14="http://schemas.microsoft.com/office/drawing/2010/main" xmlns:p14="http://schemas.microsoft.com/office/powerpoint/2010/main" w="9525">
+                <a14:hiddenLine xmlns:p14="http://schemas.microsoft.com/office/powerpoint/2010/main" xmlns:a14="http://schemas.microsoft.com/office/drawing/2010/main" xmlns:a16="http://schemas.microsoft.com/office/drawing/2014/main" xmlns="" w="9525">
                   <a:solidFill>
                     <a:srgbClr val="000000"/>
                   </a:solidFill>
@@ -24399,7 +24400,7 @@
             </a:ln>
             <a:extLst>
               <a:ext uri="{91240B29-F687-4f45-9708-019B960494DF}">
-                <a14:hiddenLine xmlns="" xmlns:a16="http://schemas.microsoft.com/office/drawing/2014/main" xmlns:a14="http://schemas.microsoft.com/office/drawing/2010/main" xmlns:p14="http://schemas.microsoft.com/office/powerpoint/2010/main" w="9525">
+                <a14:hiddenLine xmlns:p14="http://schemas.microsoft.com/office/powerpoint/2010/main" xmlns:a14="http://schemas.microsoft.com/office/drawing/2010/main" xmlns:a16="http://schemas.microsoft.com/office/drawing/2014/main" xmlns="" w="9525">
                   <a:solidFill>
                     <a:srgbClr val="000000"/>
                   </a:solidFill>
@@ -24476,7 +24477,7 @@
             </a:ln>
             <a:extLst>
               <a:ext uri="{91240B29-F687-4f45-9708-019B960494DF}">
-                <a14:hiddenLine xmlns="" xmlns:a16="http://schemas.microsoft.com/office/drawing/2014/main" xmlns:a14="http://schemas.microsoft.com/office/drawing/2010/main" xmlns:p14="http://schemas.microsoft.com/office/powerpoint/2010/main" w="9525">
+                <a14:hiddenLine xmlns:p14="http://schemas.microsoft.com/office/powerpoint/2010/main" xmlns:a14="http://schemas.microsoft.com/office/drawing/2010/main" xmlns:a16="http://schemas.microsoft.com/office/drawing/2014/main" xmlns="" w="9525">
                   <a:solidFill>
                     <a:srgbClr val="000000"/>
                   </a:solidFill>
@@ -24581,7 +24582,7 @@
             </a:ln>
             <a:extLst>
               <a:ext uri="{91240B29-F687-4f45-9708-019B960494DF}">
-                <a14:hiddenLine xmlns="" xmlns:a16="http://schemas.microsoft.com/office/drawing/2014/main" xmlns:a14="http://schemas.microsoft.com/office/drawing/2010/main" xmlns:p14="http://schemas.microsoft.com/office/powerpoint/2010/main" w="9525">
+                <a14:hiddenLine xmlns:p14="http://schemas.microsoft.com/office/powerpoint/2010/main" xmlns:a14="http://schemas.microsoft.com/office/drawing/2010/main" xmlns:a16="http://schemas.microsoft.com/office/drawing/2014/main" xmlns="" w="9525">
                   <a:solidFill>
                     <a:srgbClr val="000000"/>
                   </a:solidFill>
@@ -24686,7 +24687,7 @@
             </a:ln>
             <a:extLst>
               <a:ext uri="{91240B29-F687-4f45-9708-019B960494DF}">
-                <a14:hiddenLine xmlns="" xmlns:a16="http://schemas.microsoft.com/office/drawing/2014/main" xmlns:a14="http://schemas.microsoft.com/office/drawing/2010/main" xmlns:p14="http://schemas.microsoft.com/office/powerpoint/2010/main" w="9525">
+                <a14:hiddenLine xmlns:p14="http://schemas.microsoft.com/office/powerpoint/2010/main" xmlns:a14="http://schemas.microsoft.com/office/drawing/2010/main" xmlns:a16="http://schemas.microsoft.com/office/drawing/2014/main" xmlns="" w="9525">
                   <a:solidFill>
                     <a:srgbClr val="000000"/>
                   </a:solidFill>
@@ -24766,7 +24767,7 @@
             </a:ln>
             <a:extLst>
               <a:ext uri="{91240B29-F687-4f45-9708-019B960494DF}">
-                <a14:hiddenLine xmlns="" xmlns:a16="http://schemas.microsoft.com/office/drawing/2014/main" xmlns:a14="http://schemas.microsoft.com/office/drawing/2010/main" xmlns:p14="http://schemas.microsoft.com/office/powerpoint/2010/main" w="9525">
+                <a14:hiddenLine xmlns:p14="http://schemas.microsoft.com/office/powerpoint/2010/main" xmlns:a14="http://schemas.microsoft.com/office/drawing/2010/main" xmlns:a16="http://schemas.microsoft.com/office/drawing/2014/main" xmlns="" w="9525">
                   <a:solidFill>
                     <a:srgbClr val="000000"/>
                   </a:solidFill>
@@ -24843,7 +24844,7 @@
             </a:ln>
             <a:extLst>
               <a:ext uri="{91240B29-F687-4f45-9708-019B960494DF}">
-                <a14:hiddenLine xmlns="" xmlns:a16="http://schemas.microsoft.com/office/drawing/2014/main" xmlns:a14="http://schemas.microsoft.com/office/drawing/2010/main" xmlns:p14="http://schemas.microsoft.com/office/powerpoint/2010/main" w="9525">
+                <a14:hiddenLine xmlns:p14="http://schemas.microsoft.com/office/powerpoint/2010/main" xmlns:a14="http://schemas.microsoft.com/office/drawing/2010/main" xmlns:a16="http://schemas.microsoft.com/office/drawing/2014/main" xmlns="" w="9525">
                   <a:solidFill>
                     <a:srgbClr val="000000"/>
                   </a:solidFill>
@@ -24948,7 +24949,7 @@
             </a:ln>
             <a:extLst>
               <a:ext uri="{91240B29-F687-4f45-9708-019B960494DF}">
-                <a14:hiddenLine xmlns="" xmlns:a16="http://schemas.microsoft.com/office/drawing/2014/main" xmlns:a14="http://schemas.microsoft.com/office/drawing/2010/main" xmlns:p14="http://schemas.microsoft.com/office/powerpoint/2010/main" w="9525">
+                <a14:hiddenLine xmlns:p14="http://schemas.microsoft.com/office/powerpoint/2010/main" xmlns:a14="http://schemas.microsoft.com/office/drawing/2010/main" xmlns:a16="http://schemas.microsoft.com/office/drawing/2014/main" xmlns="" w="9525">
                   <a:solidFill>
                     <a:srgbClr val="000000"/>
                   </a:solidFill>
@@ -25053,7 +25054,7 @@
             </a:ln>
             <a:extLst>
               <a:ext uri="{91240B29-F687-4f45-9708-019B960494DF}">
-                <a14:hiddenLine xmlns="" xmlns:a16="http://schemas.microsoft.com/office/drawing/2014/main" xmlns:a14="http://schemas.microsoft.com/office/drawing/2010/main" xmlns:p14="http://schemas.microsoft.com/office/powerpoint/2010/main" w="9525">
+                <a14:hiddenLine xmlns:p14="http://schemas.microsoft.com/office/powerpoint/2010/main" xmlns:a14="http://schemas.microsoft.com/office/drawing/2010/main" xmlns:a16="http://schemas.microsoft.com/office/drawing/2014/main" xmlns="" w="9525">
                   <a:solidFill>
                     <a:srgbClr val="000000"/>
                   </a:solidFill>
@@ -25130,7 +25131,7 @@
             </a:ln>
             <a:extLst>
               <a:ext uri="{91240B29-F687-4f45-9708-019B960494DF}">
-                <a14:hiddenLine xmlns="" xmlns:a16="http://schemas.microsoft.com/office/drawing/2014/main" xmlns:a14="http://schemas.microsoft.com/office/drawing/2010/main" xmlns:p14="http://schemas.microsoft.com/office/powerpoint/2010/main" w="9525">
+                <a14:hiddenLine xmlns:p14="http://schemas.microsoft.com/office/powerpoint/2010/main" xmlns:a14="http://schemas.microsoft.com/office/drawing/2010/main" xmlns:a16="http://schemas.microsoft.com/office/drawing/2014/main" xmlns="" w="9525">
                   <a:solidFill>
                     <a:srgbClr val="000000"/>
                   </a:solidFill>
@@ -25265,7 +25266,7 @@
             </a:ln>
             <a:extLst>
               <a:ext uri="{91240B29-F687-4f45-9708-019B960494DF}">
-                <a14:hiddenLine xmlns="" xmlns:a16="http://schemas.microsoft.com/office/drawing/2014/main" xmlns:a14="http://schemas.microsoft.com/office/drawing/2010/main" xmlns:p14="http://schemas.microsoft.com/office/powerpoint/2010/main" w="9525">
+                <a14:hiddenLine xmlns:p14="http://schemas.microsoft.com/office/powerpoint/2010/main" xmlns:a14="http://schemas.microsoft.com/office/drawing/2010/main" xmlns:a16="http://schemas.microsoft.com/office/drawing/2014/main" xmlns="" w="9525">
                   <a:solidFill>
                     <a:srgbClr val="000000"/>
                   </a:solidFill>
@@ -25348,7 +25349,7 @@
             </a:ln>
             <a:extLst>
               <a:ext uri="{91240B29-F687-4f45-9708-019B960494DF}">
-                <a14:hiddenLine xmlns="" xmlns:a16="http://schemas.microsoft.com/office/drawing/2014/main" xmlns:a14="http://schemas.microsoft.com/office/drawing/2010/main" xmlns:p14="http://schemas.microsoft.com/office/powerpoint/2010/main" w="9525">
+                <a14:hiddenLine xmlns:p14="http://schemas.microsoft.com/office/powerpoint/2010/main" xmlns:a14="http://schemas.microsoft.com/office/drawing/2010/main" xmlns:a16="http://schemas.microsoft.com/office/drawing/2014/main" xmlns="" w="9525">
                   <a:solidFill>
                     <a:srgbClr val="000000"/>
                   </a:solidFill>
@@ -25453,7 +25454,7 @@
             </a:ln>
             <a:extLst>
               <a:ext uri="{91240B29-F687-4f45-9708-019B960494DF}">
-                <a14:hiddenLine xmlns="" xmlns:a16="http://schemas.microsoft.com/office/drawing/2014/main" xmlns:a14="http://schemas.microsoft.com/office/drawing/2010/main" xmlns:p14="http://schemas.microsoft.com/office/powerpoint/2010/main" w="9525">
+                <a14:hiddenLine xmlns:p14="http://schemas.microsoft.com/office/powerpoint/2010/main" xmlns:a14="http://schemas.microsoft.com/office/drawing/2010/main" xmlns:a16="http://schemas.microsoft.com/office/drawing/2014/main" xmlns="" w="9525">
                   <a:solidFill>
                     <a:srgbClr val="000000"/>
                   </a:solidFill>
@@ -25736,6 +25737,94 @@
 </file>
 
 <file path=ppt/slides/slide22.xml><?xml version="1.0" encoding="utf-8"?>
+<p:sld xmlns:a="http://schemas.openxmlformats.org/drawingml/2006/main" xmlns:r="http://schemas.openxmlformats.org/officeDocument/2006/relationships" xmlns:p="http://schemas.openxmlformats.org/presentationml/2006/main">
+  <p:cSld>
+    <p:spTree>
+      <p:nvGrpSpPr>
+        <p:cNvPr id="1" name=""/>
+        <p:cNvGrpSpPr/>
+        <p:nvPr/>
+      </p:nvGrpSpPr>
+      <p:grpSpPr>
+        <a:xfrm>
+          <a:off x="0" y="0"/>
+          <a:ext cx="0" cy="0"/>
+          <a:chOff x="0" y="0"/>
+          <a:chExt cx="0" cy="0"/>
+        </a:xfrm>
+      </p:grpSpPr>
+      <p:sp>
+        <p:nvSpPr>
+          <p:cNvPr id="2" name="Title 1">
+            <a:extLst>
+              <a:ext uri="{FF2B5EF4-FFF2-40B4-BE49-F238E27FC236}">
+                <a16:creationId xmlns:a16="http://schemas.microsoft.com/office/drawing/2014/main" id="{00244B3C-F5BF-4AE2-9356-95A20DA4C093}"/>
+              </a:ext>
+            </a:extLst>
+          </p:cNvPr>
+          <p:cNvSpPr>
+            <a:spLocks noGrp="1"/>
+          </p:cNvSpPr>
+          <p:nvPr>
+            <p:ph type="title"/>
+          </p:nvPr>
+        </p:nvSpPr>
+        <p:spPr/>
+        <p:txBody>
+          <a:bodyPr/>
+          <a:lstStyle/>
+          <a:p>
+            <a:endParaRPr lang="en-US" dirty="0"/>
+          </a:p>
+        </p:txBody>
+      </p:sp>
+      <p:sp>
+        <p:nvSpPr>
+          <p:cNvPr id="3" name="Content Placeholder 2">
+            <a:extLst>
+              <a:ext uri="{FF2B5EF4-FFF2-40B4-BE49-F238E27FC236}">
+                <a16:creationId xmlns:a16="http://schemas.microsoft.com/office/drawing/2014/main" id="{6C21E3AA-7B92-4DAA-AFD5-F138BBE4A11C}"/>
+              </a:ext>
+            </a:extLst>
+          </p:cNvPr>
+          <p:cNvSpPr>
+            <a:spLocks noGrp="1"/>
+          </p:cNvSpPr>
+          <p:nvPr>
+            <p:ph idx="1"/>
+          </p:nvPr>
+        </p:nvSpPr>
+        <p:spPr/>
+        <p:txBody>
+          <a:bodyPr>
+            <a:normAutofit/>
+          </a:bodyPr>
+          <a:lstStyle/>
+          <a:p>
+            <a:pPr marL="0" indent="0" algn="ctr">
+              <a:buNone/>
+            </a:pPr>
+            <a:r>
+              <a:rPr lang="en-US" sz="6000" b="1" dirty="0"/>
+              <a:t>Evaluation</a:t>
+            </a:r>
+          </a:p>
+        </p:txBody>
+      </p:sp>
+    </p:spTree>
+    <p:extLst>
+      <p:ext uri="{BB962C8B-B14F-4D97-AF65-F5344CB8AC3E}">
+        <p14:creationId xmlns:p14="http://schemas.microsoft.com/office/powerpoint/2010/main" val="676759611"/>
+      </p:ext>
+    </p:extLst>
+  </p:cSld>
+  <p:clrMapOvr>
+    <a:masterClrMapping/>
+  </p:clrMapOvr>
+</p:sld>
+</file>
+
+<file path=ppt/slides/slide23.xml><?xml version="1.0" encoding="utf-8"?>
 <p:sld xmlns:a="http://schemas.openxmlformats.org/drawingml/2006/main" xmlns:r="http://schemas.openxmlformats.org/officeDocument/2006/relationships" xmlns:p="http://schemas.openxmlformats.org/presentationml/2006/main">
   <p:cSld>
     <p:spTree>
@@ -30737,7 +30826,7 @@
         </p:spPr>
         <p:txBody>
           <a:bodyPr>
-            <a:normAutofit/>
+            <a:normAutofit fontScale="90000"/>
           </a:bodyPr>
           <a:lstStyle/>
           <a:p>
@@ -30749,7 +30838,26 @@
                   </a:schemeClr>
                 </a:solidFill>
               </a:rPr>
-              <a:t>Pair Plots</a:t>
+              <a:t>Pair</a:t>
+            </a:r>
+            <a:br>
+              <a:rPr lang="en-US" sz="4800" dirty="0">
+                <a:solidFill>
+                  <a:schemeClr val="accent4">
+                    <a:lumMod val="50000"/>
+                  </a:schemeClr>
+                </a:solidFill>
+              </a:rPr>
+            </a:br>
+            <a:r>
+              <a:rPr lang="en-US" sz="4800" dirty="0">
+                <a:solidFill>
+                  <a:schemeClr val="accent4">
+                    <a:lumMod val="50000"/>
+                  </a:schemeClr>
+                </a:solidFill>
+              </a:rPr>
+              <a:t>scatter Plots</a:t>
             </a:r>
           </a:p>
         </p:txBody>

--- a/FP.pptx
+++ b/FP.pptx
@@ -25794,7 +25794,12 @@
             <p:ph idx="1"/>
           </p:nvPr>
         </p:nvSpPr>
-        <p:spPr/>
+        <p:spPr>
+          <a:xfrm>
+            <a:off x="190500" y="2249487"/>
+            <a:ext cx="11763375" cy="3541714"/>
+          </a:xfrm>
+        </p:spPr>
         <p:txBody>
           <a:bodyPr>
             <a:normAutofit/>
@@ -25806,7 +25811,7 @@
             </a:pPr>
             <a:r>
               <a:rPr lang="en-US" sz="6000" b="1" dirty="0"/>
-              <a:t>Evaluation</a:t>
+              <a:t>IMPROVE THE DATA AND MODEL</a:t>
             </a:r>
           </a:p>
         </p:txBody>
@@ -25859,8 +25864,8 @@
         </p:nvSpPr>
         <p:spPr>
           <a:xfrm>
-            <a:off x="2781301" y="2590799"/>
-            <a:ext cx="4781550" cy="3200401"/>
+            <a:off x="2071688" y="2390774"/>
+            <a:ext cx="8048624" cy="3200401"/>
           </a:xfrm>
         </p:spPr>
         <p:txBody>
@@ -25873,7 +25878,7 @@
               <a:buNone/>
             </a:pPr>
             <a:r>
-              <a:rPr lang="en-US" sz="6000" dirty="0"/>
+              <a:rPr lang="en-US" sz="8000" b="1" dirty="0"/>
               <a:t>THANK YOU!!!</a:t>
             </a:r>
           </a:p>
